--- a/infomation/해커톤 IT(그것)팀 PPT.pptx
+++ b/infomation/해커톤 IT(그것)팀 PPT.pptx
@@ -4,6 +4,9 @@
   <p:sldMasterIdLst>
     <p:sldMasterId id="2147483672" r:id="rId1"/>
   </p:sldMasterIdLst>
+  <p:notesMasterIdLst>
+    <p:notesMasterId r:id="rId25"/>
+  </p:notesMasterIdLst>
   <p:sldIdLst>
     <p:sldId id="256" r:id="rId2"/>
     <p:sldId id="257" r:id="rId3"/>
@@ -16,13 +19,18 @@
     <p:sldId id="262" r:id="rId10"/>
     <p:sldId id="264" r:id="rId11"/>
     <p:sldId id="265" r:id="rId12"/>
-    <p:sldId id="266" r:id="rId13"/>
-    <p:sldId id="268" r:id="rId14"/>
-    <p:sldId id="267" r:id="rId15"/>
-    <p:sldId id="269" r:id="rId16"/>
-    <p:sldId id="270" r:id="rId17"/>
-    <p:sldId id="271" r:id="rId18"/>
-    <p:sldId id="272" r:id="rId19"/>
+    <p:sldId id="274" r:id="rId13"/>
+    <p:sldId id="266" r:id="rId14"/>
+    <p:sldId id="268" r:id="rId15"/>
+    <p:sldId id="267" r:id="rId16"/>
+    <p:sldId id="269" r:id="rId17"/>
+    <p:sldId id="270" r:id="rId18"/>
+    <p:sldId id="271" r:id="rId19"/>
+    <p:sldId id="272" r:id="rId20"/>
+    <p:sldId id="275" r:id="rId21"/>
+    <p:sldId id="276" r:id="rId22"/>
+    <p:sldId id="277" r:id="rId23"/>
+    <p:sldId id="278" r:id="rId24"/>
   </p:sldIdLst>
   <p:sldSz cx="12192000" cy="6858000"/>
   <p:notesSz cx="6858000" cy="9144000"/>
@@ -121,6 +129,11 @@
       </a:defRPr>
     </a:lvl9pPr>
   </p:defaultTextStyle>
+  <p:extLst>
+    <p:ext uri="{EFAFB233-063F-42B5-8137-9DF3F51BA10A}">
+      <p15:sldGuideLst xmlns:p15="http://schemas.microsoft.com/office/powerpoint/2012/main"/>
+    </p:ext>
+  </p:extLst>
 </p:presentation>
 </file>
 
@@ -1631,6 +1644,753 @@
 </file>
 
 <file path=ppt/diagrams/colors3.xml><?xml version="1.0" encoding="utf-8"?>
+<dgm:colorsDef xmlns:dgm="http://schemas.openxmlformats.org/drawingml/2006/diagram" xmlns:a="http://schemas.openxmlformats.org/drawingml/2006/main" uniqueId="urn:microsoft.com/office/officeart/2005/8/colors/accent1_2">
+  <dgm:title val=""/>
+  <dgm:desc val=""/>
+  <dgm:catLst>
+    <dgm:cat type="accent1" pri="11200"/>
+  </dgm:catLst>
+  <dgm:styleLbl name="node0">
+    <dgm:fillClrLst meth="repeat">
+      <a:schemeClr val="accent1"/>
+    </dgm:fillClrLst>
+    <dgm:linClrLst meth="repeat">
+      <a:schemeClr val="lt1"/>
+    </dgm:linClrLst>
+    <dgm:effectClrLst/>
+    <dgm:txLinClrLst/>
+    <dgm:txFillClrLst/>
+    <dgm:txEffectClrLst/>
+  </dgm:styleLbl>
+  <dgm:styleLbl name="alignNode1">
+    <dgm:fillClrLst meth="repeat">
+      <a:schemeClr val="accent1"/>
+    </dgm:fillClrLst>
+    <dgm:linClrLst meth="repeat">
+      <a:schemeClr val="accent1"/>
+    </dgm:linClrLst>
+    <dgm:effectClrLst/>
+    <dgm:txLinClrLst/>
+    <dgm:txFillClrLst/>
+    <dgm:txEffectClrLst/>
+  </dgm:styleLbl>
+  <dgm:styleLbl name="node1">
+    <dgm:fillClrLst meth="repeat">
+      <a:schemeClr val="accent1"/>
+    </dgm:fillClrLst>
+    <dgm:linClrLst meth="repeat">
+      <a:schemeClr val="lt1"/>
+    </dgm:linClrLst>
+    <dgm:effectClrLst/>
+    <dgm:txLinClrLst/>
+    <dgm:txFillClrLst/>
+    <dgm:txEffectClrLst/>
+  </dgm:styleLbl>
+  <dgm:styleLbl name="lnNode1">
+    <dgm:fillClrLst meth="repeat">
+      <a:schemeClr val="accent1"/>
+    </dgm:fillClrLst>
+    <dgm:linClrLst meth="repeat">
+      <a:schemeClr val="lt1"/>
+    </dgm:linClrLst>
+    <dgm:effectClrLst/>
+    <dgm:txLinClrLst/>
+    <dgm:txFillClrLst/>
+    <dgm:txEffectClrLst/>
+  </dgm:styleLbl>
+  <dgm:styleLbl name="vennNode1">
+    <dgm:fillClrLst meth="repeat">
+      <a:schemeClr val="accent1">
+        <a:alpha val="50000"/>
+      </a:schemeClr>
+    </dgm:fillClrLst>
+    <dgm:linClrLst meth="repeat">
+      <a:schemeClr val="lt1"/>
+    </dgm:linClrLst>
+    <dgm:effectClrLst/>
+    <dgm:txLinClrLst/>
+    <dgm:txFillClrLst/>
+    <dgm:txEffectClrLst/>
+  </dgm:styleLbl>
+  <dgm:styleLbl name="node2">
+    <dgm:fillClrLst meth="repeat">
+      <a:schemeClr val="accent1"/>
+    </dgm:fillClrLst>
+    <dgm:linClrLst meth="repeat">
+      <a:schemeClr val="lt1"/>
+    </dgm:linClrLst>
+    <dgm:effectClrLst/>
+    <dgm:txLinClrLst/>
+    <dgm:txFillClrLst/>
+    <dgm:txEffectClrLst/>
+  </dgm:styleLbl>
+  <dgm:styleLbl name="node3">
+    <dgm:fillClrLst meth="repeat">
+      <a:schemeClr val="accent1"/>
+    </dgm:fillClrLst>
+    <dgm:linClrLst meth="repeat">
+      <a:schemeClr val="lt1"/>
+    </dgm:linClrLst>
+    <dgm:effectClrLst/>
+    <dgm:txLinClrLst/>
+    <dgm:txFillClrLst/>
+    <dgm:txEffectClrLst/>
+  </dgm:styleLbl>
+  <dgm:styleLbl name="node4">
+    <dgm:fillClrLst meth="repeat">
+      <a:schemeClr val="accent1"/>
+    </dgm:fillClrLst>
+    <dgm:linClrLst meth="repeat">
+      <a:schemeClr val="lt1"/>
+    </dgm:linClrLst>
+    <dgm:effectClrLst/>
+    <dgm:txLinClrLst/>
+    <dgm:txFillClrLst/>
+    <dgm:txEffectClrLst/>
+  </dgm:styleLbl>
+  <dgm:styleLbl name="fgImgPlace1">
+    <dgm:fillClrLst meth="repeat">
+      <a:schemeClr val="accent1">
+        <a:tint val="50000"/>
+      </a:schemeClr>
+    </dgm:fillClrLst>
+    <dgm:linClrLst meth="repeat">
+      <a:schemeClr val="lt1"/>
+    </dgm:linClrLst>
+    <dgm:effectClrLst/>
+    <dgm:txLinClrLst/>
+    <dgm:txFillClrLst meth="repeat">
+      <a:schemeClr val="lt1"/>
+    </dgm:txFillClrLst>
+    <dgm:txEffectClrLst/>
+  </dgm:styleLbl>
+  <dgm:styleLbl name="alignImgPlace1">
+    <dgm:fillClrLst meth="repeat">
+      <a:schemeClr val="accent1">
+        <a:tint val="50000"/>
+      </a:schemeClr>
+    </dgm:fillClrLst>
+    <dgm:linClrLst meth="repeat">
+      <a:schemeClr val="lt1"/>
+    </dgm:linClrLst>
+    <dgm:effectClrLst/>
+    <dgm:txLinClrLst/>
+    <dgm:txFillClrLst meth="repeat">
+      <a:schemeClr val="lt1"/>
+    </dgm:txFillClrLst>
+    <dgm:txEffectClrLst/>
+  </dgm:styleLbl>
+  <dgm:styleLbl name="bgImgPlace1">
+    <dgm:fillClrLst meth="repeat">
+      <a:schemeClr val="accent1">
+        <a:tint val="50000"/>
+      </a:schemeClr>
+    </dgm:fillClrLst>
+    <dgm:linClrLst meth="repeat">
+      <a:schemeClr val="lt1"/>
+    </dgm:linClrLst>
+    <dgm:effectClrLst/>
+    <dgm:txLinClrLst/>
+    <dgm:txFillClrLst meth="repeat">
+      <a:schemeClr val="lt1"/>
+    </dgm:txFillClrLst>
+    <dgm:txEffectClrLst/>
+  </dgm:styleLbl>
+  <dgm:styleLbl name="sibTrans2D1">
+    <dgm:fillClrLst meth="repeat">
+      <a:schemeClr val="accent1">
+        <a:tint val="60000"/>
+      </a:schemeClr>
+    </dgm:fillClrLst>
+    <dgm:linClrLst meth="repeat">
+      <a:schemeClr val="accent1">
+        <a:tint val="60000"/>
+      </a:schemeClr>
+    </dgm:linClrLst>
+    <dgm:effectClrLst/>
+    <dgm:txLinClrLst/>
+    <dgm:txFillClrLst/>
+    <dgm:txEffectClrLst/>
+  </dgm:styleLbl>
+  <dgm:styleLbl name="fgSibTrans2D1">
+    <dgm:fillClrLst meth="repeat">
+      <a:schemeClr val="accent1">
+        <a:tint val="60000"/>
+      </a:schemeClr>
+    </dgm:fillClrLst>
+    <dgm:linClrLst meth="repeat">
+      <a:schemeClr val="accent1">
+        <a:tint val="60000"/>
+      </a:schemeClr>
+    </dgm:linClrLst>
+    <dgm:effectClrLst/>
+    <dgm:txLinClrLst/>
+    <dgm:txFillClrLst/>
+    <dgm:txEffectClrLst/>
+  </dgm:styleLbl>
+  <dgm:styleLbl name="bgSibTrans2D1">
+    <dgm:fillClrLst meth="repeat">
+      <a:schemeClr val="accent1">
+        <a:tint val="60000"/>
+      </a:schemeClr>
+    </dgm:fillClrLst>
+    <dgm:linClrLst meth="repeat">
+      <a:schemeClr val="accent1">
+        <a:tint val="60000"/>
+      </a:schemeClr>
+    </dgm:linClrLst>
+    <dgm:effectClrLst/>
+    <dgm:txLinClrLst/>
+    <dgm:txFillClrLst/>
+    <dgm:txEffectClrLst/>
+  </dgm:styleLbl>
+  <dgm:styleLbl name="sibTrans1D1">
+    <dgm:fillClrLst meth="repeat">
+      <a:schemeClr val="accent1"/>
+    </dgm:fillClrLst>
+    <dgm:linClrLst meth="repeat">
+      <a:schemeClr val="accent1"/>
+    </dgm:linClrLst>
+    <dgm:effectClrLst/>
+    <dgm:txLinClrLst/>
+    <dgm:txFillClrLst meth="repeat">
+      <a:schemeClr val="tx1"/>
+    </dgm:txFillClrLst>
+    <dgm:txEffectClrLst/>
+  </dgm:styleLbl>
+  <dgm:styleLbl name="callout">
+    <dgm:fillClrLst meth="repeat">
+      <a:schemeClr val="accent1"/>
+    </dgm:fillClrLst>
+    <dgm:linClrLst meth="repeat">
+      <a:schemeClr val="accent1">
+        <a:tint val="50000"/>
+      </a:schemeClr>
+    </dgm:linClrLst>
+    <dgm:effectClrLst/>
+    <dgm:txLinClrLst/>
+    <dgm:txFillClrLst meth="repeat">
+      <a:schemeClr val="tx1"/>
+    </dgm:txFillClrLst>
+    <dgm:txEffectClrLst/>
+  </dgm:styleLbl>
+  <dgm:styleLbl name="asst0">
+    <dgm:fillClrLst meth="repeat">
+      <a:schemeClr val="accent1"/>
+    </dgm:fillClrLst>
+    <dgm:linClrLst meth="repeat">
+      <a:schemeClr val="lt1"/>
+    </dgm:linClrLst>
+    <dgm:effectClrLst/>
+    <dgm:txLinClrLst/>
+    <dgm:txFillClrLst/>
+    <dgm:txEffectClrLst/>
+  </dgm:styleLbl>
+  <dgm:styleLbl name="asst1">
+    <dgm:fillClrLst meth="repeat">
+      <a:schemeClr val="accent1"/>
+    </dgm:fillClrLst>
+    <dgm:linClrLst meth="repeat">
+      <a:schemeClr val="lt1"/>
+    </dgm:linClrLst>
+    <dgm:effectClrLst/>
+    <dgm:txLinClrLst/>
+    <dgm:txFillClrLst/>
+    <dgm:txEffectClrLst/>
+  </dgm:styleLbl>
+  <dgm:styleLbl name="asst2">
+    <dgm:fillClrLst meth="repeat">
+      <a:schemeClr val="accent1"/>
+    </dgm:fillClrLst>
+    <dgm:linClrLst meth="repeat">
+      <a:schemeClr val="lt1"/>
+    </dgm:linClrLst>
+    <dgm:effectClrLst/>
+    <dgm:txLinClrLst/>
+    <dgm:txFillClrLst/>
+    <dgm:txEffectClrLst/>
+  </dgm:styleLbl>
+  <dgm:styleLbl name="asst3">
+    <dgm:fillClrLst meth="repeat">
+      <a:schemeClr val="accent1"/>
+    </dgm:fillClrLst>
+    <dgm:linClrLst meth="repeat">
+      <a:schemeClr val="lt1"/>
+    </dgm:linClrLst>
+    <dgm:effectClrLst/>
+    <dgm:txLinClrLst/>
+    <dgm:txFillClrLst/>
+    <dgm:txEffectClrLst/>
+  </dgm:styleLbl>
+  <dgm:styleLbl name="asst4">
+    <dgm:fillClrLst meth="repeat">
+      <a:schemeClr val="accent1"/>
+    </dgm:fillClrLst>
+    <dgm:linClrLst meth="repeat">
+      <a:schemeClr val="lt1"/>
+    </dgm:linClrLst>
+    <dgm:effectClrLst/>
+    <dgm:txLinClrLst/>
+    <dgm:txFillClrLst/>
+    <dgm:txEffectClrLst/>
+  </dgm:styleLbl>
+  <dgm:styleLbl name="parChTrans2D1">
+    <dgm:fillClrLst meth="repeat">
+      <a:schemeClr val="accent1">
+        <a:tint val="60000"/>
+      </a:schemeClr>
+    </dgm:fillClrLst>
+    <dgm:linClrLst meth="repeat">
+      <a:schemeClr val="accent1">
+        <a:tint val="60000"/>
+      </a:schemeClr>
+    </dgm:linClrLst>
+    <dgm:effectClrLst/>
+    <dgm:txLinClrLst/>
+    <dgm:txFillClrLst meth="repeat">
+      <a:schemeClr val="lt1"/>
+    </dgm:txFillClrLst>
+    <dgm:txEffectClrLst/>
+  </dgm:styleLbl>
+  <dgm:styleLbl name="parChTrans2D2">
+    <dgm:fillClrLst meth="repeat">
+      <a:schemeClr val="accent1"/>
+    </dgm:fillClrLst>
+    <dgm:linClrLst meth="repeat">
+      <a:schemeClr val="accent1"/>
+    </dgm:linClrLst>
+    <dgm:effectClrLst/>
+    <dgm:txLinClrLst/>
+    <dgm:txFillClrLst meth="repeat">
+      <a:schemeClr val="lt1"/>
+    </dgm:txFillClrLst>
+    <dgm:txEffectClrLst/>
+  </dgm:styleLbl>
+  <dgm:styleLbl name="parChTrans2D3">
+    <dgm:fillClrLst meth="repeat">
+      <a:schemeClr val="accent1"/>
+    </dgm:fillClrLst>
+    <dgm:linClrLst meth="repeat">
+      <a:schemeClr val="accent1"/>
+    </dgm:linClrLst>
+    <dgm:effectClrLst/>
+    <dgm:txLinClrLst/>
+    <dgm:txFillClrLst meth="repeat">
+      <a:schemeClr val="lt1"/>
+    </dgm:txFillClrLst>
+    <dgm:txEffectClrLst/>
+  </dgm:styleLbl>
+  <dgm:styleLbl name="parChTrans2D4">
+    <dgm:fillClrLst meth="repeat">
+      <a:schemeClr val="accent1"/>
+    </dgm:fillClrLst>
+    <dgm:linClrLst meth="repeat">
+      <a:schemeClr val="accent1"/>
+    </dgm:linClrLst>
+    <dgm:effectClrLst/>
+    <dgm:txLinClrLst/>
+    <dgm:txFillClrLst meth="repeat">
+      <a:schemeClr val="lt1"/>
+    </dgm:txFillClrLst>
+    <dgm:txEffectClrLst/>
+  </dgm:styleLbl>
+  <dgm:styleLbl name="parChTrans1D1">
+    <dgm:fillClrLst meth="repeat">
+      <a:schemeClr val="accent1"/>
+    </dgm:fillClrLst>
+    <dgm:linClrLst meth="repeat">
+      <a:schemeClr val="accent1">
+        <a:shade val="60000"/>
+      </a:schemeClr>
+    </dgm:linClrLst>
+    <dgm:effectClrLst/>
+    <dgm:txLinClrLst/>
+    <dgm:txFillClrLst meth="repeat">
+      <a:schemeClr val="tx1"/>
+    </dgm:txFillClrLst>
+    <dgm:txEffectClrLst/>
+  </dgm:styleLbl>
+  <dgm:styleLbl name="parChTrans1D2">
+    <dgm:fillClrLst meth="repeat">
+      <a:schemeClr val="accent1"/>
+    </dgm:fillClrLst>
+    <dgm:linClrLst meth="repeat">
+      <a:schemeClr val="accent1">
+        <a:shade val="60000"/>
+      </a:schemeClr>
+    </dgm:linClrLst>
+    <dgm:effectClrLst/>
+    <dgm:txLinClrLst/>
+    <dgm:txFillClrLst meth="repeat">
+      <a:schemeClr val="tx1"/>
+    </dgm:txFillClrLst>
+    <dgm:txEffectClrLst/>
+  </dgm:styleLbl>
+  <dgm:styleLbl name="parChTrans1D3">
+    <dgm:fillClrLst meth="repeat">
+      <a:schemeClr val="accent1"/>
+    </dgm:fillClrLst>
+    <dgm:linClrLst meth="repeat">
+      <a:schemeClr val="accent1">
+        <a:shade val="80000"/>
+      </a:schemeClr>
+    </dgm:linClrLst>
+    <dgm:effectClrLst/>
+    <dgm:txLinClrLst/>
+    <dgm:txFillClrLst meth="repeat">
+      <a:schemeClr val="tx1"/>
+    </dgm:txFillClrLst>
+    <dgm:txEffectClrLst/>
+  </dgm:styleLbl>
+  <dgm:styleLbl name="parChTrans1D4">
+    <dgm:fillClrLst meth="repeat">
+      <a:schemeClr val="accent1"/>
+    </dgm:fillClrLst>
+    <dgm:linClrLst meth="repeat">
+      <a:schemeClr val="accent1">
+        <a:shade val="80000"/>
+      </a:schemeClr>
+    </dgm:linClrLst>
+    <dgm:effectClrLst/>
+    <dgm:txLinClrLst/>
+    <dgm:txFillClrLst meth="repeat">
+      <a:schemeClr val="tx1"/>
+    </dgm:txFillClrLst>
+    <dgm:txEffectClrLst/>
+  </dgm:styleLbl>
+  <dgm:styleLbl name="fgAcc1">
+    <dgm:fillClrLst meth="repeat">
+      <a:schemeClr val="lt1">
+        <a:alpha val="90000"/>
+      </a:schemeClr>
+    </dgm:fillClrLst>
+    <dgm:linClrLst meth="repeat">
+      <a:schemeClr val="accent1"/>
+    </dgm:linClrLst>
+    <dgm:effectClrLst/>
+    <dgm:txLinClrLst/>
+    <dgm:txFillClrLst meth="repeat">
+      <a:schemeClr val="dk1"/>
+    </dgm:txFillClrLst>
+    <dgm:txEffectClrLst/>
+  </dgm:styleLbl>
+  <dgm:styleLbl name="conFgAcc1">
+    <dgm:fillClrLst meth="repeat">
+      <a:schemeClr val="lt1">
+        <a:alpha val="90000"/>
+      </a:schemeClr>
+    </dgm:fillClrLst>
+    <dgm:linClrLst meth="repeat">
+      <a:schemeClr val="accent1"/>
+    </dgm:linClrLst>
+    <dgm:effectClrLst/>
+    <dgm:txLinClrLst/>
+    <dgm:txFillClrLst meth="repeat">
+      <a:schemeClr val="dk1"/>
+    </dgm:txFillClrLst>
+    <dgm:txEffectClrLst/>
+  </dgm:styleLbl>
+  <dgm:styleLbl name="alignAcc1">
+    <dgm:fillClrLst meth="repeat">
+      <a:schemeClr val="lt1">
+        <a:alpha val="90000"/>
+      </a:schemeClr>
+    </dgm:fillClrLst>
+    <dgm:linClrLst meth="repeat">
+      <a:schemeClr val="accent1"/>
+    </dgm:linClrLst>
+    <dgm:effectClrLst/>
+    <dgm:txLinClrLst/>
+    <dgm:txFillClrLst meth="repeat">
+      <a:schemeClr val="dk1"/>
+    </dgm:txFillClrLst>
+    <dgm:txEffectClrLst/>
+  </dgm:styleLbl>
+  <dgm:styleLbl name="trAlignAcc1">
+    <dgm:fillClrLst meth="repeat">
+      <a:schemeClr val="lt1">
+        <a:alpha val="40000"/>
+      </a:schemeClr>
+    </dgm:fillClrLst>
+    <dgm:linClrLst meth="repeat">
+      <a:schemeClr val="accent1"/>
+    </dgm:linClrLst>
+    <dgm:effectClrLst/>
+    <dgm:txLinClrLst/>
+    <dgm:txFillClrLst meth="repeat">
+      <a:schemeClr val="dk1"/>
+    </dgm:txFillClrLst>
+    <dgm:txEffectClrLst/>
+  </dgm:styleLbl>
+  <dgm:styleLbl name="bgAcc1">
+    <dgm:fillClrLst meth="repeat">
+      <a:schemeClr val="lt1">
+        <a:alpha val="90000"/>
+      </a:schemeClr>
+    </dgm:fillClrLst>
+    <dgm:linClrLst meth="repeat">
+      <a:schemeClr val="accent1"/>
+    </dgm:linClrLst>
+    <dgm:effectClrLst/>
+    <dgm:txLinClrLst/>
+    <dgm:txFillClrLst meth="repeat">
+      <a:schemeClr val="dk1"/>
+    </dgm:txFillClrLst>
+    <dgm:txEffectClrLst/>
+  </dgm:styleLbl>
+  <dgm:styleLbl name="solidFgAcc1">
+    <dgm:fillClrLst meth="repeat">
+      <a:schemeClr val="lt1"/>
+    </dgm:fillClrLst>
+    <dgm:linClrLst meth="repeat">
+      <a:schemeClr val="accent1"/>
+    </dgm:linClrLst>
+    <dgm:effectClrLst/>
+    <dgm:txLinClrLst/>
+    <dgm:txFillClrLst meth="repeat">
+      <a:schemeClr val="dk1"/>
+    </dgm:txFillClrLst>
+    <dgm:txEffectClrLst/>
+  </dgm:styleLbl>
+  <dgm:styleLbl name="solidAlignAcc1">
+    <dgm:fillClrLst meth="repeat">
+      <a:schemeClr val="lt1"/>
+    </dgm:fillClrLst>
+    <dgm:linClrLst meth="repeat">
+      <a:schemeClr val="accent1"/>
+    </dgm:linClrLst>
+    <dgm:effectClrLst/>
+    <dgm:txLinClrLst/>
+    <dgm:txFillClrLst meth="repeat">
+      <a:schemeClr val="dk1"/>
+    </dgm:txFillClrLst>
+    <dgm:txEffectClrLst/>
+  </dgm:styleLbl>
+  <dgm:styleLbl name="solidBgAcc1">
+    <dgm:fillClrLst meth="repeat">
+      <a:schemeClr val="lt1"/>
+    </dgm:fillClrLst>
+    <dgm:linClrLst meth="repeat">
+      <a:schemeClr val="accent1"/>
+    </dgm:linClrLst>
+    <dgm:effectClrLst/>
+    <dgm:txLinClrLst/>
+    <dgm:txFillClrLst meth="repeat">
+      <a:schemeClr val="dk1"/>
+    </dgm:txFillClrLst>
+    <dgm:txEffectClrLst/>
+  </dgm:styleLbl>
+  <dgm:styleLbl name="fgAccFollowNode1">
+    <dgm:fillClrLst meth="repeat">
+      <a:schemeClr val="accent1">
+        <a:alpha val="90000"/>
+        <a:tint val="40000"/>
+      </a:schemeClr>
+    </dgm:fillClrLst>
+    <dgm:linClrLst meth="repeat">
+      <a:schemeClr val="accent1">
+        <a:alpha val="90000"/>
+        <a:tint val="40000"/>
+      </a:schemeClr>
+    </dgm:linClrLst>
+    <dgm:effectClrLst/>
+    <dgm:txLinClrLst/>
+    <dgm:txFillClrLst meth="repeat">
+      <a:schemeClr val="dk1"/>
+    </dgm:txFillClrLst>
+    <dgm:txEffectClrLst/>
+  </dgm:styleLbl>
+  <dgm:styleLbl name="alignAccFollowNode1">
+    <dgm:fillClrLst meth="repeat">
+      <a:schemeClr val="accent1">
+        <a:alpha val="90000"/>
+        <a:tint val="40000"/>
+      </a:schemeClr>
+    </dgm:fillClrLst>
+    <dgm:linClrLst meth="repeat">
+      <a:schemeClr val="accent1">
+        <a:alpha val="90000"/>
+        <a:tint val="40000"/>
+      </a:schemeClr>
+    </dgm:linClrLst>
+    <dgm:effectClrLst/>
+    <dgm:txLinClrLst/>
+    <dgm:txFillClrLst meth="repeat">
+      <a:schemeClr val="dk1"/>
+    </dgm:txFillClrLst>
+    <dgm:txEffectClrLst/>
+  </dgm:styleLbl>
+  <dgm:styleLbl name="bgAccFollowNode1">
+    <dgm:fillClrLst meth="repeat">
+      <a:schemeClr val="accent1">
+        <a:alpha val="90000"/>
+        <a:tint val="40000"/>
+      </a:schemeClr>
+    </dgm:fillClrLst>
+    <dgm:linClrLst meth="repeat">
+      <a:schemeClr val="accent1">
+        <a:alpha val="90000"/>
+        <a:tint val="40000"/>
+      </a:schemeClr>
+    </dgm:linClrLst>
+    <dgm:effectClrLst/>
+    <dgm:txLinClrLst/>
+    <dgm:txFillClrLst meth="repeat">
+      <a:schemeClr val="dk1"/>
+    </dgm:txFillClrLst>
+    <dgm:txEffectClrLst/>
+  </dgm:styleLbl>
+  <dgm:styleLbl name="fgAcc0">
+    <dgm:fillClrLst meth="repeat">
+      <a:schemeClr val="lt1">
+        <a:alpha val="90000"/>
+      </a:schemeClr>
+    </dgm:fillClrLst>
+    <dgm:linClrLst meth="repeat">
+      <a:schemeClr val="accent1"/>
+    </dgm:linClrLst>
+    <dgm:effectClrLst/>
+    <dgm:txLinClrLst/>
+    <dgm:txFillClrLst meth="repeat">
+      <a:schemeClr val="dk1"/>
+    </dgm:txFillClrLst>
+    <dgm:txEffectClrLst/>
+  </dgm:styleLbl>
+  <dgm:styleLbl name="fgAcc2">
+    <dgm:fillClrLst meth="repeat">
+      <a:schemeClr val="lt1">
+        <a:alpha val="90000"/>
+      </a:schemeClr>
+    </dgm:fillClrLst>
+    <dgm:linClrLst meth="repeat">
+      <a:schemeClr val="accent1"/>
+    </dgm:linClrLst>
+    <dgm:effectClrLst/>
+    <dgm:txLinClrLst/>
+    <dgm:txFillClrLst meth="repeat">
+      <a:schemeClr val="dk1"/>
+    </dgm:txFillClrLst>
+    <dgm:txEffectClrLst/>
+  </dgm:styleLbl>
+  <dgm:styleLbl name="fgAcc3">
+    <dgm:fillClrLst meth="repeat">
+      <a:schemeClr val="lt1">
+        <a:alpha val="90000"/>
+      </a:schemeClr>
+    </dgm:fillClrLst>
+    <dgm:linClrLst meth="repeat">
+      <a:schemeClr val="accent1"/>
+    </dgm:linClrLst>
+    <dgm:effectClrLst/>
+    <dgm:txLinClrLst/>
+    <dgm:txFillClrLst meth="repeat">
+      <a:schemeClr val="dk1"/>
+    </dgm:txFillClrLst>
+    <dgm:txEffectClrLst/>
+  </dgm:styleLbl>
+  <dgm:styleLbl name="fgAcc4">
+    <dgm:fillClrLst meth="repeat">
+      <a:schemeClr val="lt1">
+        <a:alpha val="90000"/>
+      </a:schemeClr>
+    </dgm:fillClrLst>
+    <dgm:linClrLst meth="repeat">
+      <a:schemeClr val="accent1"/>
+    </dgm:linClrLst>
+    <dgm:effectClrLst/>
+    <dgm:txLinClrLst/>
+    <dgm:txFillClrLst meth="repeat">
+      <a:schemeClr val="dk1"/>
+    </dgm:txFillClrLst>
+    <dgm:txEffectClrLst/>
+  </dgm:styleLbl>
+  <dgm:styleLbl name="bgShp">
+    <dgm:fillClrLst meth="repeat">
+      <a:schemeClr val="accent1">
+        <a:tint val="40000"/>
+      </a:schemeClr>
+    </dgm:fillClrLst>
+    <dgm:linClrLst meth="repeat">
+      <a:schemeClr val="accent1"/>
+    </dgm:linClrLst>
+    <dgm:effectClrLst/>
+    <dgm:txLinClrLst/>
+    <dgm:txFillClrLst meth="repeat">
+      <a:schemeClr val="dk1"/>
+    </dgm:txFillClrLst>
+    <dgm:txEffectClrLst/>
+  </dgm:styleLbl>
+  <dgm:styleLbl name="dkBgShp">
+    <dgm:fillClrLst meth="repeat">
+      <a:schemeClr val="accent1">
+        <a:shade val="80000"/>
+      </a:schemeClr>
+    </dgm:fillClrLst>
+    <dgm:linClrLst meth="repeat">
+      <a:schemeClr val="accent1"/>
+    </dgm:linClrLst>
+    <dgm:effectClrLst/>
+    <dgm:txLinClrLst/>
+    <dgm:txFillClrLst meth="repeat">
+      <a:schemeClr val="lt1"/>
+    </dgm:txFillClrLst>
+    <dgm:txEffectClrLst/>
+  </dgm:styleLbl>
+  <dgm:styleLbl name="trBgShp">
+    <dgm:fillClrLst meth="repeat">
+      <a:schemeClr val="accent1">
+        <a:tint val="50000"/>
+        <a:alpha val="40000"/>
+      </a:schemeClr>
+    </dgm:fillClrLst>
+    <dgm:linClrLst meth="repeat">
+      <a:schemeClr val="accent1"/>
+    </dgm:linClrLst>
+    <dgm:effectClrLst/>
+    <dgm:txLinClrLst/>
+    <dgm:txFillClrLst meth="repeat">
+      <a:schemeClr val="lt1"/>
+    </dgm:txFillClrLst>
+    <dgm:txEffectClrLst/>
+  </dgm:styleLbl>
+  <dgm:styleLbl name="fgShp">
+    <dgm:fillClrLst meth="repeat">
+      <a:schemeClr val="accent1">
+        <a:tint val="60000"/>
+      </a:schemeClr>
+    </dgm:fillClrLst>
+    <dgm:linClrLst meth="repeat">
+      <a:schemeClr val="lt1"/>
+    </dgm:linClrLst>
+    <dgm:effectClrLst/>
+    <dgm:txLinClrLst/>
+    <dgm:txFillClrLst meth="repeat">
+      <a:schemeClr val="dk1"/>
+    </dgm:txFillClrLst>
+    <dgm:txEffectClrLst/>
+  </dgm:styleLbl>
+  <dgm:styleLbl name="revTx">
+    <dgm:fillClrLst meth="repeat">
+      <a:schemeClr val="lt1">
+        <a:alpha val="0"/>
+      </a:schemeClr>
+    </dgm:fillClrLst>
+    <dgm:linClrLst meth="repeat">
+      <a:schemeClr val="dk1">
+        <a:alpha val="0"/>
+      </a:schemeClr>
+    </dgm:linClrLst>
+    <dgm:effectClrLst/>
+    <dgm:txLinClrLst/>
+    <dgm:txFillClrLst meth="repeat">
+      <a:schemeClr val="tx1"/>
+    </dgm:txFillClrLst>
+    <dgm:txEffectClrLst/>
+  </dgm:styleLbl>
+</dgm:colorsDef>
+</file>
+
+<file path=ppt/diagrams/colors4.xml><?xml version="1.0" encoding="utf-8"?>
 <dgm:colorsDef xmlns:dgm="http://schemas.openxmlformats.org/drawingml/2006/diagram" xmlns:a="http://schemas.openxmlformats.org/drawingml/2006/main" uniqueId="urn:microsoft.com/office/officeart/2005/8/colors/accent1_2">
   <dgm:title val=""/>
   <dgm:desc val=""/>
@@ -2735,7 +3495,7 @@
   <dgm:whole/>
   <dgm:extLst>
     <a:ext uri="http://schemas.microsoft.com/office/drawing/2008/diagram">
-      <dsp:dataModelExt xmlns:dsp="http://schemas.microsoft.com/office/drawing/2008/diagram" relId="rId6" minVer="http://schemas.openxmlformats.org/drawingml/2006/diagram"/>
+      <dsp:dataModelExt xmlns:dsp="http://schemas.microsoft.com/office/drawing/2008/diagram" relId="rId7" minVer="http://schemas.openxmlformats.org/drawingml/2006/diagram"/>
     </a:ext>
   </dgm:extLst>
 </dgm:dataModel>
@@ -3099,7 +3859,7 @@
   <dgm:whole/>
   <dgm:extLst>
     <a:ext uri="http://schemas.microsoft.com/office/drawing/2008/diagram">
-      <dsp:dataModelExt xmlns:dsp="http://schemas.microsoft.com/office/drawing/2008/diagram" relId="rId6" minVer="http://schemas.openxmlformats.org/drawingml/2006/diagram"/>
+      <dsp:dataModelExt xmlns:dsp="http://schemas.microsoft.com/office/drawing/2008/diagram" relId="rId7" minVer="http://schemas.openxmlformats.org/drawingml/2006/diagram"/>
     </a:ext>
   </dgm:extLst>
 </dgm:dataModel>
@@ -3463,7 +4223,371 @@
   <dgm:whole/>
   <dgm:extLst>
     <a:ext uri="http://schemas.microsoft.com/office/drawing/2008/diagram">
-      <dsp:dataModelExt xmlns:dsp="http://schemas.microsoft.com/office/drawing/2008/diagram" relId="rId6" minVer="http://schemas.openxmlformats.org/drawingml/2006/diagram"/>
+      <dsp:dataModelExt xmlns:dsp="http://schemas.microsoft.com/office/drawing/2008/diagram" relId="rId7" minVer="http://schemas.openxmlformats.org/drawingml/2006/diagram"/>
+    </a:ext>
+  </dgm:extLst>
+</dgm:dataModel>
+</file>
+
+<file path=ppt/diagrams/data4.xml><?xml version="1.0" encoding="utf-8"?>
+<dgm:dataModel xmlns:dgm="http://schemas.openxmlformats.org/drawingml/2006/diagram" xmlns:a="http://schemas.openxmlformats.org/drawingml/2006/main">
+  <dgm:ptLst>
+    <dgm:pt modelId="{28F8237D-CBFF-4AE0-9343-10B1CA4A2C62}" type="doc">
+      <dgm:prSet loTypeId="urn:microsoft.com/office/officeart/2005/8/layout/matrix1" loCatId="matrix" qsTypeId="urn:microsoft.com/office/officeart/2005/8/quickstyle/3d6" qsCatId="3D" csTypeId="urn:microsoft.com/office/officeart/2005/8/colors/accent1_2" csCatId="accent1" phldr="1"/>
+      <dgm:spPr/>
+      <dgm:t>
+        <a:bodyPr/>
+        <a:lstStyle/>
+        <a:p>
+          <a:pPr latinLnBrk="1"/>
+          <a:endParaRPr lang="ko-KR" altLang="en-US"/>
+        </a:p>
+      </dgm:t>
+    </dgm:pt>
+    <dgm:pt modelId="{233EF487-10D1-4F95-9545-7A1A3CEB34E2}">
+      <dgm:prSet phldrT="[텍스트]"/>
+      <dgm:spPr>
+        <a:solidFill>
+          <a:schemeClr val="bg2">
+            <a:lumMod val="90000"/>
+          </a:schemeClr>
+        </a:solidFill>
+      </dgm:spPr>
+      <dgm:t>
+        <a:bodyPr/>
+        <a:lstStyle/>
+        <a:p>
+          <a:pPr latinLnBrk="1"/>
+          <a:r>
+            <a:rPr lang="en-US" altLang="ko-KR" dirty="0"/>
+            <a:t>IT(</a:t>
+          </a:r>
+          <a:r>
+            <a:rPr lang="ko-KR" altLang="en-US" dirty="0"/>
+            <a:t>그것</a:t>
+          </a:r>
+          <a:r>
+            <a:rPr lang="en-US" altLang="ko-KR" dirty="0"/>
+            <a:t>)</a:t>
+          </a:r>
+          <a:endParaRPr lang="ko-KR" altLang="en-US" dirty="0"/>
+        </a:p>
+      </dgm:t>
+    </dgm:pt>
+    <dgm:pt modelId="{4AFACD0E-BC12-4CCB-8143-DB414242A23C}" type="parTrans" cxnId="{FD91C445-5FD6-4E18-A4B0-E882B29DD4DD}">
+      <dgm:prSet/>
+      <dgm:spPr/>
+      <dgm:t>
+        <a:bodyPr/>
+        <a:lstStyle/>
+        <a:p>
+          <a:pPr latinLnBrk="1"/>
+          <a:endParaRPr lang="ko-KR" altLang="en-US"/>
+        </a:p>
+      </dgm:t>
+    </dgm:pt>
+    <dgm:pt modelId="{212306B9-97A5-4C87-BD5C-159259F36177}" type="sibTrans" cxnId="{FD91C445-5FD6-4E18-A4B0-E882B29DD4DD}">
+      <dgm:prSet/>
+      <dgm:spPr/>
+      <dgm:t>
+        <a:bodyPr/>
+        <a:lstStyle/>
+        <a:p>
+          <a:pPr latinLnBrk="1"/>
+          <a:endParaRPr lang="ko-KR" altLang="en-US"/>
+        </a:p>
+      </dgm:t>
+    </dgm:pt>
+    <dgm:pt modelId="{9D472FBA-049E-4880-89E5-5A5013D8AE63}">
+      <dgm:prSet phldrT="[텍스트]"/>
+      <dgm:spPr>
+        <a:solidFill>
+          <a:schemeClr val="accent1"/>
+        </a:solidFill>
+      </dgm:spPr>
+      <dgm:t>
+        <a:bodyPr/>
+        <a:lstStyle/>
+        <a:p>
+          <a:pPr latinLnBrk="1"/>
+          <a:r>
+            <a:rPr lang="ko-KR" altLang="en-US" dirty="0"/>
+            <a:t>목적</a:t>
+          </a:r>
+        </a:p>
+      </dgm:t>
+    </dgm:pt>
+    <dgm:pt modelId="{231CE775-6C3C-4B6B-89BC-3B5FACB31DAD}" type="parTrans" cxnId="{8C123C33-F4E3-46EE-A54F-0C5F147198BB}">
+      <dgm:prSet/>
+      <dgm:spPr/>
+      <dgm:t>
+        <a:bodyPr/>
+        <a:lstStyle/>
+        <a:p>
+          <a:pPr latinLnBrk="1"/>
+          <a:endParaRPr lang="ko-KR" altLang="en-US"/>
+        </a:p>
+      </dgm:t>
+    </dgm:pt>
+    <dgm:pt modelId="{364742C4-9908-4812-83C2-9ABDD6D4A570}" type="sibTrans" cxnId="{8C123C33-F4E3-46EE-A54F-0C5F147198BB}">
+      <dgm:prSet/>
+      <dgm:spPr/>
+      <dgm:t>
+        <a:bodyPr/>
+        <a:lstStyle/>
+        <a:p>
+          <a:pPr latinLnBrk="1"/>
+          <a:endParaRPr lang="ko-KR" altLang="en-US"/>
+        </a:p>
+      </dgm:t>
+    </dgm:pt>
+    <dgm:pt modelId="{BBF17F79-6016-4A48-A138-07118A206112}">
+      <dgm:prSet phldrT="[텍스트]"/>
+      <dgm:spPr>
+        <a:solidFill>
+          <a:srgbClr val="FF0000"/>
+        </a:solidFill>
+      </dgm:spPr>
+      <dgm:t>
+        <a:bodyPr/>
+        <a:lstStyle/>
+        <a:p>
+          <a:pPr latinLnBrk="1"/>
+          <a:r>
+            <a:rPr lang="ko-KR" altLang="en-US" dirty="0"/>
+            <a:t>문제점</a:t>
+          </a:r>
+        </a:p>
+      </dgm:t>
+    </dgm:pt>
+    <dgm:pt modelId="{0EB32980-4CB1-41BD-92BC-7526048D1728}" type="parTrans" cxnId="{7225CC53-1239-436D-B9C4-5933C2B39CA4}">
+      <dgm:prSet/>
+      <dgm:spPr/>
+      <dgm:t>
+        <a:bodyPr/>
+        <a:lstStyle/>
+        <a:p>
+          <a:pPr latinLnBrk="1"/>
+          <a:endParaRPr lang="ko-KR" altLang="en-US"/>
+        </a:p>
+      </dgm:t>
+    </dgm:pt>
+    <dgm:pt modelId="{4824313B-B7BF-42F6-B629-5A721E2AA0FC}" type="sibTrans" cxnId="{7225CC53-1239-436D-B9C4-5933C2B39CA4}">
+      <dgm:prSet/>
+      <dgm:spPr/>
+      <dgm:t>
+        <a:bodyPr/>
+        <a:lstStyle/>
+        <a:p>
+          <a:pPr latinLnBrk="1"/>
+          <a:endParaRPr lang="ko-KR" altLang="en-US"/>
+        </a:p>
+      </dgm:t>
+    </dgm:pt>
+    <dgm:pt modelId="{F9455C95-F3BB-474D-9403-26BE03DB0C5C}">
+      <dgm:prSet phldrT="[텍스트]"/>
+      <dgm:spPr>
+        <a:solidFill>
+          <a:schemeClr val="accent4">
+            <a:lumMod val="40000"/>
+            <a:lumOff val="60000"/>
+          </a:schemeClr>
+        </a:solidFill>
+      </dgm:spPr>
+      <dgm:t>
+        <a:bodyPr/>
+        <a:lstStyle/>
+        <a:p>
+          <a:pPr latinLnBrk="1"/>
+          <a:r>
+            <a:rPr lang="ko-KR" altLang="en-US" dirty="0"/>
+            <a:t>보완</a:t>
+          </a:r>
+        </a:p>
+      </dgm:t>
+    </dgm:pt>
+    <dgm:pt modelId="{A47A18B9-DDD5-4644-87FF-2815401DE44C}" type="parTrans" cxnId="{369871CC-223C-49D4-8FF7-E2E9891C6B41}">
+      <dgm:prSet/>
+      <dgm:spPr/>
+      <dgm:t>
+        <a:bodyPr/>
+        <a:lstStyle/>
+        <a:p>
+          <a:pPr latinLnBrk="1"/>
+          <a:endParaRPr lang="ko-KR" altLang="en-US"/>
+        </a:p>
+      </dgm:t>
+    </dgm:pt>
+    <dgm:pt modelId="{6D372D75-7985-4F4F-95FD-611E8F84CCC0}" type="sibTrans" cxnId="{369871CC-223C-49D4-8FF7-E2E9891C6B41}">
+      <dgm:prSet/>
+      <dgm:spPr/>
+      <dgm:t>
+        <a:bodyPr/>
+        <a:lstStyle/>
+        <a:p>
+          <a:pPr latinLnBrk="1"/>
+          <a:endParaRPr lang="ko-KR" altLang="en-US"/>
+        </a:p>
+      </dgm:t>
+    </dgm:pt>
+    <dgm:pt modelId="{1CA7391D-4DD0-4D5D-A46F-35619400AA3C}">
+      <dgm:prSet phldrT="[텍스트]"/>
+      <dgm:spPr>
+        <a:solidFill>
+          <a:schemeClr val="accent6">
+            <a:lumMod val="75000"/>
+          </a:schemeClr>
+        </a:solidFill>
+      </dgm:spPr>
+      <dgm:t>
+        <a:bodyPr/>
+        <a:lstStyle/>
+        <a:p>
+          <a:pPr latinLnBrk="1"/>
+          <a:r>
+            <a:rPr lang="ko-KR" altLang="en-US" dirty="0"/>
+            <a:t>구현</a:t>
+          </a:r>
+        </a:p>
+      </dgm:t>
+    </dgm:pt>
+    <dgm:pt modelId="{326B3CD2-024F-46F1-9AFC-AE73870C083C}" type="parTrans" cxnId="{26B389E5-B4AB-4150-8D64-A0A047C56EA2}">
+      <dgm:prSet/>
+      <dgm:spPr/>
+      <dgm:t>
+        <a:bodyPr/>
+        <a:lstStyle/>
+        <a:p>
+          <a:pPr latinLnBrk="1"/>
+          <a:endParaRPr lang="ko-KR" altLang="en-US"/>
+        </a:p>
+      </dgm:t>
+    </dgm:pt>
+    <dgm:pt modelId="{E04C792C-B2D5-49CC-A591-436B722487FF}" type="sibTrans" cxnId="{26B389E5-B4AB-4150-8D64-A0A047C56EA2}">
+      <dgm:prSet/>
+      <dgm:spPr/>
+      <dgm:t>
+        <a:bodyPr/>
+        <a:lstStyle/>
+        <a:p>
+          <a:pPr latinLnBrk="1"/>
+          <a:endParaRPr lang="ko-KR" altLang="en-US"/>
+        </a:p>
+      </dgm:t>
+    </dgm:pt>
+    <dgm:pt modelId="{423193E2-12E4-4E88-8237-AAD8CD43AF89}" type="pres">
+      <dgm:prSet presAssocID="{28F8237D-CBFF-4AE0-9343-10B1CA4A2C62}" presName="diagram" presStyleCnt="0">
+        <dgm:presLayoutVars>
+          <dgm:chMax val="1"/>
+          <dgm:dir/>
+          <dgm:animLvl val="ctr"/>
+          <dgm:resizeHandles val="exact"/>
+        </dgm:presLayoutVars>
+      </dgm:prSet>
+      <dgm:spPr/>
+    </dgm:pt>
+    <dgm:pt modelId="{BF2D8B7D-5A33-4F17-A554-31C9CFA01E25}" type="pres">
+      <dgm:prSet presAssocID="{28F8237D-CBFF-4AE0-9343-10B1CA4A2C62}" presName="matrix" presStyleCnt="0"/>
+      <dgm:spPr/>
+    </dgm:pt>
+    <dgm:pt modelId="{54AC4C26-A5F2-4E1E-A64F-92AFCE6FC202}" type="pres">
+      <dgm:prSet presAssocID="{28F8237D-CBFF-4AE0-9343-10B1CA4A2C62}" presName="tile1" presStyleLbl="node1" presStyleIdx="0" presStyleCnt="4"/>
+      <dgm:spPr/>
+    </dgm:pt>
+    <dgm:pt modelId="{D1226115-2BCF-4817-8B10-DC05E3BDAA3D}" type="pres">
+      <dgm:prSet presAssocID="{28F8237D-CBFF-4AE0-9343-10B1CA4A2C62}" presName="tile1text" presStyleLbl="node1" presStyleIdx="0" presStyleCnt="4">
+        <dgm:presLayoutVars>
+          <dgm:chMax val="0"/>
+          <dgm:chPref val="0"/>
+          <dgm:bulletEnabled val="1"/>
+        </dgm:presLayoutVars>
+      </dgm:prSet>
+      <dgm:spPr/>
+    </dgm:pt>
+    <dgm:pt modelId="{AAD6C769-EE17-47E3-A85B-148443C449BC}" type="pres">
+      <dgm:prSet presAssocID="{28F8237D-CBFF-4AE0-9343-10B1CA4A2C62}" presName="tile2" presStyleLbl="node1" presStyleIdx="1" presStyleCnt="4" custLinFactNeighborY="898"/>
+      <dgm:spPr/>
+    </dgm:pt>
+    <dgm:pt modelId="{EFCCA67C-3ACC-4BC9-8B5A-6CD32791C851}" type="pres">
+      <dgm:prSet presAssocID="{28F8237D-CBFF-4AE0-9343-10B1CA4A2C62}" presName="tile2text" presStyleLbl="node1" presStyleIdx="1" presStyleCnt="4">
+        <dgm:presLayoutVars>
+          <dgm:chMax val="0"/>
+          <dgm:chPref val="0"/>
+          <dgm:bulletEnabled val="1"/>
+        </dgm:presLayoutVars>
+      </dgm:prSet>
+      <dgm:spPr/>
+    </dgm:pt>
+    <dgm:pt modelId="{A1AC1A40-5A91-40DC-B9D2-B24E7CCE03E4}" type="pres">
+      <dgm:prSet presAssocID="{28F8237D-CBFF-4AE0-9343-10B1CA4A2C62}" presName="tile3" presStyleLbl="node1" presStyleIdx="2" presStyleCnt="4"/>
+      <dgm:spPr/>
+    </dgm:pt>
+    <dgm:pt modelId="{A15B6E19-225F-4844-9F78-5C6D550F3D80}" type="pres">
+      <dgm:prSet presAssocID="{28F8237D-CBFF-4AE0-9343-10B1CA4A2C62}" presName="tile3text" presStyleLbl="node1" presStyleIdx="2" presStyleCnt="4">
+        <dgm:presLayoutVars>
+          <dgm:chMax val="0"/>
+          <dgm:chPref val="0"/>
+          <dgm:bulletEnabled val="1"/>
+        </dgm:presLayoutVars>
+      </dgm:prSet>
+      <dgm:spPr/>
+    </dgm:pt>
+    <dgm:pt modelId="{C62E80D1-DD5E-4193-81BB-0830A1929F06}" type="pres">
+      <dgm:prSet presAssocID="{28F8237D-CBFF-4AE0-9343-10B1CA4A2C62}" presName="tile4" presStyleLbl="node1" presStyleIdx="3" presStyleCnt="4"/>
+      <dgm:spPr/>
+    </dgm:pt>
+    <dgm:pt modelId="{E01E3820-8D32-46C7-8F7A-4F05E24067B9}" type="pres">
+      <dgm:prSet presAssocID="{28F8237D-CBFF-4AE0-9343-10B1CA4A2C62}" presName="tile4text" presStyleLbl="node1" presStyleIdx="3" presStyleCnt="4">
+        <dgm:presLayoutVars>
+          <dgm:chMax val="0"/>
+          <dgm:chPref val="0"/>
+          <dgm:bulletEnabled val="1"/>
+        </dgm:presLayoutVars>
+      </dgm:prSet>
+      <dgm:spPr/>
+    </dgm:pt>
+    <dgm:pt modelId="{23ECD27E-94A8-449D-9D7A-C4411F11FEC2}" type="pres">
+      <dgm:prSet presAssocID="{28F8237D-CBFF-4AE0-9343-10B1CA4A2C62}" presName="centerTile" presStyleLbl="fgShp" presStyleIdx="0" presStyleCnt="1">
+        <dgm:presLayoutVars>
+          <dgm:chMax val="0"/>
+          <dgm:chPref val="0"/>
+        </dgm:presLayoutVars>
+      </dgm:prSet>
+      <dgm:spPr/>
+    </dgm:pt>
+  </dgm:ptLst>
+  <dgm:cxnLst>
+    <dgm:cxn modelId="{CDAB2B0D-37F6-49E8-8CC4-A29E61BFEA6C}" type="presOf" srcId="{233EF487-10D1-4F95-9545-7A1A3CEB34E2}" destId="{23ECD27E-94A8-449D-9D7A-C4411F11FEC2}" srcOrd="0" destOrd="0" presId="urn:microsoft.com/office/officeart/2005/8/layout/matrix1"/>
+    <dgm:cxn modelId="{8C123C33-F4E3-46EE-A54F-0C5F147198BB}" srcId="{233EF487-10D1-4F95-9545-7A1A3CEB34E2}" destId="{9D472FBA-049E-4880-89E5-5A5013D8AE63}" srcOrd="0" destOrd="0" parTransId="{231CE775-6C3C-4B6B-89BC-3B5FACB31DAD}" sibTransId="{364742C4-9908-4812-83C2-9ABDD6D4A570}"/>
+    <dgm:cxn modelId="{FD91C445-5FD6-4E18-A4B0-E882B29DD4DD}" srcId="{28F8237D-CBFF-4AE0-9343-10B1CA4A2C62}" destId="{233EF487-10D1-4F95-9545-7A1A3CEB34E2}" srcOrd="0" destOrd="0" parTransId="{4AFACD0E-BC12-4CCB-8143-DB414242A23C}" sibTransId="{212306B9-97A5-4C87-BD5C-159259F36177}"/>
+    <dgm:cxn modelId="{612B8447-DBB0-48B1-BB9D-B51AD770C3ED}" type="presOf" srcId="{9D472FBA-049E-4880-89E5-5A5013D8AE63}" destId="{54AC4C26-A5F2-4E1E-A64F-92AFCE6FC202}" srcOrd="0" destOrd="0" presId="urn:microsoft.com/office/officeart/2005/8/layout/matrix1"/>
+    <dgm:cxn modelId="{7225CC53-1239-436D-B9C4-5933C2B39CA4}" srcId="{233EF487-10D1-4F95-9545-7A1A3CEB34E2}" destId="{BBF17F79-6016-4A48-A138-07118A206112}" srcOrd="1" destOrd="0" parTransId="{0EB32980-4CB1-41BD-92BC-7526048D1728}" sibTransId="{4824313B-B7BF-42F6-B629-5A721E2AA0FC}"/>
+    <dgm:cxn modelId="{64CC2355-B9BE-4F4D-9697-638904475220}" type="presOf" srcId="{BBF17F79-6016-4A48-A138-07118A206112}" destId="{AAD6C769-EE17-47E3-A85B-148443C449BC}" srcOrd="0" destOrd="0" presId="urn:microsoft.com/office/officeart/2005/8/layout/matrix1"/>
+    <dgm:cxn modelId="{632AA87E-F7F7-4F4F-8CC7-1E421DC45834}" type="presOf" srcId="{F9455C95-F3BB-474D-9403-26BE03DB0C5C}" destId="{A1AC1A40-5A91-40DC-B9D2-B24E7CCE03E4}" srcOrd="0" destOrd="0" presId="urn:microsoft.com/office/officeart/2005/8/layout/matrix1"/>
+    <dgm:cxn modelId="{4A06EE81-249C-42C8-B88D-AEE88E4C3501}" type="presOf" srcId="{1CA7391D-4DD0-4D5D-A46F-35619400AA3C}" destId="{C62E80D1-DD5E-4193-81BB-0830A1929F06}" srcOrd="0" destOrd="0" presId="urn:microsoft.com/office/officeart/2005/8/layout/matrix1"/>
+    <dgm:cxn modelId="{B8CD50A5-043F-48B6-9797-D118330C0DF0}" type="presOf" srcId="{28F8237D-CBFF-4AE0-9343-10B1CA4A2C62}" destId="{423193E2-12E4-4E88-8237-AAD8CD43AF89}" srcOrd="0" destOrd="0" presId="urn:microsoft.com/office/officeart/2005/8/layout/matrix1"/>
+    <dgm:cxn modelId="{8C0377BA-19DC-41BE-86DA-8B3101FD04AE}" type="presOf" srcId="{9D472FBA-049E-4880-89E5-5A5013D8AE63}" destId="{D1226115-2BCF-4817-8B10-DC05E3BDAA3D}" srcOrd="1" destOrd="0" presId="urn:microsoft.com/office/officeart/2005/8/layout/matrix1"/>
+    <dgm:cxn modelId="{ABA871C1-391A-4B4A-B349-C75E528E61E9}" type="presOf" srcId="{1CA7391D-4DD0-4D5D-A46F-35619400AA3C}" destId="{E01E3820-8D32-46C7-8F7A-4F05E24067B9}" srcOrd="1" destOrd="0" presId="urn:microsoft.com/office/officeart/2005/8/layout/matrix1"/>
+    <dgm:cxn modelId="{369871CC-223C-49D4-8FF7-E2E9891C6B41}" srcId="{233EF487-10D1-4F95-9545-7A1A3CEB34E2}" destId="{F9455C95-F3BB-474D-9403-26BE03DB0C5C}" srcOrd="2" destOrd="0" parTransId="{A47A18B9-DDD5-4644-87FF-2815401DE44C}" sibTransId="{6D372D75-7985-4F4F-95FD-611E8F84CCC0}"/>
+    <dgm:cxn modelId="{D0E375D6-5DCC-4D70-B7A3-5A295D6C5734}" type="presOf" srcId="{F9455C95-F3BB-474D-9403-26BE03DB0C5C}" destId="{A15B6E19-225F-4844-9F78-5C6D550F3D80}" srcOrd="1" destOrd="0" presId="urn:microsoft.com/office/officeart/2005/8/layout/matrix1"/>
+    <dgm:cxn modelId="{26B389E5-B4AB-4150-8D64-A0A047C56EA2}" srcId="{233EF487-10D1-4F95-9545-7A1A3CEB34E2}" destId="{1CA7391D-4DD0-4D5D-A46F-35619400AA3C}" srcOrd="3" destOrd="0" parTransId="{326B3CD2-024F-46F1-9AFC-AE73870C083C}" sibTransId="{E04C792C-B2D5-49CC-A591-436B722487FF}"/>
+    <dgm:cxn modelId="{E337CFF9-1C87-405E-B3FE-D28FF52BFB2B}" type="presOf" srcId="{BBF17F79-6016-4A48-A138-07118A206112}" destId="{EFCCA67C-3ACC-4BC9-8B5A-6CD32791C851}" srcOrd="1" destOrd="0" presId="urn:microsoft.com/office/officeart/2005/8/layout/matrix1"/>
+    <dgm:cxn modelId="{4DDE05D1-8226-4709-A700-4E2D89CAB2F6}" type="presParOf" srcId="{423193E2-12E4-4E88-8237-AAD8CD43AF89}" destId="{BF2D8B7D-5A33-4F17-A554-31C9CFA01E25}" srcOrd="0" destOrd="0" presId="urn:microsoft.com/office/officeart/2005/8/layout/matrix1"/>
+    <dgm:cxn modelId="{93F262CE-A563-47C9-96C8-B5196FFD5290}" type="presParOf" srcId="{BF2D8B7D-5A33-4F17-A554-31C9CFA01E25}" destId="{54AC4C26-A5F2-4E1E-A64F-92AFCE6FC202}" srcOrd="0" destOrd="0" presId="urn:microsoft.com/office/officeart/2005/8/layout/matrix1"/>
+    <dgm:cxn modelId="{4811CB3E-B910-4547-8FAF-5823662CF118}" type="presParOf" srcId="{BF2D8B7D-5A33-4F17-A554-31C9CFA01E25}" destId="{D1226115-2BCF-4817-8B10-DC05E3BDAA3D}" srcOrd="1" destOrd="0" presId="urn:microsoft.com/office/officeart/2005/8/layout/matrix1"/>
+    <dgm:cxn modelId="{0FB701B0-CF08-4DA6-8473-2D5C6F8A9635}" type="presParOf" srcId="{BF2D8B7D-5A33-4F17-A554-31C9CFA01E25}" destId="{AAD6C769-EE17-47E3-A85B-148443C449BC}" srcOrd="2" destOrd="0" presId="urn:microsoft.com/office/officeart/2005/8/layout/matrix1"/>
+    <dgm:cxn modelId="{CB0C497A-C5B1-417E-BE67-63B4B87FEB90}" type="presParOf" srcId="{BF2D8B7D-5A33-4F17-A554-31C9CFA01E25}" destId="{EFCCA67C-3ACC-4BC9-8B5A-6CD32791C851}" srcOrd="3" destOrd="0" presId="urn:microsoft.com/office/officeart/2005/8/layout/matrix1"/>
+    <dgm:cxn modelId="{5361C38B-86E9-4E68-AE7F-B7AD2BE78F8E}" type="presParOf" srcId="{BF2D8B7D-5A33-4F17-A554-31C9CFA01E25}" destId="{A1AC1A40-5A91-40DC-B9D2-B24E7CCE03E4}" srcOrd="4" destOrd="0" presId="urn:microsoft.com/office/officeart/2005/8/layout/matrix1"/>
+    <dgm:cxn modelId="{3B8B128E-E8CC-4E25-B567-C7B8AD200560}" type="presParOf" srcId="{BF2D8B7D-5A33-4F17-A554-31C9CFA01E25}" destId="{A15B6E19-225F-4844-9F78-5C6D550F3D80}" srcOrd="5" destOrd="0" presId="urn:microsoft.com/office/officeart/2005/8/layout/matrix1"/>
+    <dgm:cxn modelId="{A9B332C9-19A4-4160-980A-B44985DE6DB0}" type="presParOf" srcId="{BF2D8B7D-5A33-4F17-A554-31C9CFA01E25}" destId="{C62E80D1-DD5E-4193-81BB-0830A1929F06}" srcOrd="6" destOrd="0" presId="urn:microsoft.com/office/officeart/2005/8/layout/matrix1"/>
+    <dgm:cxn modelId="{19F2F6A7-B1AF-4797-93DB-B46D6A9D1810}" type="presParOf" srcId="{BF2D8B7D-5A33-4F17-A554-31C9CFA01E25}" destId="{E01E3820-8D32-46C7-8F7A-4F05E24067B9}" srcOrd="7" destOrd="0" presId="urn:microsoft.com/office/officeart/2005/8/layout/matrix1"/>
+    <dgm:cxn modelId="{A5D4CD1A-6BB6-4991-BEC5-DAF44FF1A373}" type="presParOf" srcId="{423193E2-12E4-4E88-8237-AAD8CD43AF89}" destId="{23ECD27E-94A8-449D-9D7A-C4411F11FEC2}" srcOrd="1" destOrd="0" presId="urn:microsoft.com/office/officeart/2005/8/layout/matrix1"/>
+  </dgm:cxnLst>
+  <dgm:bg/>
+  <dgm:whole/>
+  <dgm:extLst>
+    <a:ext uri="http://schemas.microsoft.com/office/drawing/2008/diagram">
+      <dsp:dataModelExt xmlns:dsp="http://schemas.microsoft.com/office/drawing/2008/diagram" relId="rId7" minVer="http://schemas.openxmlformats.org/drawingml/2006/diagram"/>
     </a:ext>
   </dgm:extLst>
 </dgm:dataModel>
@@ -4202,6 +5326,372 @@
 </file>
 
 <file path=ppt/diagrams/drawing3.xml><?xml version="1.0" encoding="utf-8"?>
+<dsp:drawing xmlns:dgm="http://schemas.openxmlformats.org/drawingml/2006/diagram" xmlns:dsp="http://schemas.microsoft.com/office/drawing/2008/diagram" xmlns:a="http://schemas.openxmlformats.org/drawingml/2006/main">
+  <dsp:spTree>
+    <dsp:nvGrpSpPr>
+      <dsp:cNvPr id="0" name=""/>
+      <dsp:cNvGrpSpPr/>
+    </dsp:nvGrpSpPr>
+    <dsp:grpSpPr/>
+    <dsp:sp modelId="{54AC4C26-A5F2-4E1E-A64F-92AFCE6FC202}">
+      <dsp:nvSpPr>
+        <dsp:cNvPr id="0" name=""/>
+        <dsp:cNvSpPr/>
+      </dsp:nvSpPr>
+      <dsp:spPr>
+        <a:xfrm rot="16200000">
+          <a:off x="677333" y="-677333"/>
+          <a:ext cx="2709333" cy="4064000"/>
+        </a:xfrm>
+        <a:prstGeom prst="round1Rect">
+          <a:avLst/>
+        </a:prstGeom>
+        <a:solidFill>
+          <a:schemeClr val="accent1"/>
+        </a:solidFill>
+        <a:ln>
+          <a:noFill/>
+        </a:ln>
+        <a:effectLst/>
+        <a:sp3d prstMaterial="plastic">
+          <a:bevelT w="50800" h="50800"/>
+          <a:bevelB w="50800" h="50800"/>
+        </a:sp3d>
+      </dsp:spPr>
+      <dsp:style>
+        <a:lnRef idx="0">
+          <a:scrgbClr r="0" g="0" b="0"/>
+        </a:lnRef>
+        <a:fillRef idx="1">
+          <a:scrgbClr r="0" g="0" b="0"/>
+        </a:fillRef>
+        <a:effectRef idx="2">
+          <a:scrgbClr r="0" g="0" b="0"/>
+        </a:effectRef>
+        <a:fontRef idx="minor">
+          <a:schemeClr val="lt1"/>
+        </a:fontRef>
+      </dsp:style>
+      <dsp:txBody>
+        <a:bodyPr spcFirstLastPara="0" vert="horz" wrap="square" lIns="305816" tIns="305816" rIns="305816" bIns="305816" numCol="1" spcCol="1270" anchor="ctr" anchorCtr="0">
+          <a:noAutofit/>
+        </a:bodyPr>
+        <a:lstStyle/>
+        <a:p>
+          <a:pPr marL="0" lvl="0" indent="0" algn="ctr" defTabSz="1911350" latinLnBrk="1">
+            <a:lnSpc>
+              <a:spcPct val="90000"/>
+            </a:lnSpc>
+            <a:spcBef>
+              <a:spcPct val="0"/>
+            </a:spcBef>
+            <a:spcAft>
+              <a:spcPct val="35000"/>
+            </a:spcAft>
+            <a:buNone/>
+          </a:pPr>
+          <a:r>
+            <a:rPr lang="ko-KR" altLang="en-US" sz="4300" kern="1200" dirty="0"/>
+            <a:t>목적</a:t>
+          </a:r>
+        </a:p>
+      </dsp:txBody>
+      <dsp:txXfrm rot="5400000">
+        <a:off x="-1" y="1"/>
+        <a:ext cx="4064000" cy="2032000"/>
+      </dsp:txXfrm>
+    </dsp:sp>
+    <dsp:sp modelId="{AAD6C769-EE17-47E3-A85B-148443C449BC}">
+      <dsp:nvSpPr>
+        <dsp:cNvPr id="0" name=""/>
+        <dsp:cNvSpPr/>
+      </dsp:nvSpPr>
+      <dsp:spPr>
+        <a:xfrm>
+          <a:off x="4064000" y="24329"/>
+          <a:ext cx="4064000" cy="2709333"/>
+        </a:xfrm>
+        <a:prstGeom prst="round1Rect">
+          <a:avLst/>
+        </a:prstGeom>
+        <a:solidFill>
+          <a:srgbClr val="FF0000"/>
+        </a:solidFill>
+        <a:ln>
+          <a:noFill/>
+        </a:ln>
+        <a:effectLst/>
+        <a:sp3d prstMaterial="plastic">
+          <a:bevelT w="50800" h="50800"/>
+          <a:bevelB w="50800" h="50800"/>
+        </a:sp3d>
+      </dsp:spPr>
+      <dsp:style>
+        <a:lnRef idx="0">
+          <a:scrgbClr r="0" g="0" b="0"/>
+        </a:lnRef>
+        <a:fillRef idx="1">
+          <a:scrgbClr r="0" g="0" b="0"/>
+        </a:fillRef>
+        <a:effectRef idx="2">
+          <a:scrgbClr r="0" g="0" b="0"/>
+        </a:effectRef>
+        <a:fontRef idx="minor">
+          <a:schemeClr val="lt1"/>
+        </a:fontRef>
+      </dsp:style>
+      <dsp:txBody>
+        <a:bodyPr spcFirstLastPara="0" vert="horz" wrap="square" lIns="305816" tIns="305816" rIns="305816" bIns="305816" numCol="1" spcCol="1270" anchor="ctr" anchorCtr="0">
+          <a:noAutofit/>
+        </a:bodyPr>
+        <a:lstStyle/>
+        <a:p>
+          <a:pPr marL="0" lvl="0" indent="0" algn="ctr" defTabSz="1911350" latinLnBrk="1">
+            <a:lnSpc>
+              <a:spcPct val="90000"/>
+            </a:lnSpc>
+            <a:spcBef>
+              <a:spcPct val="0"/>
+            </a:spcBef>
+            <a:spcAft>
+              <a:spcPct val="35000"/>
+            </a:spcAft>
+            <a:buNone/>
+          </a:pPr>
+          <a:r>
+            <a:rPr lang="ko-KR" altLang="en-US" sz="4300" kern="1200" dirty="0"/>
+            <a:t>문제점</a:t>
+          </a:r>
+        </a:p>
+      </dsp:txBody>
+      <dsp:txXfrm>
+        <a:off x="4064000" y="24329"/>
+        <a:ext cx="4064000" cy="2032000"/>
+      </dsp:txXfrm>
+    </dsp:sp>
+    <dsp:sp modelId="{A1AC1A40-5A91-40DC-B9D2-B24E7CCE03E4}">
+      <dsp:nvSpPr>
+        <dsp:cNvPr id="0" name=""/>
+        <dsp:cNvSpPr/>
+      </dsp:nvSpPr>
+      <dsp:spPr>
+        <a:xfrm rot="10800000">
+          <a:off x="0" y="2709333"/>
+          <a:ext cx="4064000" cy="2709333"/>
+        </a:xfrm>
+        <a:prstGeom prst="round1Rect">
+          <a:avLst/>
+        </a:prstGeom>
+        <a:solidFill>
+          <a:schemeClr val="accent4">
+            <a:lumMod val="40000"/>
+            <a:lumOff val="60000"/>
+          </a:schemeClr>
+        </a:solidFill>
+        <a:ln>
+          <a:noFill/>
+        </a:ln>
+        <a:effectLst/>
+        <a:sp3d prstMaterial="plastic">
+          <a:bevelT w="50800" h="50800"/>
+          <a:bevelB w="50800" h="50800"/>
+        </a:sp3d>
+      </dsp:spPr>
+      <dsp:style>
+        <a:lnRef idx="0">
+          <a:scrgbClr r="0" g="0" b="0"/>
+        </a:lnRef>
+        <a:fillRef idx="1">
+          <a:scrgbClr r="0" g="0" b="0"/>
+        </a:fillRef>
+        <a:effectRef idx="2">
+          <a:scrgbClr r="0" g="0" b="0"/>
+        </a:effectRef>
+        <a:fontRef idx="minor">
+          <a:schemeClr val="lt1"/>
+        </a:fontRef>
+      </dsp:style>
+      <dsp:txBody>
+        <a:bodyPr spcFirstLastPara="0" vert="horz" wrap="square" lIns="305816" tIns="305816" rIns="305816" bIns="305816" numCol="1" spcCol="1270" anchor="ctr" anchorCtr="0">
+          <a:noAutofit/>
+        </a:bodyPr>
+        <a:lstStyle/>
+        <a:p>
+          <a:pPr marL="0" lvl="0" indent="0" algn="ctr" defTabSz="1911350" latinLnBrk="1">
+            <a:lnSpc>
+              <a:spcPct val="90000"/>
+            </a:lnSpc>
+            <a:spcBef>
+              <a:spcPct val="0"/>
+            </a:spcBef>
+            <a:spcAft>
+              <a:spcPct val="35000"/>
+            </a:spcAft>
+            <a:buNone/>
+          </a:pPr>
+          <a:r>
+            <a:rPr lang="ko-KR" altLang="en-US" sz="4300" kern="1200" dirty="0"/>
+            <a:t>보완</a:t>
+          </a:r>
+        </a:p>
+      </dsp:txBody>
+      <dsp:txXfrm rot="10800000">
+        <a:off x="0" y="3386666"/>
+        <a:ext cx="4064000" cy="2032000"/>
+      </dsp:txXfrm>
+    </dsp:sp>
+    <dsp:sp modelId="{C62E80D1-DD5E-4193-81BB-0830A1929F06}">
+      <dsp:nvSpPr>
+        <dsp:cNvPr id="0" name=""/>
+        <dsp:cNvSpPr/>
+      </dsp:nvSpPr>
+      <dsp:spPr>
+        <a:xfrm rot="5400000">
+          <a:off x="4741333" y="2032000"/>
+          <a:ext cx="2709333" cy="4064000"/>
+        </a:xfrm>
+        <a:prstGeom prst="round1Rect">
+          <a:avLst/>
+        </a:prstGeom>
+        <a:solidFill>
+          <a:schemeClr val="accent6">
+            <a:lumMod val="75000"/>
+          </a:schemeClr>
+        </a:solidFill>
+        <a:ln>
+          <a:noFill/>
+        </a:ln>
+        <a:effectLst/>
+        <a:sp3d prstMaterial="plastic">
+          <a:bevelT w="50800" h="50800"/>
+          <a:bevelB w="50800" h="50800"/>
+        </a:sp3d>
+      </dsp:spPr>
+      <dsp:style>
+        <a:lnRef idx="0">
+          <a:scrgbClr r="0" g="0" b="0"/>
+        </a:lnRef>
+        <a:fillRef idx="1">
+          <a:scrgbClr r="0" g="0" b="0"/>
+        </a:fillRef>
+        <a:effectRef idx="2">
+          <a:scrgbClr r="0" g="0" b="0"/>
+        </a:effectRef>
+        <a:fontRef idx="minor">
+          <a:schemeClr val="lt1"/>
+        </a:fontRef>
+      </dsp:style>
+      <dsp:txBody>
+        <a:bodyPr spcFirstLastPara="0" vert="horz" wrap="square" lIns="305816" tIns="305816" rIns="305816" bIns="305816" numCol="1" spcCol="1270" anchor="ctr" anchorCtr="0">
+          <a:noAutofit/>
+        </a:bodyPr>
+        <a:lstStyle/>
+        <a:p>
+          <a:pPr marL="0" lvl="0" indent="0" algn="ctr" defTabSz="1911350" latinLnBrk="1">
+            <a:lnSpc>
+              <a:spcPct val="90000"/>
+            </a:lnSpc>
+            <a:spcBef>
+              <a:spcPct val="0"/>
+            </a:spcBef>
+            <a:spcAft>
+              <a:spcPct val="35000"/>
+            </a:spcAft>
+            <a:buNone/>
+          </a:pPr>
+          <a:r>
+            <a:rPr lang="ko-KR" altLang="en-US" sz="4300" kern="1200" dirty="0"/>
+            <a:t>구현</a:t>
+          </a:r>
+        </a:p>
+      </dsp:txBody>
+      <dsp:txXfrm rot="-5400000">
+        <a:off x="4063999" y="3386666"/>
+        <a:ext cx="4064000" cy="2032000"/>
+      </dsp:txXfrm>
+    </dsp:sp>
+    <dsp:sp modelId="{23ECD27E-94A8-449D-9D7A-C4411F11FEC2}">
+      <dsp:nvSpPr>
+        <dsp:cNvPr id="0" name=""/>
+        <dsp:cNvSpPr/>
+      </dsp:nvSpPr>
+      <dsp:spPr>
+        <a:xfrm>
+          <a:off x="2844799" y="2032000"/>
+          <a:ext cx="2438400" cy="1354666"/>
+        </a:xfrm>
+        <a:prstGeom prst="roundRect">
+          <a:avLst/>
+        </a:prstGeom>
+        <a:solidFill>
+          <a:schemeClr val="bg2">
+            <a:lumMod val="90000"/>
+          </a:schemeClr>
+        </a:solidFill>
+        <a:ln>
+          <a:noFill/>
+        </a:ln>
+        <a:effectLst/>
+        <a:sp3d z="50080" prstMaterial="plastic">
+          <a:bevelT w="50800" h="50800"/>
+          <a:bevelB w="50800" h="50800"/>
+        </a:sp3d>
+      </dsp:spPr>
+      <dsp:style>
+        <a:lnRef idx="0">
+          <a:scrgbClr r="0" g="0" b="0"/>
+        </a:lnRef>
+        <a:fillRef idx="1">
+          <a:scrgbClr r="0" g="0" b="0"/>
+        </a:fillRef>
+        <a:effectRef idx="2">
+          <a:scrgbClr r="0" g="0" b="0"/>
+        </a:effectRef>
+        <a:fontRef idx="minor"/>
+      </dsp:style>
+      <dsp:txBody>
+        <a:bodyPr spcFirstLastPara="0" vert="horz" wrap="square" lIns="163830" tIns="163830" rIns="163830" bIns="163830" numCol="1" spcCol="1270" anchor="ctr" anchorCtr="0">
+          <a:noAutofit/>
+        </a:bodyPr>
+        <a:lstStyle/>
+        <a:p>
+          <a:pPr marL="0" lvl="0" indent="0" algn="ctr" defTabSz="1911350" latinLnBrk="1">
+            <a:lnSpc>
+              <a:spcPct val="90000"/>
+            </a:lnSpc>
+            <a:spcBef>
+              <a:spcPct val="0"/>
+            </a:spcBef>
+            <a:spcAft>
+              <a:spcPct val="35000"/>
+            </a:spcAft>
+            <a:buNone/>
+          </a:pPr>
+          <a:r>
+            <a:rPr lang="en-US" altLang="ko-KR" sz="4300" kern="1200" dirty="0"/>
+            <a:t>IT(</a:t>
+          </a:r>
+          <a:r>
+            <a:rPr lang="ko-KR" altLang="en-US" sz="4300" kern="1200" dirty="0"/>
+            <a:t>그것</a:t>
+          </a:r>
+          <a:r>
+            <a:rPr lang="en-US" altLang="ko-KR" sz="4300" kern="1200" dirty="0"/>
+            <a:t>)</a:t>
+          </a:r>
+          <a:endParaRPr lang="ko-KR" altLang="en-US" sz="4300" kern="1200" dirty="0"/>
+        </a:p>
+      </dsp:txBody>
+      <dsp:txXfrm>
+        <a:off x="2910928" y="2098129"/>
+        <a:ext cx="2306142" cy="1222408"/>
+      </dsp:txXfrm>
+    </dsp:sp>
+  </dsp:spTree>
+</dsp:drawing>
+</file>
+
+<file path=ppt/diagrams/drawing4.xml><?xml version="1.0" encoding="utf-8"?>
 <dsp:drawing xmlns:dgm="http://schemas.openxmlformats.org/drawingml/2006/diagram" xmlns:dsp="http://schemas.microsoft.com/office/drawing/2008/diagram" xmlns:a="http://schemas.openxmlformats.org/drawingml/2006/main">
   <dsp:spTree>
     <dsp:nvGrpSpPr>
@@ -5698,6 +7188,383 @@
 </dgm:layoutDef>
 </file>
 
+<file path=ppt/diagrams/layout4.xml><?xml version="1.0" encoding="utf-8"?>
+<dgm:layoutDef xmlns:dgm="http://schemas.openxmlformats.org/drawingml/2006/diagram" xmlns:a="http://schemas.openxmlformats.org/drawingml/2006/main" uniqueId="urn:microsoft.com/office/officeart/2005/8/layout/matrix1">
+  <dgm:title val=""/>
+  <dgm:desc val=""/>
+  <dgm:catLst>
+    <dgm:cat type="matrix" pri="2000"/>
+  </dgm:catLst>
+  <dgm:sampData>
+    <dgm:dataModel>
+      <dgm:ptLst>
+        <dgm:pt modelId="0" type="doc"/>
+        <dgm:pt modelId="1">
+          <dgm:prSet phldr="1"/>
+        </dgm:pt>
+        <dgm:pt modelId="11">
+          <dgm:prSet phldr="1"/>
+        </dgm:pt>
+        <dgm:pt modelId="12">
+          <dgm:prSet phldr="1"/>
+        </dgm:pt>
+        <dgm:pt modelId="13">
+          <dgm:prSet phldr="1"/>
+        </dgm:pt>
+        <dgm:pt modelId="14">
+          <dgm:prSet phldr="1"/>
+        </dgm:pt>
+      </dgm:ptLst>
+      <dgm:cxnLst>
+        <dgm:cxn modelId="2" srcId="0" destId="1" srcOrd="0" destOrd="0"/>
+        <dgm:cxn modelId="3" srcId="1" destId="11" srcOrd="0" destOrd="0"/>
+        <dgm:cxn modelId="4" srcId="1" destId="12" srcOrd="1" destOrd="0"/>
+        <dgm:cxn modelId="5" srcId="1" destId="13" srcOrd="2" destOrd="0"/>
+        <dgm:cxn modelId="6" srcId="1" destId="14" srcOrd="3" destOrd="0"/>
+      </dgm:cxnLst>
+      <dgm:bg/>
+      <dgm:whole/>
+    </dgm:dataModel>
+  </dgm:sampData>
+  <dgm:styleData>
+    <dgm:dataModel>
+      <dgm:ptLst>
+        <dgm:pt modelId="0" type="doc"/>
+        <dgm:pt modelId="1"/>
+        <dgm:pt modelId="11"/>
+        <dgm:pt modelId="12"/>
+        <dgm:pt modelId="13"/>
+        <dgm:pt modelId="14"/>
+      </dgm:ptLst>
+      <dgm:cxnLst>
+        <dgm:cxn modelId="2" srcId="0" destId="1" srcOrd="0" destOrd="0"/>
+        <dgm:cxn modelId="15" srcId="1" destId="11" srcOrd="0" destOrd="0"/>
+        <dgm:cxn modelId="16" srcId="1" destId="12" srcOrd="1" destOrd="0"/>
+        <dgm:cxn modelId="17" srcId="1" destId="13" srcOrd="2" destOrd="0"/>
+        <dgm:cxn modelId="18" srcId="1" destId="14" srcOrd="3" destOrd="0"/>
+      </dgm:cxnLst>
+      <dgm:bg/>
+      <dgm:whole/>
+    </dgm:dataModel>
+  </dgm:styleData>
+  <dgm:clrData>
+    <dgm:dataModel>
+      <dgm:ptLst>
+        <dgm:pt modelId="0" type="doc"/>
+        <dgm:pt modelId="1"/>
+        <dgm:pt modelId="11"/>
+        <dgm:pt modelId="12"/>
+        <dgm:pt modelId="13"/>
+        <dgm:pt modelId="14"/>
+      </dgm:ptLst>
+      <dgm:cxnLst>
+        <dgm:cxn modelId="2" srcId="0" destId="1" srcOrd="0" destOrd="0"/>
+        <dgm:cxn modelId="15" srcId="1" destId="11" srcOrd="0" destOrd="0"/>
+        <dgm:cxn modelId="16" srcId="1" destId="12" srcOrd="1" destOrd="0"/>
+        <dgm:cxn modelId="17" srcId="1" destId="13" srcOrd="2" destOrd="0"/>
+        <dgm:cxn modelId="18" srcId="1" destId="14" srcOrd="3" destOrd="0"/>
+      </dgm:cxnLst>
+      <dgm:bg/>
+      <dgm:whole/>
+    </dgm:dataModel>
+  </dgm:clrData>
+  <dgm:layoutNode name="diagram">
+    <dgm:varLst>
+      <dgm:chMax val="1"/>
+      <dgm:dir/>
+      <dgm:animLvl val="ctr"/>
+      <dgm:resizeHandles val="exact"/>
+    </dgm:varLst>
+    <dgm:alg type="composite"/>
+    <dgm:shape xmlns:r="http://schemas.openxmlformats.org/officeDocument/2006/relationships" r:blip="">
+      <dgm:adjLst/>
+    </dgm:shape>
+    <dgm:presOf/>
+    <dgm:constrLst>
+      <dgm:constr type="ctrX" for="ch" forName="matrix" refType="w" fact="0.5"/>
+      <dgm:constr type="ctrY" for="ch" forName="matrix" refType="h" fact="0.5"/>
+      <dgm:constr type="w" for="ch" forName="matrix" refType="w"/>
+      <dgm:constr type="h" for="ch" forName="matrix" refType="h"/>
+      <dgm:constr type="ctrX" for="ch" forName="centerTile" refType="w" fact="0.5"/>
+      <dgm:constr type="ctrY" for="ch" forName="centerTile" refType="h" fact="0.5"/>
+      <dgm:constr type="w" for="ch" forName="centerTile" refType="w" fact="0.3"/>
+      <dgm:constr type="h" for="ch" forName="centerTile" refType="h" fact="0.25"/>
+      <dgm:constr type="primFontSz" for="des" ptType="node" op="equ" val="65"/>
+    </dgm:constrLst>
+    <dgm:ruleLst/>
+    <dgm:choose name="Name0">
+      <dgm:if name="Name1" axis="ch" ptType="node" func="cnt" op="gte" val="1">
+        <dgm:layoutNode name="matrix">
+          <dgm:alg type="composite"/>
+          <dgm:shape xmlns:r="http://schemas.openxmlformats.org/officeDocument/2006/relationships" r:blip="">
+            <dgm:adjLst/>
+          </dgm:shape>
+          <dgm:presOf/>
+          <dgm:constrLst>
+            <dgm:constr type="l" for="ch" forName="tile1"/>
+            <dgm:constr type="t" for="ch" forName="tile1"/>
+            <dgm:constr type="r" for="ch" forName="tile1" refType="w" fact="0.5"/>
+            <dgm:constr type="b" for="ch" forName="tile1" refType="h" fact="0.5"/>
+            <dgm:constr type="l" for="ch" forName="tile1text" refType="l" refFor="ch" refForName="tile1"/>
+            <dgm:constr type="t" for="ch" forName="tile1text" refType="t" refFor="ch" refForName="tile1"/>
+            <dgm:constr type="w" for="ch" forName="tile1text" refType="w" refFor="ch" refForName="tile1"/>
+            <dgm:constr type="h" for="ch" forName="tile1text" refType="h" refFor="ch" refForName="tile1" fact="0.75"/>
+            <dgm:constr type="r" for="ch" forName="tile2" refType="w"/>
+            <dgm:constr type="t" for="ch" forName="tile2"/>
+            <dgm:constr type="l" for="ch" forName="tile2" refType="w" fact="0.5"/>
+            <dgm:constr type="b" for="ch" forName="tile2" refType="h" fact="0.5"/>
+            <dgm:constr type="r" for="ch" forName="tile2text" refType="r" refFor="ch" refForName="tile2"/>
+            <dgm:constr type="t" for="ch" forName="tile2text" refType="t" refFor="ch" refForName="tile2"/>
+            <dgm:constr type="w" for="ch" forName="tile2text" refType="w" refFor="ch" refForName="tile2"/>
+            <dgm:constr type="h" for="ch" forName="tile2text" refType="h" refFor="ch" refForName="tile2" fact="0.75"/>
+            <dgm:constr type="l" for="ch" forName="tile3"/>
+            <dgm:constr type="b" for="ch" forName="tile3" refType="h"/>
+            <dgm:constr type="r" for="ch" forName="tile3" refType="w" fact="0.5"/>
+            <dgm:constr type="t" for="ch" forName="tile3" refType="h" fact="0.5"/>
+            <dgm:constr type="l" for="ch" forName="tile3text" refType="l" refFor="ch" refForName="tile3"/>
+            <dgm:constr type="b" for="ch" forName="tile3text" refType="b" refFor="ch" refForName="tile3"/>
+            <dgm:constr type="w" for="ch" forName="tile3text" refType="w" refFor="ch" refForName="tile3"/>
+            <dgm:constr type="h" for="ch" forName="tile3text" refType="h" refFor="ch" refForName="tile3" fact="0.75"/>
+            <dgm:constr type="r" for="ch" forName="tile4" refType="w"/>
+            <dgm:constr type="b" for="ch" forName="tile4" refType="h"/>
+            <dgm:constr type="l" for="ch" forName="tile4" refType="w" fact="0.5"/>
+            <dgm:constr type="t" for="ch" forName="tile4" refType="h" fact="0.5"/>
+            <dgm:constr type="r" for="ch" forName="tile4text" refType="r" refFor="ch" refForName="tile4"/>
+            <dgm:constr type="b" for="ch" forName="tile4text" refType="b" refFor="ch" refForName="tile4"/>
+            <dgm:constr type="w" for="ch" forName="tile4text" refType="w" refFor="ch" refForName="tile4"/>
+            <dgm:constr type="h" for="ch" forName="tile4text" refType="h" refFor="ch" refForName="tile4" fact="0.75"/>
+          </dgm:constrLst>
+          <dgm:ruleLst/>
+          <dgm:layoutNode name="tile1" styleLbl="node1">
+            <dgm:alg type="sp"/>
+            <dgm:shape xmlns:r="http://schemas.openxmlformats.org/officeDocument/2006/relationships" rot="270" type="round1Rect" r:blip="">
+              <dgm:adjLst/>
+            </dgm:shape>
+            <dgm:choose name="Name2">
+              <dgm:if name="Name3" func="var" arg="dir" op="equ" val="norm">
+                <dgm:presOf axis="ch ch desOrSelf" ptType="node node node" st="1 1 1" cnt="1 1 0"/>
+              </dgm:if>
+              <dgm:else name="Name4">
+                <dgm:presOf axis="ch ch desOrSelf" ptType="node node node" st="1 2 1" cnt="1 1 0"/>
+              </dgm:else>
+            </dgm:choose>
+            <dgm:constrLst/>
+            <dgm:ruleLst/>
+          </dgm:layoutNode>
+          <dgm:layoutNode name="tile1text" styleLbl="node1">
+            <dgm:varLst>
+              <dgm:chMax val="0"/>
+              <dgm:chPref val="0"/>
+              <dgm:bulletEnabled val="1"/>
+            </dgm:varLst>
+            <dgm:choose name="Name5">
+              <dgm:if name="Name6" axis="root des" func="maxDepth" op="gte" val="3">
+                <dgm:alg type="tx">
+                  <dgm:param type="txAnchorVert" val="t"/>
+                  <dgm:param type="parTxLTRAlign" val="l"/>
+                  <dgm:param type="parTxRTLAlign" val="r"/>
+                </dgm:alg>
+              </dgm:if>
+              <dgm:else name="Name7">
+                <dgm:alg type="tx"/>
+              </dgm:else>
+            </dgm:choose>
+            <dgm:shape xmlns:r="http://schemas.openxmlformats.org/officeDocument/2006/relationships" rot="270" type="rect" r:blip="" hideGeom="1">
+              <dgm:adjLst>
+                <dgm:adj idx="1" val="0.2"/>
+              </dgm:adjLst>
+            </dgm:shape>
+            <dgm:choose name="Name8">
+              <dgm:if name="Name9" func="var" arg="dir" op="equ" val="norm">
+                <dgm:presOf axis="ch ch desOrSelf" ptType="node node node" st="1 1 1" cnt="1 1 0"/>
+              </dgm:if>
+              <dgm:else name="Name10">
+                <dgm:presOf axis="ch ch desOrSelf" ptType="node node node" st="1 2 1" cnt="1 1 0"/>
+              </dgm:else>
+            </dgm:choose>
+            <dgm:constrLst/>
+            <dgm:ruleLst>
+              <dgm:rule type="primFontSz" val="5" fact="NaN" max="NaN"/>
+            </dgm:ruleLst>
+          </dgm:layoutNode>
+          <dgm:layoutNode name="tile2" styleLbl="node1">
+            <dgm:alg type="sp"/>
+            <dgm:shape xmlns:r="http://schemas.openxmlformats.org/officeDocument/2006/relationships" type="round1Rect" r:blip="">
+              <dgm:adjLst/>
+            </dgm:shape>
+            <dgm:choose name="Name11">
+              <dgm:if name="Name12" func="var" arg="dir" op="equ" val="norm">
+                <dgm:presOf axis="ch ch desOrSelf" ptType="node node node" st="1 2 1" cnt="1 1 0"/>
+              </dgm:if>
+              <dgm:else name="Name13">
+                <dgm:presOf axis="ch ch desOrSelf" ptType="node node node" st="1 1 1" cnt="1 1 0"/>
+              </dgm:else>
+            </dgm:choose>
+            <dgm:constrLst/>
+            <dgm:ruleLst/>
+          </dgm:layoutNode>
+          <dgm:layoutNode name="tile2text" styleLbl="node1">
+            <dgm:varLst>
+              <dgm:chMax val="0"/>
+              <dgm:chPref val="0"/>
+              <dgm:bulletEnabled val="1"/>
+            </dgm:varLst>
+            <dgm:choose name="Name14">
+              <dgm:if name="Name15" axis="root des" func="maxDepth" op="gte" val="3">
+                <dgm:alg type="tx">
+                  <dgm:param type="txAnchorVert" val="t"/>
+                  <dgm:param type="parTxLTRAlign" val="l"/>
+                  <dgm:param type="parTxRTLAlign" val="r"/>
+                </dgm:alg>
+              </dgm:if>
+              <dgm:else name="Name16">
+                <dgm:alg type="tx"/>
+              </dgm:else>
+            </dgm:choose>
+            <dgm:shape xmlns:r="http://schemas.openxmlformats.org/officeDocument/2006/relationships" type="rect" r:blip="" hideGeom="1">
+              <dgm:adjLst/>
+            </dgm:shape>
+            <dgm:choose name="Name17">
+              <dgm:if name="Name18" func="var" arg="dir" op="equ" val="norm">
+                <dgm:presOf axis="ch ch desOrSelf" ptType="node node node" st="1 2 1" cnt="1 1 0"/>
+              </dgm:if>
+              <dgm:else name="Name19">
+                <dgm:presOf axis="ch ch desOrSelf" ptType="node node node" st="1 1 1" cnt="1 1 0"/>
+              </dgm:else>
+            </dgm:choose>
+            <dgm:constrLst/>
+            <dgm:ruleLst>
+              <dgm:rule type="primFontSz" val="5" fact="NaN" max="NaN"/>
+            </dgm:ruleLst>
+          </dgm:layoutNode>
+          <dgm:layoutNode name="tile3" styleLbl="node1">
+            <dgm:alg type="sp"/>
+            <dgm:shape xmlns:r="http://schemas.openxmlformats.org/officeDocument/2006/relationships" rot="180" type="round1Rect" r:blip="">
+              <dgm:adjLst/>
+            </dgm:shape>
+            <dgm:choose name="Name20">
+              <dgm:if name="Name21" func="var" arg="dir" op="equ" val="norm">
+                <dgm:presOf axis="ch ch desOrSelf" ptType="node node node" st="1 3 1" cnt="1 1 0"/>
+              </dgm:if>
+              <dgm:else name="Name22">
+                <dgm:presOf axis="ch ch desOrSelf" ptType="node node node" st="1 4 1" cnt="1 1 0"/>
+              </dgm:else>
+            </dgm:choose>
+            <dgm:constrLst/>
+            <dgm:ruleLst/>
+          </dgm:layoutNode>
+          <dgm:layoutNode name="tile3text" styleLbl="node1">
+            <dgm:varLst>
+              <dgm:chMax val="0"/>
+              <dgm:chPref val="0"/>
+              <dgm:bulletEnabled val="1"/>
+            </dgm:varLst>
+            <dgm:choose name="Name23">
+              <dgm:if name="Name24" axis="root des" func="maxDepth" op="gte" val="3">
+                <dgm:alg type="tx">
+                  <dgm:param type="txAnchorVert" val="t"/>
+                  <dgm:param type="parTxLTRAlign" val="l"/>
+                  <dgm:param type="parTxRTLAlign" val="r"/>
+                </dgm:alg>
+              </dgm:if>
+              <dgm:else name="Name25">
+                <dgm:alg type="tx"/>
+              </dgm:else>
+            </dgm:choose>
+            <dgm:shape xmlns:r="http://schemas.openxmlformats.org/officeDocument/2006/relationships" rot="180" type="rect" r:blip="" hideGeom="1">
+              <dgm:adjLst/>
+            </dgm:shape>
+            <dgm:choose name="Name26">
+              <dgm:if name="Name27" func="var" arg="dir" op="equ" val="norm">
+                <dgm:presOf axis="ch ch desOrSelf" ptType="node node node" st="1 3 1" cnt="1 1 0"/>
+              </dgm:if>
+              <dgm:else name="Name28">
+                <dgm:presOf axis="ch ch desOrSelf" ptType="node node node" st="1 4 1" cnt="1 1 0"/>
+              </dgm:else>
+            </dgm:choose>
+            <dgm:constrLst/>
+            <dgm:ruleLst>
+              <dgm:rule type="primFontSz" val="5" fact="NaN" max="NaN"/>
+            </dgm:ruleLst>
+          </dgm:layoutNode>
+          <dgm:layoutNode name="tile4" styleLbl="node1">
+            <dgm:alg type="sp"/>
+            <dgm:shape xmlns:r="http://schemas.openxmlformats.org/officeDocument/2006/relationships" rot="90" type="round1Rect" r:blip="">
+              <dgm:adjLst/>
+            </dgm:shape>
+            <dgm:choose name="Name29">
+              <dgm:if name="Name30" func="var" arg="dir" op="equ" val="norm">
+                <dgm:presOf axis="ch ch desOrSelf" ptType="node node node" st="1 4 1" cnt="1 1 0"/>
+              </dgm:if>
+              <dgm:else name="Name31">
+                <dgm:presOf axis="ch ch desOrSelf" ptType="node node node" st="1 3 1" cnt="1 1 0"/>
+              </dgm:else>
+            </dgm:choose>
+            <dgm:constrLst/>
+            <dgm:ruleLst/>
+          </dgm:layoutNode>
+          <dgm:layoutNode name="tile4text" styleLbl="node1">
+            <dgm:varLst>
+              <dgm:chMax val="0"/>
+              <dgm:chPref val="0"/>
+              <dgm:bulletEnabled val="1"/>
+            </dgm:varLst>
+            <dgm:choose name="Name32">
+              <dgm:if name="Name33" axis="root des" func="maxDepth" op="gte" val="3">
+                <dgm:alg type="tx">
+                  <dgm:param type="txAnchorVert" val="t"/>
+                  <dgm:param type="parTxLTRAlign" val="l"/>
+                  <dgm:param type="parTxRTLAlign" val="r"/>
+                </dgm:alg>
+              </dgm:if>
+              <dgm:else name="Name34">
+                <dgm:alg type="tx"/>
+              </dgm:else>
+            </dgm:choose>
+            <dgm:shape xmlns:r="http://schemas.openxmlformats.org/officeDocument/2006/relationships" rot="90" type="rect" r:blip="" hideGeom="1">
+              <dgm:adjLst/>
+            </dgm:shape>
+            <dgm:choose name="Name35">
+              <dgm:if name="Name36" func="var" arg="dir" op="equ" val="norm">
+                <dgm:presOf axis="ch ch desOrSelf" ptType="node node node" st="1 4 1" cnt="1 1 0"/>
+              </dgm:if>
+              <dgm:else name="Name37">
+                <dgm:presOf axis="ch ch desOrSelf" ptType="node node node" st="1 3 1" cnt="1 1 0"/>
+              </dgm:else>
+            </dgm:choose>
+            <dgm:constrLst/>
+            <dgm:ruleLst>
+              <dgm:rule type="primFontSz" val="5" fact="NaN" max="NaN"/>
+            </dgm:ruleLst>
+          </dgm:layoutNode>
+        </dgm:layoutNode>
+        <dgm:layoutNode name="centerTile" styleLbl="fgShp">
+          <dgm:varLst>
+            <dgm:chMax val="0"/>
+            <dgm:chPref val="0"/>
+          </dgm:varLst>
+          <dgm:alg type="tx"/>
+          <dgm:shape xmlns:r="http://schemas.openxmlformats.org/officeDocument/2006/relationships" type="roundRect" r:blip="">
+            <dgm:adjLst/>
+          </dgm:shape>
+          <dgm:presOf axis="ch" ptType="node" cnt="1"/>
+          <dgm:constrLst>
+            <dgm:constr type="tMarg" refType="primFontSz" fact="0.3"/>
+            <dgm:constr type="bMarg" refType="primFontSz" fact="0.3"/>
+            <dgm:constr type="lMarg" refType="primFontSz" fact="0.3"/>
+            <dgm:constr type="rMarg" refType="primFontSz" fact="0.3"/>
+          </dgm:constrLst>
+          <dgm:ruleLst>
+            <dgm:rule type="primFontSz" val="5" fact="NaN" max="NaN"/>
+          </dgm:ruleLst>
+        </dgm:layoutNode>
+      </dgm:if>
+      <dgm:else name="Name38"/>
+    </dgm:choose>
+  </dgm:layoutNode>
+</dgm:layoutDef>
+</file>
+
 <file path=ppt/diagrams/quickStyle1.xml><?xml version="1.0" encoding="utf-8"?>
 <dgm:styleDef xmlns:dgm="http://schemas.openxmlformats.org/drawingml/2006/diagram" xmlns:a="http://schemas.openxmlformats.org/drawingml/2006/main" uniqueId="urn:microsoft.com/office/officeart/2005/8/quickstyle/3d6">
   <dgm:title val=""/>
@@ -9122,6 +10989,4276 @@
     </dgm:style>
   </dgm:styleLbl>
 </dgm:styleDef>
+</file>
+
+<file path=ppt/diagrams/quickStyle4.xml><?xml version="1.0" encoding="utf-8"?>
+<dgm:styleDef xmlns:dgm="http://schemas.openxmlformats.org/drawingml/2006/diagram" xmlns:a="http://schemas.openxmlformats.org/drawingml/2006/main" uniqueId="urn:microsoft.com/office/officeart/2005/8/quickstyle/3d6">
+  <dgm:title val=""/>
+  <dgm:desc val=""/>
+  <dgm:catLst>
+    <dgm:cat type="3D" pri="11600"/>
+  </dgm:catLst>
+  <dgm:scene3d>
+    <a:camera prst="perspectiveRelaxedModerately" zoom="92000"/>
+    <a:lightRig rig="balanced" dir="t">
+      <a:rot lat="0" lon="0" rev="12700000"/>
+    </a:lightRig>
+  </dgm:scene3d>
+  <dgm:styleLbl name="node0">
+    <dgm:scene3d>
+      <a:camera prst="orthographicFront"/>
+      <a:lightRig rig="threePt" dir="t"/>
+    </dgm:scene3d>
+    <dgm:sp3d prstMaterial="plastic">
+      <a:bevelT w="50800" h="50800"/>
+      <a:bevelB w="50800" h="50800"/>
+    </dgm:sp3d>
+    <dgm:txPr/>
+    <dgm:style>
+      <a:lnRef idx="0">
+        <a:scrgbClr r="0" g="0" b="0"/>
+      </a:lnRef>
+      <a:fillRef idx="1">
+        <a:scrgbClr r="0" g="0" b="0"/>
+      </a:fillRef>
+      <a:effectRef idx="2">
+        <a:scrgbClr r="0" g="0" b="0"/>
+      </a:effectRef>
+      <a:fontRef idx="minor">
+        <a:schemeClr val="lt1"/>
+      </a:fontRef>
+    </dgm:style>
+  </dgm:styleLbl>
+  <dgm:styleLbl name="lnNode1">
+    <dgm:scene3d>
+      <a:camera prst="orthographicFront"/>
+      <a:lightRig rig="threePt" dir="t"/>
+    </dgm:scene3d>
+    <dgm:sp3d prstMaterial="plastic">
+      <a:bevelT w="50800" h="50800"/>
+      <a:bevelB w="50800" h="50800"/>
+    </dgm:sp3d>
+    <dgm:txPr/>
+    <dgm:style>
+      <a:lnRef idx="0">
+        <a:scrgbClr r="0" g="0" b="0"/>
+      </a:lnRef>
+      <a:fillRef idx="1">
+        <a:scrgbClr r="0" g="0" b="0"/>
+      </a:fillRef>
+      <a:effectRef idx="2">
+        <a:scrgbClr r="0" g="0" b="0"/>
+      </a:effectRef>
+      <a:fontRef idx="minor">
+        <a:schemeClr val="lt1"/>
+      </a:fontRef>
+    </dgm:style>
+  </dgm:styleLbl>
+  <dgm:styleLbl name="vennNode1">
+    <dgm:scene3d>
+      <a:camera prst="orthographicFront"/>
+      <a:lightRig rig="threePt" dir="t"/>
+    </dgm:scene3d>
+    <dgm:sp3d prstMaterial="plastic">
+      <a:bevelT w="50800" h="50800"/>
+      <a:bevelB w="50800" h="50800"/>
+    </dgm:sp3d>
+    <dgm:txPr/>
+    <dgm:style>
+      <a:lnRef idx="0">
+        <a:scrgbClr r="0" g="0" b="0"/>
+      </a:lnRef>
+      <a:fillRef idx="1">
+        <a:scrgbClr r="0" g="0" b="0"/>
+      </a:fillRef>
+      <a:effectRef idx="2">
+        <a:scrgbClr r="0" g="0" b="0"/>
+      </a:effectRef>
+      <a:fontRef idx="minor">
+        <a:schemeClr val="tx1"/>
+      </a:fontRef>
+    </dgm:style>
+  </dgm:styleLbl>
+  <dgm:styleLbl name="alignNode1">
+    <dgm:scene3d>
+      <a:camera prst="orthographicFront"/>
+      <a:lightRig rig="threePt" dir="t"/>
+    </dgm:scene3d>
+    <dgm:sp3d prstMaterial="plastic">
+      <a:bevelT w="50800" h="50800"/>
+      <a:bevelB w="50800" h="50800"/>
+    </dgm:sp3d>
+    <dgm:txPr/>
+    <dgm:style>
+      <a:lnRef idx="1">
+        <a:scrgbClr r="0" g="0" b="0"/>
+      </a:lnRef>
+      <a:fillRef idx="1">
+        <a:scrgbClr r="0" g="0" b="0"/>
+      </a:fillRef>
+      <a:effectRef idx="2">
+        <a:scrgbClr r="0" g="0" b="0"/>
+      </a:effectRef>
+      <a:fontRef idx="minor">
+        <a:schemeClr val="lt1"/>
+      </a:fontRef>
+    </dgm:style>
+  </dgm:styleLbl>
+  <dgm:styleLbl name="node1">
+    <dgm:scene3d>
+      <a:camera prst="orthographicFront"/>
+      <a:lightRig rig="threePt" dir="t"/>
+    </dgm:scene3d>
+    <dgm:sp3d prstMaterial="plastic">
+      <a:bevelT w="50800" h="50800"/>
+      <a:bevelB w="50800" h="50800"/>
+    </dgm:sp3d>
+    <dgm:txPr/>
+    <dgm:style>
+      <a:lnRef idx="0">
+        <a:scrgbClr r="0" g="0" b="0"/>
+      </a:lnRef>
+      <a:fillRef idx="1">
+        <a:scrgbClr r="0" g="0" b="0"/>
+      </a:fillRef>
+      <a:effectRef idx="2">
+        <a:scrgbClr r="0" g="0" b="0"/>
+      </a:effectRef>
+      <a:fontRef idx="minor">
+        <a:schemeClr val="lt1"/>
+      </a:fontRef>
+    </dgm:style>
+  </dgm:styleLbl>
+  <dgm:styleLbl name="node2">
+    <dgm:scene3d>
+      <a:camera prst="orthographicFront"/>
+      <a:lightRig rig="threePt" dir="t"/>
+    </dgm:scene3d>
+    <dgm:sp3d prstMaterial="plastic">
+      <a:bevelT w="50800" h="50800"/>
+      <a:bevelB w="50800" h="50800"/>
+    </dgm:sp3d>
+    <dgm:txPr/>
+    <dgm:style>
+      <a:lnRef idx="0">
+        <a:scrgbClr r="0" g="0" b="0"/>
+      </a:lnRef>
+      <a:fillRef idx="1">
+        <a:scrgbClr r="0" g="0" b="0"/>
+      </a:fillRef>
+      <a:effectRef idx="2">
+        <a:scrgbClr r="0" g="0" b="0"/>
+      </a:effectRef>
+      <a:fontRef idx="minor">
+        <a:schemeClr val="lt1"/>
+      </a:fontRef>
+    </dgm:style>
+  </dgm:styleLbl>
+  <dgm:styleLbl name="node3">
+    <dgm:scene3d>
+      <a:camera prst="orthographicFront"/>
+      <a:lightRig rig="threePt" dir="t"/>
+    </dgm:scene3d>
+    <dgm:sp3d prstMaterial="plastic">
+      <a:bevelT w="50800" h="50800"/>
+      <a:bevelB w="50800" h="50800"/>
+    </dgm:sp3d>
+    <dgm:txPr/>
+    <dgm:style>
+      <a:lnRef idx="0">
+        <a:scrgbClr r="0" g="0" b="0"/>
+      </a:lnRef>
+      <a:fillRef idx="1">
+        <a:scrgbClr r="0" g="0" b="0"/>
+      </a:fillRef>
+      <a:effectRef idx="2">
+        <a:scrgbClr r="0" g="0" b="0"/>
+      </a:effectRef>
+      <a:fontRef idx="minor">
+        <a:schemeClr val="lt1"/>
+      </a:fontRef>
+    </dgm:style>
+  </dgm:styleLbl>
+  <dgm:styleLbl name="node4">
+    <dgm:scene3d>
+      <a:camera prst="orthographicFront"/>
+      <a:lightRig rig="threePt" dir="t"/>
+    </dgm:scene3d>
+    <dgm:sp3d prstMaterial="plastic">
+      <a:bevelT w="50800" h="50800"/>
+      <a:bevelB w="50800" h="50800"/>
+    </dgm:sp3d>
+    <dgm:txPr/>
+    <dgm:style>
+      <a:lnRef idx="0">
+        <a:scrgbClr r="0" g="0" b="0"/>
+      </a:lnRef>
+      <a:fillRef idx="1">
+        <a:scrgbClr r="0" g="0" b="0"/>
+      </a:fillRef>
+      <a:effectRef idx="2">
+        <a:scrgbClr r="0" g="0" b="0"/>
+      </a:effectRef>
+      <a:fontRef idx="minor">
+        <a:schemeClr val="lt1"/>
+      </a:fontRef>
+    </dgm:style>
+  </dgm:styleLbl>
+  <dgm:styleLbl name="fgImgPlace1">
+    <dgm:scene3d>
+      <a:camera prst="orthographicFront"/>
+      <a:lightRig rig="threePt" dir="t"/>
+    </dgm:scene3d>
+    <dgm:sp3d z="50080" prstMaterial="plastic">
+      <a:bevelT w="50800" h="50800"/>
+      <a:bevelB w="50800" h="50800"/>
+    </dgm:sp3d>
+    <dgm:txPr/>
+    <dgm:style>
+      <a:lnRef idx="0">
+        <a:scrgbClr r="0" g="0" b="0"/>
+      </a:lnRef>
+      <a:fillRef idx="1">
+        <a:scrgbClr r="0" g="0" b="0"/>
+      </a:fillRef>
+      <a:effectRef idx="2">
+        <a:scrgbClr r="0" g="0" b="0"/>
+      </a:effectRef>
+      <a:fontRef idx="minor"/>
+    </dgm:style>
+  </dgm:styleLbl>
+  <dgm:styleLbl name="alignImgPlace1">
+    <dgm:scene3d>
+      <a:camera prst="orthographicFront"/>
+      <a:lightRig rig="threePt" dir="t"/>
+    </dgm:scene3d>
+    <dgm:sp3d prstMaterial="plastic">
+      <a:bevelT w="50800" h="50800"/>
+      <a:bevelB w="50800" h="50800"/>
+    </dgm:sp3d>
+    <dgm:txPr/>
+    <dgm:style>
+      <a:lnRef idx="0">
+        <a:scrgbClr r="0" g="0" b="0"/>
+      </a:lnRef>
+      <a:fillRef idx="1">
+        <a:scrgbClr r="0" g="0" b="0"/>
+      </a:fillRef>
+      <a:effectRef idx="2">
+        <a:scrgbClr r="0" g="0" b="0"/>
+      </a:effectRef>
+      <a:fontRef idx="minor"/>
+    </dgm:style>
+  </dgm:styleLbl>
+  <dgm:styleLbl name="bgImgPlace1">
+    <dgm:scene3d>
+      <a:camera prst="orthographicFront"/>
+      <a:lightRig rig="threePt" dir="t"/>
+    </dgm:scene3d>
+    <dgm:sp3d z="-54000" prstMaterial="plastic">
+      <a:bevelT w="50800" h="50800"/>
+      <a:bevelB w="50800" h="50800"/>
+    </dgm:sp3d>
+    <dgm:txPr/>
+    <dgm:style>
+      <a:lnRef idx="0">
+        <a:scrgbClr r="0" g="0" b="0"/>
+      </a:lnRef>
+      <a:fillRef idx="1">
+        <a:scrgbClr r="0" g="0" b="0"/>
+      </a:fillRef>
+      <a:effectRef idx="2">
+        <a:scrgbClr r="0" g="0" b="0"/>
+      </a:effectRef>
+      <a:fontRef idx="minor"/>
+    </dgm:style>
+  </dgm:styleLbl>
+  <dgm:styleLbl name="sibTrans2D1">
+    <dgm:scene3d>
+      <a:camera prst="orthographicFront"/>
+      <a:lightRig rig="threePt" dir="t"/>
+    </dgm:scene3d>
+    <dgm:sp3d z="-25400" prstMaterial="plastic">
+      <a:bevelT w="25400" h="25400"/>
+      <a:bevelB w="25400" h="25400"/>
+    </dgm:sp3d>
+    <dgm:txPr/>
+    <dgm:style>
+      <a:lnRef idx="1">
+        <a:scrgbClr r="0" g="0" b="0"/>
+      </a:lnRef>
+      <a:fillRef idx="1">
+        <a:scrgbClr r="0" g="0" b="0"/>
+      </a:fillRef>
+      <a:effectRef idx="2">
+        <a:scrgbClr r="0" g="0" b="0"/>
+      </a:effectRef>
+      <a:fontRef idx="minor">
+        <a:schemeClr val="lt1"/>
+      </a:fontRef>
+    </dgm:style>
+  </dgm:styleLbl>
+  <dgm:styleLbl name="fgSibTrans2D1">
+    <dgm:scene3d>
+      <a:camera prst="orthographicFront"/>
+      <a:lightRig rig="threePt" dir="t"/>
+    </dgm:scene3d>
+    <dgm:sp3d z="50080" prstMaterial="plastic">
+      <a:bevelT w="25400" h="25400"/>
+      <a:bevelB w="25400" h="25400"/>
+    </dgm:sp3d>
+    <dgm:txPr/>
+    <dgm:style>
+      <a:lnRef idx="1">
+        <a:scrgbClr r="0" g="0" b="0"/>
+      </a:lnRef>
+      <a:fillRef idx="1">
+        <a:scrgbClr r="0" g="0" b="0"/>
+      </a:fillRef>
+      <a:effectRef idx="2">
+        <a:scrgbClr r="0" g="0" b="0"/>
+      </a:effectRef>
+      <a:fontRef idx="minor">
+        <a:schemeClr val="lt1"/>
+      </a:fontRef>
+    </dgm:style>
+  </dgm:styleLbl>
+  <dgm:styleLbl name="bgSibTrans2D1">
+    <dgm:scene3d>
+      <a:camera prst="orthographicFront"/>
+      <a:lightRig rig="threePt" dir="t"/>
+    </dgm:scene3d>
+    <dgm:sp3d z="-54080" prstMaterial="plastic">
+      <a:bevelT w="25400" h="25400"/>
+      <a:bevelB w="25400" h="25400"/>
+    </dgm:sp3d>
+    <dgm:txPr/>
+    <dgm:style>
+      <a:lnRef idx="1">
+        <a:scrgbClr r="0" g="0" b="0"/>
+      </a:lnRef>
+      <a:fillRef idx="1">
+        <a:scrgbClr r="0" g="0" b="0"/>
+      </a:fillRef>
+      <a:effectRef idx="2">
+        <a:scrgbClr r="0" g="0" b="0"/>
+      </a:effectRef>
+      <a:fontRef idx="minor">
+        <a:schemeClr val="lt1"/>
+      </a:fontRef>
+    </dgm:style>
+  </dgm:styleLbl>
+  <dgm:styleLbl name="sibTrans1D1">
+    <dgm:scene3d>
+      <a:camera prst="orthographicFront"/>
+      <a:lightRig rig="threePt" dir="t"/>
+    </dgm:scene3d>
+    <dgm:sp3d z="-25400" prstMaterial="plastic"/>
+    <dgm:txPr/>
+    <dgm:style>
+      <a:lnRef idx="1">
+        <a:scrgbClr r="0" g="0" b="0"/>
+      </a:lnRef>
+      <a:fillRef idx="0">
+        <a:scrgbClr r="0" g="0" b="0"/>
+      </a:fillRef>
+      <a:effectRef idx="0">
+        <a:scrgbClr r="0" g="0" b="0"/>
+      </a:effectRef>
+      <a:fontRef idx="minor"/>
+    </dgm:style>
+  </dgm:styleLbl>
+  <dgm:styleLbl name="callout">
+    <dgm:scene3d>
+      <a:camera prst="orthographicFront"/>
+      <a:lightRig rig="threePt" dir="t"/>
+    </dgm:scene3d>
+    <dgm:sp3d z="75000" prstMaterial="plastic"/>
+    <dgm:txPr/>
+    <dgm:style>
+      <a:lnRef idx="2">
+        <a:scrgbClr r="0" g="0" b="0"/>
+      </a:lnRef>
+      <a:fillRef idx="1">
+        <a:scrgbClr r="0" g="0" b="0"/>
+      </a:fillRef>
+      <a:effectRef idx="0">
+        <a:scrgbClr r="0" g="0" b="0"/>
+      </a:effectRef>
+      <a:fontRef idx="minor"/>
+    </dgm:style>
+  </dgm:styleLbl>
+  <dgm:styleLbl name="asst0">
+    <dgm:scene3d>
+      <a:camera prst="orthographicFront"/>
+      <a:lightRig rig="threePt" dir="t"/>
+    </dgm:scene3d>
+    <dgm:sp3d prstMaterial="plastic">
+      <a:bevelT w="50800" h="50800"/>
+      <a:bevelB w="50800" h="50800"/>
+    </dgm:sp3d>
+    <dgm:txPr/>
+    <dgm:style>
+      <a:lnRef idx="0">
+        <a:scrgbClr r="0" g="0" b="0"/>
+      </a:lnRef>
+      <a:fillRef idx="1">
+        <a:scrgbClr r="0" g="0" b="0"/>
+      </a:fillRef>
+      <a:effectRef idx="2">
+        <a:scrgbClr r="0" g="0" b="0"/>
+      </a:effectRef>
+      <a:fontRef idx="minor">
+        <a:schemeClr val="lt1"/>
+      </a:fontRef>
+    </dgm:style>
+  </dgm:styleLbl>
+  <dgm:styleLbl name="asst1">
+    <dgm:scene3d>
+      <a:camera prst="orthographicFront"/>
+      <a:lightRig rig="threePt" dir="t"/>
+    </dgm:scene3d>
+    <dgm:sp3d prstMaterial="plastic">
+      <a:bevelT w="50800" h="50800"/>
+      <a:bevelB w="50800" h="50800"/>
+    </dgm:sp3d>
+    <dgm:txPr/>
+    <dgm:style>
+      <a:lnRef idx="0">
+        <a:scrgbClr r="0" g="0" b="0"/>
+      </a:lnRef>
+      <a:fillRef idx="1">
+        <a:scrgbClr r="0" g="0" b="0"/>
+      </a:fillRef>
+      <a:effectRef idx="2">
+        <a:scrgbClr r="0" g="0" b="0"/>
+      </a:effectRef>
+      <a:fontRef idx="minor">
+        <a:schemeClr val="lt1"/>
+      </a:fontRef>
+    </dgm:style>
+  </dgm:styleLbl>
+  <dgm:styleLbl name="asst2">
+    <dgm:scene3d>
+      <a:camera prst="orthographicFront"/>
+      <a:lightRig rig="threePt" dir="t"/>
+    </dgm:scene3d>
+    <dgm:sp3d prstMaterial="plastic">
+      <a:bevelT w="50800" h="50800"/>
+      <a:bevelB w="50800" h="50800"/>
+    </dgm:sp3d>
+    <dgm:txPr/>
+    <dgm:style>
+      <a:lnRef idx="0">
+        <a:scrgbClr r="0" g="0" b="0"/>
+      </a:lnRef>
+      <a:fillRef idx="1">
+        <a:scrgbClr r="0" g="0" b="0"/>
+      </a:fillRef>
+      <a:effectRef idx="2">
+        <a:scrgbClr r="0" g="0" b="0"/>
+      </a:effectRef>
+      <a:fontRef idx="minor">
+        <a:schemeClr val="lt1"/>
+      </a:fontRef>
+    </dgm:style>
+  </dgm:styleLbl>
+  <dgm:styleLbl name="asst3">
+    <dgm:scene3d>
+      <a:camera prst="orthographicFront"/>
+      <a:lightRig rig="threePt" dir="t"/>
+    </dgm:scene3d>
+    <dgm:sp3d prstMaterial="plastic">
+      <a:bevelT w="50800" h="50800"/>
+      <a:bevelB w="50800" h="50800"/>
+    </dgm:sp3d>
+    <dgm:txPr/>
+    <dgm:style>
+      <a:lnRef idx="0">
+        <a:scrgbClr r="0" g="0" b="0"/>
+      </a:lnRef>
+      <a:fillRef idx="1">
+        <a:scrgbClr r="0" g="0" b="0"/>
+      </a:fillRef>
+      <a:effectRef idx="2">
+        <a:scrgbClr r="0" g="0" b="0"/>
+      </a:effectRef>
+      <a:fontRef idx="minor">
+        <a:schemeClr val="lt1"/>
+      </a:fontRef>
+    </dgm:style>
+  </dgm:styleLbl>
+  <dgm:styleLbl name="parChTrans2D1">
+    <dgm:scene3d>
+      <a:camera prst="orthographicFront"/>
+      <a:lightRig rig="threePt" dir="t"/>
+    </dgm:scene3d>
+    <dgm:sp3d z="-25400" prstMaterial="plastic">
+      <a:bevelT w="25400" h="25400"/>
+      <a:bevelB w="25400" h="25400"/>
+    </dgm:sp3d>
+    <dgm:txPr/>
+    <dgm:style>
+      <a:lnRef idx="0">
+        <a:scrgbClr r="0" g="0" b="0"/>
+      </a:lnRef>
+      <a:fillRef idx="1">
+        <a:scrgbClr r="0" g="0" b="0"/>
+      </a:fillRef>
+      <a:effectRef idx="2">
+        <a:scrgbClr r="0" g="0" b="0"/>
+      </a:effectRef>
+      <a:fontRef idx="minor">
+        <a:schemeClr val="lt1"/>
+      </a:fontRef>
+    </dgm:style>
+  </dgm:styleLbl>
+  <dgm:styleLbl name="parChTrans2D2">
+    <dgm:scene3d>
+      <a:camera prst="orthographicFront"/>
+      <a:lightRig rig="threePt" dir="t"/>
+    </dgm:scene3d>
+    <dgm:sp3d z="-25400" prstMaterial="plastic">
+      <a:bevelT w="25400" h="25400"/>
+      <a:bevelB w="25400" h="25400"/>
+    </dgm:sp3d>
+    <dgm:txPr/>
+    <dgm:style>
+      <a:lnRef idx="0">
+        <a:scrgbClr r="0" g="0" b="0"/>
+      </a:lnRef>
+      <a:fillRef idx="1">
+        <a:scrgbClr r="0" g="0" b="0"/>
+      </a:fillRef>
+      <a:effectRef idx="2">
+        <a:scrgbClr r="0" g="0" b="0"/>
+      </a:effectRef>
+      <a:fontRef idx="minor">
+        <a:schemeClr val="lt1"/>
+      </a:fontRef>
+    </dgm:style>
+  </dgm:styleLbl>
+  <dgm:styleLbl name="parChTrans2D3">
+    <dgm:scene3d>
+      <a:camera prst="orthographicFront"/>
+      <a:lightRig rig="threePt" dir="t"/>
+    </dgm:scene3d>
+    <dgm:sp3d z="-25400" prstMaterial="plastic">
+      <a:bevelT w="25400" h="25400"/>
+      <a:bevelB w="25400" h="25400"/>
+    </dgm:sp3d>
+    <dgm:txPr/>
+    <dgm:style>
+      <a:lnRef idx="0">
+        <a:scrgbClr r="0" g="0" b="0"/>
+      </a:lnRef>
+      <a:fillRef idx="1">
+        <a:scrgbClr r="0" g="0" b="0"/>
+      </a:fillRef>
+      <a:effectRef idx="2">
+        <a:scrgbClr r="0" g="0" b="0"/>
+      </a:effectRef>
+      <a:fontRef idx="minor">
+        <a:schemeClr val="lt1"/>
+      </a:fontRef>
+    </dgm:style>
+  </dgm:styleLbl>
+  <dgm:styleLbl name="parChTrans2D4">
+    <dgm:scene3d>
+      <a:camera prst="orthographicFront"/>
+      <a:lightRig rig="threePt" dir="t"/>
+    </dgm:scene3d>
+    <dgm:sp3d z="-25400" prstMaterial="plastic">
+      <a:bevelT w="25400" h="25400"/>
+      <a:bevelB w="25400" h="25400"/>
+    </dgm:sp3d>
+    <dgm:txPr/>
+    <dgm:style>
+      <a:lnRef idx="0">
+        <a:scrgbClr r="0" g="0" b="0"/>
+      </a:lnRef>
+      <a:fillRef idx="1">
+        <a:scrgbClr r="0" g="0" b="0"/>
+      </a:fillRef>
+      <a:effectRef idx="2">
+        <a:scrgbClr r="0" g="0" b="0"/>
+      </a:effectRef>
+      <a:fontRef idx="minor">
+        <a:schemeClr val="lt1"/>
+      </a:fontRef>
+    </dgm:style>
+  </dgm:styleLbl>
+  <dgm:styleLbl name="parChTrans1D1">
+    <dgm:scene3d>
+      <a:camera prst="orthographicFront"/>
+      <a:lightRig rig="threePt" dir="t"/>
+    </dgm:scene3d>
+    <dgm:sp3d z="-25400" prstMaterial="plastic"/>
+    <dgm:txPr/>
+    <dgm:style>
+      <a:lnRef idx="2">
+        <a:scrgbClr r="0" g="0" b="0"/>
+      </a:lnRef>
+      <a:fillRef idx="0">
+        <a:scrgbClr r="0" g="0" b="0"/>
+      </a:fillRef>
+      <a:effectRef idx="0">
+        <a:scrgbClr r="0" g="0" b="0"/>
+      </a:effectRef>
+      <a:fontRef idx="minor">
+        <a:schemeClr val="tx1"/>
+      </a:fontRef>
+    </dgm:style>
+  </dgm:styleLbl>
+  <dgm:styleLbl name="parChTrans1D2">
+    <dgm:scene3d>
+      <a:camera prst="orthographicFront"/>
+      <a:lightRig rig="threePt" dir="t"/>
+    </dgm:scene3d>
+    <dgm:sp3d z="-25400" prstMaterial="plastic"/>
+    <dgm:txPr/>
+    <dgm:style>
+      <a:lnRef idx="2">
+        <a:scrgbClr r="0" g="0" b="0"/>
+      </a:lnRef>
+      <a:fillRef idx="0">
+        <a:scrgbClr r="0" g="0" b="0"/>
+      </a:fillRef>
+      <a:effectRef idx="0">
+        <a:scrgbClr r="0" g="0" b="0"/>
+      </a:effectRef>
+      <a:fontRef idx="minor">
+        <a:schemeClr val="tx1"/>
+      </a:fontRef>
+    </dgm:style>
+  </dgm:styleLbl>
+  <dgm:styleLbl name="parChTrans1D3">
+    <dgm:scene3d>
+      <a:camera prst="orthographicFront"/>
+      <a:lightRig rig="threePt" dir="t"/>
+    </dgm:scene3d>
+    <dgm:sp3d z="-25400" prstMaterial="plastic"/>
+    <dgm:txPr/>
+    <dgm:style>
+      <a:lnRef idx="2">
+        <a:scrgbClr r="0" g="0" b="0"/>
+      </a:lnRef>
+      <a:fillRef idx="0">
+        <a:scrgbClr r="0" g="0" b="0"/>
+      </a:fillRef>
+      <a:effectRef idx="0">
+        <a:scrgbClr r="0" g="0" b="0"/>
+      </a:effectRef>
+      <a:fontRef idx="minor">
+        <a:schemeClr val="tx1"/>
+      </a:fontRef>
+    </dgm:style>
+  </dgm:styleLbl>
+  <dgm:styleLbl name="parChTrans1D4">
+    <dgm:scene3d>
+      <a:camera prst="orthographicFront"/>
+      <a:lightRig rig="threePt" dir="t"/>
+    </dgm:scene3d>
+    <dgm:sp3d z="-25400" prstMaterial="plastic"/>
+    <dgm:txPr/>
+    <dgm:style>
+      <a:lnRef idx="2">
+        <a:scrgbClr r="0" g="0" b="0"/>
+      </a:lnRef>
+      <a:fillRef idx="0">
+        <a:scrgbClr r="0" g="0" b="0"/>
+      </a:fillRef>
+      <a:effectRef idx="0">
+        <a:scrgbClr r="0" g="0" b="0"/>
+      </a:effectRef>
+      <a:fontRef idx="minor">
+        <a:schemeClr val="tx1"/>
+      </a:fontRef>
+    </dgm:style>
+  </dgm:styleLbl>
+  <dgm:styleLbl name="fgAcc1">
+    <dgm:scene3d>
+      <a:camera prst="orthographicFront"/>
+      <a:lightRig rig="threePt" dir="t"/>
+    </dgm:scene3d>
+    <dgm:sp3d z="50080" prstMaterial="plastic">
+      <a:bevelT w="25400" h="25400"/>
+      <a:bevelB w="25400" h="25400"/>
+    </dgm:sp3d>
+    <dgm:txPr/>
+    <dgm:style>
+      <a:lnRef idx="1">
+        <a:scrgbClr r="0" g="0" b="0"/>
+      </a:lnRef>
+      <a:fillRef idx="1">
+        <a:scrgbClr r="0" g="0" b="0"/>
+      </a:fillRef>
+      <a:effectRef idx="2">
+        <a:scrgbClr r="0" g="0" b="0"/>
+      </a:effectRef>
+      <a:fontRef idx="minor"/>
+    </dgm:style>
+  </dgm:styleLbl>
+  <dgm:styleLbl name="conFgAcc1">
+    <dgm:scene3d>
+      <a:camera prst="orthographicFront"/>
+      <a:lightRig rig="threePt" dir="t"/>
+    </dgm:scene3d>
+    <dgm:sp3d z="-152400" prstMaterial="plastic">
+      <a:bevelT w="25400" h="25400"/>
+      <a:bevelB w="25400" h="25400"/>
+    </dgm:sp3d>
+    <dgm:txPr/>
+    <dgm:style>
+      <a:lnRef idx="1">
+        <a:scrgbClr r="0" g="0" b="0"/>
+      </a:lnRef>
+      <a:fillRef idx="1">
+        <a:scrgbClr r="0" g="0" b="0"/>
+      </a:fillRef>
+      <a:effectRef idx="2">
+        <a:scrgbClr r="0" g="0" b="0"/>
+      </a:effectRef>
+      <a:fontRef idx="minor"/>
+    </dgm:style>
+  </dgm:styleLbl>
+  <dgm:styleLbl name="alignAcc1">
+    <dgm:scene3d>
+      <a:camera prst="orthographicFront"/>
+      <a:lightRig rig="threePt" dir="t"/>
+    </dgm:scene3d>
+    <dgm:sp3d prstMaterial="plastic">
+      <a:bevelT w="25400" h="25400"/>
+      <a:bevelB w="25400" h="25400"/>
+    </dgm:sp3d>
+    <dgm:txPr/>
+    <dgm:style>
+      <a:lnRef idx="1">
+        <a:scrgbClr r="0" g="0" b="0"/>
+      </a:lnRef>
+      <a:fillRef idx="1">
+        <a:scrgbClr r="0" g="0" b="0"/>
+      </a:fillRef>
+      <a:effectRef idx="2">
+        <a:scrgbClr r="0" g="0" b="0"/>
+      </a:effectRef>
+      <a:fontRef idx="minor"/>
+    </dgm:style>
+  </dgm:styleLbl>
+  <dgm:styleLbl name="trAlignAcc1">
+    <dgm:scene3d>
+      <a:camera prst="orthographicFront"/>
+      <a:lightRig rig="threePt" dir="t"/>
+    </dgm:scene3d>
+    <dgm:sp3d prstMaterial="plastic">
+      <a:bevelT w="50800" h="50800"/>
+      <a:bevelB w="50800" h="50800"/>
+    </dgm:sp3d>
+    <dgm:txPr/>
+    <dgm:style>
+      <a:lnRef idx="1">
+        <a:scrgbClr r="0" g="0" b="0"/>
+      </a:lnRef>
+      <a:fillRef idx="1">
+        <a:scrgbClr r="0" g="0" b="0"/>
+      </a:fillRef>
+      <a:effectRef idx="2">
+        <a:scrgbClr r="0" g="0" b="0"/>
+      </a:effectRef>
+      <a:fontRef idx="minor"/>
+    </dgm:style>
+  </dgm:styleLbl>
+  <dgm:styleLbl name="bgAcc1">
+    <dgm:scene3d>
+      <a:camera prst="orthographicFront"/>
+      <a:lightRig rig="threePt" dir="t"/>
+    </dgm:scene3d>
+    <dgm:sp3d z="-152400" prstMaterial="plastic">
+      <a:bevelT w="25400" h="25400"/>
+      <a:bevelB w="25400" h="25400"/>
+    </dgm:sp3d>
+    <dgm:txPr/>
+    <dgm:style>
+      <a:lnRef idx="1">
+        <a:scrgbClr r="0" g="0" b="0"/>
+      </a:lnRef>
+      <a:fillRef idx="1">
+        <a:scrgbClr r="0" g="0" b="0"/>
+      </a:fillRef>
+      <a:effectRef idx="2">
+        <a:scrgbClr r="0" g="0" b="0"/>
+      </a:effectRef>
+      <a:fontRef idx="minor"/>
+    </dgm:style>
+  </dgm:styleLbl>
+  <dgm:styleLbl name="solidFgAcc1">
+    <dgm:scene3d>
+      <a:camera prst="orthographicFront"/>
+      <a:lightRig rig="threePt" dir="t"/>
+    </dgm:scene3d>
+    <dgm:sp3d z="152400" prstMaterial="plastic">
+      <a:bevelT w="25400" h="25400"/>
+      <a:bevelB w="25400" h="25400"/>
+    </dgm:sp3d>
+    <dgm:txPr/>
+    <dgm:style>
+      <a:lnRef idx="1">
+        <a:scrgbClr r="0" g="0" b="0"/>
+      </a:lnRef>
+      <a:fillRef idx="1">
+        <a:scrgbClr r="0" g="0" b="0"/>
+      </a:fillRef>
+      <a:effectRef idx="2">
+        <a:scrgbClr r="0" g="0" b="0"/>
+      </a:effectRef>
+      <a:fontRef idx="minor"/>
+    </dgm:style>
+  </dgm:styleLbl>
+  <dgm:styleLbl name="solidAlignAcc1">
+    <dgm:scene3d>
+      <a:camera prst="orthographicFront"/>
+      <a:lightRig rig="threePt" dir="t"/>
+    </dgm:scene3d>
+    <dgm:sp3d prstMaterial="plastic">
+      <a:bevelT w="25400" h="25400"/>
+      <a:bevelB w="25400" h="25400"/>
+    </dgm:sp3d>
+    <dgm:txPr/>
+    <dgm:style>
+      <a:lnRef idx="1">
+        <a:scrgbClr r="0" g="0" b="0"/>
+      </a:lnRef>
+      <a:fillRef idx="1">
+        <a:scrgbClr r="0" g="0" b="0"/>
+      </a:fillRef>
+      <a:effectRef idx="2">
+        <a:scrgbClr r="0" g="0" b="0"/>
+      </a:effectRef>
+      <a:fontRef idx="minor"/>
+    </dgm:style>
+  </dgm:styleLbl>
+  <dgm:styleLbl name="solidBgAcc1">
+    <dgm:scene3d>
+      <a:camera prst="orthographicFront"/>
+      <a:lightRig rig="threePt" dir="t"/>
+    </dgm:scene3d>
+    <dgm:sp3d z="-152400" prstMaterial="plastic">
+      <a:bevelT w="25400" h="25400"/>
+      <a:bevelB w="25400" h="25400"/>
+    </dgm:sp3d>
+    <dgm:txPr/>
+    <dgm:style>
+      <a:lnRef idx="1">
+        <a:scrgbClr r="0" g="0" b="0"/>
+      </a:lnRef>
+      <a:fillRef idx="1">
+        <a:scrgbClr r="0" g="0" b="0"/>
+      </a:fillRef>
+      <a:effectRef idx="2">
+        <a:scrgbClr r="0" g="0" b="0"/>
+      </a:effectRef>
+      <a:fontRef idx="minor"/>
+    </dgm:style>
+  </dgm:styleLbl>
+  <dgm:styleLbl name="fgAccFollowNode1">
+    <dgm:scene3d>
+      <a:camera prst="orthographicFront"/>
+      <a:lightRig rig="threePt" dir="t"/>
+    </dgm:scene3d>
+    <dgm:sp3d z="50080" prstMaterial="plastic">
+      <a:bevelT w="25400" h="25400"/>
+      <a:bevelB w="25400" h="25400"/>
+    </dgm:sp3d>
+    <dgm:txPr/>
+    <dgm:style>
+      <a:lnRef idx="0">
+        <a:scrgbClr r="0" g="0" b="0"/>
+      </a:lnRef>
+      <a:fillRef idx="1">
+        <a:scrgbClr r="0" g="0" b="0"/>
+      </a:fillRef>
+      <a:effectRef idx="2">
+        <a:scrgbClr r="0" g="0" b="0"/>
+      </a:effectRef>
+      <a:fontRef idx="minor"/>
+    </dgm:style>
+  </dgm:styleLbl>
+  <dgm:styleLbl name="alignAccFollowNode1">
+    <dgm:scene3d>
+      <a:camera prst="orthographicFront"/>
+      <a:lightRig rig="threePt" dir="t"/>
+    </dgm:scene3d>
+    <dgm:sp3d prstMaterial="plastic">
+      <a:bevelT w="25400" h="25400"/>
+      <a:bevelB w="25400" h="25400"/>
+    </dgm:sp3d>
+    <dgm:txPr/>
+    <dgm:style>
+      <a:lnRef idx="0">
+        <a:scrgbClr r="0" g="0" b="0"/>
+      </a:lnRef>
+      <a:fillRef idx="1">
+        <a:scrgbClr r="0" g="0" b="0"/>
+      </a:fillRef>
+      <a:effectRef idx="2">
+        <a:scrgbClr r="0" g="0" b="0"/>
+      </a:effectRef>
+      <a:fontRef idx="minor"/>
+    </dgm:style>
+  </dgm:styleLbl>
+  <dgm:styleLbl name="bgAccFollowNode1">
+    <dgm:scene3d>
+      <a:camera prst="orthographicFront"/>
+      <a:lightRig rig="threePt" dir="t"/>
+    </dgm:scene3d>
+    <dgm:sp3d z="-152400" prstMaterial="plastic">
+      <a:bevelT w="25400" h="25400"/>
+      <a:bevelB w="25400" h="25400"/>
+    </dgm:sp3d>
+    <dgm:txPr/>
+    <dgm:style>
+      <a:lnRef idx="0">
+        <a:scrgbClr r="0" g="0" b="0"/>
+      </a:lnRef>
+      <a:fillRef idx="1">
+        <a:scrgbClr r="0" g="0" b="0"/>
+      </a:fillRef>
+      <a:effectRef idx="2">
+        <a:scrgbClr r="0" g="0" b="0"/>
+      </a:effectRef>
+      <a:fontRef idx="minor"/>
+    </dgm:style>
+  </dgm:styleLbl>
+  <dgm:styleLbl name="fgAcc0">
+    <dgm:scene3d>
+      <a:camera prst="orthographicFront"/>
+      <a:lightRig rig="threePt" dir="t"/>
+    </dgm:scene3d>
+    <dgm:sp3d z="50080" prstMaterial="plastic">
+      <a:bevelT w="25400" h="25400"/>
+      <a:bevelB w="25400" h="25400"/>
+    </dgm:sp3d>
+    <dgm:txPr/>
+    <dgm:style>
+      <a:lnRef idx="1">
+        <a:scrgbClr r="0" g="0" b="0"/>
+      </a:lnRef>
+      <a:fillRef idx="1">
+        <a:scrgbClr r="0" g="0" b="0"/>
+      </a:fillRef>
+      <a:effectRef idx="0">
+        <a:scrgbClr r="0" g="0" b="0"/>
+      </a:effectRef>
+      <a:fontRef idx="minor"/>
+    </dgm:style>
+  </dgm:styleLbl>
+  <dgm:styleLbl name="fgAcc2">
+    <dgm:scene3d>
+      <a:camera prst="orthographicFront"/>
+      <a:lightRig rig="threePt" dir="t"/>
+    </dgm:scene3d>
+    <dgm:sp3d z="50080" prstMaterial="plastic">
+      <a:bevelT w="25400" h="25400"/>
+      <a:bevelB w="25400" h="25400"/>
+    </dgm:sp3d>
+    <dgm:txPr/>
+    <dgm:style>
+      <a:lnRef idx="1">
+        <a:scrgbClr r="0" g="0" b="0"/>
+      </a:lnRef>
+      <a:fillRef idx="1">
+        <a:scrgbClr r="0" g="0" b="0"/>
+      </a:fillRef>
+      <a:effectRef idx="0">
+        <a:scrgbClr r="0" g="0" b="0"/>
+      </a:effectRef>
+      <a:fontRef idx="minor"/>
+    </dgm:style>
+  </dgm:styleLbl>
+  <dgm:styleLbl name="fgAcc3">
+    <dgm:scene3d>
+      <a:camera prst="orthographicFront"/>
+      <a:lightRig rig="threePt" dir="t"/>
+    </dgm:scene3d>
+    <dgm:sp3d z="50080" prstMaterial="plastic">
+      <a:bevelT w="25400" h="25400"/>
+      <a:bevelB w="25400" h="25400"/>
+    </dgm:sp3d>
+    <dgm:txPr/>
+    <dgm:style>
+      <a:lnRef idx="1">
+        <a:scrgbClr r="0" g="0" b="0"/>
+      </a:lnRef>
+      <a:fillRef idx="1">
+        <a:scrgbClr r="0" g="0" b="0"/>
+      </a:fillRef>
+      <a:effectRef idx="0">
+        <a:scrgbClr r="0" g="0" b="0"/>
+      </a:effectRef>
+      <a:fontRef idx="minor"/>
+    </dgm:style>
+  </dgm:styleLbl>
+  <dgm:styleLbl name="fgAcc4">
+    <dgm:scene3d>
+      <a:camera prst="orthographicFront"/>
+      <a:lightRig rig="threePt" dir="t"/>
+    </dgm:scene3d>
+    <dgm:sp3d z="50080" prstMaterial="plastic">
+      <a:bevelT w="25400" h="25400"/>
+      <a:bevelB w="25400" h="25400"/>
+    </dgm:sp3d>
+    <dgm:txPr/>
+    <dgm:style>
+      <a:lnRef idx="1">
+        <a:scrgbClr r="0" g="0" b="0"/>
+      </a:lnRef>
+      <a:fillRef idx="1">
+        <a:scrgbClr r="0" g="0" b="0"/>
+      </a:fillRef>
+      <a:effectRef idx="0">
+        <a:scrgbClr r="0" g="0" b="0"/>
+      </a:effectRef>
+      <a:fontRef idx="minor"/>
+    </dgm:style>
+  </dgm:styleLbl>
+  <dgm:styleLbl name="bgShp">
+    <dgm:scene3d>
+      <a:camera prst="orthographicFront"/>
+      <a:lightRig rig="threePt" dir="t"/>
+    </dgm:scene3d>
+    <dgm:sp3d z="-152400" prstMaterial="plastic">
+      <a:bevelT w="25400" h="25400"/>
+      <a:bevelB w="25400" h="25400"/>
+    </dgm:sp3d>
+    <dgm:txPr/>
+    <dgm:style>
+      <a:lnRef idx="0">
+        <a:scrgbClr r="0" g="0" b="0"/>
+      </a:lnRef>
+      <a:fillRef idx="1">
+        <a:scrgbClr r="0" g="0" b="0"/>
+      </a:fillRef>
+      <a:effectRef idx="0">
+        <a:scrgbClr r="0" g="0" b="0"/>
+      </a:effectRef>
+      <a:fontRef idx="minor"/>
+    </dgm:style>
+  </dgm:styleLbl>
+  <dgm:styleLbl name="dkBgShp">
+    <dgm:scene3d>
+      <a:camera prst="orthographicFront"/>
+      <a:lightRig rig="threePt" dir="t"/>
+    </dgm:scene3d>
+    <dgm:sp3d prstMaterial="plastic">
+      <a:bevelT w="50800" h="50800"/>
+      <a:bevelB w="50800" h="50800"/>
+    </dgm:sp3d>
+    <dgm:txPr/>
+    <dgm:style>
+      <a:lnRef idx="0">
+        <a:scrgbClr r="0" g="0" b="0"/>
+      </a:lnRef>
+      <a:fillRef idx="1">
+        <a:scrgbClr r="0" g="0" b="0"/>
+      </a:fillRef>
+      <a:effectRef idx="2">
+        <a:scrgbClr r="0" g="0" b="0"/>
+      </a:effectRef>
+      <a:fontRef idx="minor"/>
+    </dgm:style>
+  </dgm:styleLbl>
+  <dgm:styleLbl name="trBgShp">
+    <dgm:scene3d>
+      <a:camera prst="orthographicFront"/>
+      <a:lightRig rig="threePt" dir="t"/>
+    </dgm:scene3d>
+    <dgm:sp3d z="-10400" extrusionH="12700" prstMaterial="plastic"/>
+    <dgm:txPr/>
+    <dgm:style>
+      <a:lnRef idx="0">
+        <a:scrgbClr r="0" g="0" b="0"/>
+      </a:lnRef>
+      <a:fillRef idx="1">
+        <a:scrgbClr r="0" g="0" b="0"/>
+      </a:fillRef>
+      <a:effectRef idx="0">
+        <a:scrgbClr r="0" g="0" b="0"/>
+      </a:effectRef>
+      <a:fontRef idx="minor"/>
+    </dgm:style>
+  </dgm:styleLbl>
+  <dgm:styleLbl name="fgShp">
+    <dgm:scene3d>
+      <a:camera prst="orthographicFront"/>
+      <a:lightRig rig="threePt" dir="t"/>
+    </dgm:scene3d>
+    <dgm:sp3d z="50080" prstMaterial="plastic">
+      <a:bevelT w="50800" h="50800"/>
+      <a:bevelB w="50800" h="50800"/>
+    </dgm:sp3d>
+    <dgm:txPr/>
+    <dgm:style>
+      <a:lnRef idx="0">
+        <a:scrgbClr r="0" g="0" b="0"/>
+      </a:lnRef>
+      <a:fillRef idx="1">
+        <a:scrgbClr r="0" g="0" b="0"/>
+      </a:fillRef>
+      <a:effectRef idx="2">
+        <a:scrgbClr r="0" g="0" b="0"/>
+      </a:effectRef>
+      <a:fontRef idx="minor"/>
+    </dgm:style>
+  </dgm:styleLbl>
+  <dgm:styleLbl name="revTx">
+    <dgm:scene3d>
+      <a:camera prst="orthographicFront"/>
+      <a:lightRig rig="threePt" dir="t"/>
+    </dgm:scene3d>
+    <dgm:sp3d/>
+    <dgm:txPr/>
+    <dgm:style>
+      <a:lnRef idx="0">
+        <a:scrgbClr r="0" g="0" b="0"/>
+      </a:lnRef>
+      <a:fillRef idx="1">
+        <a:scrgbClr r="0" g="0" b="0"/>
+      </a:fillRef>
+      <a:effectRef idx="0">
+        <a:scrgbClr r="0" g="0" b="0"/>
+      </a:effectRef>
+      <a:fontRef idx="minor"/>
+    </dgm:style>
+  </dgm:styleLbl>
+</dgm:styleDef>
+</file>
+
+<file path=ppt/notesMasters/notesMaster1.xml><?xml version="1.0" encoding="utf-8"?>
+<p:notesMaster xmlns:a="http://schemas.openxmlformats.org/drawingml/2006/main" xmlns:r="http://schemas.openxmlformats.org/officeDocument/2006/relationships" xmlns:p="http://schemas.openxmlformats.org/presentationml/2006/main">
+  <p:cSld>
+    <p:bg>
+      <p:bgRef idx="1001">
+        <a:schemeClr val="bg1"/>
+      </p:bgRef>
+    </p:bg>
+    <p:spTree>
+      <p:nvGrpSpPr>
+        <p:cNvPr id="1" name=""/>
+        <p:cNvGrpSpPr/>
+        <p:nvPr/>
+      </p:nvGrpSpPr>
+      <p:grpSpPr>
+        <a:xfrm>
+          <a:off x="0" y="0"/>
+          <a:ext cx="0" cy="0"/>
+          <a:chOff x="0" y="0"/>
+          <a:chExt cx="0" cy="0"/>
+        </a:xfrm>
+      </p:grpSpPr>
+      <p:sp>
+        <p:nvSpPr>
+          <p:cNvPr id="2" name="머리글 개체 틀 1"/>
+          <p:cNvSpPr>
+            <a:spLocks noGrp="1"/>
+          </p:cNvSpPr>
+          <p:nvPr>
+            <p:ph type="hdr" sz="quarter"/>
+          </p:nvPr>
+        </p:nvSpPr>
+        <p:spPr>
+          <a:xfrm>
+            <a:off x="0" y="0"/>
+            <a:ext cx="2971800" cy="458788"/>
+          </a:xfrm>
+          <a:prstGeom prst="rect">
+            <a:avLst/>
+          </a:prstGeom>
+        </p:spPr>
+        <p:txBody>
+          <a:bodyPr vert="horz" lIns="91440" tIns="45720" rIns="91440" bIns="45720" rtlCol="0"/>
+          <a:lstStyle>
+            <a:lvl1pPr algn="l">
+              <a:defRPr sz="1200"/>
+            </a:lvl1pPr>
+          </a:lstStyle>
+          <a:p>
+            <a:endParaRPr lang="ko-KR" altLang="en-US"/>
+          </a:p>
+        </p:txBody>
+      </p:sp>
+      <p:sp>
+        <p:nvSpPr>
+          <p:cNvPr id="3" name="날짜 개체 틀 2"/>
+          <p:cNvSpPr>
+            <a:spLocks noGrp="1"/>
+          </p:cNvSpPr>
+          <p:nvPr>
+            <p:ph type="dt" idx="1"/>
+          </p:nvPr>
+        </p:nvSpPr>
+        <p:spPr>
+          <a:xfrm>
+            <a:off x="3884613" y="0"/>
+            <a:ext cx="2971800" cy="458788"/>
+          </a:xfrm>
+          <a:prstGeom prst="rect">
+            <a:avLst/>
+          </a:prstGeom>
+        </p:spPr>
+        <p:txBody>
+          <a:bodyPr vert="horz" lIns="91440" tIns="45720" rIns="91440" bIns="45720" rtlCol="0"/>
+          <a:lstStyle>
+            <a:lvl1pPr algn="r">
+              <a:defRPr sz="1200"/>
+            </a:lvl1pPr>
+          </a:lstStyle>
+          <a:p>
+            <a:fld id="{B3BC4D56-3ADC-47B0-8212-52BA79058C2C}" type="datetimeFigureOut">
+              <a:rPr lang="ko-KR" altLang="en-US" smtClean="0"/>
+              <a:t>2018-11-17</a:t>
+            </a:fld>
+            <a:endParaRPr lang="ko-KR" altLang="en-US"/>
+          </a:p>
+        </p:txBody>
+      </p:sp>
+      <p:sp>
+        <p:nvSpPr>
+          <p:cNvPr id="4" name="슬라이드 이미지 개체 틀 3"/>
+          <p:cNvSpPr>
+            <a:spLocks noGrp="1" noRot="1" noChangeAspect="1"/>
+          </p:cNvSpPr>
+          <p:nvPr>
+            <p:ph type="sldImg" idx="2"/>
+          </p:nvPr>
+        </p:nvSpPr>
+        <p:spPr>
+          <a:xfrm>
+            <a:off x="685800" y="1143000"/>
+            <a:ext cx="5486400" cy="3086100"/>
+          </a:xfrm>
+          <a:prstGeom prst="rect">
+            <a:avLst/>
+          </a:prstGeom>
+          <a:noFill/>
+          <a:ln w="12700">
+            <a:solidFill>
+              <a:prstClr val="black"/>
+            </a:solidFill>
+          </a:ln>
+        </p:spPr>
+        <p:txBody>
+          <a:bodyPr vert="horz" lIns="91440" tIns="45720" rIns="91440" bIns="45720" rtlCol="0" anchor="ctr"/>
+          <a:lstStyle/>
+          <a:p>
+            <a:endParaRPr lang="ko-KR" altLang="en-US"/>
+          </a:p>
+        </p:txBody>
+      </p:sp>
+      <p:sp>
+        <p:nvSpPr>
+          <p:cNvPr id="5" name="슬라이드 노트 개체 틀 4"/>
+          <p:cNvSpPr>
+            <a:spLocks noGrp="1"/>
+          </p:cNvSpPr>
+          <p:nvPr>
+            <p:ph type="body" sz="quarter" idx="3"/>
+          </p:nvPr>
+        </p:nvSpPr>
+        <p:spPr>
+          <a:xfrm>
+            <a:off x="685800" y="4400550"/>
+            <a:ext cx="5486400" cy="3600450"/>
+          </a:xfrm>
+          <a:prstGeom prst="rect">
+            <a:avLst/>
+          </a:prstGeom>
+        </p:spPr>
+        <p:txBody>
+          <a:bodyPr vert="horz" lIns="91440" tIns="45720" rIns="91440" bIns="45720" rtlCol="0"/>
+          <a:lstStyle/>
+          <a:p>
+            <a:pPr lvl="0"/>
+            <a:r>
+              <a:rPr lang="ko-KR" altLang="en-US"/>
+              <a:t>마스터 텍스트 스타일 편집</a:t>
+            </a:r>
+          </a:p>
+          <a:p>
+            <a:pPr lvl="1"/>
+            <a:r>
+              <a:rPr lang="ko-KR" altLang="en-US"/>
+              <a:t>둘째 수준</a:t>
+            </a:r>
+          </a:p>
+          <a:p>
+            <a:pPr lvl="2"/>
+            <a:r>
+              <a:rPr lang="ko-KR" altLang="en-US"/>
+              <a:t>셋째 수준</a:t>
+            </a:r>
+          </a:p>
+          <a:p>
+            <a:pPr lvl="3"/>
+            <a:r>
+              <a:rPr lang="ko-KR" altLang="en-US"/>
+              <a:t>넷째 수준</a:t>
+            </a:r>
+          </a:p>
+          <a:p>
+            <a:pPr lvl="4"/>
+            <a:r>
+              <a:rPr lang="ko-KR" altLang="en-US"/>
+              <a:t>다섯째 수준</a:t>
+            </a:r>
+          </a:p>
+        </p:txBody>
+      </p:sp>
+      <p:sp>
+        <p:nvSpPr>
+          <p:cNvPr id="6" name="바닥글 개체 틀 5"/>
+          <p:cNvSpPr>
+            <a:spLocks noGrp="1"/>
+          </p:cNvSpPr>
+          <p:nvPr>
+            <p:ph type="ftr" sz="quarter" idx="4"/>
+          </p:nvPr>
+        </p:nvSpPr>
+        <p:spPr>
+          <a:xfrm>
+            <a:off x="0" y="8685213"/>
+            <a:ext cx="2971800" cy="458787"/>
+          </a:xfrm>
+          <a:prstGeom prst="rect">
+            <a:avLst/>
+          </a:prstGeom>
+        </p:spPr>
+        <p:txBody>
+          <a:bodyPr vert="horz" lIns="91440" tIns="45720" rIns="91440" bIns="45720" rtlCol="0" anchor="b"/>
+          <a:lstStyle>
+            <a:lvl1pPr algn="l">
+              <a:defRPr sz="1200"/>
+            </a:lvl1pPr>
+          </a:lstStyle>
+          <a:p>
+            <a:endParaRPr lang="ko-KR" altLang="en-US"/>
+          </a:p>
+        </p:txBody>
+      </p:sp>
+      <p:sp>
+        <p:nvSpPr>
+          <p:cNvPr id="7" name="슬라이드 번호 개체 틀 6"/>
+          <p:cNvSpPr>
+            <a:spLocks noGrp="1"/>
+          </p:cNvSpPr>
+          <p:nvPr>
+            <p:ph type="sldNum" sz="quarter" idx="5"/>
+          </p:nvPr>
+        </p:nvSpPr>
+        <p:spPr>
+          <a:xfrm>
+            <a:off x="3884613" y="8685213"/>
+            <a:ext cx="2971800" cy="458787"/>
+          </a:xfrm>
+          <a:prstGeom prst="rect">
+            <a:avLst/>
+          </a:prstGeom>
+        </p:spPr>
+        <p:txBody>
+          <a:bodyPr vert="horz" lIns="91440" tIns="45720" rIns="91440" bIns="45720" rtlCol="0" anchor="b"/>
+          <a:lstStyle>
+            <a:lvl1pPr algn="r">
+              <a:defRPr sz="1200"/>
+            </a:lvl1pPr>
+          </a:lstStyle>
+          <a:p>
+            <a:fld id="{0B0AB095-EC7F-464A-AFEE-C3B9960C3A10}" type="slidenum">
+              <a:rPr lang="ko-KR" altLang="en-US" smtClean="0"/>
+              <a:t>‹#›</a:t>
+            </a:fld>
+            <a:endParaRPr lang="ko-KR" altLang="en-US"/>
+          </a:p>
+        </p:txBody>
+      </p:sp>
+    </p:spTree>
+    <p:extLst>
+      <p:ext uri="{BB962C8B-B14F-4D97-AF65-F5344CB8AC3E}">
+        <p14:creationId xmlns:p14="http://schemas.microsoft.com/office/powerpoint/2010/main" val="3028752128"/>
+      </p:ext>
+    </p:extLst>
+  </p:cSld>
+  <p:clrMap bg1="lt1" tx1="dk1" bg2="lt2" tx2="dk2" accent1="accent1" accent2="accent2" accent3="accent3" accent4="accent4" accent5="accent5" accent6="accent6" hlink="hlink" folHlink="folHlink"/>
+  <p:notesStyle>
+    <a:lvl1pPr marL="0" algn="l" defTabSz="914400" rtl="0" eaLnBrk="1" latinLnBrk="1" hangingPunct="1">
+      <a:defRPr sz="1200" kern="1200">
+        <a:solidFill>
+          <a:schemeClr val="tx1"/>
+        </a:solidFill>
+        <a:latin typeface="+mn-lt"/>
+        <a:ea typeface="+mn-ea"/>
+        <a:cs typeface="+mn-cs"/>
+      </a:defRPr>
+    </a:lvl1pPr>
+    <a:lvl2pPr marL="457200" algn="l" defTabSz="914400" rtl="0" eaLnBrk="1" latinLnBrk="1" hangingPunct="1">
+      <a:defRPr sz="1200" kern="1200">
+        <a:solidFill>
+          <a:schemeClr val="tx1"/>
+        </a:solidFill>
+        <a:latin typeface="+mn-lt"/>
+        <a:ea typeface="+mn-ea"/>
+        <a:cs typeface="+mn-cs"/>
+      </a:defRPr>
+    </a:lvl2pPr>
+    <a:lvl3pPr marL="914400" algn="l" defTabSz="914400" rtl="0" eaLnBrk="1" latinLnBrk="1" hangingPunct="1">
+      <a:defRPr sz="1200" kern="1200">
+        <a:solidFill>
+          <a:schemeClr val="tx1"/>
+        </a:solidFill>
+        <a:latin typeface="+mn-lt"/>
+        <a:ea typeface="+mn-ea"/>
+        <a:cs typeface="+mn-cs"/>
+      </a:defRPr>
+    </a:lvl3pPr>
+    <a:lvl4pPr marL="1371600" algn="l" defTabSz="914400" rtl="0" eaLnBrk="1" latinLnBrk="1" hangingPunct="1">
+      <a:defRPr sz="1200" kern="1200">
+        <a:solidFill>
+          <a:schemeClr val="tx1"/>
+        </a:solidFill>
+        <a:latin typeface="+mn-lt"/>
+        <a:ea typeface="+mn-ea"/>
+        <a:cs typeface="+mn-cs"/>
+      </a:defRPr>
+    </a:lvl4pPr>
+    <a:lvl5pPr marL="1828800" algn="l" defTabSz="914400" rtl="0" eaLnBrk="1" latinLnBrk="1" hangingPunct="1">
+      <a:defRPr sz="1200" kern="1200">
+        <a:solidFill>
+          <a:schemeClr val="tx1"/>
+        </a:solidFill>
+        <a:latin typeface="+mn-lt"/>
+        <a:ea typeface="+mn-ea"/>
+        <a:cs typeface="+mn-cs"/>
+      </a:defRPr>
+    </a:lvl5pPr>
+    <a:lvl6pPr marL="2286000" algn="l" defTabSz="914400" rtl="0" eaLnBrk="1" latinLnBrk="1" hangingPunct="1">
+      <a:defRPr sz="1200" kern="1200">
+        <a:solidFill>
+          <a:schemeClr val="tx1"/>
+        </a:solidFill>
+        <a:latin typeface="+mn-lt"/>
+        <a:ea typeface="+mn-ea"/>
+        <a:cs typeface="+mn-cs"/>
+      </a:defRPr>
+    </a:lvl6pPr>
+    <a:lvl7pPr marL="2743200" algn="l" defTabSz="914400" rtl="0" eaLnBrk="1" latinLnBrk="1" hangingPunct="1">
+      <a:defRPr sz="1200" kern="1200">
+        <a:solidFill>
+          <a:schemeClr val="tx1"/>
+        </a:solidFill>
+        <a:latin typeface="+mn-lt"/>
+        <a:ea typeface="+mn-ea"/>
+        <a:cs typeface="+mn-cs"/>
+      </a:defRPr>
+    </a:lvl7pPr>
+    <a:lvl8pPr marL="3200400" algn="l" defTabSz="914400" rtl="0" eaLnBrk="1" latinLnBrk="1" hangingPunct="1">
+      <a:defRPr sz="1200" kern="1200">
+        <a:solidFill>
+          <a:schemeClr val="tx1"/>
+        </a:solidFill>
+        <a:latin typeface="+mn-lt"/>
+        <a:ea typeface="+mn-ea"/>
+        <a:cs typeface="+mn-cs"/>
+      </a:defRPr>
+    </a:lvl8pPr>
+    <a:lvl9pPr marL="3657600" algn="l" defTabSz="914400" rtl="0" eaLnBrk="1" latinLnBrk="1" hangingPunct="1">
+      <a:defRPr sz="1200" kern="1200">
+        <a:solidFill>
+          <a:schemeClr val="tx1"/>
+        </a:solidFill>
+        <a:latin typeface="+mn-lt"/>
+        <a:ea typeface="+mn-ea"/>
+        <a:cs typeface="+mn-cs"/>
+      </a:defRPr>
+    </a:lvl9pPr>
+  </p:notesStyle>
+</p:notesMaster>
+</file>
+
+<file path=ppt/notesSlides/notesSlide1.xml><?xml version="1.0" encoding="utf-8"?>
+<p:notes xmlns:a="http://schemas.openxmlformats.org/drawingml/2006/main" xmlns:r="http://schemas.openxmlformats.org/officeDocument/2006/relationships" xmlns:p="http://schemas.openxmlformats.org/presentationml/2006/main">
+  <p:cSld>
+    <p:spTree>
+      <p:nvGrpSpPr>
+        <p:cNvPr id="1" name=""/>
+        <p:cNvGrpSpPr/>
+        <p:nvPr/>
+      </p:nvGrpSpPr>
+      <p:grpSpPr>
+        <a:xfrm>
+          <a:off x="0" y="0"/>
+          <a:ext cx="0" cy="0"/>
+          <a:chOff x="0" y="0"/>
+          <a:chExt cx="0" cy="0"/>
+        </a:xfrm>
+      </p:grpSpPr>
+      <p:sp>
+        <p:nvSpPr>
+          <p:cNvPr id="2" name="슬라이드 이미지 개체 틀 1"/>
+          <p:cNvSpPr>
+            <a:spLocks noGrp="1" noRot="1" noChangeAspect="1"/>
+          </p:cNvSpPr>
+          <p:nvPr>
+            <p:ph type="sldImg"/>
+          </p:nvPr>
+        </p:nvSpPr>
+        <p:spPr/>
+      </p:sp>
+      <p:sp>
+        <p:nvSpPr>
+          <p:cNvPr id="3" name="슬라이드 노트 개체 틀 2"/>
+          <p:cNvSpPr>
+            <a:spLocks noGrp="1"/>
+          </p:cNvSpPr>
+          <p:nvPr>
+            <p:ph type="body" idx="1"/>
+          </p:nvPr>
+        </p:nvSpPr>
+        <p:spPr/>
+        <p:txBody>
+          <a:bodyPr/>
+          <a:lstStyle/>
+          <a:p>
+            <a:endParaRPr lang="ko-KR" altLang="en-US" dirty="0"/>
+          </a:p>
+        </p:txBody>
+      </p:sp>
+      <p:sp>
+        <p:nvSpPr>
+          <p:cNvPr id="4" name="슬라이드 번호 개체 틀 3"/>
+          <p:cNvSpPr>
+            <a:spLocks noGrp="1"/>
+          </p:cNvSpPr>
+          <p:nvPr>
+            <p:ph type="sldNum" sz="quarter" idx="5"/>
+          </p:nvPr>
+        </p:nvSpPr>
+        <p:spPr/>
+        <p:txBody>
+          <a:bodyPr/>
+          <a:lstStyle/>
+          <a:p>
+            <a:fld id="{0B0AB095-EC7F-464A-AFEE-C3B9960C3A10}" type="slidenum">
+              <a:rPr lang="ko-KR" altLang="en-US" smtClean="0"/>
+              <a:t>1</a:t>
+            </a:fld>
+            <a:endParaRPr lang="ko-KR" altLang="en-US"/>
+          </a:p>
+        </p:txBody>
+      </p:sp>
+    </p:spTree>
+    <p:extLst>
+      <p:ext uri="{BB962C8B-B14F-4D97-AF65-F5344CB8AC3E}">
+        <p14:creationId xmlns:p14="http://schemas.microsoft.com/office/powerpoint/2010/main" val="4254456043"/>
+      </p:ext>
+    </p:extLst>
+  </p:cSld>
+  <p:clrMapOvr>
+    <a:masterClrMapping/>
+  </p:clrMapOvr>
+</p:notes>
+</file>
+
+<file path=ppt/notesSlides/notesSlide10.xml><?xml version="1.0" encoding="utf-8"?>
+<p:notes xmlns:a="http://schemas.openxmlformats.org/drawingml/2006/main" xmlns:r="http://schemas.openxmlformats.org/officeDocument/2006/relationships" xmlns:p="http://schemas.openxmlformats.org/presentationml/2006/main">
+  <p:cSld>
+    <p:spTree>
+      <p:nvGrpSpPr>
+        <p:cNvPr id="1" name=""/>
+        <p:cNvGrpSpPr/>
+        <p:nvPr/>
+      </p:nvGrpSpPr>
+      <p:grpSpPr>
+        <a:xfrm>
+          <a:off x="0" y="0"/>
+          <a:ext cx="0" cy="0"/>
+          <a:chOff x="0" y="0"/>
+          <a:chExt cx="0" cy="0"/>
+        </a:xfrm>
+      </p:grpSpPr>
+      <p:sp>
+        <p:nvSpPr>
+          <p:cNvPr id="2" name="슬라이드 이미지 개체 틀 1"/>
+          <p:cNvSpPr>
+            <a:spLocks noGrp="1" noRot="1" noChangeAspect="1"/>
+          </p:cNvSpPr>
+          <p:nvPr>
+            <p:ph type="sldImg"/>
+          </p:nvPr>
+        </p:nvSpPr>
+        <p:spPr/>
+      </p:sp>
+      <p:sp>
+        <p:nvSpPr>
+          <p:cNvPr id="3" name="슬라이드 노트 개체 틀 2"/>
+          <p:cNvSpPr>
+            <a:spLocks noGrp="1"/>
+          </p:cNvSpPr>
+          <p:nvPr>
+            <p:ph type="body" idx="1"/>
+          </p:nvPr>
+        </p:nvSpPr>
+        <p:spPr/>
+        <p:txBody>
+          <a:bodyPr/>
+          <a:lstStyle/>
+          <a:p>
+            <a:r>
+              <a:rPr lang="ko-KR" altLang="en-US" dirty="0"/>
+              <a:t>무엇이 문제일까요</a:t>
+            </a:r>
+            <a:r>
+              <a:rPr lang="en-US" altLang="ko-KR" dirty="0"/>
+              <a:t>?</a:t>
+            </a:r>
+            <a:endParaRPr lang="ko-KR" altLang="en-US" dirty="0"/>
+          </a:p>
+        </p:txBody>
+      </p:sp>
+      <p:sp>
+        <p:nvSpPr>
+          <p:cNvPr id="4" name="슬라이드 번호 개체 틀 3"/>
+          <p:cNvSpPr>
+            <a:spLocks noGrp="1"/>
+          </p:cNvSpPr>
+          <p:nvPr>
+            <p:ph type="sldNum" sz="quarter" idx="5"/>
+          </p:nvPr>
+        </p:nvSpPr>
+        <p:spPr/>
+        <p:txBody>
+          <a:bodyPr/>
+          <a:lstStyle/>
+          <a:p>
+            <a:fld id="{0B0AB095-EC7F-464A-AFEE-C3B9960C3A10}" type="slidenum">
+              <a:rPr lang="ko-KR" altLang="en-US" smtClean="0"/>
+              <a:t>10</a:t>
+            </a:fld>
+            <a:endParaRPr lang="ko-KR" altLang="en-US"/>
+          </a:p>
+        </p:txBody>
+      </p:sp>
+    </p:spTree>
+    <p:extLst>
+      <p:ext uri="{BB962C8B-B14F-4D97-AF65-F5344CB8AC3E}">
+        <p14:creationId xmlns:p14="http://schemas.microsoft.com/office/powerpoint/2010/main" val="3531147857"/>
+      </p:ext>
+    </p:extLst>
+  </p:cSld>
+  <p:clrMapOvr>
+    <a:masterClrMapping/>
+  </p:clrMapOvr>
+</p:notes>
+</file>
+
+<file path=ppt/notesSlides/notesSlide11.xml><?xml version="1.0" encoding="utf-8"?>
+<p:notes xmlns:a="http://schemas.openxmlformats.org/drawingml/2006/main" xmlns:r="http://schemas.openxmlformats.org/officeDocument/2006/relationships" xmlns:p="http://schemas.openxmlformats.org/presentationml/2006/main">
+  <p:cSld>
+    <p:spTree>
+      <p:nvGrpSpPr>
+        <p:cNvPr id="1" name=""/>
+        <p:cNvGrpSpPr/>
+        <p:nvPr/>
+      </p:nvGrpSpPr>
+      <p:grpSpPr>
+        <a:xfrm>
+          <a:off x="0" y="0"/>
+          <a:ext cx="0" cy="0"/>
+          <a:chOff x="0" y="0"/>
+          <a:chExt cx="0" cy="0"/>
+        </a:xfrm>
+      </p:grpSpPr>
+      <p:sp>
+        <p:nvSpPr>
+          <p:cNvPr id="2" name="슬라이드 이미지 개체 틀 1"/>
+          <p:cNvSpPr>
+            <a:spLocks noGrp="1" noRot="1" noChangeAspect="1"/>
+          </p:cNvSpPr>
+          <p:nvPr>
+            <p:ph type="sldImg"/>
+          </p:nvPr>
+        </p:nvSpPr>
+        <p:spPr/>
+      </p:sp>
+      <p:sp>
+        <p:nvSpPr>
+          <p:cNvPr id="3" name="슬라이드 노트 개체 틀 2"/>
+          <p:cNvSpPr>
+            <a:spLocks noGrp="1"/>
+          </p:cNvSpPr>
+          <p:nvPr>
+            <p:ph type="body" idx="1"/>
+          </p:nvPr>
+        </p:nvSpPr>
+        <p:spPr/>
+        <p:txBody>
+          <a:bodyPr/>
+          <a:lstStyle/>
+          <a:p>
+            <a:r>
+              <a:rPr lang="ko-KR" altLang="en-US" dirty="0"/>
+              <a:t>첫번째 문제는 시간입니다</a:t>
+            </a:r>
+            <a:r>
+              <a:rPr lang="en-US" altLang="ko-KR" dirty="0"/>
+              <a:t>.</a:t>
+            </a:r>
+          </a:p>
+          <a:p>
+            <a:r>
+              <a:rPr lang="ko-KR" altLang="en-US" dirty="0"/>
+              <a:t>카페를 이용하다 보면 흡연자의 경우 흡연을 하기위해 자리를 비우기도 하고</a:t>
+            </a:r>
+            <a:endParaRPr lang="en-US" altLang="ko-KR" dirty="0"/>
+          </a:p>
+          <a:p>
+            <a:r>
+              <a:rPr lang="ko-KR" altLang="en-US" dirty="0"/>
+              <a:t>화장실을 가기도 하고</a:t>
+            </a:r>
+            <a:r>
+              <a:rPr lang="en-US" altLang="ko-KR" dirty="0"/>
+              <a:t>, </a:t>
+            </a:r>
+            <a:r>
+              <a:rPr lang="ko-KR" altLang="en-US" dirty="0"/>
+              <a:t>누군가는 가까운 거리의 일을 보기 위해 짐을 두고 잠시 나가기도 합니다</a:t>
+            </a:r>
+            <a:r>
+              <a:rPr lang="en-US" altLang="ko-KR" dirty="0"/>
+              <a:t>.</a:t>
+            </a:r>
+          </a:p>
+          <a:p>
+            <a:r>
+              <a:rPr lang="ko-KR" altLang="en-US" dirty="0"/>
+              <a:t>우리는 이것이 완전히 떠난 것인지</a:t>
+            </a:r>
+            <a:r>
+              <a:rPr lang="en-US" altLang="ko-KR" dirty="0"/>
+              <a:t>, </a:t>
+            </a:r>
+            <a:r>
+              <a:rPr lang="ko-KR" altLang="en-US" dirty="0"/>
+              <a:t>잠시 떠난 것인지 해결해야할 문제입니다</a:t>
+            </a:r>
+            <a:r>
+              <a:rPr lang="en-US" altLang="ko-KR" dirty="0"/>
+              <a:t>.</a:t>
+            </a:r>
+            <a:endParaRPr lang="ko-KR" altLang="en-US" dirty="0"/>
+          </a:p>
+        </p:txBody>
+      </p:sp>
+      <p:sp>
+        <p:nvSpPr>
+          <p:cNvPr id="4" name="슬라이드 번호 개체 틀 3"/>
+          <p:cNvSpPr>
+            <a:spLocks noGrp="1"/>
+          </p:cNvSpPr>
+          <p:nvPr>
+            <p:ph type="sldNum" sz="quarter" idx="5"/>
+          </p:nvPr>
+        </p:nvSpPr>
+        <p:spPr/>
+        <p:txBody>
+          <a:bodyPr/>
+          <a:lstStyle/>
+          <a:p>
+            <a:fld id="{0B0AB095-EC7F-464A-AFEE-C3B9960C3A10}" type="slidenum">
+              <a:rPr lang="ko-KR" altLang="en-US" smtClean="0"/>
+              <a:t>11</a:t>
+            </a:fld>
+            <a:endParaRPr lang="ko-KR" altLang="en-US"/>
+          </a:p>
+        </p:txBody>
+      </p:sp>
+    </p:spTree>
+    <p:extLst>
+      <p:ext uri="{BB962C8B-B14F-4D97-AF65-F5344CB8AC3E}">
+        <p14:creationId xmlns:p14="http://schemas.microsoft.com/office/powerpoint/2010/main" val="527041117"/>
+      </p:ext>
+    </p:extLst>
+  </p:cSld>
+  <p:clrMapOvr>
+    <a:masterClrMapping/>
+  </p:clrMapOvr>
+</p:notes>
+</file>
+
+<file path=ppt/notesSlides/notesSlide12.xml><?xml version="1.0" encoding="utf-8"?>
+<p:notes xmlns:a="http://schemas.openxmlformats.org/drawingml/2006/main" xmlns:r="http://schemas.openxmlformats.org/officeDocument/2006/relationships" xmlns:p="http://schemas.openxmlformats.org/presentationml/2006/main">
+  <p:cSld>
+    <p:spTree>
+      <p:nvGrpSpPr>
+        <p:cNvPr id="1" name=""/>
+        <p:cNvGrpSpPr/>
+        <p:nvPr/>
+      </p:nvGrpSpPr>
+      <p:grpSpPr>
+        <a:xfrm>
+          <a:off x="0" y="0"/>
+          <a:ext cx="0" cy="0"/>
+          <a:chOff x="0" y="0"/>
+          <a:chExt cx="0" cy="0"/>
+        </a:xfrm>
+      </p:grpSpPr>
+      <p:sp>
+        <p:nvSpPr>
+          <p:cNvPr id="2" name="슬라이드 이미지 개체 틀 1"/>
+          <p:cNvSpPr>
+            <a:spLocks noGrp="1" noRot="1" noChangeAspect="1"/>
+          </p:cNvSpPr>
+          <p:nvPr>
+            <p:ph type="sldImg"/>
+          </p:nvPr>
+        </p:nvSpPr>
+        <p:spPr/>
+      </p:sp>
+      <p:sp>
+        <p:nvSpPr>
+          <p:cNvPr id="3" name="슬라이드 노트 개체 틀 2"/>
+          <p:cNvSpPr>
+            <a:spLocks noGrp="1"/>
+          </p:cNvSpPr>
+          <p:nvPr>
+            <p:ph type="body" idx="1"/>
+          </p:nvPr>
+        </p:nvSpPr>
+        <p:spPr/>
+        <p:txBody>
+          <a:bodyPr/>
+          <a:lstStyle/>
+          <a:p>
+            <a:r>
+              <a:rPr lang="ko-KR" altLang="en-US" dirty="0"/>
+              <a:t>두번째 자동적으로 카페 내부의 사람들의 이동을 어떻게 파악할 것인가 입니다</a:t>
+            </a:r>
+            <a:r>
+              <a:rPr lang="en-US" altLang="ko-KR" dirty="0"/>
+              <a:t>.</a:t>
+            </a:r>
+          </a:p>
+          <a:p>
+            <a:endParaRPr lang="ko-KR" altLang="en-US" dirty="0"/>
+          </a:p>
+        </p:txBody>
+      </p:sp>
+      <p:sp>
+        <p:nvSpPr>
+          <p:cNvPr id="4" name="슬라이드 번호 개체 틀 3"/>
+          <p:cNvSpPr>
+            <a:spLocks noGrp="1"/>
+          </p:cNvSpPr>
+          <p:nvPr>
+            <p:ph type="sldNum" sz="quarter" idx="5"/>
+          </p:nvPr>
+        </p:nvSpPr>
+        <p:spPr/>
+        <p:txBody>
+          <a:bodyPr/>
+          <a:lstStyle/>
+          <a:p>
+            <a:fld id="{0B0AB095-EC7F-464A-AFEE-C3B9960C3A10}" type="slidenum">
+              <a:rPr lang="ko-KR" altLang="en-US" smtClean="0"/>
+              <a:t>12</a:t>
+            </a:fld>
+            <a:endParaRPr lang="ko-KR" altLang="en-US"/>
+          </a:p>
+        </p:txBody>
+      </p:sp>
+    </p:spTree>
+    <p:extLst>
+      <p:ext uri="{BB962C8B-B14F-4D97-AF65-F5344CB8AC3E}">
+        <p14:creationId xmlns:p14="http://schemas.microsoft.com/office/powerpoint/2010/main" val="3879306164"/>
+      </p:ext>
+    </p:extLst>
+  </p:cSld>
+  <p:clrMapOvr>
+    <a:masterClrMapping/>
+  </p:clrMapOvr>
+</p:notes>
+</file>
+
+<file path=ppt/notesSlides/notesSlide13.xml><?xml version="1.0" encoding="utf-8"?>
+<p:notes xmlns:a="http://schemas.openxmlformats.org/drawingml/2006/main" xmlns:r="http://schemas.openxmlformats.org/officeDocument/2006/relationships" xmlns:p="http://schemas.openxmlformats.org/presentationml/2006/main">
+  <p:cSld>
+    <p:spTree>
+      <p:nvGrpSpPr>
+        <p:cNvPr id="1" name=""/>
+        <p:cNvGrpSpPr/>
+        <p:nvPr/>
+      </p:nvGrpSpPr>
+      <p:grpSpPr>
+        <a:xfrm>
+          <a:off x="0" y="0"/>
+          <a:ext cx="0" cy="0"/>
+          <a:chOff x="0" y="0"/>
+          <a:chExt cx="0" cy="0"/>
+        </a:xfrm>
+      </p:grpSpPr>
+      <p:sp>
+        <p:nvSpPr>
+          <p:cNvPr id="2" name="슬라이드 이미지 개체 틀 1"/>
+          <p:cNvSpPr>
+            <a:spLocks noGrp="1" noRot="1" noChangeAspect="1"/>
+          </p:cNvSpPr>
+          <p:nvPr>
+            <p:ph type="sldImg"/>
+          </p:nvPr>
+        </p:nvSpPr>
+        <p:spPr/>
+      </p:sp>
+      <p:sp>
+        <p:nvSpPr>
+          <p:cNvPr id="3" name="슬라이드 노트 개체 틀 2"/>
+          <p:cNvSpPr>
+            <a:spLocks noGrp="1"/>
+          </p:cNvSpPr>
+          <p:nvPr>
+            <p:ph type="body" idx="1"/>
+          </p:nvPr>
+        </p:nvSpPr>
+        <p:spPr/>
+        <p:txBody>
+          <a:bodyPr/>
+          <a:lstStyle/>
+          <a:p>
+            <a:r>
+              <a:rPr lang="ko-KR" altLang="en-US" dirty="0"/>
+              <a:t>해결을 위해서 많은 생각들을 했습니다</a:t>
+            </a:r>
+            <a:r>
+              <a:rPr lang="en-US" altLang="ko-KR" dirty="0"/>
+              <a:t>.</a:t>
+            </a:r>
+          </a:p>
+          <a:p>
+            <a:r>
+              <a:rPr lang="ko-KR" altLang="en-US" dirty="0"/>
+              <a:t>첫번쨰로는 가장 쉬운 근무자가 직접 확인하는 것인데 매우 비효율적이며</a:t>
+            </a:r>
+            <a:r>
+              <a:rPr lang="en-US" altLang="ko-KR" dirty="0"/>
+              <a:t>, </a:t>
+            </a:r>
+            <a:r>
+              <a:rPr lang="ko-KR" altLang="en-US" dirty="0"/>
+              <a:t>자동화도 아닙니다</a:t>
+            </a:r>
+            <a:r>
+              <a:rPr lang="en-US" altLang="ko-KR" dirty="0"/>
+              <a:t>.</a:t>
+            </a:r>
+          </a:p>
+          <a:p>
+            <a:r>
+              <a:rPr lang="ko-KR" altLang="en-US" dirty="0" err="1"/>
+              <a:t>두번쨰로는</a:t>
+            </a:r>
+            <a:r>
+              <a:rPr lang="ko-KR" altLang="en-US" dirty="0"/>
+              <a:t> 무게센서를 이용하고자 했습니다</a:t>
+            </a:r>
+            <a:r>
+              <a:rPr lang="en-US" altLang="ko-KR" dirty="0"/>
+              <a:t>. </a:t>
+            </a:r>
+            <a:r>
+              <a:rPr lang="ko-KR" altLang="en-US" dirty="0"/>
+              <a:t>하지만 좌석에 가방과 같은 짐을 두는 것과 이용자의 일시적 </a:t>
+            </a:r>
+            <a:r>
+              <a:rPr lang="ko-KR" altLang="en-US" dirty="0" err="1"/>
+              <a:t>자리비움</a:t>
+            </a:r>
+            <a:r>
+              <a:rPr lang="ko-KR" altLang="en-US" dirty="0"/>
+              <a:t> 등을 구별하기에는 매우 효과적이지 못했습니다</a:t>
+            </a:r>
+            <a:r>
+              <a:rPr lang="en-US" altLang="ko-KR" dirty="0"/>
+              <a:t>.</a:t>
+            </a:r>
+          </a:p>
+          <a:p>
+            <a:r>
+              <a:rPr lang="ko-KR" altLang="en-US" dirty="0" err="1"/>
+              <a:t>세번쨰로는</a:t>
+            </a:r>
+            <a:r>
+              <a:rPr lang="ko-KR" altLang="en-US" dirty="0"/>
+              <a:t> 도서관과 비슷하게 프린트로 좌석을 안내하는 것인데</a:t>
+            </a:r>
+            <a:r>
+              <a:rPr lang="en-US" altLang="ko-KR" dirty="0"/>
+              <a:t>, </a:t>
+            </a:r>
+            <a:r>
+              <a:rPr lang="ko-KR" altLang="en-US" dirty="0"/>
+              <a:t>이것도 이용자 입장에서는 매우 불편하며 자리이동을 </a:t>
+            </a:r>
+            <a:r>
+              <a:rPr lang="ko-KR" altLang="en-US" dirty="0" err="1"/>
+              <a:t>처리할때도</a:t>
+            </a:r>
+            <a:r>
+              <a:rPr lang="ko-KR" altLang="en-US" dirty="0"/>
+              <a:t> 비효율적입니다</a:t>
+            </a:r>
+            <a:r>
+              <a:rPr lang="en-US" altLang="ko-KR" dirty="0"/>
+              <a:t>.</a:t>
+            </a:r>
+          </a:p>
+          <a:p>
+            <a:r>
+              <a:rPr lang="ko-KR" altLang="en-US" dirty="0"/>
+              <a:t>마지막 영상처리 기술을 통한 방법입니다</a:t>
+            </a:r>
+            <a:r>
+              <a:rPr lang="en-US" altLang="ko-KR" dirty="0"/>
+              <a:t>. </a:t>
+            </a:r>
+            <a:r>
+              <a:rPr lang="ko-KR" altLang="en-US" dirty="0"/>
+              <a:t>우선 나쁘지 않은 방법이지만 뭔가 더 좋은 방법이 있지 않을까</a:t>
+            </a:r>
+            <a:r>
+              <a:rPr lang="en-US" altLang="ko-KR" dirty="0"/>
+              <a:t>…. </a:t>
+            </a:r>
+            <a:r>
+              <a:rPr lang="ko-KR" altLang="en-US" dirty="0"/>
+              <a:t>생각을 하게 되었습니다</a:t>
+            </a:r>
+            <a:r>
+              <a:rPr lang="en-US" altLang="ko-KR" dirty="0"/>
+              <a:t>.</a:t>
+            </a:r>
+          </a:p>
+        </p:txBody>
+      </p:sp>
+      <p:sp>
+        <p:nvSpPr>
+          <p:cNvPr id="4" name="슬라이드 번호 개체 틀 3"/>
+          <p:cNvSpPr>
+            <a:spLocks noGrp="1"/>
+          </p:cNvSpPr>
+          <p:nvPr>
+            <p:ph type="sldNum" sz="quarter" idx="5"/>
+          </p:nvPr>
+        </p:nvSpPr>
+        <p:spPr/>
+        <p:txBody>
+          <a:bodyPr/>
+          <a:lstStyle/>
+          <a:p>
+            <a:fld id="{0B0AB095-EC7F-464A-AFEE-C3B9960C3A10}" type="slidenum">
+              <a:rPr lang="ko-KR" altLang="en-US" smtClean="0"/>
+              <a:t>13</a:t>
+            </a:fld>
+            <a:endParaRPr lang="ko-KR" altLang="en-US"/>
+          </a:p>
+        </p:txBody>
+      </p:sp>
+    </p:spTree>
+    <p:extLst>
+      <p:ext uri="{BB962C8B-B14F-4D97-AF65-F5344CB8AC3E}">
+        <p14:creationId xmlns:p14="http://schemas.microsoft.com/office/powerpoint/2010/main" val="613198209"/>
+      </p:ext>
+    </p:extLst>
+  </p:cSld>
+  <p:clrMapOvr>
+    <a:masterClrMapping/>
+  </p:clrMapOvr>
+</p:notes>
+</file>
+
+<file path=ppt/notesSlides/notesSlide14.xml><?xml version="1.0" encoding="utf-8"?>
+<p:notes xmlns:a="http://schemas.openxmlformats.org/drawingml/2006/main" xmlns:r="http://schemas.openxmlformats.org/officeDocument/2006/relationships" xmlns:p="http://schemas.openxmlformats.org/presentationml/2006/main">
+  <p:cSld>
+    <p:spTree>
+      <p:nvGrpSpPr>
+        <p:cNvPr id="1" name=""/>
+        <p:cNvGrpSpPr/>
+        <p:nvPr/>
+      </p:nvGrpSpPr>
+      <p:grpSpPr>
+        <a:xfrm>
+          <a:off x="0" y="0"/>
+          <a:ext cx="0" cy="0"/>
+          <a:chOff x="0" y="0"/>
+          <a:chExt cx="0" cy="0"/>
+        </a:xfrm>
+      </p:grpSpPr>
+      <p:sp>
+        <p:nvSpPr>
+          <p:cNvPr id="2" name="슬라이드 이미지 개체 틀 1"/>
+          <p:cNvSpPr>
+            <a:spLocks noGrp="1" noRot="1" noChangeAspect="1"/>
+          </p:cNvSpPr>
+          <p:nvPr>
+            <p:ph type="sldImg"/>
+          </p:nvPr>
+        </p:nvSpPr>
+        <p:spPr/>
+      </p:sp>
+      <p:sp>
+        <p:nvSpPr>
+          <p:cNvPr id="3" name="슬라이드 노트 개체 틀 2"/>
+          <p:cNvSpPr>
+            <a:spLocks noGrp="1"/>
+          </p:cNvSpPr>
+          <p:nvPr>
+            <p:ph type="body" idx="1"/>
+          </p:nvPr>
+        </p:nvSpPr>
+        <p:spPr/>
+        <p:txBody>
+          <a:bodyPr/>
+          <a:lstStyle/>
+          <a:p>
+            <a:r>
+              <a:rPr lang="ko-KR" altLang="en-US" dirty="0"/>
+              <a:t>그래서 </a:t>
+            </a:r>
+            <a:r>
+              <a:rPr lang="en-US" altLang="ko-KR" dirty="0"/>
+              <a:t>3</a:t>
+            </a:r>
+            <a:r>
+              <a:rPr lang="ko-KR" altLang="en-US" dirty="0"/>
+              <a:t>번째 노랑색영역 보완에서 그 더 나은 방법에 대해서 말씀드립니다</a:t>
+            </a:r>
+            <a:r>
+              <a:rPr lang="en-US" altLang="ko-KR" dirty="0"/>
+              <a:t>.</a:t>
+            </a:r>
+            <a:endParaRPr lang="ko-KR" altLang="en-US" dirty="0"/>
+          </a:p>
+        </p:txBody>
+      </p:sp>
+      <p:sp>
+        <p:nvSpPr>
+          <p:cNvPr id="4" name="슬라이드 번호 개체 틀 3"/>
+          <p:cNvSpPr>
+            <a:spLocks noGrp="1"/>
+          </p:cNvSpPr>
+          <p:nvPr>
+            <p:ph type="sldNum" sz="quarter" idx="5"/>
+          </p:nvPr>
+        </p:nvSpPr>
+        <p:spPr/>
+        <p:txBody>
+          <a:bodyPr/>
+          <a:lstStyle/>
+          <a:p>
+            <a:fld id="{0B0AB095-EC7F-464A-AFEE-C3B9960C3A10}" type="slidenum">
+              <a:rPr lang="ko-KR" altLang="en-US" smtClean="0"/>
+              <a:t>14</a:t>
+            </a:fld>
+            <a:endParaRPr lang="ko-KR" altLang="en-US"/>
+          </a:p>
+        </p:txBody>
+      </p:sp>
+    </p:spTree>
+    <p:extLst>
+      <p:ext uri="{BB962C8B-B14F-4D97-AF65-F5344CB8AC3E}">
+        <p14:creationId xmlns:p14="http://schemas.microsoft.com/office/powerpoint/2010/main" val="2603625629"/>
+      </p:ext>
+    </p:extLst>
+  </p:cSld>
+  <p:clrMapOvr>
+    <a:masterClrMapping/>
+  </p:clrMapOvr>
+</p:notes>
+</file>
+
+<file path=ppt/notesSlides/notesSlide15.xml><?xml version="1.0" encoding="utf-8"?>
+<p:notes xmlns:a="http://schemas.openxmlformats.org/drawingml/2006/main" xmlns:r="http://schemas.openxmlformats.org/officeDocument/2006/relationships" xmlns:p="http://schemas.openxmlformats.org/presentationml/2006/main">
+  <p:cSld>
+    <p:spTree>
+      <p:nvGrpSpPr>
+        <p:cNvPr id="1" name=""/>
+        <p:cNvGrpSpPr/>
+        <p:nvPr/>
+      </p:nvGrpSpPr>
+      <p:grpSpPr>
+        <a:xfrm>
+          <a:off x="0" y="0"/>
+          <a:ext cx="0" cy="0"/>
+          <a:chOff x="0" y="0"/>
+          <a:chExt cx="0" cy="0"/>
+        </a:xfrm>
+      </p:grpSpPr>
+      <p:sp>
+        <p:nvSpPr>
+          <p:cNvPr id="2" name="슬라이드 이미지 개체 틀 1"/>
+          <p:cNvSpPr>
+            <a:spLocks noGrp="1" noRot="1" noChangeAspect="1"/>
+          </p:cNvSpPr>
+          <p:nvPr>
+            <p:ph type="sldImg"/>
+          </p:nvPr>
+        </p:nvSpPr>
+        <p:spPr/>
+      </p:sp>
+      <p:sp>
+        <p:nvSpPr>
+          <p:cNvPr id="3" name="슬라이드 노트 개체 틀 2"/>
+          <p:cNvSpPr>
+            <a:spLocks noGrp="1"/>
+          </p:cNvSpPr>
+          <p:nvPr>
+            <p:ph type="body" idx="1"/>
+          </p:nvPr>
+        </p:nvSpPr>
+        <p:spPr/>
+        <p:txBody>
+          <a:bodyPr/>
+          <a:lstStyle/>
+          <a:p>
+            <a:r>
+              <a:rPr lang="ko-KR" altLang="en-US" dirty="0"/>
+              <a:t>영상보다는 좀 더 간단하고 좌석현황과 내부의 이동을 구별하기 좋은 방법이 있을까 </a:t>
+            </a:r>
+            <a:r>
+              <a:rPr lang="en-US" altLang="ko-KR" dirty="0"/>
+              <a:t>?</a:t>
+            </a:r>
+            <a:endParaRPr lang="ko-KR" altLang="en-US" dirty="0"/>
+          </a:p>
+        </p:txBody>
+      </p:sp>
+      <p:sp>
+        <p:nvSpPr>
+          <p:cNvPr id="4" name="슬라이드 번호 개체 틀 3"/>
+          <p:cNvSpPr>
+            <a:spLocks noGrp="1"/>
+          </p:cNvSpPr>
+          <p:nvPr>
+            <p:ph type="sldNum" sz="quarter" idx="5"/>
+          </p:nvPr>
+        </p:nvSpPr>
+        <p:spPr/>
+        <p:txBody>
+          <a:bodyPr/>
+          <a:lstStyle/>
+          <a:p>
+            <a:fld id="{0B0AB095-EC7F-464A-AFEE-C3B9960C3A10}" type="slidenum">
+              <a:rPr lang="ko-KR" altLang="en-US" smtClean="0"/>
+              <a:t>15</a:t>
+            </a:fld>
+            <a:endParaRPr lang="ko-KR" altLang="en-US"/>
+          </a:p>
+        </p:txBody>
+      </p:sp>
+    </p:spTree>
+    <p:extLst>
+      <p:ext uri="{BB962C8B-B14F-4D97-AF65-F5344CB8AC3E}">
+        <p14:creationId xmlns:p14="http://schemas.microsoft.com/office/powerpoint/2010/main" val="2920299884"/>
+      </p:ext>
+    </p:extLst>
+  </p:cSld>
+  <p:clrMapOvr>
+    <a:masterClrMapping/>
+  </p:clrMapOvr>
+</p:notes>
+</file>
+
+<file path=ppt/notesSlides/notesSlide16.xml><?xml version="1.0" encoding="utf-8"?>
+<p:notes xmlns:a="http://schemas.openxmlformats.org/drawingml/2006/main" xmlns:r="http://schemas.openxmlformats.org/officeDocument/2006/relationships" xmlns:p="http://schemas.openxmlformats.org/presentationml/2006/main">
+  <p:cSld>
+    <p:spTree>
+      <p:nvGrpSpPr>
+        <p:cNvPr id="1" name=""/>
+        <p:cNvGrpSpPr/>
+        <p:nvPr/>
+      </p:nvGrpSpPr>
+      <p:grpSpPr>
+        <a:xfrm>
+          <a:off x="0" y="0"/>
+          <a:ext cx="0" cy="0"/>
+          <a:chOff x="0" y="0"/>
+          <a:chExt cx="0" cy="0"/>
+        </a:xfrm>
+      </p:grpSpPr>
+      <p:sp>
+        <p:nvSpPr>
+          <p:cNvPr id="2" name="슬라이드 이미지 개체 틀 1"/>
+          <p:cNvSpPr>
+            <a:spLocks noGrp="1" noRot="1" noChangeAspect="1"/>
+          </p:cNvSpPr>
+          <p:nvPr>
+            <p:ph type="sldImg"/>
+          </p:nvPr>
+        </p:nvSpPr>
+        <p:spPr/>
+      </p:sp>
+      <p:sp>
+        <p:nvSpPr>
+          <p:cNvPr id="3" name="슬라이드 노트 개체 틀 2"/>
+          <p:cNvSpPr>
+            <a:spLocks noGrp="1"/>
+          </p:cNvSpPr>
+          <p:nvPr>
+            <p:ph type="body" idx="1"/>
+          </p:nvPr>
+        </p:nvSpPr>
+        <p:spPr/>
+        <p:txBody>
+          <a:bodyPr/>
+          <a:lstStyle/>
+          <a:p>
+            <a:r>
+              <a:rPr lang="ko-KR" altLang="en-US" dirty="0"/>
+              <a:t>저희 팀은 그것이 </a:t>
+            </a:r>
+            <a:r>
+              <a:rPr lang="en-US" altLang="ko-KR" dirty="0"/>
+              <a:t>RFID</a:t>
+            </a:r>
+            <a:r>
+              <a:rPr lang="ko-KR" altLang="en-US" dirty="0"/>
+              <a:t>를 그 해답이라고 생각했습니다</a:t>
+            </a:r>
+            <a:r>
+              <a:rPr lang="en-US" altLang="ko-KR" dirty="0"/>
+              <a:t>.</a:t>
+            </a:r>
+          </a:p>
+          <a:p>
+            <a:r>
+              <a:rPr lang="ko-KR" altLang="en-US" dirty="0"/>
+              <a:t>칩의 크기도 다양하게 출시되어 있는 상황이고 그렇기에 매우 작은 크기의 칩도 쉽게 구할 수 있습니다</a:t>
+            </a:r>
+            <a:r>
+              <a:rPr lang="en-US" altLang="ko-KR" dirty="0"/>
+              <a:t>.</a:t>
+            </a:r>
+          </a:p>
+          <a:p>
+            <a:r>
+              <a:rPr lang="ko-KR" altLang="en-US" dirty="0"/>
+              <a:t>또한 관리에 대해서도 비교적 접근이 편한 방법이라고 생각됩니다</a:t>
+            </a:r>
+            <a:r>
+              <a:rPr lang="en-US" altLang="ko-KR" dirty="0"/>
+              <a:t>.</a:t>
+            </a:r>
+            <a:endParaRPr lang="ko-KR" altLang="en-US" dirty="0"/>
+          </a:p>
+        </p:txBody>
+      </p:sp>
+      <p:sp>
+        <p:nvSpPr>
+          <p:cNvPr id="4" name="슬라이드 번호 개체 틀 3"/>
+          <p:cNvSpPr>
+            <a:spLocks noGrp="1"/>
+          </p:cNvSpPr>
+          <p:nvPr>
+            <p:ph type="sldNum" sz="quarter" idx="5"/>
+          </p:nvPr>
+        </p:nvSpPr>
+        <p:spPr/>
+        <p:txBody>
+          <a:bodyPr/>
+          <a:lstStyle/>
+          <a:p>
+            <a:fld id="{0B0AB095-EC7F-464A-AFEE-C3B9960C3A10}" type="slidenum">
+              <a:rPr lang="ko-KR" altLang="en-US" smtClean="0"/>
+              <a:t>16</a:t>
+            </a:fld>
+            <a:endParaRPr lang="ko-KR" altLang="en-US"/>
+          </a:p>
+        </p:txBody>
+      </p:sp>
+    </p:spTree>
+    <p:extLst>
+      <p:ext uri="{BB962C8B-B14F-4D97-AF65-F5344CB8AC3E}">
+        <p14:creationId xmlns:p14="http://schemas.microsoft.com/office/powerpoint/2010/main" val="3609923037"/>
+      </p:ext>
+    </p:extLst>
+  </p:cSld>
+  <p:clrMapOvr>
+    <a:masterClrMapping/>
+  </p:clrMapOvr>
+</p:notes>
+</file>
+
+<file path=ppt/notesSlides/notesSlide17.xml><?xml version="1.0" encoding="utf-8"?>
+<p:notes xmlns:a="http://schemas.openxmlformats.org/drawingml/2006/main" xmlns:r="http://schemas.openxmlformats.org/officeDocument/2006/relationships" xmlns:p="http://schemas.openxmlformats.org/presentationml/2006/main">
+  <p:cSld>
+    <p:spTree>
+      <p:nvGrpSpPr>
+        <p:cNvPr id="1" name=""/>
+        <p:cNvGrpSpPr/>
+        <p:nvPr/>
+      </p:nvGrpSpPr>
+      <p:grpSpPr>
+        <a:xfrm>
+          <a:off x="0" y="0"/>
+          <a:ext cx="0" cy="0"/>
+          <a:chOff x="0" y="0"/>
+          <a:chExt cx="0" cy="0"/>
+        </a:xfrm>
+      </p:grpSpPr>
+      <p:sp>
+        <p:nvSpPr>
+          <p:cNvPr id="2" name="슬라이드 이미지 개체 틀 1"/>
+          <p:cNvSpPr>
+            <a:spLocks noGrp="1" noRot="1" noChangeAspect="1"/>
+          </p:cNvSpPr>
+          <p:nvPr>
+            <p:ph type="sldImg"/>
+          </p:nvPr>
+        </p:nvSpPr>
+        <p:spPr/>
+      </p:sp>
+      <p:sp>
+        <p:nvSpPr>
+          <p:cNvPr id="3" name="슬라이드 노트 개체 틀 2"/>
+          <p:cNvSpPr>
+            <a:spLocks noGrp="1"/>
+          </p:cNvSpPr>
+          <p:nvPr>
+            <p:ph type="body" idx="1"/>
+          </p:nvPr>
+        </p:nvSpPr>
+        <p:spPr/>
+        <p:txBody>
+          <a:bodyPr/>
+          <a:lstStyle/>
+          <a:p>
+            <a:r>
+              <a:rPr lang="ko-KR" altLang="en-US" dirty="0"/>
+              <a:t>그렇다면 이 </a:t>
+            </a:r>
+            <a:r>
+              <a:rPr lang="en-US" altLang="ko-KR" dirty="0"/>
+              <a:t>RFID</a:t>
+            </a:r>
+            <a:r>
+              <a:rPr lang="ko-KR" altLang="en-US" dirty="0"/>
+              <a:t>를 어떻게 카페에 적용시키는가 입니다</a:t>
+            </a:r>
+            <a:r>
+              <a:rPr lang="en-US" altLang="ko-KR" dirty="0"/>
+              <a:t>.</a:t>
+            </a:r>
+          </a:p>
+          <a:p>
+            <a:r>
+              <a:rPr lang="ko-KR" altLang="en-US" dirty="0"/>
+              <a:t>저희는 컵에 </a:t>
+            </a:r>
+            <a:r>
+              <a:rPr lang="en-US" altLang="ko-KR" dirty="0"/>
+              <a:t>RFID</a:t>
+            </a:r>
+            <a:r>
+              <a:rPr lang="ko-KR" altLang="en-US" dirty="0"/>
+              <a:t>를 장착하는 방법을 해결방안으로 제시하고자 합니다</a:t>
+            </a:r>
+            <a:r>
+              <a:rPr lang="en-US" altLang="ko-KR" dirty="0"/>
+              <a:t>.</a:t>
+            </a:r>
+          </a:p>
+          <a:p>
+            <a:r>
+              <a:rPr lang="ko-KR" altLang="en-US" dirty="0"/>
+              <a:t>컵에 고유한 아이디를 가지는 </a:t>
+            </a:r>
+            <a:r>
+              <a:rPr lang="en-US" altLang="ko-KR" dirty="0"/>
+              <a:t>RFID</a:t>
+            </a:r>
+            <a:r>
+              <a:rPr lang="ko-KR" altLang="en-US" dirty="0"/>
+              <a:t>칩을 내장 혹은 부착하여 제공하는 것입니다</a:t>
+            </a:r>
+            <a:r>
+              <a:rPr lang="en-US" altLang="ko-KR" dirty="0"/>
+              <a:t>.</a:t>
+            </a:r>
+            <a:r>
+              <a:rPr lang="ko-KR" altLang="en-US" dirty="0"/>
+              <a:t> </a:t>
+            </a:r>
+          </a:p>
+        </p:txBody>
+      </p:sp>
+      <p:sp>
+        <p:nvSpPr>
+          <p:cNvPr id="4" name="슬라이드 번호 개체 틀 3"/>
+          <p:cNvSpPr>
+            <a:spLocks noGrp="1"/>
+          </p:cNvSpPr>
+          <p:nvPr>
+            <p:ph type="sldNum" sz="quarter" idx="5"/>
+          </p:nvPr>
+        </p:nvSpPr>
+        <p:spPr/>
+        <p:txBody>
+          <a:bodyPr/>
+          <a:lstStyle/>
+          <a:p>
+            <a:fld id="{0B0AB095-EC7F-464A-AFEE-C3B9960C3A10}" type="slidenum">
+              <a:rPr lang="ko-KR" altLang="en-US" smtClean="0"/>
+              <a:t>17</a:t>
+            </a:fld>
+            <a:endParaRPr lang="ko-KR" altLang="en-US"/>
+          </a:p>
+        </p:txBody>
+      </p:sp>
+    </p:spTree>
+    <p:extLst>
+      <p:ext uri="{BB962C8B-B14F-4D97-AF65-F5344CB8AC3E}">
+        <p14:creationId xmlns:p14="http://schemas.microsoft.com/office/powerpoint/2010/main" val="3770846655"/>
+      </p:ext>
+    </p:extLst>
+  </p:cSld>
+  <p:clrMapOvr>
+    <a:masterClrMapping/>
+  </p:clrMapOvr>
+</p:notes>
+</file>
+
+<file path=ppt/notesSlides/notesSlide18.xml><?xml version="1.0" encoding="utf-8"?>
+<p:notes xmlns:a="http://schemas.openxmlformats.org/drawingml/2006/main" xmlns:r="http://schemas.openxmlformats.org/officeDocument/2006/relationships" xmlns:p="http://schemas.openxmlformats.org/presentationml/2006/main">
+  <p:cSld>
+    <p:spTree>
+      <p:nvGrpSpPr>
+        <p:cNvPr id="1" name=""/>
+        <p:cNvGrpSpPr/>
+        <p:nvPr/>
+      </p:nvGrpSpPr>
+      <p:grpSpPr>
+        <a:xfrm>
+          <a:off x="0" y="0"/>
+          <a:ext cx="0" cy="0"/>
+          <a:chOff x="0" y="0"/>
+          <a:chExt cx="0" cy="0"/>
+        </a:xfrm>
+      </p:grpSpPr>
+      <p:sp>
+        <p:nvSpPr>
+          <p:cNvPr id="2" name="슬라이드 이미지 개체 틀 1"/>
+          <p:cNvSpPr>
+            <a:spLocks noGrp="1" noRot="1" noChangeAspect="1"/>
+          </p:cNvSpPr>
+          <p:nvPr>
+            <p:ph type="sldImg"/>
+          </p:nvPr>
+        </p:nvSpPr>
+        <p:spPr/>
+      </p:sp>
+      <p:sp>
+        <p:nvSpPr>
+          <p:cNvPr id="3" name="슬라이드 노트 개체 틀 2"/>
+          <p:cNvSpPr>
+            <a:spLocks noGrp="1"/>
+          </p:cNvSpPr>
+          <p:nvPr>
+            <p:ph type="body" idx="1"/>
+          </p:nvPr>
+        </p:nvSpPr>
+        <p:spPr/>
+        <p:txBody>
+          <a:bodyPr/>
+          <a:lstStyle/>
+          <a:p>
+            <a:r>
+              <a:rPr lang="ko-KR" altLang="en-US" dirty="0"/>
+              <a:t>그리하여 테이블마다 설치된 </a:t>
+            </a:r>
+            <a:r>
+              <a:rPr lang="en-US" altLang="ko-KR" dirty="0"/>
+              <a:t>RFID</a:t>
+            </a:r>
+            <a:r>
+              <a:rPr lang="ko-KR" altLang="en-US" dirty="0"/>
+              <a:t>센서와 만나 반응하게 되고 이에 대한 정보를 카운터와 컴퓨터에 보내어 감지합니다</a:t>
+            </a:r>
+            <a:r>
+              <a:rPr lang="en-US" altLang="ko-KR" dirty="0"/>
+              <a:t>.</a:t>
+            </a:r>
+          </a:p>
+          <a:p>
+            <a:endParaRPr lang="ko-KR" altLang="en-US" dirty="0"/>
+          </a:p>
+        </p:txBody>
+      </p:sp>
+      <p:sp>
+        <p:nvSpPr>
+          <p:cNvPr id="4" name="슬라이드 번호 개체 틀 3"/>
+          <p:cNvSpPr>
+            <a:spLocks noGrp="1"/>
+          </p:cNvSpPr>
+          <p:nvPr>
+            <p:ph type="sldNum" sz="quarter" idx="5"/>
+          </p:nvPr>
+        </p:nvSpPr>
+        <p:spPr/>
+        <p:txBody>
+          <a:bodyPr/>
+          <a:lstStyle/>
+          <a:p>
+            <a:fld id="{0B0AB095-EC7F-464A-AFEE-C3B9960C3A10}" type="slidenum">
+              <a:rPr lang="ko-KR" altLang="en-US" smtClean="0"/>
+              <a:t>18</a:t>
+            </a:fld>
+            <a:endParaRPr lang="ko-KR" altLang="en-US"/>
+          </a:p>
+        </p:txBody>
+      </p:sp>
+    </p:spTree>
+    <p:extLst>
+      <p:ext uri="{BB962C8B-B14F-4D97-AF65-F5344CB8AC3E}">
+        <p14:creationId xmlns:p14="http://schemas.microsoft.com/office/powerpoint/2010/main" val="1318303960"/>
+      </p:ext>
+    </p:extLst>
+  </p:cSld>
+  <p:clrMapOvr>
+    <a:masterClrMapping/>
+  </p:clrMapOvr>
+</p:notes>
+</file>
+
+<file path=ppt/notesSlides/notesSlide19.xml><?xml version="1.0" encoding="utf-8"?>
+<p:notes xmlns:a="http://schemas.openxmlformats.org/drawingml/2006/main" xmlns:r="http://schemas.openxmlformats.org/officeDocument/2006/relationships" xmlns:p="http://schemas.openxmlformats.org/presentationml/2006/main">
+  <p:cSld>
+    <p:spTree>
+      <p:nvGrpSpPr>
+        <p:cNvPr id="1" name=""/>
+        <p:cNvGrpSpPr/>
+        <p:nvPr/>
+      </p:nvGrpSpPr>
+      <p:grpSpPr>
+        <a:xfrm>
+          <a:off x="0" y="0"/>
+          <a:ext cx="0" cy="0"/>
+          <a:chOff x="0" y="0"/>
+          <a:chExt cx="0" cy="0"/>
+        </a:xfrm>
+      </p:grpSpPr>
+      <p:sp>
+        <p:nvSpPr>
+          <p:cNvPr id="2" name="슬라이드 이미지 개체 틀 1"/>
+          <p:cNvSpPr>
+            <a:spLocks noGrp="1" noRot="1" noChangeAspect="1"/>
+          </p:cNvSpPr>
+          <p:nvPr>
+            <p:ph type="sldImg"/>
+          </p:nvPr>
+        </p:nvSpPr>
+        <p:spPr/>
+      </p:sp>
+      <p:sp>
+        <p:nvSpPr>
+          <p:cNvPr id="3" name="슬라이드 노트 개체 틀 2"/>
+          <p:cNvSpPr>
+            <a:spLocks noGrp="1"/>
+          </p:cNvSpPr>
+          <p:nvPr>
+            <p:ph type="body" idx="1"/>
+          </p:nvPr>
+        </p:nvSpPr>
+        <p:spPr/>
+        <p:txBody>
+          <a:bodyPr/>
+          <a:lstStyle/>
+          <a:p>
+            <a:r>
+              <a:rPr lang="ko-KR" altLang="en-US" dirty="0"/>
+              <a:t>그렇다면 자리이동에 대해서는 </a:t>
+            </a:r>
+            <a:r>
+              <a:rPr lang="en-US" altLang="ko-KR" dirty="0"/>
+              <a:t>RFID</a:t>
+            </a:r>
+            <a:r>
+              <a:rPr lang="ko-KR" altLang="en-US" dirty="0"/>
+              <a:t>로 어떻게 보완할까요</a:t>
+            </a:r>
+            <a:r>
+              <a:rPr lang="en-US" altLang="ko-KR" dirty="0"/>
+              <a:t>?</a:t>
+            </a:r>
+          </a:p>
+          <a:p>
+            <a:r>
+              <a:rPr lang="ko-KR" altLang="en-US" dirty="0"/>
+              <a:t>앞에서 </a:t>
+            </a:r>
+            <a:r>
+              <a:rPr lang="ko-KR" altLang="en-US" dirty="0" err="1"/>
+              <a:t>말씀드린대로</a:t>
+            </a:r>
+            <a:r>
+              <a:rPr lang="ko-KR" altLang="en-US" dirty="0"/>
+              <a:t> </a:t>
+            </a:r>
+            <a:r>
+              <a:rPr lang="en-US" altLang="ko-KR" dirty="0"/>
+              <a:t>RFID</a:t>
+            </a:r>
+            <a:r>
+              <a:rPr lang="ko-KR" altLang="en-US" dirty="0"/>
+              <a:t>의 고유한 </a:t>
+            </a:r>
+            <a:r>
+              <a:rPr lang="en-US" altLang="ko-KR" dirty="0"/>
+              <a:t>ID</a:t>
+            </a:r>
+            <a:r>
+              <a:rPr lang="ko-KR" altLang="en-US" dirty="0"/>
+              <a:t>를 토대로 </a:t>
+            </a:r>
+            <a:r>
+              <a:rPr lang="en-US" altLang="ko-KR" dirty="0"/>
+              <a:t>A~D</a:t>
+            </a:r>
+            <a:r>
+              <a:rPr lang="ko-KR" altLang="en-US" dirty="0"/>
+              <a:t>로 이동하여도 각 테이블마다의 센서가 컵의 </a:t>
+            </a:r>
+            <a:r>
+              <a:rPr lang="en-US" altLang="ko-KR" dirty="0"/>
+              <a:t>RFID</a:t>
+            </a:r>
+            <a:r>
+              <a:rPr lang="ko-KR" altLang="en-US" dirty="0"/>
+              <a:t>를 인지하여</a:t>
+            </a:r>
+            <a:endParaRPr lang="en-US" altLang="ko-KR" dirty="0"/>
+          </a:p>
+          <a:p>
+            <a:r>
+              <a:rPr lang="ko-KR" altLang="en-US" dirty="0"/>
+              <a:t>이전의 좌석의 신호를 끊고 새로운 좌석의 신호를 </a:t>
+            </a:r>
+            <a:r>
+              <a:rPr lang="ko-KR" altLang="en-US" dirty="0" err="1"/>
+              <a:t>받아드림으로써</a:t>
+            </a:r>
+            <a:r>
+              <a:rPr lang="ko-KR" altLang="en-US" dirty="0"/>
+              <a:t> 실시간으로 정보를 보내는 것입니다</a:t>
+            </a:r>
+            <a:r>
+              <a:rPr lang="en-US" altLang="ko-KR" dirty="0"/>
+              <a:t>.</a:t>
+            </a:r>
+            <a:endParaRPr lang="ko-KR" altLang="en-US" dirty="0"/>
+          </a:p>
+        </p:txBody>
+      </p:sp>
+      <p:sp>
+        <p:nvSpPr>
+          <p:cNvPr id="4" name="슬라이드 번호 개체 틀 3"/>
+          <p:cNvSpPr>
+            <a:spLocks noGrp="1"/>
+          </p:cNvSpPr>
+          <p:nvPr>
+            <p:ph type="sldNum" sz="quarter" idx="5"/>
+          </p:nvPr>
+        </p:nvSpPr>
+        <p:spPr/>
+        <p:txBody>
+          <a:bodyPr/>
+          <a:lstStyle/>
+          <a:p>
+            <a:fld id="{0B0AB095-EC7F-464A-AFEE-C3B9960C3A10}" type="slidenum">
+              <a:rPr lang="ko-KR" altLang="en-US" smtClean="0"/>
+              <a:t>19</a:t>
+            </a:fld>
+            <a:endParaRPr lang="ko-KR" altLang="en-US"/>
+          </a:p>
+        </p:txBody>
+      </p:sp>
+    </p:spTree>
+    <p:extLst>
+      <p:ext uri="{BB962C8B-B14F-4D97-AF65-F5344CB8AC3E}">
+        <p14:creationId xmlns:p14="http://schemas.microsoft.com/office/powerpoint/2010/main" val="2017290037"/>
+      </p:ext>
+    </p:extLst>
+  </p:cSld>
+  <p:clrMapOvr>
+    <a:masterClrMapping/>
+  </p:clrMapOvr>
+</p:notes>
+</file>
+
+<file path=ppt/notesSlides/notesSlide2.xml><?xml version="1.0" encoding="utf-8"?>
+<p:notes xmlns:a="http://schemas.openxmlformats.org/drawingml/2006/main" xmlns:r="http://schemas.openxmlformats.org/officeDocument/2006/relationships" xmlns:p="http://schemas.openxmlformats.org/presentationml/2006/main">
+  <p:cSld>
+    <p:spTree>
+      <p:nvGrpSpPr>
+        <p:cNvPr id="1" name=""/>
+        <p:cNvGrpSpPr/>
+        <p:nvPr/>
+      </p:nvGrpSpPr>
+      <p:grpSpPr>
+        <a:xfrm>
+          <a:off x="0" y="0"/>
+          <a:ext cx="0" cy="0"/>
+          <a:chOff x="0" y="0"/>
+          <a:chExt cx="0" cy="0"/>
+        </a:xfrm>
+      </p:grpSpPr>
+      <p:sp>
+        <p:nvSpPr>
+          <p:cNvPr id="2" name="슬라이드 이미지 개체 틀 1"/>
+          <p:cNvSpPr>
+            <a:spLocks noGrp="1" noRot="1" noChangeAspect="1"/>
+          </p:cNvSpPr>
+          <p:nvPr>
+            <p:ph type="sldImg"/>
+          </p:nvPr>
+        </p:nvSpPr>
+        <p:spPr/>
+      </p:sp>
+      <p:sp>
+        <p:nvSpPr>
+          <p:cNvPr id="3" name="슬라이드 노트 개체 틀 2"/>
+          <p:cNvSpPr>
+            <a:spLocks noGrp="1"/>
+          </p:cNvSpPr>
+          <p:nvPr>
+            <p:ph type="body" idx="1"/>
+          </p:nvPr>
+        </p:nvSpPr>
+        <p:spPr/>
+        <p:txBody>
+          <a:bodyPr/>
+          <a:lstStyle/>
+          <a:p>
+            <a:r>
+              <a:rPr lang="ko-KR" altLang="en-US" dirty="0"/>
+              <a:t>저희 </a:t>
+            </a:r>
+            <a:r>
+              <a:rPr lang="en-US" altLang="ko-KR" dirty="0"/>
+              <a:t>it(</a:t>
+            </a:r>
+            <a:r>
+              <a:rPr lang="ko-KR" altLang="en-US" dirty="0"/>
+              <a:t>그것</a:t>
+            </a:r>
+            <a:r>
+              <a:rPr lang="en-US" altLang="ko-KR" dirty="0"/>
+              <a:t>)</a:t>
+            </a:r>
+            <a:r>
+              <a:rPr lang="ko-KR" altLang="en-US" dirty="0"/>
+              <a:t>팀은 총 </a:t>
+            </a:r>
+            <a:r>
+              <a:rPr lang="en-US" altLang="ko-KR" dirty="0"/>
+              <a:t>4</a:t>
+            </a:r>
+            <a:r>
+              <a:rPr lang="ko-KR" altLang="en-US" dirty="0"/>
+              <a:t>개로 분류를 두어 발표를 진행하고자 합니다</a:t>
+            </a:r>
+            <a:r>
+              <a:rPr lang="en-US" altLang="ko-KR" dirty="0"/>
+              <a:t>.</a:t>
+            </a:r>
+          </a:p>
+          <a:p>
+            <a:r>
+              <a:rPr lang="ko-KR" altLang="en-US" dirty="0"/>
+              <a:t>파랑색은 목적</a:t>
+            </a:r>
+            <a:r>
+              <a:rPr lang="en-US" altLang="ko-KR" dirty="0"/>
+              <a:t>, </a:t>
+            </a:r>
+            <a:r>
+              <a:rPr lang="ko-KR" altLang="en-US" dirty="0"/>
+              <a:t>빨강색은 문제점</a:t>
+            </a:r>
+            <a:r>
+              <a:rPr lang="en-US" altLang="ko-KR" dirty="0"/>
+              <a:t>, </a:t>
+            </a:r>
+            <a:r>
+              <a:rPr lang="ko-KR" altLang="en-US" dirty="0"/>
+              <a:t>노랑색은 보완</a:t>
+            </a:r>
+            <a:r>
+              <a:rPr lang="en-US" altLang="ko-KR" dirty="0"/>
+              <a:t>, </a:t>
+            </a:r>
+            <a:r>
+              <a:rPr lang="ko-KR" altLang="en-US" dirty="0"/>
+              <a:t>마지막 초록색은 구현에 대한 내용을 담고 있습니다</a:t>
+            </a:r>
+            <a:r>
+              <a:rPr lang="en-US" altLang="ko-KR" dirty="0"/>
+              <a:t>.</a:t>
+            </a:r>
+            <a:endParaRPr lang="ko-KR" altLang="en-US" dirty="0"/>
+          </a:p>
+        </p:txBody>
+      </p:sp>
+      <p:sp>
+        <p:nvSpPr>
+          <p:cNvPr id="4" name="슬라이드 번호 개체 틀 3"/>
+          <p:cNvSpPr>
+            <a:spLocks noGrp="1"/>
+          </p:cNvSpPr>
+          <p:nvPr>
+            <p:ph type="sldNum" sz="quarter" idx="5"/>
+          </p:nvPr>
+        </p:nvSpPr>
+        <p:spPr/>
+        <p:txBody>
+          <a:bodyPr/>
+          <a:lstStyle/>
+          <a:p>
+            <a:fld id="{0B0AB095-EC7F-464A-AFEE-C3B9960C3A10}" type="slidenum">
+              <a:rPr lang="ko-KR" altLang="en-US" smtClean="0"/>
+              <a:t>2</a:t>
+            </a:fld>
+            <a:endParaRPr lang="ko-KR" altLang="en-US"/>
+          </a:p>
+        </p:txBody>
+      </p:sp>
+    </p:spTree>
+    <p:extLst>
+      <p:ext uri="{BB962C8B-B14F-4D97-AF65-F5344CB8AC3E}">
+        <p14:creationId xmlns:p14="http://schemas.microsoft.com/office/powerpoint/2010/main" val="513976016"/>
+      </p:ext>
+    </p:extLst>
+  </p:cSld>
+  <p:clrMapOvr>
+    <a:masterClrMapping/>
+  </p:clrMapOvr>
+</p:notes>
+</file>
+
+<file path=ppt/notesSlides/notesSlide20.xml><?xml version="1.0" encoding="utf-8"?>
+<p:notes xmlns:a="http://schemas.openxmlformats.org/drawingml/2006/main" xmlns:r="http://schemas.openxmlformats.org/officeDocument/2006/relationships" xmlns:p="http://schemas.openxmlformats.org/presentationml/2006/main">
+  <p:cSld>
+    <p:spTree>
+      <p:nvGrpSpPr>
+        <p:cNvPr id="1" name=""/>
+        <p:cNvGrpSpPr/>
+        <p:nvPr/>
+      </p:nvGrpSpPr>
+      <p:grpSpPr>
+        <a:xfrm>
+          <a:off x="0" y="0"/>
+          <a:ext cx="0" cy="0"/>
+          <a:chOff x="0" y="0"/>
+          <a:chExt cx="0" cy="0"/>
+        </a:xfrm>
+      </p:grpSpPr>
+      <p:sp>
+        <p:nvSpPr>
+          <p:cNvPr id="2" name="슬라이드 이미지 개체 틀 1"/>
+          <p:cNvSpPr>
+            <a:spLocks noGrp="1" noRot="1" noChangeAspect="1"/>
+          </p:cNvSpPr>
+          <p:nvPr>
+            <p:ph type="sldImg"/>
+          </p:nvPr>
+        </p:nvSpPr>
+        <p:spPr/>
+      </p:sp>
+      <p:sp>
+        <p:nvSpPr>
+          <p:cNvPr id="3" name="슬라이드 노트 개체 틀 2"/>
+          <p:cNvSpPr>
+            <a:spLocks noGrp="1"/>
+          </p:cNvSpPr>
+          <p:nvPr>
+            <p:ph type="body" idx="1"/>
+          </p:nvPr>
+        </p:nvSpPr>
+        <p:spPr/>
+        <p:txBody>
+          <a:bodyPr/>
+          <a:lstStyle/>
+          <a:p>
+            <a:r>
+              <a:rPr lang="ko-KR" altLang="en-US" dirty="0"/>
+              <a:t>이제는 마지막 초록색영역 구현의 차례입니다</a:t>
+            </a:r>
+            <a:r>
+              <a:rPr lang="en-US" altLang="ko-KR" dirty="0"/>
+              <a:t>.</a:t>
+            </a:r>
+          </a:p>
+          <a:p>
+            <a:endParaRPr lang="ko-KR" altLang="en-US" dirty="0"/>
+          </a:p>
+        </p:txBody>
+      </p:sp>
+      <p:sp>
+        <p:nvSpPr>
+          <p:cNvPr id="4" name="슬라이드 번호 개체 틀 3"/>
+          <p:cNvSpPr>
+            <a:spLocks noGrp="1"/>
+          </p:cNvSpPr>
+          <p:nvPr>
+            <p:ph type="sldNum" sz="quarter" idx="5"/>
+          </p:nvPr>
+        </p:nvSpPr>
+        <p:spPr/>
+        <p:txBody>
+          <a:bodyPr/>
+          <a:lstStyle/>
+          <a:p>
+            <a:fld id="{0B0AB095-EC7F-464A-AFEE-C3B9960C3A10}" type="slidenum">
+              <a:rPr lang="ko-KR" altLang="en-US" smtClean="0"/>
+              <a:t>20</a:t>
+            </a:fld>
+            <a:endParaRPr lang="ko-KR" altLang="en-US"/>
+          </a:p>
+        </p:txBody>
+      </p:sp>
+    </p:spTree>
+    <p:extLst>
+      <p:ext uri="{BB962C8B-B14F-4D97-AF65-F5344CB8AC3E}">
+        <p14:creationId xmlns:p14="http://schemas.microsoft.com/office/powerpoint/2010/main" val="728784439"/>
+      </p:ext>
+    </p:extLst>
+  </p:cSld>
+  <p:clrMapOvr>
+    <a:masterClrMapping/>
+  </p:clrMapOvr>
+</p:notes>
+</file>
+
+<file path=ppt/notesSlides/notesSlide21.xml><?xml version="1.0" encoding="utf-8"?>
+<p:notes xmlns:a="http://schemas.openxmlformats.org/drawingml/2006/main" xmlns:r="http://schemas.openxmlformats.org/officeDocument/2006/relationships" xmlns:p="http://schemas.openxmlformats.org/presentationml/2006/main">
+  <p:cSld>
+    <p:spTree>
+      <p:nvGrpSpPr>
+        <p:cNvPr id="1" name=""/>
+        <p:cNvGrpSpPr/>
+        <p:nvPr/>
+      </p:nvGrpSpPr>
+      <p:grpSpPr>
+        <a:xfrm>
+          <a:off x="0" y="0"/>
+          <a:ext cx="0" cy="0"/>
+          <a:chOff x="0" y="0"/>
+          <a:chExt cx="0" cy="0"/>
+        </a:xfrm>
+      </p:grpSpPr>
+      <p:sp>
+        <p:nvSpPr>
+          <p:cNvPr id="2" name="슬라이드 이미지 개체 틀 1"/>
+          <p:cNvSpPr>
+            <a:spLocks noGrp="1" noRot="1" noChangeAspect="1"/>
+          </p:cNvSpPr>
+          <p:nvPr>
+            <p:ph type="sldImg"/>
+          </p:nvPr>
+        </p:nvSpPr>
+        <p:spPr/>
+      </p:sp>
+      <p:sp>
+        <p:nvSpPr>
+          <p:cNvPr id="3" name="슬라이드 노트 개체 틀 2"/>
+          <p:cNvSpPr>
+            <a:spLocks noGrp="1"/>
+          </p:cNvSpPr>
+          <p:nvPr>
+            <p:ph type="body" idx="1"/>
+          </p:nvPr>
+        </p:nvSpPr>
+        <p:spPr/>
+        <p:txBody>
+          <a:bodyPr/>
+          <a:lstStyle/>
+          <a:p>
+            <a:r>
+              <a:rPr lang="ko-KR" altLang="en-US" dirty="0"/>
+              <a:t>목적과 문제점인식 그리고 보완도 중요하지만 이것들을 실현시킬 구현의 단계가 가장 중요하다고 생각됩니다</a:t>
+            </a:r>
+            <a:r>
+              <a:rPr lang="en-US" altLang="ko-KR" dirty="0"/>
+              <a:t>.</a:t>
+            </a:r>
+          </a:p>
+          <a:p>
+            <a:r>
+              <a:rPr lang="ko-KR" altLang="en-US" dirty="0"/>
+              <a:t>구현의 세부적인 단계는</a:t>
+            </a:r>
+            <a:endParaRPr lang="en-US" altLang="ko-KR" dirty="0"/>
+          </a:p>
+          <a:p>
+            <a:pPr marL="228600" indent="-228600">
+              <a:buAutoNum type="arabicPeriod"/>
+            </a:pPr>
+            <a:r>
+              <a:rPr lang="en-US" altLang="ko-KR" dirty="0"/>
+              <a:t>RFID</a:t>
+            </a:r>
+            <a:r>
+              <a:rPr lang="ko-KR" altLang="en-US" dirty="0"/>
+              <a:t>센서와 칩의 반응구현</a:t>
+            </a:r>
+            <a:endParaRPr lang="en-US" altLang="ko-KR" dirty="0"/>
+          </a:p>
+          <a:p>
+            <a:pPr marL="228600" indent="-228600">
+              <a:buAutoNum type="arabicPeriod"/>
+            </a:pPr>
+            <a:r>
+              <a:rPr lang="ko-KR" altLang="en-US" dirty="0"/>
+              <a:t>컴퓨터에 연동구현</a:t>
+            </a:r>
+            <a:endParaRPr lang="en-US" altLang="ko-KR" dirty="0"/>
+          </a:p>
+          <a:p>
+            <a:pPr marL="228600" indent="-228600">
+              <a:buAutoNum type="arabicPeriod"/>
+            </a:pPr>
+            <a:r>
+              <a:rPr lang="ko-KR" altLang="en-US" dirty="0"/>
+              <a:t>프로그래밍 구현 입니다</a:t>
+            </a:r>
+            <a:r>
+              <a:rPr lang="en-US" altLang="ko-KR" dirty="0"/>
+              <a:t>.</a:t>
+            </a:r>
+            <a:endParaRPr lang="ko-KR" altLang="en-US" dirty="0"/>
+          </a:p>
+        </p:txBody>
+      </p:sp>
+      <p:sp>
+        <p:nvSpPr>
+          <p:cNvPr id="4" name="슬라이드 번호 개체 틀 3"/>
+          <p:cNvSpPr>
+            <a:spLocks noGrp="1"/>
+          </p:cNvSpPr>
+          <p:nvPr>
+            <p:ph type="sldNum" sz="quarter" idx="5"/>
+          </p:nvPr>
+        </p:nvSpPr>
+        <p:spPr/>
+        <p:txBody>
+          <a:bodyPr/>
+          <a:lstStyle/>
+          <a:p>
+            <a:fld id="{0B0AB095-EC7F-464A-AFEE-C3B9960C3A10}" type="slidenum">
+              <a:rPr lang="ko-KR" altLang="en-US" smtClean="0"/>
+              <a:t>21</a:t>
+            </a:fld>
+            <a:endParaRPr lang="ko-KR" altLang="en-US"/>
+          </a:p>
+        </p:txBody>
+      </p:sp>
+    </p:spTree>
+    <p:extLst>
+      <p:ext uri="{BB962C8B-B14F-4D97-AF65-F5344CB8AC3E}">
+        <p14:creationId xmlns:p14="http://schemas.microsoft.com/office/powerpoint/2010/main" val="1969195512"/>
+      </p:ext>
+    </p:extLst>
+  </p:cSld>
+  <p:clrMapOvr>
+    <a:masterClrMapping/>
+  </p:clrMapOvr>
+</p:notes>
+</file>
+
+<file path=ppt/notesSlides/notesSlide22.xml><?xml version="1.0" encoding="utf-8"?>
+<p:notes xmlns:a="http://schemas.openxmlformats.org/drawingml/2006/main" xmlns:r="http://schemas.openxmlformats.org/officeDocument/2006/relationships" xmlns:p="http://schemas.openxmlformats.org/presentationml/2006/main">
+  <p:cSld>
+    <p:spTree>
+      <p:nvGrpSpPr>
+        <p:cNvPr id="1" name=""/>
+        <p:cNvGrpSpPr/>
+        <p:nvPr/>
+      </p:nvGrpSpPr>
+      <p:grpSpPr>
+        <a:xfrm>
+          <a:off x="0" y="0"/>
+          <a:ext cx="0" cy="0"/>
+          <a:chOff x="0" y="0"/>
+          <a:chExt cx="0" cy="0"/>
+        </a:xfrm>
+      </p:grpSpPr>
+      <p:sp>
+        <p:nvSpPr>
+          <p:cNvPr id="2" name="슬라이드 이미지 개체 틀 1"/>
+          <p:cNvSpPr>
+            <a:spLocks noGrp="1" noRot="1" noChangeAspect="1"/>
+          </p:cNvSpPr>
+          <p:nvPr>
+            <p:ph type="sldImg"/>
+          </p:nvPr>
+        </p:nvSpPr>
+        <p:spPr/>
+      </p:sp>
+      <p:sp>
+        <p:nvSpPr>
+          <p:cNvPr id="3" name="슬라이드 노트 개체 틀 2"/>
+          <p:cNvSpPr>
+            <a:spLocks noGrp="1"/>
+          </p:cNvSpPr>
+          <p:nvPr>
+            <p:ph type="body" idx="1"/>
+          </p:nvPr>
+        </p:nvSpPr>
+        <p:spPr/>
+        <p:txBody>
+          <a:bodyPr/>
+          <a:lstStyle/>
+          <a:p>
+            <a:r>
+              <a:rPr lang="ko-KR" altLang="en-US" dirty="0"/>
+              <a:t>저희는 </a:t>
+            </a:r>
+            <a:r>
+              <a:rPr lang="ko-KR" altLang="en-US" dirty="0" err="1"/>
+              <a:t>아두이너와</a:t>
+            </a:r>
+            <a:r>
+              <a:rPr lang="ko-KR" altLang="en-US" dirty="0"/>
+              <a:t> </a:t>
+            </a:r>
+            <a:r>
+              <a:rPr lang="ko-KR" altLang="en-US" dirty="0" err="1"/>
+              <a:t>프로세싱프로그램을</a:t>
+            </a:r>
+            <a:r>
+              <a:rPr lang="ko-KR" altLang="en-US" dirty="0"/>
+              <a:t> 통하여 이를 </a:t>
+            </a:r>
+            <a:r>
+              <a:rPr lang="ko-KR" altLang="en-US" dirty="0" err="1"/>
+              <a:t>구현화하였습니다</a:t>
+            </a:r>
+            <a:r>
+              <a:rPr lang="en-US" altLang="ko-KR" dirty="0"/>
+              <a:t>.</a:t>
+            </a:r>
+            <a:endParaRPr lang="ko-KR" altLang="en-US" dirty="0"/>
+          </a:p>
+        </p:txBody>
+      </p:sp>
+      <p:sp>
+        <p:nvSpPr>
+          <p:cNvPr id="4" name="슬라이드 번호 개체 틀 3"/>
+          <p:cNvSpPr>
+            <a:spLocks noGrp="1"/>
+          </p:cNvSpPr>
+          <p:nvPr>
+            <p:ph type="sldNum" sz="quarter" idx="5"/>
+          </p:nvPr>
+        </p:nvSpPr>
+        <p:spPr/>
+        <p:txBody>
+          <a:bodyPr/>
+          <a:lstStyle/>
+          <a:p>
+            <a:fld id="{0B0AB095-EC7F-464A-AFEE-C3B9960C3A10}" type="slidenum">
+              <a:rPr lang="ko-KR" altLang="en-US" smtClean="0"/>
+              <a:t>22</a:t>
+            </a:fld>
+            <a:endParaRPr lang="ko-KR" altLang="en-US"/>
+          </a:p>
+        </p:txBody>
+      </p:sp>
+    </p:spTree>
+    <p:extLst>
+      <p:ext uri="{BB962C8B-B14F-4D97-AF65-F5344CB8AC3E}">
+        <p14:creationId xmlns:p14="http://schemas.microsoft.com/office/powerpoint/2010/main" val="2250804043"/>
+      </p:ext>
+    </p:extLst>
+  </p:cSld>
+  <p:clrMapOvr>
+    <a:masterClrMapping/>
+  </p:clrMapOvr>
+</p:notes>
+</file>
+
+<file path=ppt/notesSlides/notesSlide23.xml><?xml version="1.0" encoding="utf-8"?>
+<p:notes xmlns:a="http://schemas.openxmlformats.org/drawingml/2006/main" xmlns:r="http://schemas.openxmlformats.org/officeDocument/2006/relationships" xmlns:p="http://schemas.openxmlformats.org/presentationml/2006/main">
+  <p:cSld>
+    <p:spTree>
+      <p:nvGrpSpPr>
+        <p:cNvPr id="1" name=""/>
+        <p:cNvGrpSpPr/>
+        <p:nvPr/>
+      </p:nvGrpSpPr>
+      <p:grpSpPr>
+        <a:xfrm>
+          <a:off x="0" y="0"/>
+          <a:ext cx="0" cy="0"/>
+          <a:chOff x="0" y="0"/>
+          <a:chExt cx="0" cy="0"/>
+        </a:xfrm>
+      </p:grpSpPr>
+      <p:sp>
+        <p:nvSpPr>
+          <p:cNvPr id="2" name="슬라이드 이미지 개체 틀 1"/>
+          <p:cNvSpPr>
+            <a:spLocks noGrp="1" noRot="1" noChangeAspect="1"/>
+          </p:cNvSpPr>
+          <p:nvPr>
+            <p:ph type="sldImg"/>
+          </p:nvPr>
+        </p:nvSpPr>
+        <p:spPr/>
+      </p:sp>
+      <p:sp>
+        <p:nvSpPr>
+          <p:cNvPr id="3" name="슬라이드 노트 개체 틀 2"/>
+          <p:cNvSpPr>
+            <a:spLocks noGrp="1"/>
+          </p:cNvSpPr>
+          <p:nvPr>
+            <p:ph type="body" idx="1"/>
+          </p:nvPr>
+        </p:nvSpPr>
+        <p:spPr/>
+        <p:txBody>
+          <a:bodyPr/>
+          <a:lstStyle/>
+          <a:p>
+            <a:r>
+              <a:rPr lang="ko-KR" altLang="en-US" dirty="0"/>
+              <a:t>화면에 보이시는 것은 </a:t>
+            </a:r>
+            <a:r>
+              <a:rPr lang="ko-KR" altLang="en-US" dirty="0" err="1"/>
+              <a:t>아두이너로</a:t>
+            </a:r>
+            <a:r>
+              <a:rPr lang="ko-KR" altLang="en-US" dirty="0"/>
+              <a:t> </a:t>
+            </a:r>
+            <a:r>
+              <a:rPr lang="en-US" altLang="ko-KR" dirty="0"/>
+              <a:t>RFID</a:t>
+            </a:r>
+            <a:r>
+              <a:rPr lang="ko-KR" altLang="en-US" dirty="0"/>
+              <a:t>를 </a:t>
+            </a:r>
+            <a:r>
+              <a:rPr lang="ko-KR" altLang="en-US" dirty="0" err="1"/>
+              <a:t>구현화시켜주는</a:t>
+            </a:r>
+            <a:r>
+              <a:rPr lang="ko-KR" altLang="en-US" dirty="0"/>
+              <a:t> </a:t>
+            </a:r>
+            <a:r>
+              <a:rPr lang="en-US" altLang="ko-KR" dirty="0"/>
+              <a:t>SET</a:t>
+            </a:r>
+            <a:r>
+              <a:rPr lang="ko-KR" altLang="en-US" dirty="0"/>
+              <a:t>입니다</a:t>
+            </a:r>
+            <a:r>
+              <a:rPr lang="en-US" altLang="ko-KR" dirty="0"/>
+              <a:t>. </a:t>
+            </a:r>
+            <a:r>
+              <a:rPr lang="ko-KR" altLang="en-US" dirty="0"/>
+              <a:t>가운데 보이는 것이 </a:t>
+            </a:r>
+            <a:r>
+              <a:rPr lang="ko-KR" altLang="en-US" dirty="0" err="1"/>
+              <a:t>감지센서이며</a:t>
+            </a:r>
+            <a:r>
+              <a:rPr lang="ko-KR" altLang="en-US" dirty="0"/>
+              <a:t> 양쪽으로는 코인 카드 형태의 </a:t>
+            </a:r>
+            <a:r>
+              <a:rPr lang="en-US" altLang="ko-KR" dirty="0"/>
+              <a:t>RFID</a:t>
+            </a:r>
+            <a:r>
+              <a:rPr lang="ko-KR" altLang="en-US" dirty="0"/>
+              <a:t>칩을 내장하고 있습니다</a:t>
+            </a:r>
+            <a:r>
+              <a:rPr lang="en-US" altLang="ko-KR" dirty="0"/>
+              <a:t>.</a:t>
+            </a:r>
+          </a:p>
+          <a:p>
+            <a:r>
+              <a:rPr lang="ko-KR" altLang="en-US" dirty="0"/>
+              <a:t>다음은 </a:t>
+            </a:r>
+            <a:r>
+              <a:rPr lang="ko-KR" altLang="en-US" dirty="0" err="1"/>
+              <a:t>아두이너와</a:t>
+            </a:r>
+            <a:r>
+              <a:rPr lang="ko-KR" altLang="en-US" dirty="0"/>
+              <a:t> </a:t>
+            </a:r>
+            <a:r>
+              <a:rPr lang="en-US" altLang="ko-KR" dirty="0"/>
+              <a:t>RFID</a:t>
+            </a:r>
+            <a:r>
+              <a:rPr lang="ko-KR" altLang="en-US" dirty="0"/>
+              <a:t>센서를 연결하기 위한 회로도 입니다</a:t>
+            </a:r>
+            <a:r>
+              <a:rPr lang="en-US" altLang="ko-KR" dirty="0"/>
+              <a:t>. </a:t>
+            </a:r>
+            <a:r>
+              <a:rPr lang="ko-KR" altLang="en-US" dirty="0"/>
+              <a:t>연결에 따른 회로 및 내용들이 더 있지만 우선 대표적인 연결회로만 보여드리고</a:t>
+            </a:r>
+            <a:endParaRPr lang="en-US" altLang="ko-KR" dirty="0"/>
+          </a:p>
+          <a:p>
+            <a:r>
+              <a:rPr lang="ko-KR" altLang="en-US" dirty="0"/>
+              <a:t>다음은 연결된 </a:t>
+            </a:r>
+            <a:r>
+              <a:rPr lang="ko-KR" altLang="en-US" dirty="0" err="1"/>
+              <a:t>아두이너와</a:t>
+            </a:r>
+            <a:r>
+              <a:rPr lang="ko-KR" altLang="en-US" dirty="0"/>
+              <a:t> 센서를 통해 </a:t>
+            </a:r>
+            <a:r>
+              <a:rPr lang="en-US" altLang="ko-KR" dirty="0"/>
+              <a:t>RFID</a:t>
+            </a:r>
+            <a:r>
+              <a:rPr lang="ko-KR" altLang="en-US" dirty="0"/>
+              <a:t>칩을 접근시켰을 시 반응하는 모습을 보여드리고 있습니다</a:t>
+            </a:r>
+            <a:r>
+              <a:rPr lang="en-US" altLang="ko-KR" dirty="0"/>
+              <a:t>.</a:t>
+            </a:r>
+          </a:p>
+          <a:p>
+            <a:r>
+              <a:rPr lang="ko-KR" altLang="en-US" dirty="0"/>
+              <a:t>이 단계를 통하여 우선적으로 </a:t>
+            </a:r>
+            <a:r>
+              <a:rPr lang="en-US" altLang="ko-KR" dirty="0"/>
+              <a:t>RFID </a:t>
+            </a:r>
+            <a:r>
+              <a:rPr lang="ko-KR" altLang="en-US" dirty="0"/>
+              <a:t>센서와 칩에 대한 반응을 구현했습니다</a:t>
+            </a:r>
+            <a:r>
+              <a:rPr lang="en-US" altLang="ko-KR" dirty="0"/>
+              <a:t>.</a:t>
+            </a:r>
+            <a:endParaRPr lang="ko-KR" altLang="en-US" dirty="0"/>
+          </a:p>
+        </p:txBody>
+      </p:sp>
+      <p:sp>
+        <p:nvSpPr>
+          <p:cNvPr id="4" name="슬라이드 번호 개체 틀 3"/>
+          <p:cNvSpPr>
+            <a:spLocks noGrp="1"/>
+          </p:cNvSpPr>
+          <p:nvPr>
+            <p:ph type="sldNum" sz="quarter" idx="5"/>
+          </p:nvPr>
+        </p:nvSpPr>
+        <p:spPr/>
+        <p:txBody>
+          <a:bodyPr/>
+          <a:lstStyle/>
+          <a:p>
+            <a:fld id="{0B0AB095-EC7F-464A-AFEE-C3B9960C3A10}" type="slidenum">
+              <a:rPr lang="ko-KR" altLang="en-US" smtClean="0"/>
+              <a:t>23</a:t>
+            </a:fld>
+            <a:endParaRPr lang="ko-KR" altLang="en-US"/>
+          </a:p>
+        </p:txBody>
+      </p:sp>
+    </p:spTree>
+    <p:extLst>
+      <p:ext uri="{BB962C8B-B14F-4D97-AF65-F5344CB8AC3E}">
+        <p14:creationId xmlns:p14="http://schemas.microsoft.com/office/powerpoint/2010/main" val="1239411710"/>
+      </p:ext>
+    </p:extLst>
+  </p:cSld>
+  <p:clrMapOvr>
+    <a:masterClrMapping/>
+  </p:clrMapOvr>
+</p:notes>
+</file>
+
+<file path=ppt/notesSlides/notesSlide3.xml><?xml version="1.0" encoding="utf-8"?>
+<p:notes xmlns:a="http://schemas.openxmlformats.org/drawingml/2006/main" xmlns:r="http://schemas.openxmlformats.org/officeDocument/2006/relationships" xmlns:p="http://schemas.openxmlformats.org/presentationml/2006/main">
+  <p:cSld>
+    <p:spTree>
+      <p:nvGrpSpPr>
+        <p:cNvPr id="1" name=""/>
+        <p:cNvGrpSpPr/>
+        <p:nvPr/>
+      </p:nvGrpSpPr>
+      <p:grpSpPr>
+        <a:xfrm>
+          <a:off x="0" y="0"/>
+          <a:ext cx="0" cy="0"/>
+          <a:chOff x="0" y="0"/>
+          <a:chExt cx="0" cy="0"/>
+        </a:xfrm>
+      </p:grpSpPr>
+      <p:sp>
+        <p:nvSpPr>
+          <p:cNvPr id="2" name="슬라이드 이미지 개체 틀 1"/>
+          <p:cNvSpPr>
+            <a:spLocks noGrp="1" noRot="1" noChangeAspect="1"/>
+          </p:cNvSpPr>
+          <p:nvPr>
+            <p:ph type="sldImg"/>
+          </p:nvPr>
+        </p:nvSpPr>
+        <p:spPr/>
+      </p:sp>
+      <p:sp>
+        <p:nvSpPr>
+          <p:cNvPr id="3" name="슬라이드 노트 개체 틀 2"/>
+          <p:cNvSpPr>
+            <a:spLocks noGrp="1"/>
+          </p:cNvSpPr>
+          <p:nvPr>
+            <p:ph type="body" idx="1"/>
+          </p:nvPr>
+        </p:nvSpPr>
+        <p:spPr/>
+        <p:txBody>
+          <a:bodyPr/>
+          <a:lstStyle/>
+          <a:p>
+            <a:r>
+              <a:rPr lang="ko-KR" altLang="en-US" dirty="0"/>
+              <a:t>그럼 첫번쨰 </a:t>
+            </a:r>
+            <a:r>
+              <a:rPr lang="ko-KR" altLang="en-US" dirty="0" err="1"/>
+              <a:t>파랑색영역의</a:t>
+            </a:r>
+            <a:r>
+              <a:rPr lang="ko-KR" altLang="en-US" dirty="0"/>
+              <a:t> 이야기 목적을 말씀드리겠습니다</a:t>
+            </a:r>
+            <a:r>
+              <a:rPr lang="en-US" altLang="ko-KR" dirty="0"/>
+              <a:t>.</a:t>
+            </a:r>
+            <a:endParaRPr lang="ko-KR" altLang="en-US" dirty="0"/>
+          </a:p>
+        </p:txBody>
+      </p:sp>
+      <p:sp>
+        <p:nvSpPr>
+          <p:cNvPr id="4" name="슬라이드 번호 개체 틀 3"/>
+          <p:cNvSpPr>
+            <a:spLocks noGrp="1"/>
+          </p:cNvSpPr>
+          <p:nvPr>
+            <p:ph type="sldNum" sz="quarter" idx="5"/>
+          </p:nvPr>
+        </p:nvSpPr>
+        <p:spPr/>
+        <p:txBody>
+          <a:bodyPr/>
+          <a:lstStyle/>
+          <a:p>
+            <a:fld id="{0B0AB095-EC7F-464A-AFEE-C3B9960C3A10}" type="slidenum">
+              <a:rPr lang="ko-KR" altLang="en-US" smtClean="0"/>
+              <a:t>3</a:t>
+            </a:fld>
+            <a:endParaRPr lang="ko-KR" altLang="en-US"/>
+          </a:p>
+        </p:txBody>
+      </p:sp>
+    </p:spTree>
+    <p:extLst>
+      <p:ext uri="{BB962C8B-B14F-4D97-AF65-F5344CB8AC3E}">
+        <p14:creationId xmlns:p14="http://schemas.microsoft.com/office/powerpoint/2010/main" val="3930747195"/>
+      </p:ext>
+    </p:extLst>
+  </p:cSld>
+  <p:clrMapOvr>
+    <a:masterClrMapping/>
+  </p:clrMapOvr>
+</p:notes>
+</file>
+
+<file path=ppt/notesSlides/notesSlide4.xml><?xml version="1.0" encoding="utf-8"?>
+<p:notes xmlns:a="http://schemas.openxmlformats.org/drawingml/2006/main" xmlns:r="http://schemas.openxmlformats.org/officeDocument/2006/relationships" xmlns:p="http://schemas.openxmlformats.org/presentationml/2006/main">
+  <p:cSld>
+    <p:spTree>
+      <p:nvGrpSpPr>
+        <p:cNvPr id="1" name=""/>
+        <p:cNvGrpSpPr/>
+        <p:nvPr/>
+      </p:nvGrpSpPr>
+      <p:grpSpPr>
+        <a:xfrm>
+          <a:off x="0" y="0"/>
+          <a:ext cx="0" cy="0"/>
+          <a:chOff x="0" y="0"/>
+          <a:chExt cx="0" cy="0"/>
+        </a:xfrm>
+      </p:grpSpPr>
+      <p:sp>
+        <p:nvSpPr>
+          <p:cNvPr id="2" name="슬라이드 이미지 개체 틀 1"/>
+          <p:cNvSpPr>
+            <a:spLocks noGrp="1" noRot="1" noChangeAspect="1"/>
+          </p:cNvSpPr>
+          <p:nvPr>
+            <p:ph type="sldImg"/>
+          </p:nvPr>
+        </p:nvSpPr>
+        <p:spPr/>
+      </p:sp>
+      <p:sp>
+        <p:nvSpPr>
+          <p:cNvPr id="3" name="슬라이드 노트 개체 틀 2"/>
+          <p:cNvSpPr>
+            <a:spLocks noGrp="1"/>
+          </p:cNvSpPr>
+          <p:nvPr>
+            <p:ph type="body" idx="1"/>
+          </p:nvPr>
+        </p:nvSpPr>
+        <p:spPr/>
+        <p:txBody>
+          <a:bodyPr/>
+          <a:lstStyle/>
+          <a:p>
+            <a:r>
+              <a:rPr lang="ko-KR" altLang="en-US" dirty="0"/>
+              <a:t>한림대학교를 예시로 보아도 근처에는 많은 카페들이 운영되고 있습니다</a:t>
+            </a:r>
+            <a:r>
+              <a:rPr lang="en-US" altLang="ko-KR" dirty="0"/>
+              <a:t>.</a:t>
+            </a:r>
+          </a:p>
+          <a:p>
+            <a:r>
+              <a:rPr lang="ko-KR" altLang="en-US" dirty="0"/>
+              <a:t>그리고 카페를 찾는 학생을 비롯한 사람들이 존재합니다</a:t>
+            </a:r>
+            <a:r>
+              <a:rPr lang="en-US" altLang="ko-KR" dirty="0"/>
+              <a:t>.</a:t>
+            </a:r>
+          </a:p>
+          <a:p>
+            <a:r>
+              <a:rPr lang="ko-KR" altLang="en-US" dirty="0"/>
+              <a:t>하지만</a:t>
+            </a:r>
+            <a:r>
+              <a:rPr lang="en-US" altLang="ko-KR" dirty="0"/>
+              <a:t>, </a:t>
+            </a:r>
+            <a:r>
+              <a:rPr lang="ko-KR" altLang="en-US" dirty="0"/>
+              <a:t>시험기간 등 많은 인원이 모이는 일정기간이 될 때 이용자들은 궁금해합니다</a:t>
+            </a:r>
+            <a:r>
+              <a:rPr lang="en-US" altLang="ko-KR" dirty="0"/>
+              <a:t>.</a:t>
+            </a:r>
+          </a:p>
+          <a:p>
+            <a:r>
+              <a:rPr lang="ko-KR" altLang="en-US" dirty="0"/>
+              <a:t>과연 내가 갔을 때 자리가 있을까</a:t>
+            </a:r>
+            <a:r>
+              <a:rPr lang="en-US" altLang="ko-KR" dirty="0"/>
+              <a:t>? </a:t>
+            </a:r>
+          </a:p>
+          <a:p>
+            <a:r>
+              <a:rPr lang="ko-KR" altLang="en-US" dirty="0"/>
+              <a:t>우리의 첫번쨰 목적은 좌석현황을 실시간으로 그리고 자동적으로 알아내는 것입니다</a:t>
+            </a:r>
+            <a:r>
+              <a:rPr lang="en-US" altLang="ko-KR" dirty="0"/>
+              <a:t>.</a:t>
+            </a:r>
+          </a:p>
+        </p:txBody>
+      </p:sp>
+      <p:sp>
+        <p:nvSpPr>
+          <p:cNvPr id="4" name="슬라이드 번호 개체 틀 3"/>
+          <p:cNvSpPr>
+            <a:spLocks noGrp="1"/>
+          </p:cNvSpPr>
+          <p:nvPr>
+            <p:ph type="sldNum" sz="quarter" idx="5"/>
+          </p:nvPr>
+        </p:nvSpPr>
+        <p:spPr/>
+        <p:txBody>
+          <a:bodyPr/>
+          <a:lstStyle/>
+          <a:p>
+            <a:fld id="{0B0AB095-EC7F-464A-AFEE-C3B9960C3A10}" type="slidenum">
+              <a:rPr lang="ko-KR" altLang="en-US" smtClean="0"/>
+              <a:t>4</a:t>
+            </a:fld>
+            <a:endParaRPr lang="ko-KR" altLang="en-US"/>
+          </a:p>
+        </p:txBody>
+      </p:sp>
+    </p:spTree>
+    <p:extLst>
+      <p:ext uri="{BB962C8B-B14F-4D97-AF65-F5344CB8AC3E}">
+        <p14:creationId xmlns:p14="http://schemas.microsoft.com/office/powerpoint/2010/main" val="3174108016"/>
+      </p:ext>
+    </p:extLst>
+  </p:cSld>
+  <p:clrMapOvr>
+    <a:masterClrMapping/>
+  </p:clrMapOvr>
+</p:notes>
+</file>
+
+<file path=ppt/notesSlides/notesSlide5.xml><?xml version="1.0" encoding="utf-8"?>
+<p:notes xmlns:a="http://schemas.openxmlformats.org/drawingml/2006/main" xmlns:r="http://schemas.openxmlformats.org/officeDocument/2006/relationships" xmlns:p="http://schemas.openxmlformats.org/presentationml/2006/main">
+  <p:cSld>
+    <p:spTree>
+      <p:nvGrpSpPr>
+        <p:cNvPr id="1" name=""/>
+        <p:cNvGrpSpPr/>
+        <p:nvPr/>
+      </p:nvGrpSpPr>
+      <p:grpSpPr>
+        <a:xfrm>
+          <a:off x="0" y="0"/>
+          <a:ext cx="0" cy="0"/>
+          <a:chOff x="0" y="0"/>
+          <a:chExt cx="0" cy="0"/>
+        </a:xfrm>
+      </p:grpSpPr>
+      <p:sp>
+        <p:nvSpPr>
+          <p:cNvPr id="2" name="슬라이드 이미지 개체 틀 1"/>
+          <p:cNvSpPr>
+            <a:spLocks noGrp="1" noRot="1" noChangeAspect="1"/>
+          </p:cNvSpPr>
+          <p:nvPr>
+            <p:ph type="sldImg"/>
+          </p:nvPr>
+        </p:nvSpPr>
+        <p:spPr/>
+      </p:sp>
+      <p:sp>
+        <p:nvSpPr>
+          <p:cNvPr id="3" name="슬라이드 노트 개체 틀 2"/>
+          <p:cNvSpPr>
+            <a:spLocks noGrp="1"/>
+          </p:cNvSpPr>
+          <p:nvPr>
+            <p:ph type="body" idx="1"/>
+          </p:nvPr>
+        </p:nvSpPr>
+        <p:spPr/>
+        <p:txBody>
+          <a:bodyPr/>
+          <a:lstStyle/>
+          <a:p>
+            <a:r>
+              <a:rPr lang="ko-KR" altLang="en-US" dirty="0"/>
+              <a:t>두번째 목표는 이용자들의 이동을 인식하는 것입니다</a:t>
+            </a:r>
+            <a:r>
+              <a:rPr lang="en-US" altLang="ko-KR" dirty="0"/>
+              <a:t>.</a:t>
+            </a:r>
+          </a:p>
+          <a:p>
+            <a:r>
+              <a:rPr lang="ko-KR" altLang="en-US" dirty="0"/>
+              <a:t>카페 내부의 좌석 총 현황을 도출하는 것은 비교적 쉽습니다</a:t>
+            </a:r>
+            <a:r>
+              <a:rPr lang="en-US" altLang="ko-KR" dirty="0"/>
+              <a:t>.</a:t>
+            </a:r>
+          </a:p>
+          <a:p>
+            <a:r>
+              <a:rPr lang="ko-KR" altLang="en-US" dirty="0"/>
+              <a:t>출입인원을 계산하면 되기 때문입니다</a:t>
+            </a:r>
+            <a:r>
+              <a:rPr lang="en-US" altLang="ko-KR" dirty="0"/>
+              <a:t>. </a:t>
+            </a:r>
+            <a:r>
+              <a:rPr lang="ko-KR" altLang="en-US" dirty="0"/>
+              <a:t>하지만 좌석마다의 현황을 실시간으로 알아내는 것 그것을 저희는 알아내고자 합니다</a:t>
+            </a:r>
+            <a:r>
+              <a:rPr lang="en-US" altLang="ko-KR" dirty="0"/>
+              <a:t>.</a:t>
+            </a:r>
+          </a:p>
+        </p:txBody>
+      </p:sp>
+      <p:sp>
+        <p:nvSpPr>
+          <p:cNvPr id="4" name="슬라이드 번호 개체 틀 3"/>
+          <p:cNvSpPr>
+            <a:spLocks noGrp="1"/>
+          </p:cNvSpPr>
+          <p:nvPr>
+            <p:ph type="sldNum" sz="quarter" idx="5"/>
+          </p:nvPr>
+        </p:nvSpPr>
+        <p:spPr/>
+        <p:txBody>
+          <a:bodyPr/>
+          <a:lstStyle/>
+          <a:p>
+            <a:fld id="{0B0AB095-EC7F-464A-AFEE-C3B9960C3A10}" type="slidenum">
+              <a:rPr lang="ko-KR" altLang="en-US" smtClean="0"/>
+              <a:t>5</a:t>
+            </a:fld>
+            <a:endParaRPr lang="ko-KR" altLang="en-US"/>
+          </a:p>
+        </p:txBody>
+      </p:sp>
+    </p:spTree>
+    <p:extLst>
+      <p:ext uri="{BB962C8B-B14F-4D97-AF65-F5344CB8AC3E}">
+        <p14:creationId xmlns:p14="http://schemas.microsoft.com/office/powerpoint/2010/main" val="2868095135"/>
+      </p:ext>
+    </p:extLst>
+  </p:cSld>
+  <p:clrMapOvr>
+    <a:masterClrMapping/>
+  </p:clrMapOvr>
+</p:notes>
+</file>
+
+<file path=ppt/notesSlides/notesSlide6.xml><?xml version="1.0" encoding="utf-8"?>
+<p:notes xmlns:a="http://schemas.openxmlformats.org/drawingml/2006/main" xmlns:r="http://schemas.openxmlformats.org/officeDocument/2006/relationships" xmlns:p="http://schemas.openxmlformats.org/presentationml/2006/main">
+  <p:cSld>
+    <p:spTree>
+      <p:nvGrpSpPr>
+        <p:cNvPr id="1" name=""/>
+        <p:cNvGrpSpPr/>
+        <p:nvPr/>
+      </p:nvGrpSpPr>
+      <p:grpSpPr>
+        <a:xfrm>
+          <a:off x="0" y="0"/>
+          <a:ext cx="0" cy="0"/>
+          <a:chOff x="0" y="0"/>
+          <a:chExt cx="0" cy="0"/>
+        </a:xfrm>
+      </p:grpSpPr>
+      <p:sp>
+        <p:nvSpPr>
+          <p:cNvPr id="2" name="슬라이드 이미지 개체 틀 1"/>
+          <p:cNvSpPr>
+            <a:spLocks noGrp="1" noRot="1" noChangeAspect="1"/>
+          </p:cNvSpPr>
+          <p:nvPr>
+            <p:ph type="sldImg"/>
+          </p:nvPr>
+        </p:nvSpPr>
+        <p:spPr/>
+      </p:sp>
+      <p:sp>
+        <p:nvSpPr>
+          <p:cNvPr id="3" name="슬라이드 노트 개체 틀 2"/>
+          <p:cNvSpPr>
+            <a:spLocks noGrp="1"/>
+          </p:cNvSpPr>
+          <p:nvPr>
+            <p:ph type="body" idx="1"/>
+          </p:nvPr>
+        </p:nvSpPr>
+        <p:spPr/>
+        <p:txBody>
+          <a:bodyPr/>
+          <a:lstStyle/>
+          <a:p>
+            <a:r>
+              <a:rPr lang="ko-KR" altLang="en-US" dirty="0"/>
+              <a:t>그렇다면 이러한 목적을 왜 이루어야 할까요</a:t>
+            </a:r>
+            <a:r>
+              <a:rPr lang="en-US" altLang="ko-KR" dirty="0"/>
+              <a:t>?</a:t>
+            </a:r>
+            <a:endParaRPr lang="ko-KR" altLang="en-US" dirty="0"/>
+          </a:p>
+        </p:txBody>
+      </p:sp>
+      <p:sp>
+        <p:nvSpPr>
+          <p:cNvPr id="4" name="슬라이드 번호 개체 틀 3"/>
+          <p:cNvSpPr>
+            <a:spLocks noGrp="1"/>
+          </p:cNvSpPr>
+          <p:nvPr>
+            <p:ph type="sldNum" sz="quarter" idx="5"/>
+          </p:nvPr>
+        </p:nvSpPr>
+        <p:spPr/>
+        <p:txBody>
+          <a:bodyPr/>
+          <a:lstStyle/>
+          <a:p>
+            <a:fld id="{0B0AB095-EC7F-464A-AFEE-C3B9960C3A10}" type="slidenum">
+              <a:rPr lang="ko-KR" altLang="en-US" smtClean="0"/>
+              <a:t>6</a:t>
+            </a:fld>
+            <a:endParaRPr lang="ko-KR" altLang="en-US"/>
+          </a:p>
+        </p:txBody>
+      </p:sp>
+    </p:spTree>
+    <p:extLst>
+      <p:ext uri="{BB962C8B-B14F-4D97-AF65-F5344CB8AC3E}">
+        <p14:creationId xmlns:p14="http://schemas.microsoft.com/office/powerpoint/2010/main" val="3448428314"/>
+      </p:ext>
+    </p:extLst>
+  </p:cSld>
+  <p:clrMapOvr>
+    <a:masterClrMapping/>
+  </p:clrMapOvr>
+</p:notes>
+</file>
+
+<file path=ppt/notesSlides/notesSlide7.xml><?xml version="1.0" encoding="utf-8"?>
+<p:notes xmlns:a="http://schemas.openxmlformats.org/drawingml/2006/main" xmlns:r="http://schemas.openxmlformats.org/officeDocument/2006/relationships" xmlns:p="http://schemas.openxmlformats.org/presentationml/2006/main">
+  <p:cSld>
+    <p:spTree>
+      <p:nvGrpSpPr>
+        <p:cNvPr id="1" name=""/>
+        <p:cNvGrpSpPr/>
+        <p:nvPr/>
+      </p:nvGrpSpPr>
+      <p:grpSpPr>
+        <a:xfrm>
+          <a:off x="0" y="0"/>
+          <a:ext cx="0" cy="0"/>
+          <a:chOff x="0" y="0"/>
+          <a:chExt cx="0" cy="0"/>
+        </a:xfrm>
+      </p:grpSpPr>
+      <p:sp>
+        <p:nvSpPr>
+          <p:cNvPr id="2" name="슬라이드 이미지 개체 틀 1"/>
+          <p:cNvSpPr>
+            <a:spLocks noGrp="1" noRot="1" noChangeAspect="1"/>
+          </p:cNvSpPr>
+          <p:nvPr>
+            <p:ph type="sldImg"/>
+          </p:nvPr>
+        </p:nvSpPr>
+        <p:spPr/>
+      </p:sp>
+      <p:sp>
+        <p:nvSpPr>
+          <p:cNvPr id="3" name="슬라이드 노트 개체 틀 2"/>
+          <p:cNvSpPr>
+            <a:spLocks noGrp="1"/>
+          </p:cNvSpPr>
+          <p:nvPr>
+            <p:ph type="body" idx="1"/>
+          </p:nvPr>
+        </p:nvSpPr>
+        <p:spPr/>
+        <p:txBody>
+          <a:bodyPr/>
+          <a:lstStyle/>
+          <a:p>
+            <a:r>
+              <a:rPr lang="ko-KR" altLang="en-US" dirty="0"/>
+              <a:t>우선 자동화된 시스템을 통하여 이용자들의 불필요한 동선과 시간낭비를 해소할 수 있습니다</a:t>
+            </a:r>
+            <a:r>
+              <a:rPr lang="en-US" altLang="ko-KR" dirty="0"/>
+              <a:t>.</a:t>
+            </a:r>
+          </a:p>
+          <a:p>
+            <a:r>
+              <a:rPr lang="ko-KR" altLang="en-US" dirty="0"/>
+              <a:t>이로 인해서 카페는 회전율의 보장을 받을 수 있으며</a:t>
+            </a:r>
+            <a:r>
+              <a:rPr lang="en-US" altLang="ko-KR" dirty="0"/>
+              <a:t>,</a:t>
+            </a:r>
+          </a:p>
+          <a:p>
+            <a:r>
+              <a:rPr lang="ko-KR" altLang="en-US" dirty="0"/>
+              <a:t>마지막 이용자와 카페가 서로 정보를 주고 받음으로써 상호작용 능력이 증가하기 때문입니다</a:t>
+            </a:r>
+            <a:r>
+              <a:rPr lang="en-US" altLang="ko-KR" dirty="0"/>
+              <a:t>.</a:t>
+            </a:r>
+            <a:endParaRPr lang="ko-KR" altLang="en-US" dirty="0"/>
+          </a:p>
+        </p:txBody>
+      </p:sp>
+      <p:sp>
+        <p:nvSpPr>
+          <p:cNvPr id="4" name="슬라이드 번호 개체 틀 3"/>
+          <p:cNvSpPr>
+            <a:spLocks noGrp="1"/>
+          </p:cNvSpPr>
+          <p:nvPr>
+            <p:ph type="sldNum" sz="quarter" idx="5"/>
+          </p:nvPr>
+        </p:nvSpPr>
+        <p:spPr/>
+        <p:txBody>
+          <a:bodyPr/>
+          <a:lstStyle/>
+          <a:p>
+            <a:fld id="{0B0AB095-EC7F-464A-AFEE-C3B9960C3A10}" type="slidenum">
+              <a:rPr lang="ko-KR" altLang="en-US" smtClean="0"/>
+              <a:t>7</a:t>
+            </a:fld>
+            <a:endParaRPr lang="ko-KR" altLang="en-US"/>
+          </a:p>
+        </p:txBody>
+      </p:sp>
+    </p:spTree>
+    <p:extLst>
+      <p:ext uri="{BB962C8B-B14F-4D97-AF65-F5344CB8AC3E}">
+        <p14:creationId xmlns:p14="http://schemas.microsoft.com/office/powerpoint/2010/main" val="3812453662"/>
+      </p:ext>
+    </p:extLst>
+  </p:cSld>
+  <p:clrMapOvr>
+    <a:masterClrMapping/>
+  </p:clrMapOvr>
+</p:notes>
+</file>
+
+<file path=ppt/notesSlides/notesSlide8.xml><?xml version="1.0" encoding="utf-8"?>
+<p:notes xmlns:a="http://schemas.openxmlformats.org/drawingml/2006/main" xmlns:r="http://schemas.openxmlformats.org/officeDocument/2006/relationships" xmlns:p="http://schemas.openxmlformats.org/presentationml/2006/main">
+  <p:cSld>
+    <p:spTree>
+      <p:nvGrpSpPr>
+        <p:cNvPr id="1" name=""/>
+        <p:cNvGrpSpPr/>
+        <p:nvPr/>
+      </p:nvGrpSpPr>
+      <p:grpSpPr>
+        <a:xfrm>
+          <a:off x="0" y="0"/>
+          <a:ext cx="0" cy="0"/>
+          <a:chOff x="0" y="0"/>
+          <a:chExt cx="0" cy="0"/>
+        </a:xfrm>
+      </p:grpSpPr>
+      <p:sp>
+        <p:nvSpPr>
+          <p:cNvPr id="2" name="슬라이드 이미지 개체 틀 1"/>
+          <p:cNvSpPr>
+            <a:spLocks noGrp="1" noRot="1" noChangeAspect="1"/>
+          </p:cNvSpPr>
+          <p:nvPr>
+            <p:ph type="sldImg"/>
+          </p:nvPr>
+        </p:nvSpPr>
+        <p:spPr/>
+      </p:sp>
+      <p:sp>
+        <p:nvSpPr>
+          <p:cNvPr id="3" name="슬라이드 노트 개체 틀 2"/>
+          <p:cNvSpPr>
+            <a:spLocks noGrp="1"/>
+          </p:cNvSpPr>
+          <p:nvPr>
+            <p:ph type="body" idx="1"/>
+          </p:nvPr>
+        </p:nvSpPr>
+        <p:spPr/>
+        <p:txBody>
+          <a:bodyPr/>
+          <a:lstStyle/>
+          <a:p>
+            <a:r>
+              <a:rPr lang="ko-KR" altLang="en-US" dirty="0"/>
+              <a:t>하지만 이런 목적을 바라보면 문제점 또한 보이기 마련입니다</a:t>
+            </a:r>
+            <a:r>
+              <a:rPr lang="en-US" altLang="ko-KR" dirty="0"/>
+              <a:t>.</a:t>
+            </a:r>
+            <a:endParaRPr lang="ko-KR" altLang="en-US" dirty="0"/>
+          </a:p>
+        </p:txBody>
+      </p:sp>
+      <p:sp>
+        <p:nvSpPr>
+          <p:cNvPr id="4" name="슬라이드 번호 개체 틀 3"/>
+          <p:cNvSpPr>
+            <a:spLocks noGrp="1"/>
+          </p:cNvSpPr>
+          <p:nvPr>
+            <p:ph type="sldNum" sz="quarter" idx="5"/>
+          </p:nvPr>
+        </p:nvSpPr>
+        <p:spPr/>
+        <p:txBody>
+          <a:bodyPr/>
+          <a:lstStyle/>
+          <a:p>
+            <a:fld id="{0B0AB095-EC7F-464A-AFEE-C3B9960C3A10}" type="slidenum">
+              <a:rPr lang="ko-KR" altLang="en-US" smtClean="0"/>
+              <a:t>8</a:t>
+            </a:fld>
+            <a:endParaRPr lang="ko-KR" altLang="en-US"/>
+          </a:p>
+        </p:txBody>
+      </p:sp>
+    </p:spTree>
+    <p:extLst>
+      <p:ext uri="{BB962C8B-B14F-4D97-AF65-F5344CB8AC3E}">
+        <p14:creationId xmlns:p14="http://schemas.microsoft.com/office/powerpoint/2010/main" val="1247980557"/>
+      </p:ext>
+    </p:extLst>
+  </p:cSld>
+  <p:clrMapOvr>
+    <a:masterClrMapping/>
+  </p:clrMapOvr>
+</p:notes>
+</file>
+
+<file path=ppt/notesSlides/notesSlide9.xml><?xml version="1.0" encoding="utf-8"?>
+<p:notes xmlns:a="http://schemas.openxmlformats.org/drawingml/2006/main" xmlns:r="http://schemas.openxmlformats.org/officeDocument/2006/relationships" xmlns:p="http://schemas.openxmlformats.org/presentationml/2006/main">
+  <p:cSld>
+    <p:spTree>
+      <p:nvGrpSpPr>
+        <p:cNvPr id="1" name=""/>
+        <p:cNvGrpSpPr/>
+        <p:nvPr/>
+      </p:nvGrpSpPr>
+      <p:grpSpPr>
+        <a:xfrm>
+          <a:off x="0" y="0"/>
+          <a:ext cx="0" cy="0"/>
+          <a:chOff x="0" y="0"/>
+          <a:chExt cx="0" cy="0"/>
+        </a:xfrm>
+      </p:grpSpPr>
+      <p:sp>
+        <p:nvSpPr>
+          <p:cNvPr id="2" name="슬라이드 이미지 개체 틀 1"/>
+          <p:cNvSpPr>
+            <a:spLocks noGrp="1" noRot="1" noChangeAspect="1"/>
+          </p:cNvSpPr>
+          <p:nvPr>
+            <p:ph type="sldImg"/>
+          </p:nvPr>
+        </p:nvSpPr>
+        <p:spPr/>
+      </p:sp>
+      <p:sp>
+        <p:nvSpPr>
+          <p:cNvPr id="3" name="슬라이드 노트 개체 틀 2"/>
+          <p:cNvSpPr>
+            <a:spLocks noGrp="1"/>
+          </p:cNvSpPr>
+          <p:nvPr>
+            <p:ph type="body" idx="1"/>
+          </p:nvPr>
+        </p:nvSpPr>
+        <p:spPr/>
+        <p:txBody>
+          <a:bodyPr/>
+          <a:lstStyle/>
+          <a:p>
+            <a:r>
+              <a:rPr lang="ko-KR" altLang="en-US" dirty="0"/>
+              <a:t>이번에는 빨강색영역 문제점에 대한 내용입니다</a:t>
+            </a:r>
+            <a:r>
+              <a:rPr lang="en-US" altLang="ko-KR" dirty="0"/>
+              <a:t>.</a:t>
+            </a:r>
+            <a:endParaRPr lang="ko-KR" altLang="en-US" dirty="0"/>
+          </a:p>
+        </p:txBody>
+      </p:sp>
+      <p:sp>
+        <p:nvSpPr>
+          <p:cNvPr id="4" name="슬라이드 번호 개체 틀 3"/>
+          <p:cNvSpPr>
+            <a:spLocks noGrp="1"/>
+          </p:cNvSpPr>
+          <p:nvPr>
+            <p:ph type="sldNum" sz="quarter" idx="5"/>
+          </p:nvPr>
+        </p:nvSpPr>
+        <p:spPr/>
+        <p:txBody>
+          <a:bodyPr/>
+          <a:lstStyle/>
+          <a:p>
+            <a:fld id="{0B0AB095-EC7F-464A-AFEE-C3B9960C3A10}" type="slidenum">
+              <a:rPr lang="ko-KR" altLang="en-US" smtClean="0"/>
+              <a:t>9</a:t>
+            </a:fld>
+            <a:endParaRPr lang="ko-KR" altLang="en-US"/>
+          </a:p>
+        </p:txBody>
+      </p:sp>
+    </p:spTree>
+    <p:extLst>
+      <p:ext uri="{BB962C8B-B14F-4D97-AF65-F5344CB8AC3E}">
+        <p14:creationId xmlns:p14="http://schemas.microsoft.com/office/powerpoint/2010/main" val="3739305148"/>
+      </p:ext>
+    </p:extLst>
+  </p:cSld>
+  <p:clrMapOvr>
+    <a:masterClrMapping/>
+  </p:clrMapOvr>
+</p:notes>
 </file>
 
 <file path=ppt/slideLayouts/slideLayout1.xml><?xml version="1.0" encoding="utf-8"?>
@@ -9271,7 +15408,7 @@
           <a:p>
             <a:fld id="{596DDA54-7092-4317-89A0-1E43D9927E45}" type="datetimeFigureOut">
               <a:rPr lang="ko-KR" altLang="en-US" smtClean="0"/>
-              <a:t>2018-11-16</a:t>
+              <a:t>2018-11-17</a:t>
             </a:fld>
             <a:endParaRPr lang="ko-KR" altLang="en-US"/>
           </a:p>
@@ -9469,7 +15606,7 @@
           <a:p>
             <a:fld id="{596DDA54-7092-4317-89A0-1E43D9927E45}" type="datetimeFigureOut">
               <a:rPr lang="ko-KR" altLang="en-US" smtClean="0"/>
-              <a:t>2018-11-16</a:t>
+              <a:t>2018-11-17</a:t>
             </a:fld>
             <a:endParaRPr lang="ko-KR" altLang="en-US"/>
           </a:p>
@@ -9677,7 +15814,7 @@
           <a:p>
             <a:fld id="{596DDA54-7092-4317-89A0-1E43D9927E45}" type="datetimeFigureOut">
               <a:rPr lang="ko-KR" altLang="en-US" smtClean="0"/>
-              <a:t>2018-11-16</a:t>
+              <a:t>2018-11-17</a:t>
             </a:fld>
             <a:endParaRPr lang="ko-KR" altLang="en-US"/>
           </a:p>
@@ -9875,7 +16012,7 @@
           <a:p>
             <a:fld id="{596DDA54-7092-4317-89A0-1E43D9927E45}" type="datetimeFigureOut">
               <a:rPr lang="ko-KR" altLang="en-US" smtClean="0"/>
-              <a:t>2018-11-16</a:t>
+              <a:t>2018-11-17</a:t>
             </a:fld>
             <a:endParaRPr lang="ko-KR" altLang="en-US"/>
           </a:p>
@@ -10150,7 +16287,7 @@
           <a:p>
             <a:fld id="{596DDA54-7092-4317-89A0-1E43D9927E45}" type="datetimeFigureOut">
               <a:rPr lang="ko-KR" altLang="en-US" smtClean="0"/>
-              <a:t>2018-11-16</a:t>
+              <a:t>2018-11-17</a:t>
             </a:fld>
             <a:endParaRPr lang="ko-KR" altLang="en-US"/>
           </a:p>
@@ -10415,7 +16552,7 @@
           <a:p>
             <a:fld id="{596DDA54-7092-4317-89A0-1E43D9927E45}" type="datetimeFigureOut">
               <a:rPr lang="ko-KR" altLang="en-US" smtClean="0"/>
-              <a:t>2018-11-16</a:t>
+              <a:t>2018-11-17</a:t>
             </a:fld>
             <a:endParaRPr lang="ko-KR" altLang="en-US"/>
           </a:p>
@@ -10827,7 +16964,7 @@
           <a:p>
             <a:fld id="{596DDA54-7092-4317-89A0-1E43D9927E45}" type="datetimeFigureOut">
               <a:rPr lang="ko-KR" altLang="en-US" smtClean="0"/>
-              <a:t>2018-11-16</a:t>
+              <a:t>2018-11-17</a:t>
             </a:fld>
             <a:endParaRPr lang="ko-KR" altLang="en-US"/>
           </a:p>
@@ -10968,7 +17105,7 @@
           <a:p>
             <a:fld id="{596DDA54-7092-4317-89A0-1E43D9927E45}" type="datetimeFigureOut">
               <a:rPr lang="ko-KR" altLang="en-US" smtClean="0"/>
-              <a:t>2018-11-16</a:t>
+              <a:t>2018-11-17</a:t>
             </a:fld>
             <a:endParaRPr lang="ko-KR" altLang="en-US"/>
           </a:p>
@@ -11081,7 +17218,7 @@
           <a:p>
             <a:fld id="{596DDA54-7092-4317-89A0-1E43D9927E45}" type="datetimeFigureOut">
               <a:rPr lang="ko-KR" altLang="en-US" smtClean="0"/>
-              <a:t>2018-11-16</a:t>
+              <a:t>2018-11-17</a:t>
             </a:fld>
             <a:endParaRPr lang="ko-KR" altLang="en-US"/>
           </a:p>
@@ -11392,7 +17529,7 @@
           <a:p>
             <a:fld id="{596DDA54-7092-4317-89A0-1E43D9927E45}" type="datetimeFigureOut">
               <a:rPr lang="ko-KR" altLang="en-US" smtClean="0"/>
-              <a:t>2018-11-16</a:t>
+              <a:t>2018-11-17</a:t>
             </a:fld>
             <a:endParaRPr lang="ko-KR" altLang="en-US"/>
           </a:p>
@@ -11680,7 +17817,7 @@
           <a:p>
             <a:fld id="{596DDA54-7092-4317-89A0-1E43D9927E45}" type="datetimeFigureOut">
               <a:rPr lang="ko-KR" altLang="en-US" smtClean="0"/>
-              <a:t>2018-11-16</a:t>
+              <a:t>2018-11-17</a:t>
             </a:fld>
             <a:endParaRPr lang="ko-KR" altLang="en-US"/>
           </a:p>
@@ -11921,7 +18058,7 @@
           <a:p>
             <a:fld id="{596DDA54-7092-4317-89A0-1E43D9927E45}" type="datetimeFigureOut">
               <a:rPr lang="ko-KR" altLang="en-US" smtClean="0"/>
-              <a:t>2018-11-16</a:t>
+              <a:t>2018-11-17</a:t>
             </a:fld>
             <a:endParaRPr lang="ko-KR" altLang="en-US"/>
           </a:p>
@@ -12709,13 +18846,13 @@
           <p:nvPr/>
         </p:nvPicPr>
         <p:blipFill>
-          <a:blip r:embed="rId2">
+          <a:blip r:embed="rId3">
             <a:extLst>
               <a:ext uri="{28A0092B-C50C-407E-A947-70E740481C1C}">
                 <a14:useLocalDpi xmlns:a14="http://schemas.microsoft.com/office/drawing/2010/main" val="0"/>
               </a:ext>
               <a:ext uri="{96DAC541-7B7A-43D3-8B79-37D633B846F1}">
-                <asvg:svgBlip xmlns:asvg="http://schemas.microsoft.com/office/drawing/2016/SVG/main" r:embed="rId3"/>
+                <asvg:svgBlip xmlns:asvg="http://schemas.microsoft.com/office/drawing/2016/SVG/main" r:embed="rId4"/>
               </a:ext>
             </a:extLst>
           </a:blip>
@@ -12748,13 +18885,13 @@
           <p:nvPr/>
         </p:nvPicPr>
         <p:blipFill>
-          <a:blip r:embed="rId4">
+          <a:blip r:embed="rId5">
             <a:extLst>
               <a:ext uri="{28A0092B-C50C-407E-A947-70E740481C1C}">
                 <a14:useLocalDpi xmlns:a14="http://schemas.microsoft.com/office/drawing/2010/main" val="0"/>
               </a:ext>
               <a:ext uri="{96DAC541-7B7A-43D3-8B79-37D633B846F1}">
-                <asvg:svgBlip xmlns:asvg="http://schemas.microsoft.com/office/drawing/2016/SVG/main" r:embed="rId5"/>
+                <asvg:svgBlip xmlns:asvg="http://schemas.microsoft.com/office/drawing/2016/SVG/main" r:embed="rId6"/>
               </a:ext>
             </a:extLst>
           </a:blip>
@@ -12787,13 +18924,13 @@
           <p:nvPr/>
         </p:nvPicPr>
         <p:blipFill>
-          <a:blip r:embed="rId6">
+          <a:blip r:embed="rId7">
             <a:extLst>
               <a:ext uri="{28A0092B-C50C-407E-A947-70E740481C1C}">
                 <a14:useLocalDpi xmlns:a14="http://schemas.microsoft.com/office/drawing/2010/main" val="0"/>
               </a:ext>
               <a:ext uri="{96DAC541-7B7A-43D3-8B79-37D633B846F1}">
-                <asvg:svgBlip xmlns:asvg="http://schemas.microsoft.com/office/drawing/2016/SVG/main" r:embed="rId7"/>
+                <asvg:svgBlip xmlns:asvg="http://schemas.microsoft.com/office/drawing/2016/SVG/main" r:embed="rId8"/>
               </a:ext>
             </a:extLst>
           </a:blip>
@@ -12984,10 +19121,424 @@
   <p:clrMapOvr>
     <a:masterClrMapping/>
   </p:clrMapOvr>
+  <p:timing>
+    <p:tnLst>
+      <p:par>
+        <p:cTn id="1" dur="indefinite" restart="never" nodeType="tmRoot">
+          <p:childTnLst>
+            <p:seq concurrent="1" nextAc="seek">
+              <p:cTn id="2" dur="indefinite" nodeType="mainSeq">
+                <p:childTnLst>
+                  <p:par>
+                    <p:cTn id="3" fill="hold">
+                      <p:stCondLst>
+                        <p:cond delay="indefinite"/>
+                      </p:stCondLst>
+                      <p:childTnLst>
+                        <p:par>
+                          <p:cTn id="4" fill="hold">
+                            <p:stCondLst>
+                              <p:cond delay="0"/>
+                            </p:stCondLst>
+                            <p:childTnLst>
+                              <p:par>
+                                <p:cTn id="5" presetID="6" presetClass="entr" presetSubtype="16" fill="hold" nodeType="clickEffect">
+                                  <p:stCondLst>
+                                    <p:cond delay="0"/>
+                                  </p:stCondLst>
+                                  <p:childTnLst>
+                                    <p:set>
+                                      <p:cBhvr>
+                                        <p:cTn id="6" dur="1" fill="hold">
+                                          <p:stCondLst>
+                                            <p:cond delay="0"/>
+                                          </p:stCondLst>
+                                        </p:cTn>
+                                        <p:tgtEl>
+                                          <p:spTgt spid="4"/>
+                                        </p:tgtEl>
+                                        <p:attrNameLst>
+                                          <p:attrName>style.visibility</p:attrName>
+                                        </p:attrNameLst>
+                                      </p:cBhvr>
+                                      <p:to>
+                                        <p:strVal val="visible"/>
+                                      </p:to>
+                                    </p:set>
+                                    <p:animEffect transition="in" filter="circle(in)">
+                                      <p:cBhvr>
+                                        <p:cTn id="7" dur="2000"/>
+                                        <p:tgtEl>
+                                          <p:spTgt spid="4"/>
+                                        </p:tgtEl>
+                                      </p:cBhvr>
+                                    </p:animEffect>
+                                  </p:childTnLst>
+                                </p:cTn>
+                              </p:par>
+                              <p:par>
+                                <p:cTn id="8" presetID="6" presetClass="entr" presetSubtype="16" fill="hold" grpId="0" nodeType="withEffect">
+                                  <p:stCondLst>
+                                    <p:cond delay="0"/>
+                                  </p:stCondLst>
+                                  <p:childTnLst>
+                                    <p:set>
+                                      <p:cBhvr>
+                                        <p:cTn id="9" dur="1" fill="hold">
+                                          <p:stCondLst>
+                                            <p:cond delay="0"/>
+                                          </p:stCondLst>
+                                        </p:cTn>
+                                        <p:tgtEl>
+                                          <p:spTgt spid="10"/>
+                                        </p:tgtEl>
+                                        <p:attrNameLst>
+                                          <p:attrName>style.visibility</p:attrName>
+                                        </p:attrNameLst>
+                                      </p:cBhvr>
+                                      <p:to>
+                                        <p:strVal val="visible"/>
+                                      </p:to>
+                                    </p:set>
+                                    <p:animEffect transition="in" filter="circle(in)">
+                                      <p:cBhvr>
+                                        <p:cTn id="10" dur="2000"/>
+                                        <p:tgtEl>
+                                          <p:spTgt spid="10"/>
+                                        </p:tgtEl>
+                                      </p:cBhvr>
+                                    </p:animEffect>
+                                  </p:childTnLst>
+                                </p:cTn>
+                              </p:par>
+                            </p:childTnLst>
+                          </p:cTn>
+                        </p:par>
+                      </p:childTnLst>
+                    </p:cTn>
+                  </p:par>
+                  <p:par>
+                    <p:cTn id="11" fill="hold">
+                      <p:stCondLst>
+                        <p:cond delay="indefinite"/>
+                      </p:stCondLst>
+                      <p:childTnLst>
+                        <p:par>
+                          <p:cTn id="12" fill="hold">
+                            <p:stCondLst>
+                              <p:cond delay="0"/>
+                            </p:stCondLst>
+                            <p:childTnLst>
+                              <p:par>
+                                <p:cTn id="13" presetID="6" presetClass="entr" presetSubtype="16" fill="hold" nodeType="clickEffect">
+                                  <p:stCondLst>
+                                    <p:cond delay="0"/>
+                                  </p:stCondLst>
+                                  <p:childTnLst>
+                                    <p:set>
+                                      <p:cBhvr>
+                                        <p:cTn id="14" dur="1" fill="hold">
+                                          <p:stCondLst>
+                                            <p:cond delay="0"/>
+                                          </p:stCondLst>
+                                        </p:cTn>
+                                        <p:tgtEl>
+                                          <p:spTgt spid="6"/>
+                                        </p:tgtEl>
+                                        <p:attrNameLst>
+                                          <p:attrName>style.visibility</p:attrName>
+                                        </p:attrNameLst>
+                                      </p:cBhvr>
+                                      <p:to>
+                                        <p:strVal val="visible"/>
+                                      </p:to>
+                                    </p:set>
+                                    <p:animEffect transition="in" filter="circle(in)">
+                                      <p:cBhvr>
+                                        <p:cTn id="15" dur="2000"/>
+                                        <p:tgtEl>
+                                          <p:spTgt spid="6"/>
+                                        </p:tgtEl>
+                                      </p:cBhvr>
+                                    </p:animEffect>
+                                  </p:childTnLst>
+                                </p:cTn>
+                              </p:par>
+                              <p:par>
+                                <p:cTn id="16" presetID="6" presetClass="entr" presetSubtype="16" fill="hold" grpId="0" nodeType="withEffect">
+                                  <p:stCondLst>
+                                    <p:cond delay="0"/>
+                                  </p:stCondLst>
+                                  <p:childTnLst>
+                                    <p:set>
+                                      <p:cBhvr>
+                                        <p:cTn id="17" dur="1" fill="hold">
+                                          <p:stCondLst>
+                                            <p:cond delay="0"/>
+                                          </p:stCondLst>
+                                        </p:cTn>
+                                        <p:tgtEl>
+                                          <p:spTgt spid="11"/>
+                                        </p:tgtEl>
+                                        <p:attrNameLst>
+                                          <p:attrName>style.visibility</p:attrName>
+                                        </p:attrNameLst>
+                                      </p:cBhvr>
+                                      <p:to>
+                                        <p:strVal val="visible"/>
+                                      </p:to>
+                                    </p:set>
+                                    <p:animEffect transition="in" filter="circle(in)">
+                                      <p:cBhvr>
+                                        <p:cTn id="18" dur="2000"/>
+                                        <p:tgtEl>
+                                          <p:spTgt spid="11"/>
+                                        </p:tgtEl>
+                                      </p:cBhvr>
+                                    </p:animEffect>
+                                  </p:childTnLst>
+                                </p:cTn>
+                              </p:par>
+                            </p:childTnLst>
+                          </p:cTn>
+                        </p:par>
+                      </p:childTnLst>
+                    </p:cTn>
+                  </p:par>
+                </p:childTnLst>
+              </p:cTn>
+              <p:prevCondLst>
+                <p:cond evt="onPrev" delay="0">
+                  <p:tgtEl>
+                    <p:sldTgt/>
+                  </p:tgtEl>
+                </p:cond>
+              </p:prevCondLst>
+              <p:nextCondLst>
+                <p:cond evt="onNext" delay="0">
+                  <p:tgtEl>
+                    <p:sldTgt/>
+                  </p:tgtEl>
+                </p:cond>
+              </p:nextCondLst>
+            </p:seq>
+          </p:childTnLst>
+        </p:cTn>
+      </p:par>
+    </p:tnLst>
+    <p:bldLst>
+      <p:bldP spid="10" grpId="0"/>
+      <p:bldP spid="11" grpId="0"/>
+    </p:bldLst>
+  </p:timing>
 </p:sld>
 </file>
 
 <file path=ppt/slides/slide12.xml><?xml version="1.0" encoding="utf-8"?>
+<p:sld xmlns:a="http://schemas.openxmlformats.org/drawingml/2006/main" xmlns:r="http://schemas.openxmlformats.org/officeDocument/2006/relationships" xmlns:p="http://schemas.openxmlformats.org/presentationml/2006/main">
+  <p:cSld>
+    <p:bg>
+      <p:bgPr>
+        <a:solidFill>
+          <a:srgbClr val="FF0000"/>
+        </a:solidFill>
+        <a:effectLst/>
+      </p:bgPr>
+    </p:bg>
+    <p:spTree>
+      <p:nvGrpSpPr>
+        <p:cNvPr id="1" name=""/>
+        <p:cNvGrpSpPr/>
+        <p:nvPr/>
+      </p:nvGrpSpPr>
+      <p:grpSpPr>
+        <a:xfrm>
+          <a:off x="0" y="0"/>
+          <a:ext cx="0" cy="0"/>
+          <a:chOff x="0" y="0"/>
+          <a:chExt cx="0" cy="0"/>
+        </a:xfrm>
+      </p:grpSpPr>
+      <p:pic>
+        <p:nvPicPr>
+          <p:cNvPr id="2" name="그래픽 1" descr="남자">
+            <a:extLst>
+              <a:ext uri="{FF2B5EF4-FFF2-40B4-BE49-F238E27FC236}">
+                <a16:creationId xmlns:a16="http://schemas.microsoft.com/office/drawing/2014/main" id="{4585A14B-9446-4DF0-B8A3-2B39FF1361E2}"/>
+              </a:ext>
+            </a:extLst>
+          </p:cNvPr>
+          <p:cNvPicPr>
+            <a:picLocks noChangeAspect="1"/>
+          </p:cNvPicPr>
+          <p:nvPr/>
+        </p:nvPicPr>
+        <p:blipFill>
+          <a:blip r:embed="rId3">
+            <a:extLst>
+              <a:ext uri="{28A0092B-C50C-407E-A947-70E740481C1C}">
+                <a14:useLocalDpi xmlns:a14="http://schemas.microsoft.com/office/drawing/2010/main" val="0"/>
+              </a:ext>
+              <a:ext uri="{96DAC541-7B7A-43D3-8B79-37D633B846F1}">
+                <asvg:svgBlip xmlns:asvg="http://schemas.microsoft.com/office/drawing/2016/SVG/main" r:embed="rId4"/>
+              </a:ext>
+            </a:extLst>
+          </a:blip>
+          <a:stretch>
+            <a:fillRect/>
+          </a:stretch>
+        </p:blipFill>
+        <p:spPr>
+          <a:xfrm>
+            <a:off x="188347" y="3609975"/>
+            <a:ext cx="2061706" cy="2061706"/>
+          </a:xfrm>
+          <a:prstGeom prst="rect">
+            <a:avLst/>
+          </a:prstGeom>
+        </p:spPr>
+      </p:pic>
+      <p:sp>
+        <p:nvSpPr>
+          <p:cNvPr id="3" name="제목 1">
+            <a:extLst>
+              <a:ext uri="{FF2B5EF4-FFF2-40B4-BE49-F238E27FC236}">
+                <a16:creationId xmlns:a16="http://schemas.microsoft.com/office/drawing/2014/main" id="{8C4C6F90-23B3-44B1-8AA2-39DC2FBF6656}"/>
+              </a:ext>
+            </a:extLst>
+          </p:cNvPr>
+          <p:cNvSpPr txBox="1">
+            <a:spLocks/>
+          </p:cNvSpPr>
+          <p:nvPr/>
+        </p:nvSpPr>
+        <p:spPr>
+          <a:xfrm>
+            <a:off x="5743575" y="965200"/>
+            <a:ext cx="1809750" cy="1368425"/>
+          </a:xfrm>
+          <a:prstGeom prst="rect">
+            <a:avLst/>
+          </a:prstGeom>
+        </p:spPr>
+        <p:txBody>
+          <a:bodyPr/>
+          <a:lstStyle>
+            <a:lvl1pPr algn="l" defTabSz="914400" rtl="0" eaLnBrk="1" latinLnBrk="1" hangingPunct="1">
+              <a:lnSpc>
+                <a:spcPct val="90000"/>
+              </a:lnSpc>
+              <a:spcBef>
+                <a:spcPct val="0"/>
+              </a:spcBef>
+              <a:buNone/>
+              <a:defRPr sz="4400" kern="1200">
+                <a:solidFill>
+                  <a:schemeClr val="tx1"/>
+                </a:solidFill>
+                <a:latin typeface="+mj-lt"/>
+                <a:ea typeface="+mj-ea"/>
+                <a:cs typeface="+mj-cs"/>
+              </a:defRPr>
+            </a:lvl1pPr>
+          </a:lstStyle>
+          <a:p>
+            <a:r>
+              <a:rPr lang="en-US" altLang="ko-KR" sz="11500" dirty="0">
+                <a:latin typeface="Berlin Sans FB Demi" panose="020E0802020502020306" pitchFamily="34" charset="0"/>
+              </a:rPr>
+              <a:t>?</a:t>
+            </a:r>
+            <a:endParaRPr lang="ko-KR" altLang="en-US" sz="11500" dirty="0">
+              <a:latin typeface="Berlin Sans FB Demi" panose="020E0802020502020306" pitchFamily="34" charset="0"/>
+            </a:endParaRPr>
+          </a:p>
+        </p:txBody>
+      </p:sp>
+    </p:spTree>
+    <p:extLst>
+      <p:ext uri="{BB962C8B-B14F-4D97-AF65-F5344CB8AC3E}">
+        <p14:creationId xmlns:p14="http://schemas.microsoft.com/office/powerpoint/2010/main" val="3916490839"/>
+      </p:ext>
+    </p:extLst>
+  </p:cSld>
+  <p:clrMapOvr>
+    <a:masterClrMapping/>
+  </p:clrMapOvr>
+  <p:timing>
+    <p:tnLst>
+      <p:par>
+        <p:cTn id="1" dur="indefinite" restart="never" nodeType="tmRoot">
+          <p:childTnLst>
+            <p:seq concurrent="1" nextAc="seek">
+              <p:cTn id="2" dur="indefinite" nodeType="mainSeq">
+                <p:childTnLst>
+                  <p:par>
+                    <p:cTn id="3" fill="hold">
+                      <p:stCondLst>
+                        <p:cond delay="indefinite"/>
+                      </p:stCondLst>
+                      <p:childTnLst>
+                        <p:par>
+                          <p:cTn id="4" fill="hold">
+                            <p:stCondLst>
+                              <p:cond delay="0"/>
+                            </p:stCondLst>
+                            <p:childTnLst>
+                              <p:par>
+                                <p:cTn id="5" presetID="42" presetClass="path" presetSubtype="0" accel="50000" decel="50000" fill="hold" nodeType="clickEffect">
+                                  <p:stCondLst>
+                                    <p:cond delay="0"/>
+                                  </p:stCondLst>
+                                  <p:childTnLst>
+                                    <p:animMotion origin="layout" path="M 0 -3.7037E-7 L 0.78984 -0.0169 " pathEditMode="relative" rAng="0" ptsTypes="AA">
+                                      <p:cBhvr>
+                                        <p:cTn id="6" dur="5000" fill="hold"/>
+                                        <p:tgtEl>
+                                          <p:spTgt spid="2"/>
+                                        </p:tgtEl>
+                                        <p:attrNameLst>
+                                          <p:attrName>ppt_x</p:attrName>
+                                          <p:attrName>ppt_y</p:attrName>
+                                        </p:attrNameLst>
+                                      </p:cBhvr>
+                                      <p:rCtr x="39492" y="-856"/>
+                                    </p:animMotion>
+                                  </p:childTnLst>
+                                </p:cTn>
+                              </p:par>
+                            </p:childTnLst>
+                          </p:cTn>
+                        </p:par>
+                      </p:childTnLst>
+                    </p:cTn>
+                  </p:par>
+                </p:childTnLst>
+              </p:cTn>
+              <p:prevCondLst>
+                <p:cond evt="onPrev" delay="0">
+                  <p:tgtEl>
+                    <p:sldTgt/>
+                  </p:tgtEl>
+                </p:cond>
+              </p:prevCondLst>
+              <p:nextCondLst>
+                <p:cond evt="onNext" delay="0">
+                  <p:tgtEl>
+                    <p:sldTgt/>
+                  </p:tgtEl>
+                </p:cond>
+              </p:nextCondLst>
+            </p:seq>
+          </p:childTnLst>
+        </p:cTn>
+      </p:par>
+    </p:tnLst>
+  </p:timing>
+</p:sld>
+</file>
+
+<file path=ppt/slides/slide13.xml><?xml version="1.0" encoding="utf-8"?>
 <p:sld xmlns:a="http://schemas.openxmlformats.org/drawingml/2006/main" xmlns:r="http://schemas.openxmlformats.org/officeDocument/2006/relationships" xmlns:p="http://schemas.openxmlformats.org/presentationml/2006/main">
   <p:cSld>
     <p:bg>
@@ -13030,7 +19581,7 @@
         </p:nvSpPr>
         <p:spPr>
           <a:xfrm>
-            <a:off x="10181211" y="5084762"/>
+            <a:off x="10181211" y="4921254"/>
             <a:ext cx="1810966" cy="1325563"/>
           </a:xfrm>
         </p:spPr>
@@ -13065,13 +19616,13 @@
           <p:nvPr/>
         </p:nvPicPr>
         <p:blipFill>
-          <a:blip r:embed="rId2">
+          <a:blip r:embed="rId3">
             <a:extLst>
               <a:ext uri="{28A0092B-C50C-407E-A947-70E740481C1C}">
                 <a14:useLocalDpi xmlns:a14="http://schemas.microsoft.com/office/drawing/2010/main" val="0"/>
               </a:ext>
               <a:ext uri="{96DAC541-7B7A-43D3-8B79-37D633B846F1}">
-                <asvg:svgBlip xmlns:asvg="http://schemas.microsoft.com/office/drawing/2016/SVG/main" r:embed="rId3"/>
+                <asvg:svgBlip xmlns:asvg="http://schemas.microsoft.com/office/drawing/2016/SVG/main" r:embed="rId4"/>
               </a:ext>
             </a:extLst>
           </a:blip>
@@ -13104,13 +19655,13 @@
           <p:nvPr/>
         </p:nvPicPr>
         <p:blipFill>
-          <a:blip r:embed="rId4">
+          <a:blip r:embed="rId5">
             <a:extLst>
               <a:ext uri="{28A0092B-C50C-407E-A947-70E740481C1C}">
                 <a14:useLocalDpi xmlns:a14="http://schemas.microsoft.com/office/drawing/2010/main" val="0"/>
               </a:ext>
               <a:ext uri="{96DAC541-7B7A-43D3-8B79-37D633B846F1}">
-                <asvg:svgBlip xmlns:asvg="http://schemas.microsoft.com/office/drawing/2016/SVG/main" r:embed="rId5"/>
+                <asvg:svgBlip xmlns:asvg="http://schemas.microsoft.com/office/drawing/2016/SVG/main" r:embed="rId6"/>
               </a:ext>
             </a:extLst>
           </a:blip>
@@ -13143,13 +19694,13 @@
           <p:nvPr/>
         </p:nvPicPr>
         <p:blipFill>
-          <a:blip r:embed="rId6">
+          <a:blip r:embed="rId7">
             <a:extLst>
               <a:ext uri="{28A0092B-C50C-407E-A947-70E740481C1C}">
                 <a14:useLocalDpi xmlns:a14="http://schemas.microsoft.com/office/drawing/2010/main" val="0"/>
               </a:ext>
               <a:ext uri="{96DAC541-7B7A-43D3-8B79-37D633B846F1}">
-                <asvg:svgBlip xmlns:asvg="http://schemas.microsoft.com/office/drawing/2016/SVG/main" r:embed="rId7"/>
+                <asvg:svgBlip xmlns:asvg="http://schemas.microsoft.com/office/drawing/2016/SVG/main" r:embed="rId8"/>
               </a:ext>
             </a:extLst>
           </a:blip>
@@ -13359,13 +19910,13 @@
           <p:nvPr/>
         </p:nvPicPr>
         <p:blipFill>
-          <a:blip r:embed="rId8">
+          <a:blip r:embed="rId9">
             <a:extLst>
               <a:ext uri="{28A0092B-C50C-407E-A947-70E740481C1C}">
                 <a14:useLocalDpi xmlns:a14="http://schemas.microsoft.com/office/drawing/2010/main" val="0"/>
               </a:ext>
               <a:ext uri="{96DAC541-7B7A-43D3-8B79-37D633B846F1}">
-                <asvg:svgBlip xmlns:asvg="http://schemas.microsoft.com/office/drawing/2016/SVG/main" r:embed="rId9"/>
+                <asvg:svgBlip xmlns:asvg="http://schemas.microsoft.com/office/drawing/2016/SVG/main" r:embed="rId10"/>
               </a:ext>
             </a:extLst>
           </a:blip>
@@ -13720,7 +20271,7 @@
 </p:sld>
 </file>
 
-<file path=ppt/slides/slide13.xml><?xml version="1.0" encoding="utf-8"?>
+<file path=ppt/slides/slide14.xml><?xml version="1.0" encoding="utf-8"?>
 <p:sld xmlns:a="http://schemas.openxmlformats.org/drawingml/2006/main" xmlns:r="http://schemas.openxmlformats.org/officeDocument/2006/relationships" xmlns:p="http://schemas.openxmlformats.org/presentationml/2006/main">
   <p:cSld>
     <p:bg>
@@ -13854,7 +20405,7 @@
         </p:xfrm>
         <a:graphic>
           <a:graphicData uri="http://schemas.openxmlformats.org/drawingml/2006/diagram">
-            <dgm:relIds xmlns:dgm="http://schemas.openxmlformats.org/drawingml/2006/diagram" xmlns:r="http://schemas.openxmlformats.org/officeDocument/2006/relationships" r:dm="rId2" r:lo="rId3" r:qs="rId4" r:cs="rId5"/>
+            <dgm:relIds xmlns:dgm="http://schemas.openxmlformats.org/drawingml/2006/diagram" xmlns:r="http://schemas.openxmlformats.org/officeDocument/2006/relationships" r:dm="rId3" r:lo="rId4" r:qs="rId5" r:cs="rId6"/>
           </a:graphicData>
         </a:graphic>
       </p:graphicFrame>
@@ -13868,18 +20419,18 @@
   <p:clrMapOvr>
     <a:masterClrMapping/>
   </p:clrMapOvr>
-  <mc:AlternateContent xmlns:mc="http://schemas.openxmlformats.org/markup-compatibility/2006">
-    <mc:Choice xmlns:p14="http://schemas.microsoft.com/office/powerpoint/2010/main" Requires="p14">
+  <mc:AlternateContent xmlns:mc="http://schemas.openxmlformats.org/markup-compatibility/2006" xmlns:p14="http://schemas.microsoft.com/office/powerpoint/2010/main">
+    <mc:Choice Requires="p14">
       <p:transition p14:dur="10"/>
     </mc:Choice>
-    <mc:Fallback>
+    <mc:Fallback xmlns="">
       <p:transition/>
     </mc:Fallback>
   </mc:AlternateContent>
 </p:sld>
 </file>
 
-<file path=ppt/slides/slide14.xml><?xml version="1.0" encoding="utf-8"?>
+<file path=ppt/slides/slide15.xml><?xml version="1.0" encoding="utf-8"?>
 <p:sld xmlns:a="http://schemas.openxmlformats.org/drawingml/2006/main" xmlns:r="http://schemas.openxmlformats.org/officeDocument/2006/relationships" xmlns:p="http://schemas.openxmlformats.org/presentationml/2006/main">
   <p:cSld>
     <p:bg>
@@ -13970,7 +20521,7 @@
 </p:sld>
 </file>
 
-<file path=ppt/slides/slide15.xml><?xml version="1.0" encoding="utf-8"?>
+<file path=ppt/slides/slide16.xml><?xml version="1.0" encoding="utf-8"?>
 <p:sld xmlns:a="http://schemas.openxmlformats.org/drawingml/2006/main" xmlns:r="http://schemas.openxmlformats.org/officeDocument/2006/relationships" xmlns:p="http://schemas.openxmlformats.org/presentationml/2006/main">
   <p:cSld>
     <p:bg>
@@ -14066,7 +20617,7 @@
           <p:nvPr/>
         </p:nvPicPr>
         <p:blipFill>
-          <a:blip r:embed="rId2">
+          <a:blip r:embed="rId3">
             <a:extLst>
               <a:ext uri="{28A0092B-C50C-407E-A947-70E740481C1C}">
                 <a14:useLocalDpi xmlns:a14="http://schemas.microsoft.com/office/drawing/2010/main" val="0"/>
@@ -14100,7 +20651,7 @@
 </p:sld>
 </file>
 
-<file path=ppt/slides/slide16.xml><?xml version="1.0" encoding="utf-8"?>
+<file path=ppt/slides/slide17.xml><?xml version="1.0" encoding="utf-8"?>
 <p:sld xmlns:a="http://schemas.openxmlformats.org/drawingml/2006/main" xmlns:r="http://schemas.openxmlformats.org/officeDocument/2006/relationships" xmlns:p="http://schemas.openxmlformats.org/presentationml/2006/main">
   <p:cSld>
     <p:bg>
@@ -14183,7 +20734,7 @@
           <p:nvPr/>
         </p:nvPicPr>
         <p:blipFill>
-          <a:blip r:embed="rId2">
+          <a:blip r:embed="rId3">
             <a:extLst>
               <a:ext uri="{28A0092B-C50C-407E-A947-70E740481C1C}">
                 <a14:useLocalDpi xmlns:a14="http://schemas.microsoft.com/office/drawing/2010/main" val="0"/>
@@ -14219,13 +20770,13 @@
           <p:nvPr/>
         </p:nvPicPr>
         <p:blipFill>
-          <a:blip r:embed="rId3">
+          <a:blip r:embed="rId4">
             <a:extLst>
               <a:ext uri="{28A0092B-C50C-407E-A947-70E740481C1C}">
                 <a14:useLocalDpi xmlns:a14="http://schemas.microsoft.com/office/drawing/2010/main" val="0"/>
               </a:ext>
               <a:ext uri="{96DAC541-7B7A-43D3-8B79-37D633B846F1}">
-                <asvg:svgBlip xmlns:asvg="http://schemas.microsoft.com/office/drawing/2016/SVG/main" r:embed="rId4"/>
+                <asvg:svgBlip xmlns:asvg="http://schemas.microsoft.com/office/drawing/2016/SVG/main" r:embed="rId5"/>
               </a:ext>
             </a:extLst>
           </a:blip>
@@ -14538,7 +21089,7 @@
 </p:sld>
 </file>
 
-<file path=ppt/slides/slide17.xml><?xml version="1.0" encoding="utf-8"?>
+<file path=ppt/slides/slide18.xml><?xml version="1.0" encoding="utf-8"?>
 <p:sld xmlns:a="http://schemas.openxmlformats.org/drawingml/2006/main" xmlns:r="http://schemas.openxmlformats.org/officeDocument/2006/relationships" xmlns:p="http://schemas.openxmlformats.org/presentationml/2006/main">
   <p:cSld>
     <p:bg>
@@ -14581,7 +21132,7 @@
           <p:nvPr/>
         </p:nvPicPr>
         <p:blipFill>
-          <a:blip r:embed="rId2">
+          <a:blip r:embed="rId3">
             <a:extLst>
               <a:ext uri="{28A0092B-C50C-407E-A947-70E740481C1C}">
                 <a14:useLocalDpi xmlns:a14="http://schemas.microsoft.com/office/drawing/2010/main" val="0"/>
@@ -14617,7 +21168,7 @@
           <p:nvPr/>
         </p:nvPicPr>
         <p:blipFill>
-          <a:blip r:embed="rId3"/>
+          <a:blip r:embed="rId4"/>
           <a:stretch>
             <a:fillRect/>
           </a:stretch>
@@ -14755,13 +21306,13 @@
           <p:nvPr/>
         </p:nvPicPr>
         <p:blipFill>
-          <a:blip r:embed="rId4">
+          <a:blip r:embed="rId5">
             <a:extLst>
               <a:ext uri="{28A0092B-C50C-407E-A947-70E740481C1C}">
                 <a14:useLocalDpi xmlns:a14="http://schemas.microsoft.com/office/drawing/2010/main" val="0"/>
               </a:ext>
               <a:ext uri="{96DAC541-7B7A-43D3-8B79-37D633B846F1}">
-                <asvg:svgBlip xmlns:asvg="http://schemas.microsoft.com/office/drawing/2016/SVG/main" r:embed="rId5"/>
+                <asvg:svgBlip xmlns:asvg="http://schemas.microsoft.com/office/drawing/2016/SVG/main" r:embed="rId6"/>
               </a:ext>
             </a:extLst>
           </a:blip>
@@ -14794,13 +21345,13 @@
           <p:nvPr/>
         </p:nvPicPr>
         <p:blipFill>
-          <a:blip r:embed="rId6">
+          <a:blip r:embed="rId7">
             <a:extLst>
               <a:ext uri="{28A0092B-C50C-407E-A947-70E740481C1C}">
                 <a14:useLocalDpi xmlns:a14="http://schemas.microsoft.com/office/drawing/2010/main" val="0"/>
               </a:ext>
               <a:ext uri="{96DAC541-7B7A-43D3-8B79-37D633B846F1}">
-                <asvg:svgBlip xmlns:asvg="http://schemas.microsoft.com/office/drawing/2016/SVG/main" r:embed="rId7"/>
+                <asvg:svgBlip xmlns:asvg="http://schemas.microsoft.com/office/drawing/2016/SVG/main" r:embed="rId8"/>
               </a:ext>
             </a:extLst>
           </a:blip>
@@ -14833,13 +21384,13 @@
           <p:nvPr/>
         </p:nvPicPr>
         <p:blipFill>
-          <a:blip r:embed="rId8">
+          <a:blip r:embed="rId9">
             <a:extLst>
               <a:ext uri="{28A0092B-C50C-407E-A947-70E740481C1C}">
                 <a14:useLocalDpi xmlns:a14="http://schemas.microsoft.com/office/drawing/2010/main" val="0"/>
               </a:ext>
               <a:ext uri="{96DAC541-7B7A-43D3-8B79-37D633B846F1}">
-                <asvg:svgBlip xmlns:asvg="http://schemas.microsoft.com/office/drawing/2016/SVG/main" r:embed="rId9"/>
+                <asvg:svgBlip xmlns:asvg="http://schemas.microsoft.com/office/drawing/2016/SVG/main" r:embed="rId10"/>
               </a:ext>
             </a:extLst>
           </a:blip>
@@ -14872,13 +21423,13 @@
           <p:nvPr/>
         </p:nvPicPr>
         <p:blipFill>
-          <a:blip r:embed="rId10">
+          <a:blip r:embed="rId11">
             <a:extLst>
               <a:ext uri="{28A0092B-C50C-407E-A947-70E740481C1C}">
                 <a14:useLocalDpi xmlns:a14="http://schemas.microsoft.com/office/drawing/2010/main" val="0"/>
               </a:ext>
               <a:ext uri="{96DAC541-7B7A-43D3-8B79-37D633B846F1}">
-                <asvg:svgBlip xmlns:asvg="http://schemas.microsoft.com/office/drawing/2016/SVG/main" r:embed="rId11"/>
+                <asvg:svgBlip xmlns:asvg="http://schemas.microsoft.com/office/drawing/2016/SVG/main" r:embed="rId12"/>
               </a:ext>
             </a:extLst>
           </a:blip>
@@ -15193,7 +21744,7 @@
 </p:sld>
 </file>
 
-<file path=ppt/slides/slide18.xml><?xml version="1.0" encoding="utf-8"?>
+<file path=ppt/slides/slide19.xml><?xml version="1.0" encoding="utf-8"?>
 <p:sld xmlns:a="http://schemas.openxmlformats.org/drawingml/2006/main" xmlns:r="http://schemas.openxmlformats.org/officeDocument/2006/relationships" xmlns:p="http://schemas.openxmlformats.org/presentationml/2006/main">
   <p:cSld>
     <p:bg>
@@ -15274,13 +21825,13 @@
           <p:nvPr/>
         </p:nvPicPr>
         <p:blipFill>
-          <a:blip r:embed="rId2">
+          <a:blip r:embed="rId3">
             <a:extLst>
               <a:ext uri="{28A0092B-C50C-407E-A947-70E740481C1C}">
                 <a14:useLocalDpi xmlns:a14="http://schemas.microsoft.com/office/drawing/2010/main" val="0"/>
               </a:ext>
               <a:ext uri="{96DAC541-7B7A-43D3-8B79-37D633B846F1}">
-                <asvg:svgBlip xmlns:asvg="http://schemas.microsoft.com/office/drawing/2016/SVG/main" r:embed="rId3"/>
+                <asvg:svgBlip xmlns:asvg="http://schemas.microsoft.com/office/drawing/2016/SVG/main" r:embed="rId4"/>
               </a:ext>
             </a:extLst>
           </a:blip>
@@ -15313,13 +21864,13 @@
           <p:nvPr/>
         </p:nvPicPr>
         <p:blipFill>
-          <a:blip r:embed="rId2">
+          <a:blip r:embed="rId3">
             <a:extLst>
               <a:ext uri="{28A0092B-C50C-407E-A947-70E740481C1C}">
                 <a14:useLocalDpi xmlns:a14="http://schemas.microsoft.com/office/drawing/2010/main" val="0"/>
               </a:ext>
               <a:ext uri="{96DAC541-7B7A-43D3-8B79-37D633B846F1}">
-                <asvg:svgBlip xmlns:asvg="http://schemas.microsoft.com/office/drawing/2016/SVG/main" r:embed="rId3"/>
+                <asvg:svgBlip xmlns:asvg="http://schemas.microsoft.com/office/drawing/2016/SVG/main" r:embed="rId4"/>
               </a:ext>
             </a:extLst>
           </a:blip>
@@ -15352,13 +21903,13 @@
           <p:nvPr/>
         </p:nvPicPr>
         <p:blipFill>
-          <a:blip r:embed="rId2">
+          <a:blip r:embed="rId3">
             <a:extLst>
               <a:ext uri="{28A0092B-C50C-407E-A947-70E740481C1C}">
                 <a14:useLocalDpi xmlns:a14="http://schemas.microsoft.com/office/drawing/2010/main" val="0"/>
               </a:ext>
               <a:ext uri="{96DAC541-7B7A-43D3-8B79-37D633B846F1}">
-                <asvg:svgBlip xmlns:asvg="http://schemas.microsoft.com/office/drawing/2016/SVG/main" r:embed="rId3"/>
+                <asvg:svgBlip xmlns:asvg="http://schemas.microsoft.com/office/drawing/2016/SVG/main" r:embed="rId4"/>
               </a:ext>
             </a:extLst>
           </a:blip>
@@ -15391,13 +21942,13 @@
           <p:nvPr/>
         </p:nvPicPr>
         <p:blipFill>
-          <a:blip r:embed="rId2">
+          <a:blip r:embed="rId3">
             <a:extLst>
               <a:ext uri="{28A0092B-C50C-407E-A947-70E740481C1C}">
                 <a14:useLocalDpi xmlns:a14="http://schemas.microsoft.com/office/drawing/2010/main" val="0"/>
               </a:ext>
               <a:ext uri="{96DAC541-7B7A-43D3-8B79-37D633B846F1}">
-                <asvg:svgBlip xmlns:asvg="http://schemas.microsoft.com/office/drawing/2016/SVG/main" r:embed="rId3"/>
+                <asvg:svgBlip xmlns:asvg="http://schemas.microsoft.com/office/drawing/2016/SVG/main" r:embed="rId4"/>
               </a:ext>
             </a:extLst>
           </a:blip>
@@ -15667,13 +22218,13 @@
           <p:nvPr/>
         </p:nvPicPr>
         <p:blipFill>
-          <a:blip r:embed="rId4">
+          <a:blip r:embed="rId5">
             <a:extLst>
               <a:ext uri="{28A0092B-C50C-407E-A947-70E740481C1C}">
                 <a14:useLocalDpi xmlns:a14="http://schemas.microsoft.com/office/drawing/2010/main" val="0"/>
               </a:ext>
               <a:ext uri="{96DAC541-7B7A-43D3-8B79-37D633B846F1}">
-                <asvg:svgBlip xmlns:asvg="http://schemas.microsoft.com/office/drawing/2016/SVG/main" r:embed="rId5"/>
+                <asvg:svgBlip xmlns:asvg="http://schemas.microsoft.com/office/drawing/2016/SVG/main" r:embed="rId6"/>
               </a:ext>
             </a:extLst>
           </a:blip>
@@ -15819,7 +22370,7 @@
         </p:nvSpPr>
         <p:spPr>
           <a:xfrm>
-            <a:off x="838200" y="365125"/>
+            <a:off x="725750" y="436146"/>
             <a:ext cx="10515600" cy="3467100"/>
           </a:xfrm>
         </p:spPr>
@@ -15914,7 +22465,7 @@
         </p:xfrm>
         <a:graphic>
           <a:graphicData uri="http://schemas.openxmlformats.org/drawingml/2006/diagram">
-            <dgm:relIds xmlns:dgm="http://schemas.openxmlformats.org/drawingml/2006/diagram" xmlns:r="http://schemas.openxmlformats.org/officeDocument/2006/relationships" r:dm="rId2" r:lo="rId3" r:qs="rId4" r:cs="rId5"/>
+            <dgm:relIds xmlns:dgm="http://schemas.openxmlformats.org/drawingml/2006/diagram" xmlns:r="http://schemas.openxmlformats.org/officeDocument/2006/relationships" r:dm="rId3" r:lo="rId4" r:qs="rId5" r:cs="rId6"/>
           </a:graphicData>
         </a:graphic>
       </p:graphicFrame>
@@ -15928,14 +22479,1214 @@
   <p:clrMapOvr>
     <a:masterClrMapping/>
   </p:clrMapOvr>
-  <mc:AlternateContent xmlns:mc="http://schemas.openxmlformats.org/markup-compatibility/2006">
-    <mc:Choice xmlns:p14="http://schemas.microsoft.com/office/powerpoint/2010/main" Requires="p14">
+  <mc:AlternateContent xmlns:mc="http://schemas.openxmlformats.org/markup-compatibility/2006" xmlns:p14="http://schemas.microsoft.com/office/powerpoint/2010/main">
+    <mc:Choice Requires="p14">
       <p:transition p14:dur="10"/>
     </mc:Choice>
-    <mc:Fallback>
+    <mc:Fallback xmlns="">
       <p:transition/>
     </mc:Fallback>
   </mc:AlternateContent>
+</p:sld>
+</file>
+
+<file path=ppt/slides/slide20.xml><?xml version="1.0" encoding="utf-8"?>
+<p:sld xmlns:a="http://schemas.openxmlformats.org/drawingml/2006/main" xmlns:r="http://schemas.openxmlformats.org/officeDocument/2006/relationships" xmlns:p="http://schemas.openxmlformats.org/presentationml/2006/main">
+  <p:cSld>
+    <p:bg>
+      <p:bgPr>
+        <a:solidFill>
+          <a:schemeClr val="bg2">
+            <a:lumMod val="90000"/>
+          </a:schemeClr>
+        </a:solidFill>
+        <a:effectLst/>
+      </p:bgPr>
+    </p:bg>
+    <p:spTree>
+      <p:nvGrpSpPr>
+        <p:cNvPr id="1" name=""/>
+        <p:cNvGrpSpPr/>
+        <p:nvPr/>
+      </p:nvGrpSpPr>
+      <p:grpSpPr>
+        <a:xfrm>
+          <a:off x="0" y="0"/>
+          <a:ext cx="0" cy="0"/>
+          <a:chOff x="0" y="0"/>
+          <a:chExt cx="0" cy="0"/>
+        </a:xfrm>
+      </p:grpSpPr>
+      <p:sp>
+        <p:nvSpPr>
+          <p:cNvPr id="2" name="제목 1">
+            <a:extLst>
+              <a:ext uri="{FF2B5EF4-FFF2-40B4-BE49-F238E27FC236}">
+                <a16:creationId xmlns:a16="http://schemas.microsoft.com/office/drawing/2014/main" id="{1DE82CDF-F1DD-4F06-8B37-DFB782868536}"/>
+              </a:ext>
+            </a:extLst>
+          </p:cNvPr>
+          <p:cNvSpPr>
+            <a:spLocks noGrp="1"/>
+          </p:cNvSpPr>
+          <p:nvPr>
+            <p:ph type="title"/>
+          </p:nvPr>
+        </p:nvSpPr>
+        <p:spPr>
+          <a:xfrm>
+            <a:off x="838200" y="365125"/>
+            <a:ext cx="10515600" cy="3467100"/>
+          </a:xfrm>
+        </p:spPr>
+        <p:txBody>
+          <a:bodyPr/>
+          <a:lstStyle/>
+          <a:p>
+            <a:pPr algn="ctr"/>
+            <a:r>
+              <a:rPr lang="ko-KR" altLang="en-US" dirty="0"/>
+              <a:t>목적</a:t>
+            </a:r>
+          </a:p>
+        </p:txBody>
+      </p:sp>
+      <p:sp>
+        <p:nvSpPr>
+          <p:cNvPr id="4" name="제목 1">
+            <a:extLst>
+              <a:ext uri="{FF2B5EF4-FFF2-40B4-BE49-F238E27FC236}">
+                <a16:creationId xmlns:a16="http://schemas.microsoft.com/office/drawing/2014/main" id="{3A288E5B-A47C-4CA2-8718-6D5173B1BE2D}"/>
+              </a:ext>
+            </a:extLst>
+          </p:cNvPr>
+          <p:cNvSpPr txBox="1">
+            <a:spLocks/>
+          </p:cNvSpPr>
+          <p:nvPr/>
+        </p:nvSpPr>
+        <p:spPr>
+          <a:xfrm>
+            <a:off x="838200" y="3832225"/>
+            <a:ext cx="10515600" cy="1325563"/>
+          </a:xfrm>
+          <a:prstGeom prst="rect">
+            <a:avLst/>
+          </a:prstGeom>
+        </p:spPr>
+        <p:txBody>
+          <a:bodyPr vert="horz" lIns="91440" tIns="45720" rIns="91440" bIns="45720" rtlCol="0" anchor="ctr">
+            <a:normAutofit/>
+          </a:bodyPr>
+          <a:lstStyle>
+            <a:lvl1pPr algn="l" defTabSz="914400" rtl="0" eaLnBrk="1" latinLnBrk="1" hangingPunct="1">
+              <a:lnSpc>
+                <a:spcPct val="90000"/>
+              </a:lnSpc>
+              <a:spcBef>
+                <a:spcPct val="0"/>
+              </a:spcBef>
+              <a:buNone/>
+              <a:defRPr sz="4400" kern="1200">
+                <a:solidFill>
+                  <a:schemeClr val="tx1"/>
+                </a:solidFill>
+                <a:latin typeface="+mj-lt"/>
+                <a:ea typeface="+mj-ea"/>
+                <a:cs typeface="+mj-cs"/>
+              </a:defRPr>
+            </a:lvl1pPr>
+          </a:lstStyle>
+          <a:p>
+            <a:pPr algn="ctr"/>
+            <a:r>
+              <a:rPr lang="ko-KR" altLang="en-US" dirty="0"/>
+              <a:t>목적</a:t>
+            </a:r>
+          </a:p>
+        </p:txBody>
+      </p:sp>
+      <p:graphicFrame>
+        <p:nvGraphicFramePr>
+          <p:cNvPr id="5" name="다이어그램 4">
+            <a:extLst>
+              <a:ext uri="{FF2B5EF4-FFF2-40B4-BE49-F238E27FC236}">
+                <a16:creationId xmlns:a16="http://schemas.microsoft.com/office/drawing/2014/main" id="{1E891175-715A-4B59-8CB4-928071D335D9}"/>
+              </a:ext>
+            </a:extLst>
+          </p:cNvPr>
+          <p:cNvGraphicFramePr/>
+          <p:nvPr/>
+        </p:nvGraphicFramePr>
+        <p:xfrm>
+          <a:off x="2032000" y="365125"/>
+          <a:ext cx="8128000" cy="5418667"/>
+        </p:xfrm>
+        <a:graphic>
+          <a:graphicData uri="http://schemas.openxmlformats.org/drawingml/2006/diagram">
+            <dgm:relIds xmlns:dgm="http://schemas.openxmlformats.org/drawingml/2006/diagram" xmlns:r="http://schemas.openxmlformats.org/officeDocument/2006/relationships" r:dm="rId3" r:lo="rId4" r:qs="rId5" r:cs="rId6"/>
+          </a:graphicData>
+        </a:graphic>
+      </p:graphicFrame>
+    </p:spTree>
+    <p:extLst>
+      <p:ext uri="{BB962C8B-B14F-4D97-AF65-F5344CB8AC3E}">
+        <p14:creationId xmlns:p14="http://schemas.microsoft.com/office/powerpoint/2010/main" val="3757032358"/>
+      </p:ext>
+    </p:extLst>
+  </p:cSld>
+  <p:clrMapOvr>
+    <a:masterClrMapping/>
+  </p:clrMapOvr>
+  <mc:AlternateContent xmlns:mc="http://schemas.openxmlformats.org/markup-compatibility/2006" xmlns:p14="http://schemas.microsoft.com/office/powerpoint/2010/main">
+    <mc:Choice Requires="p14">
+      <p:transition p14:dur="10"/>
+    </mc:Choice>
+    <mc:Fallback xmlns="">
+      <p:transition/>
+    </mc:Fallback>
+  </mc:AlternateContent>
+</p:sld>
+</file>
+
+<file path=ppt/slides/slide21.xml><?xml version="1.0" encoding="utf-8"?>
+<p:sld xmlns:a="http://schemas.openxmlformats.org/drawingml/2006/main" xmlns:r="http://schemas.openxmlformats.org/officeDocument/2006/relationships" xmlns:p="http://schemas.openxmlformats.org/presentationml/2006/main">
+  <p:cSld>
+    <p:bg>
+      <p:bgPr>
+        <a:solidFill>
+          <a:schemeClr val="accent6"/>
+        </a:solidFill>
+        <a:effectLst/>
+      </p:bgPr>
+    </p:bg>
+    <p:spTree>
+      <p:nvGrpSpPr>
+        <p:cNvPr id="1" name=""/>
+        <p:cNvGrpSpPr/>
+        <p:nvPr/>
+      </p:nvGrpSpPr>
+      <p:grpSpPr>
+        <a:xfrm>
+          <a:off x="0" y="0"/>
+          <a:ext cx="0" cy="0"/>
+          <a:chOff x="0" y="0"/>
+          <a:chExt cx="0" cy="0"/>
+        </a:xfrm>
+      </p:grpSpPr>
+      <p:sp>
+        <p:nvSpPr>
+          <p:cNvPr id="2" name="제목 1">
+            <a:extLst>
+              <a:ext uri="{FF2B5EF4-FFF2-40B4-BE49-F238E27FC236}">
+                <a16:creationId xmlns:a16="http://schemas.microsoft.com/office/drawing/2014/main" id="{09038052-22F8-4B47-AA2C-7A7D43ABAC94}"/>
+              </a:ext>
+            </a:extLst>
+          </p:cNvPr>
+          <p:cNvSpPr>
+            <a:spLocks noGrp="1"/>
+          </p:cNvSpPr>
+          <p:nvPr>
+            <p:ph type="title"/>
+          </p:nvPr>
+        </p:nvSpPr>
+        <p:spPr>
+          <a:xfrm>
+            <a:off x="3962400" y="1241425"/>
+            <a:ext cx="4267200" cy="2187575"/>
+          </a:xfrm>
+        </p:spPr>
+        <p:txBody>
+          <a:bodyPr/>
+          <a:lstStyle/>
+          <a:p>
+            <a:pPr algn="ctr"/>
+            <a:r>
+              <a:rPr lang="ko-KR" altLang="en-US" sz="6000" b="1" dirty="0"/>
+              <a:t>구현</a:t>
+            </a:r>
+            <a:br>
+              <a:rPr lang="en-US" altLang="ko-KR" dirty="0"/>
+            </a:br>
+            <a:r>
+              <a:rPr lang="en-US" altLang="ko-KR" b="1" dirty="0">
+                <a:latin typeface="Berlin Sans FB Demi" panose="020E0802020502020306" pitchFamily="34" charset="0"/>
+                <a:cs typeface="Aharoni" panose="020B0604020202020204" pitchFamily="2" charset="-79"/>
+              </a:rPr>
+              <a:t>Realization</a:t>
+            </a:r>
+            <a:endParaRPr lang="ko-KR" altLang="en-US" dirty="0">
+              <a:latin typeface="Berlin Sans FB Demi" panose="020E0802020502020306" pitchFamily="34" charset="0"/>
+              <a:cs typeface="Aharoni" panose="020B0604020202020204" pitchFamily="2" charset="-79"/>
+            </a:endParaRPr>
+          </a:p>
+        </p:txBody>
+      </p:sp>
+    </p:spTree>
+    <p:extLst>
+      <p:ext uri="{BB962C8B-B14F-4D97-AF65-F5344CB8AC3E}">
+        <p14:creationId xmlns:p14="http://schemas.microsoft.com/office/powerpoint/2010/main" val="2999030986"/>
+      </p:ext>
+    </p:extLst>
+  </p:cSld>
+  <p:clrMapOvr>
+    <a:masterClrMapping/>
+  </p:clrMapOvr>
+</p:sld>
+</file>
+
+<file path=ppt/slides/slide22.xml><?xml version="1.0" encoding="utf-8"?>
+<p:sld xmlns:a="http://schemas.openxmlformats.org/drawingml/2006/main" xmlns:r="http://schemas.openxmlformats.org/officeDocument/2006/relationships" xmlns:p="http://schemas.openxmlformats.org/presentationml/2006/main">
+  <p:cSld>
+    <p:bg>
+      <p:bgPr>
+        <a:solidFill>
+          <a:schemeClr val="accent6"/>
+        </a:solidFill>
+        <a:effectLst/>
+      </p:bgPr>
+    </p:bg>
+    <p:spTree>
+      <p:nvGrpSpPr>
+        <p:cNvPr id="1" name=""/>
+        <p:cNvGrpSpPr/>
+        <p:nvPr/>
+      </p:nvGrpSpPr>
+      <p:grpSpPr>
+        <a:xfrm>
+          <a:off x="0" y="0"/>
+          <a:ext cx="0" cy="0"/>
+          <a:chOff x="0" y="0"/>
+          <a:chExt cx="0" cy="0"/>
+        </a:xfrm>
+      </p:grpSpPr>
+      <p:sp>
+        <p:nvSpPr>
+          <p:cNvPr id="2" name="제목 1">
+            <a:extLst>
+              <a:ext uri="{FF2B5EF4-FFF2-40B4-BE49-F238E27FC236}">
+                <a16:creationId xmlns:a16="http://schemas.microsoft.com/office/drawing/2014/main" id="{B6C4810C-1A99-4655-A2BA-CD44C4DBF3FE}"/>
+              </a:ext>
+            </a:extLst>
+          </p:cNvPr>
+          <p:cNvSpPr>
+            <a:spLocks noGrp="1"/>
+          </p:cNvSpPr>
+          <p:nvPr>
+            <p:ph type="title"/>
+          </p:nvPr>
+        </p:nvSpPr>
+        <p:spPr>
+          <a:xfrm>
+            <a:off x="1792884" y="825414"/>
+            <a:ext cx="2342694" cy="1206500"/>
+          </a:xfrm>
+        </p:spPr>
+        <p:txBody>
+          <a:bodyPr/>
+          <a:lstStyle/>
+          <a:p>
+            <a:r>
+              <a:rPr lang="en-US" altLang="ko-KR" b="1" dirty="0">
+                <a:latin typeface="Berlin Sans FB Demi" panose="020E0802020502020306" pitchFamily="34" charset="0"/>
+              </a:rPr>
+              <a:t>Arduino</a:t>
+            </a:r>
+            <a:endParaRPr lang="ko-KR" altLang="en-US" dirty="0">
+              <a:latin typeface="Berlin Sans FB Demi" panose="020E0802020502020306" pitchFamily="34" charset="0"/>
+            </a:endParaRPr>
+          </a:p>
+        </p:txBody>
+      </p:sp>
+      <p:pic>
+        <p:nvPicPr>
+          <p:cNvPr id="6" name="그림 5" descr="클립아트이(가) 표시된 사진&#10;&#10;높은 신뢰도로 생성된 설명">
+            <a:extLst>
+              <a:ext uri="{FF2B5EF4-FFF2-40B4-BE49-F238E27FC236}">
+                <a16:creationId xmlns:a16="http://schemas.microsoft.com/office/drawing/2014/main" id="{2A52DE37-B384-4C67-BD51-7B61B4CFBBD6}"/>
+              </a:ext>
+            </a:extLst>
+          </p:cNvPr>
+          <p:cNvPicPr>
+            <a:picLocks noChangeAspect="1"/>
+          </p:cNvPicPr>
+          <p:nvPr/>
+        </p:nvPicPr>
+        <p:blipFill>
+          <a:blip r:embed="rId3">
+            <a:extLst>
+              <a:ext uri="{28A0092B-C50C-407E-A947-70E740481C1C}">
+                <a14:useLocalDpi xmlns:a14="http://schemas.microsoft.com/office/drawing/2010/main" val="0"/>
+              </a:ext>
+            </a:extLst>
+          </a:blip>
+          <a:stretch>
+            <a:fillRect/>
+          </a:stretch>
+        </p:blipFill>
+        <p:spPr>
+          <a:xfrm>
+            <a:off x="7539887" y="2168308"/>
+            <a:ext cx="3375764" cy="3375764"/>
+          </a:xfrm>
+          <a:prstGeom prst="rect">
+            <a:avLst/>
+          </a:prstGeom>
+        </p:spPr>
+      </p:pic>
+      <p:sp>
+        <p:nvSpPr>
+          <p:cNvPr id="7" name="제목 1">
+            <a:extLst>
+              <a:ext uri="{FF2B5EF4-FFF2-40B4-BE49-F238E27FC236}">
+                <a16:creationId xmlns:a16="http://schemas.microsoft.com/office/drawing/2014/main" id="{4EC2D800-7992-46B2-A54F-32D9C5BA7BE6}"/>
+              </a:ext>
+            </a:extLst>
+          </p:cNvPr>
+          <p:cNvSpPr txBox="1">
+            <a:spLocks/>
+          </p:cNvSpPr>
+          <p:nvPr/>
+        </p:nvSpPr>
+        <p:spPr>
+          <a:xfrm>
+            <a:off x="7798154" y="825414"/>
+            <a:ext cx="2859229" cy="1206500"/>
+          </a:xfrm>
+          <a:prstGeom prst="rect">
+            <a:avLst/>
+          </a:prstGeom>
+        </p:spPr>
+        <p:txBody>
+          <a:bodyPr vert="horz" lIns="91440" tIns="45720" rIns="91440" bIns="45720" rtlCol="0" anchor="ctr">
+            <a:normAutofit/>
+          </a:bodyPr>
+          <a:lstStyle>
+            <a:lvl1pPr algn="l" defTabSz="914400" rtl="0" eaLnBrk="1" latinLnBrk="1" hangingPunct="1">
+              <a:lnSpc>
+                <a:spcPct val="90000"/>
+              </a:lnSpc>
+              <a:spcBef>
+                <a:spcPct val="0"/>
+              </a:spcBef>
+              <a:buNone/>
+              <a:defRPr sz="4400" kern="1200">
+                <a:solidFill>
+                  <a:schemeClr val="tx1"/>
+                </a:solidFill>
+                <a:latin typeface="+mj-lt"/>
+                <a:ea typeface="+mj-ea"/>
+                <a:cs typeface="+mj-cs"/>
+              </a:defRPr>
+            </a:lvl1pPr>
+          </a:lstStyle>
+          <a:p>
+            <a:r>
+              <a:rPr lang="en-US" altLang="ko-KR" b="1" dirty="0">
+                <a:latin typeface="Berlin Sans FB Demi" panose="020E0802020502020306" pitchFamily="34" charset="0"/>
+              </a:rPr>
+              <a:t>Processing</a:t>
+            </a:r>
+            <a:endParaRPr lang="ko-KR" altLang="en-US" dirty="0">
+              <a:latin typeface="Berlin Sans FB Demi" panose="020E0802020502020306" pitchFamily="34" charset="0"/>
+            </a:endParaRPr>
+          </a:p>
+        </p:txBody>
+      </p:sp>
+      <p:pic>
+        <p:nvPicPr>
+          <p:cNvPr id="9" name="그래픽 8" descr="심장 박동">
+            <a:extLst>
+              <a:ext uri="{FF2B5EF4-FFF2-40B4-BE49-F238E27FC236}">
+                <a16:creationId xmlns:a16="http://schemas.microsoft.com/office/drawing/2014/main" id="{B9A918C7-15F8-46E4-A88D-0BF92B3E66E6}"/>
+              </a:ext>
+            </a:extLst>
+          </p:cNvPr>
+          <p:cNvPicPr>
+            <a:picLocks noChangeAspect="1"/>
+          </p:cNvPicPr>
+          <p:nvPr/>
+        </p:nvPicPr>
+        <p:blipFill>
+          <a:blip r:embed="rId4">
+            <a:extLst>
+              <a:ext uri="{28A0092B-C50C-407E-A947-70E740481C1C}">
+                <a14:useLocalDpi xmlns:a14="http://schemas.microsoft.com/office/drawing/2010/main" val="0"/>
+              </a:ext>
+              <a:ext uri="{96DAC541-7B7A-43D3-8B79-37D633B846F1}">
+                <asvg:svgBlip xmlns:asvg="http://schemas.microsoft.com/office/drawing/2016/SVG/main" r:embed="rId5"/>
+              </a:ext>
+            </a:extLst>
+          </a:blip>
+          <a:stretch>
+            <a:fillRect/>
+          </a:stretch>
+        </p:blipFill>
+        <p:spPr>
+          <a:xfrm>
+            <a:off x="5181600" y="2895600"/>
+            <a:ext cx="1828800" cy="1828800"/>
+          </a:xfrm>
+          <a:prstGeom prst="rect">
+            <a:avLst/>
+          </a:prstGeom>
+        </p:spPr>
+      </p:pic>
+      <p:pic>
+        <p:nvPicPr>
+          <p:cNvPr id="11" name="그림 10">
+            <a:extLst>
+              <a:ext uri="{FF2B5EF4-FFF2-40B4-BE49-F238E27FC236}">
+                <a16:creationId xmlns:a16="http://schemas.microsoft.com/office/drawing/2014/main" id="{68402634-EF6A-46F1-ABF2-9FF50C8E0EE6}"/>
+              </a:ext>
+            </a:extLst>
+          </p:cNvPr>
+          <p:cNvPicPr>
+            <a:picLocks noChangeAspect="1"/>
+          </p:cNvPicPr>
+          <p:nvPr/>
+        </p:nvPicPr>
+        <p:blipFill>
+          <a:blip r:embed="rId6">
+            <a:extLst>
+              <a:ext uri="{28A0092B-C50C-407E-A947-70E740481C1C}">
+                <a14:useLocalDpi xmlns:a14="http://schemas.microsoft.com/office/drawing/2010/main" val="0"/>
+              </a:ext>
+            </a:extLst>
+          </a:blip>
+          <a:stretch>
+            <a:fillRect/>
+          </a:stretch>
+        </p:blipFill>
+        <p:spPr>
+          <a:xfrm>
+            <a:off x="1313527" y="2168308"/>
+            <a:ext cx="3301408" cy="3375764"/>
+          </a:xfrm>
+          <a:prstGeom prst="rect">
+            <a:avLst/>
+          </a:prstGeom>
+        </p:spPr>
+      </p:pic>
+    </p:spTree>
+    <p:extLst>
+      <p:ext uri="{BB962C8B-B14F-4D97-AF65-F5344CB8AC3E}">
+        <p14:creationId xmlns:p14="http://schemas.microsoft.com/office/powerpoint/2010/main" val="82879886"/>
+      </p:ext>
+    </p:extLst>
+  </p:cSld>
+  <p:clrMapOvr>
+    <a:masterClrMapping/>
+  </p:clrMapOvr>
+  <p:timing>
+    <p:tnLst>
+      <p:par>
+        <p:cTn id="1" dur="indefinite" restart="never" nodeType="tmRoot">
+          <p:childTnLst>
+            <p:seq concurrent="1" nextAc="seek">
+              <p:cTn id="2" dur="indefinite" nodeType="mainSeq">
+                <p:childTnLst>
+                  <p:par>
+                    <p:cTn id="3" fill="hold">
+                      <p:stCondLst>
+                        <p:cond delay="indefinite"/>
+                      </p:stCondLst>
+                      <p:childTnLst>
+                        <p:par>
+                          <p:cTn id="4" fill="hold">
+                            <p:stCondLst>
+                              <p:cond delay="0"/>
+                            </p:stCondLst>
+                            <p:childTnLst>
+                              <p:par>
+                                <p:cTn id="5" presetID="1" presetClass="entr" presetSubtype="0" fill="hold" grpId="0" nodeType="clickEffect">
+                                  <p:stCondLst>
+                                    <p:cond delay="0"/>
+                                  </p:stCondLst>
+                                  <p:childTnLst>
+                                    <p:set>
+                                      <p:cBhvr>
+                                        <p:cTn id="6" dur="1" fill="hold">
+                                          <p:stCondLst>
+                                            <p:cond delay="0"/>
+                                          </p:stCondLst>
+                                        </p:cTn>
+                                        <p:tgtEl>
+                                          <p:spTgt spid="2"/>
+                                        </p:tgtEl>
+                                        <p:attrNameLst>
+                                          <p:attrName>style.visibility</p:attrName>
+                                        </p:attrNameLst>
+                                      </p:cBhvr>
+                                      <p:to>
+                                        <p:strVal val="visible"/>
+                                      </p:to>
+                                    </p:set>
+                                  </p:childTnLst>
+                                </p:cTn>
+                              </p:par>
+                              <p:par>
+                                <p:cTn id="7" presetID="1" presetClass="entr" presetSubtype="0" fill="hold" nodeType="withEffect">
+                                  <p:stCondLst>
+                                    <p:cond delay="0"/>
+                                  </p:stCondLst>
+                                  <p:childTnLst>
+                                    <p:set>
+                                      <p:cBhvr>
+                                        <p:cTn id="8" dur="1" fill="hold">
+                                          <p:stCondLst>
+                                            <p:cond delay="0"/>
+                                          </p:stCondLst>
+                                        </p:cTn>
+                                        <p:tgtEl>
+                                          <p:spTgt spid="11"/>
+                                        </p:tgtEl>
+                                        <p:attrNameLst>
+                                          <p:attrName>style.visibility</p:attrName>
+                                        </p:attrNameLst>
+                                      </p:cBhvr>
+                                      <p:to>
+                                        <p:strVal val="visible"/>
+                                      </p:to>
+                                    </p:set>
+                                  </p:childTnLst>
+                                </p:cTn>
+                              </p:par>
+                            </p:childTnLst>
+                          </p:cTn>
+                        </p:par>
+                      </p:childTnLst>
+                    </p:cTn>
+                  </p:par>
+                  <p:par>
+                    <p:cTn id="9" fill="hold">
+                      <p:stCondLst>
+                        <p:cond delay="indefinite"/>
+                      </p:stCondLst>
+                      <p:childTnLst>
+                        <p:par>
+                          <p:cTn id="10" fill="hold">
+                            <p:stCondLst>
+                              <p:cond delay="0"/>
+                            </p:stCondLst>
+                            <p:childTnLst>
+                              <p:par>
+                                <p:cTn id="11" presetID="1" presetClass="entr" presetSubtype="0" fill="hold" grpId="0" nodeType="clickEffect">
+                                  <p:stCondLst>
+                                    <p:cond delay="0"/>
+                                  </p:stCondLst>
+                                  <p:childTnLst>
+                                    <p:set>
+                                      <p:cBhvr>
+                                        <p:cTn id="12" dur="1" fill="hold">
+                                          <p:stCondLst>
+                                            <p:cond delay="0"/>
+                                          </p:stCondLst>
+                                        </p:cTn>
+                                        <p:tgtEl>
+                                          <p:spTgt spid="7"/>
+                                        </p:tgtEl>
+                                        <p:attrNameLst>
+                                          <p:attrName>style.visibility</p:attrName>
+                                        </p:attrNameLst>
+                                      </p:cBhvr>
+                                      <p:to>
+                                        <p:strVal val="visible"/>
+                                      </p:to>
+                                    </p:set>
+                                  </p:childTnLst>
+                                </p:cTn>
+                              </p:par>
+                              <p:par>
+                                <p:cTn id="13" presetID="1" presetClass="entr" presetSubtype="0" fill="hold" nodeType="withEffect">
+                                  <p:stCondLst>
+                                    <p:cond delay="0"/>
+                                  </p:stCondLst>
+                                  <p:childTnLst>
+                                    <p:set>
+                                      <p:cBhvr>
+                                        <p:cTn id="14" dur="1" fill="hold">
+                                          <p:stCondLst>
+                                            <p:cond delay="0"/>
+                                          </p:stCondLst>
+                                        </p:cTn>
+                                        <p:tgtEl>
+                                          <p:spTgt spid="6"/>
+                                        </p:tgtEl>
+                                        <p:attrNameLst>
+                                          <p:attrName>style.visibility</p:attrName>
+                                        </p:attrNameLst>
+                                      </p:cBhvr>
+                                      <p:to>
+                                        <p:strVal val="visible"/>
+                                      </p:to>
+                                    </p:set>
+                                  </p:childTnLst>
+                                </p:cTn>
+                              </p:par>
+                            </p:childTnLst>
+                          </p:cTn>
+                        </p:par>
+                      </p:childTnLst>
+                    </p:cTn>
+                  </p:par>
+                </p:childTnLst>
+              </p:cTn>
+              <p:prevCondLst>
+                <p:cond evt="onPrev" delay="0">
+                  <p:tgtEl>
+                    <p:sldTgt/>
+                  </p:tgtEl>
+                </p:cond>
+              </p:prevCondLst>
+              <p:nextCondLst>
+                <p:cond evt="onNext" delay="0">
+                  <p:tgtEl>
+                    <p:sldTgt/>
+                  </p:tgtEl>
+                </p:cond>
+              </p:nextCondLst>
+            </p:seq>
+          </p:childTnLst>
+        </p:cTn>
+      </p:par>
+    </p:tnLst>
+    <p:bldLst>
+      <p:bldP spid="2" grpId="0"/>
+      <p:bldP spid="7" grpId="0"/>
+    </p:bldLst>
+  </p:timing>
+</p:sld>
+</file>
+
+<file path=ppt/slides/slide23.xml><?xml version="1.0" encoding="utf-8"?>
+<p:sld xmlns:a="http://schemas.openxmlformats.org/drawingml/2006/main" xmlns:r="http://schemas.openxmlformats.org/officeDocument/2006/relationships" xmlns:p="http://schemas.openxmlformats.org/presentationml/2006/main" showMasterSp="0">
+  <p:cSld>
+    <p:bg>
+      <p:bgPr>
+        <a:solidFill>
+          <a:schemeClr val="accent6"/>
+        </a:solidFill>
+        <a:effectLst/>
+      </p:bgPr>
+    </p:bg>
+    <p:spTree>
+      <p:nvGrpSpPr>
+        <p:cNvPr id="1" name=""/>
+        <p:cNvGrpSpPr/>
+        <p:nvPr/>
+      </p:nvGrpSpPr>
+      <p:grpSpPr>
+        <a:xfrm>
+          <a:off x="0" y="0"/>
+          <a:ext cx="0" cy="0"/>
+          <a:chOff x="0" y="0"/>
+          <a:chExt cx="0" cy="0"/>
+        </a:xfrm>
+      </p:grpSpPr>
+      <p:sp>
+        <p:nvSpPr>
+          <p:cNvPr id="2" name="제목 1">
+            <a:extLst>
+              <a:ext uri="{FF2B5EF4-FFF2-40B4-BE49-F238E27FC236}">
+                <a16:creationId xmlns:a16="http://schemas.microsoft.com/office/drawing/2014/main" id="{6D33BFC1-C832-42B0-888C-63CD76AAF5BC}"/>
+              </a:ext>
+            </a:extLst>
+          </p:cNvPr>
+          <p:cNvSpPr>
+            <a:spLocks noGrp="1"/>
+          </p:cNvSpPr>
+          <p:nvPr>
+            <p:ph type="title"/>
+          </p:nvPr>
+        </p:nvSpPr>
+        <p:spPr>
+          <a:xfrm>
+            <a:off x="695326" y="2860551"/>
+            <a:ext cx="4629150" cy="1325563"/>
+          </a:xfrm>
+        </p:spPr>
+        <p:txBody>
+          <a:bodyPr/>
+          <a:lstStyle/>
+          <a:p>
+            <a:r>
+              <a:rPr lang="en-US" altLang="ko-KR" dirty="0">
+                <a:latin typeface="Berlin Sans FB Demi" panose="020E0802020502020306" pitchFamily="34" charset="0"/>
+              </a:rPr>
+              <a:t>Arduino RFID Set</a:t>
+            </a:r>
+            <a:endParaRPr lang="ko-KR" altLang="en-US" dirty="0">
+              <a:latin typeface="Berlin Sans FB Demi" panose="020E0802020502020306" pitchFamily="34" charset="0"/>
+            </a:endParaRPr>
+          </a:p>
+        </p:txBody>
+      </p:sp>
+      <p:pic>
+        <p:nvPicPr>
+          <p:cNvPr id="4" name="그림 3" descr="전자기기이(가) 표시된 사진&#10;&#10;높은 신뢰도로 생성된 설명">
+            <a:extLst>
+              <a:ext uri="{FF2B5EF4-FFF2-40B4-BE49-F238E27FC236}">
+                <a16:creationId xmlns:a16="http://schemas.microsoft.com/office/drawing/2014/main" id="{395DD467-A38A-424F-A435-E1C8B640C6B2}"/>
+              </a:ext>
+            </a:extLst>
+          </p:cNvPr>
+          <p:cNvPicPr>
+            <a:picLocks noChangeAspect="1"/>
+          </p:cNvPicPr>
+          <p:nvPr/>
+        </p:nvPicPr>
+        <p:blipFill>
+          <a:blip r:embed="rId3">
+            <a:extLst>
+              <a:ext uri="{28A0092B-C50C-407E-A947-70E740481C1C}">
+                <a14:useLocalDpi xmlns:a14="http://schemas.microsoft.com/office/drawing/2010/main" val="0"/>
+              </a:ext>
+            </a:extLst>
+          </a:blip>
+          <a:stretch>
+            <a:fillRect/>
+          </a:stretch>
+        </p:blipFill>
+        <p:spPr>
+          <a:xfrm>
+            <a:off x="7272337" y="1697831"/>
+            <a:ext cx="3462338" cy="3462338"/>
+          </a:xfrm>
+          <a:prstGeom prst="rect">
+            <a:avLst/>
+          </a:prstGeom>
+        </p:spPr>
+      </p:pic>
+      <p:sp>
+        <p:nvSpPr>
+          <p:cNvPr id="5" name="제목 1">
+            <a:extLst>
+              <a:ext uri="{FF2B5EF4-FFF2-40B4-BE49-F238E27FC236}">
+                <a16:creationId xmlns:a16="http://schemas.microsoft.com/office/drawing/2014/main" id="{2DD01EA7-AF3D-41A8-BA8D-776D947A160C}"/>
+              </a:ext>
+            </a:extLst>
+          </p:cNvPr>
+          <p:cNvSpPr txBox="1">
+            <a:spLocks/>
+          </p:cNvSpPr>
+          <p:nvPr/>
+        </p:nvSpPr>
+        <p:spPr>
+          <a:xfrm>
+            <a:off x="6096000" y="-1"/>
+            <a:ext cx="6096000" cy="6858000"/>
+          </a:xfrm>
+          <a:prstGeom prst="rect">
+            <a:avLst/>
+          </a:prstGeom>
+          <a:solidFill>
+            <a:schemeClr val="accent6">
+              <a:lumMod val="60000"/>
+              <a:lumOff val="40000"/>
+            </a:schemeClr>
+          </a:solidFill>
+        </p:spPr>
+        <p:txBody>
+          <a:bodyPr vert="horz" lIns="91440" tIns="45720" rIns="91440" bIns="45720" rtlCol="0" anchor="ctr">
+            <a:normAutofit/>
+          </a:bodyPr>
+          <a:lstStyle>
+            <a:lvl1pPr algn="l" defTabSz="914400" rtl="0" eaLnBrk="1" latinLnBrk="1" hangingPunct="1">
+              <a:lnSpc>
+                <a:spcPct val="90000"/>
+              </a:lnSpc>
+              <a:spcBef>
+                <a:spcPct val="0"/>
+              </a:spcBef>
+              <a:buNone/>
+              <a:defRPr sz="4400" kern="1200">
+                <a:solidFill>
+                  <a:schemeClr val="tx1"/>
+                </a:solidFill>
+                <a:latin typeface="+mj-lt"/>
+                <a:ea typeface="+mj-ea"/>
+                <a:cs typeface="+mj-cs"/>
+              </a:defRPr>
+            </a:lvl1pPr>
+          </a:lstStyle>
+          <a:p>
+            <a:endParaRPr lang="ko-KR" altLang="en-US" dirty="0">
+              <a:latin typeface="Berlin Sans FB Demi" panose="020E0802020502020306" pitchFamily="34" charset="0"/>
+            </a:endParaRPr>
+          </a:p>
+        </p:txBody>
+      </p:sp>
+      <p:pic>
+        <p:nvPicPr>
+          <p:cNvPr id="7" name="그림 6" descr="전자기기, 회로이(가) 표시된 사진&#10;&#10;매우 높은 신뢰도로 생성된 설명">
+            <a:extLst>
+              <a:ext uri="{FF2B5EF4-FFF2-40B4-BE49-F238E27FC236}">
+                <a16:creationId xmlns:a16="http://schemas.microsoft.com/office/drawing/2014/main" id="{00B14249-AA78-431C-8D6F-8AC6CA61A1B5}"/>
+              </a:ext>
+            </a:extLst>
+          </p:cNvPr>
+          <p:cNvPicPr>
+            <a:picLocks noChangeAspect="1"/>
+          </p:cNvPicPr>
+          <p:nvPr/>
+        </p:nvPicPr>
+        <p:blipFill>
+          <a:blip r:embed="rId4">
+            <a:extLst>
+              <a:ext uri="{28A0092B-C50C-407E-A947-70E740481C1C}">
+                <a14:useLocalDpi xmlns:a14="http://schemas.microsoft.com/office/drawing/2010/main" val="0"/>
+              </a:ext>
+            </a:extLst>
+          </a:blip>
+          <a:stretch>
+            <a:fillRect/>
+          </a:stretch>
+        </p:blipFill>
+        <p:spPr>
+          <a:xfrm>
+            <a:off x="7218759" y="2005011"/>
+            <a:ext cx="3850482" cy="3083454"/>
+          </a:xfrm>
+          <a:prstGeom prst="rect">
+            <a:avLst/>
+          </a:prstGeom>
+        </p:spPr>
+      </p:pic>
+      <p:sp>
+        <p:nvSpPr>
+          <p:cNvPr id="9" name="제목 1">
+            <a:extLst>
+              <a:ext uri="{FF2B5EF4-FFF2-40B4-BE49-F238E27FC236}">
+                <a16:creationId xmlns:a16="http://schemas.microsoft.com/office/drawing/2014/main" id="{410855C9-9A15-4A48-A0D9-84CC83DC6C4B}"/>
+              </a:ext>
+            </a:extLst>
+          </p:cNvPr>
+          <p:cNvSpPr txBox="1">
+            <a:spLocks/>
+          </p:cNvSpPr>
+          <p:nvPr/>
+        </p:nvSpPr>
+        <p:spPr>
+          <a:xfrm>
+            <a:off x="6096000" y="0"/>
+            <a:ext cx="6096000" cy="6858000"/>
+          </a:xfrm>
+          <a:prstGeom prst="rect">
+            <a:avLst/>
+          </a:prstGeom>
+          <a:solidFill>
+            <a:schemeClr val="accent6">
+              <a:lumMod val="75000"/>
+            </a:schemeClr>
+          </a:solidFill>
+        </p:spPr>
+        <p:txBody>
+          <a:bodyPr vert="horz" lIns="91440" tIns="45720" rIns="91440" bIns="45720" rtlCol="0" anchor="ctr">
+            <a:normAutofit/>
+          </a:bodyPr>
+          <a:lstStyle>
+            <a:lvl1pPr algn="l" defTabSz="914400" rtl="0" eaLnBrk="1" latinLnBrk="1" hangingPunct="1">
+              <a:lnSpc>
+                <a:spcPct val="90000"/>
+              </a:lnSpc>
+              <a:spcBef>
+                <a:spcPct val="0"/>
+              </a:spcBef>
+              <a:buNone/>
+              <a:defRPr sz="4400" kern="1200">
+                <a:solidFill>
+                  <a:schemeClr val="tx1"/>
+                </a:solidFill>
+                <a:latin typeface="+mj-lt"/>
+                <a:ea typeface="+mj-ea"/>
+                <a:cs typeface="+mj-cs"/>
+              </a:defRPr>
+            </a:lvl1pPr>
+          </a:lstStyle>
+          <a:p>
+            <a:endParaRPr lang="ko-KR" altLang="en-US" dirty="0">
+              <a:latin typeface="Berlin Sans FB Demi" panose="020E0802020502020306" pitchFamily="34" charset="0"/>
+            </a:endParaRPr>
+          </a:p>
+        </p:txBody>
+      </p:sp>
+      <p:pic>
+        <p:nvPicPr>
+          <p:cNvPr id="11" name="그림 10" descr="전자기기이(가) 표시된 사진&#10;&#10;매우 높은 신뢰도로 생성된 설명">
+            <a:extLst>
+              <a:ext uri="{FF2B5EF4-FFF2-40B4-BE49-F238E27FC236}">
+                <a16:creationId xmlns:a16="http://schemas.microsoft.com/office/drawing/2014/main" id="{7CC1B2E2-FAF7-436F-B58A-03AF90FCCAAB}"/>
+              </a:ext>
+            </a:extLst>
+          </p:cNvPr>
+          <p:cNvPicPr>
+            <a:picLocks noChangeAspect="1"/>
+          </p:cNvPicPr>
+          <p:nvPr/>
+        </p:nvPicPr>
+        <p:blipFill>
+          <a:blip r:embed="rId5">
+            <a:extLst>
+              <a:ext uri="{28A0092B-C50C-407E-A947-70E740481C1C}">
+                <a14:useLocalDpi xmlns:a14="http://schemas.microsoft.com/office/drawing/2010/main" val="0"/>
+              </a:ext>
+            </a:extLst>
+          </a:blip>
+          <a:stretch>
+            <a:fillRect/>
+          </a:stretch>
+        </p:blipFill>
+        <p:spPr>
+          <a:xfrm>
+            <a:off x="7116960" y="2005010"/>
+            <a:ext cx="4054079" cy="3036646"/>
+          </a:xfrm>
+          <a:prstGeom prst="rect">
+            <a:avLst/>
+          </a:prstGeom>
+        </p:spPr>
+      </p:pic>
+    </p:spTree>
+    <p:extLst>
+      <p:ext uri="{BB962C8B-B14F-4D97-AF65-F5344CB8AC3E}">
+        <p14:creationId xmlns:p14="http://schemas.microsoft.com/office/powerpoint/2010/main" val="2881336137"/>
+      </p:ext>
+    </p:extLst>
+  </p:cSld>
+  <p:clrMapOvr>
+    <a:masterClrMapping/>
+  </p:clrMapOvr>
+  <p:timing>
+    <p:tnLst>
+      <p:par>
+        <p:cTn id="1" dur="indefinite" restart="never" nodeType="tmRoot">
+          <p:childTnLst>
+            <p:seq concurrent="1" nextAc="seek">
+              <p:cTn id="2" dur="indefinite" nodeType="mainSeq">
+                <p:childTnLst>
+                  <p:par>
+                    <p:cTn id="3" fill="hold">
+                      <p:stCondLst>
+                        <p:cond delay="indefinite"/>
+                      </p:stCondLst>
+                      <p:childTnLst>
+                        <p:par>
+                          <p:cTn id="4" fill="hold">
+                            <p:stCondLst>
+                              <p:cond delay="0"/>
+                            </p:stCondLst>
+                            <p:childTnLst>
+                              <p:par>
+                                <p:cTn id="5" presetID="22" presetClass="entr" presetSubtype="4" fill="hold" grpId="0" nodeType="clickEffect">
+                                  <p:stCondLst>
+                                    <p:cond delay="0"/>
+                                  </p:stCondLst>
+                                  <p:childTnLst>
+                                    <p:set>
+                                      <p:cBhvr>
+                                        <p:cTn id="6" dur="1" fill="hold">
+                                          <p:stCondLst>
+                                            <p:cond delay="0"/>
+                                          </p:stCondLst>
+                                        </p:cTn>
+                                        <p:tgtEl>
+                                          <p:spTgt spid="5"/>
+                                        </p:tgtEl>
+                                        <p:attrNameLst>
+                                          <p:attrName>style.visibility</p:attrName>
+                                        </p:attrNameLst>
+                                      </p:cBhvr>
+                                      <p:to>
+                                        <p:strVal val="visible"/>
+                                      </p:to>
+                                    </p:set>
+                                    <p:animEffect transition="in" filter="wipe(down)">
+                                      <p:cBhvr>
+                                        <p:cTn id="7" dur="500"/>
+                                        <p:tgtEl>
+                                          <p:spTgt spid="5"/>
+                                        </p:tgtEl>
+                                      </p:cBhvr>
+                                    </p:animEffect>
+                                  </p:childTnLst>
+                                </p:cTn>
+                              </p:par>
+                            </p:childTnLst>
+                          </p:cTn>
+                        </p:par>
+                      </p:childTnLst>
+                    </p:cTn>
+                  </p:par>
+                  <p:par>
+                    <p:cTn id="8" fill="hold">
+                      <p:stCondLst>
+                        <p:cond delay="indefinite"/>
+                      </p:stCondLst>
+                      <p:childTnLst>
+                        <p:par>
+                          <p:cTn id="9" fill="hold">
+                            <p:stCondLst>
+                              <p:cond delay="0"/>
+                            </p:stCondLst>
+                            <p:childTnLst>
+                              <p:par>
+                                <p:cTn id="10" presetID="1" presetClass="entr" presetSubtype="0" fill="hold" nodeType="clickEffect">
+                                  <p:stCondLst>
+                                    <p:cond delay="0"/>
+                                  </p:stCondLst>
+                                  <p:childTnLst>
+                                    <p:set>
+                                      <p:cBhvr>
+                                        <p:cTn id="11" dur="1" fill="hold">
+                                          <p:stCondLst>
+                                            <p:cond delay="0"/>
+                                          </p:stCondLst>
+                                        </p:cTn>
+                                        <p:tgtEl>
+                                          <p:spTgt spid="7"/>
+                                        </p:tgtEl>
+                                        <p:attrNameLst>
+                                          <p:attrName>style.visibility</p:attrName>
+                                        </p:attrNameLst>
+                                      </p:cBhvr>
+                                      <p:to>
+                                        <p:strVal val="visible"/>
+                                      </p:to>
+                                    </p:set>
+                                  </p:childTnLst>
+                                </p:cTn>
+                              </p:par>
+                            </p:childTnLst>
+                          </p:cTn>
+                        </p:par>
+                      </p:childTnLst>
+                    </p:cTn>
+                  </p:par>
+                  <p:par>
+                    <p:cTn id="12" fill="hold">
+                      <p:stCondLst>
+                        <p:cond delay="indefinite"/>
+                      </p:stCondLst>
+                      <p:childTnLst>
+                        <p:par>
+                          <p:cTn id="13" fill="hold">
+                            <p:stCondLst>
+                              <p:cond delay="0"/>
+                            </p:stCondLst>
+                            <p:childTnLst>
+                              <p:par>
+                                <p:cTn id="14" presetID="22" presetClass="entr" presetSubtype="4" fill="hold" grpId="0" nodeType="clickEffect">
+                                  <p:stCondLst>
+                                    <p:cond delay="0"/>
+                                  </p:stCondLst>
+                                  <p:childTnLst>
+                                    <p:set>
+                                      <p:cBhvr>
+                                        <p:cTn id="15" dur="1" fill="hold">
+                                          <p:stCondLst>
+                                            <p:cond delay="0"/>
+                                          </p:stCondLst>
+                                        </p:cTn>
+                                        <p:tgtEl>
+                                          <p:spTgt spid="9"/>
+                                        </p:tgtEl>
+                                        <p:attrNameLst>
+                                          <p:attrName>style.visibility</p:attrName>
+                                        </p:attrNameLst>
+                                      </p:cBhvr>
+                                      <p:to>
+                                        <p:strVal val="visible"/>
+                                      </p:to>
+                                    </p:set>
+                                    <p:animEffect transition="in" filter="wipe(down)">
+                                      <p:cBhvr>
+                                        <p:cTn id="16" dur="500"/>
+                                        <p:tgtEl>
+                                          <p:spTgt spid="9"/>
+                                        </p:tgtEl>
+                                      </p:cBhvr>
+                                    </p:animEffect>
+                                  </p:childTnLst>
+                                </p:cTn>
+                              </p:par>
+                            </p:childTnLst>
+                          </p:cTn>
+                        </p:par>
+                      </p:childTnLst>
+                    </p:cTn>
+                  </p:par>
+                  <p:par>
+                    <p:cTn id="17" fill="hold">
+                      <p:stCondLst>
+                        <p:cond delay="indefinite"/>
+                      </p:stCondLst>
+                      <p:childTnLst>
+                        <p:par>
+                          <p:cTn id="18" fill="hold">
+                            <p:stCondLst>
+                              <p:cond delay="0"/>
+                            </p:stCondLst>
+                            <p:childTnLst>
+                              <p:par>
+                                <p:cTn id="19" presetID="1" presetClass="entr" presetSubtype="0" fill="hold" nodeType="clickEffect">
+                                  <p:stCondLst>
+                                    <p:cond delay="0"/>
+                                  </p:stCondLst>
+                                  <p:childTnLst>
+                                    <p:set>
+                                      <p:cBhvr>
+                                        <p:cTn id="20" dur="1" fill="hold">
+                                          <p:stCondLst>
+                                            <p:cond delay="0"/>
+                                          </p:stCondLst>
+                                        </p:cTn>
+                                        <p:tgtEl>
+                                          <p:spTgt spid="11"/>
+                                        </p:tgtEl>
+                                        <p:attrNameLst>
+                                          <p:attrName>style.visibility</p:attrName>
+                                        </p:attrNameLst>
+                                      </p:cBhvr>
+                                      <p:to>
+                                        <p:strVal val="visible"/>
+                                      </p:to>
+                                    </p:set>
+                                  </p:childTnLst>
+                                </p:cTn>
+                              </p:par>
+                            </p:childTnLst>
+                          </p:cTn>
+                        </p:par>
+                      </p:childTnLst>
+                    </p:cTn>
+                  </p:par>
+                </p:childTnLst>
+              </p:cTn>
+              <p:prevCondLst>
+                <p:cond evt="onPrev" delay="0">
+                  <p:tgtEl>
+                    <p:sldTgt/>
+                  </p:tgtEl>
+                </p:cond>
+              </p:prevCondLst>
+              <p:nextCondLst>
+                <p:cond evt="onNext" delay="0">
+                  <p:tgtEl>
+                    <p:sldTgt/>
+                  </p:tgtEl>
+                </p:cond>
+              </p:nextCondLst>
+            </p:seq>
+          </p:childTnLst>
+        </p:cTn>
+      </p:par>
+    </p:tnLst>
+    <p:bldLst>
+      <p:bldP spid="5" grpId="0" animBg="1"/>
+      <p:bldP spid="9" grpId="0" animBg="1"/>
+    </p:bldLst>
+  </p:timing>
 </p:sld>
 </file>
 
@@ -16177,7 +23928,7 @@
           <p:nvPr/>
         </p:nvPicPr>
         <p:blipFill>
-          <a:blip r:embed="rId2">
+          <a:blip r:embed="rId3">
             <a:extLst>
               <a:ext uri="{28A0092B-C50C-407E-A947-70E740481C1C}">
                 <a14:useLocalDpi xmlns:a14="http://schemas.microsoft.com/office/drawing/2010/main" val="0"/>
@@ -16213,7 +23964,7 @@
           <p:nvPr/>
         </p:nvPicPr>
         <p:blipFill>
-          <a:blip r:embed="rId3">
+          <a:blip r:embed="rId4">
             <a:extLst>
               <a:ext uri="{28A0092B-C50C-407E-A947-70E740481C1C}">
                 <a14:useLocalDpi xmlns:a14="http://schemas.microsoft.com/office/drawing/2010/main" val="0"/>
@@ -16249,7 +24000,7 @@
           <p:nvPr/>
         </p:nvPicPr>
         <p:blipFill>
-          <a:blip r:embed="rId4">
+          <a:blip r:embed="rId5">
             <a:extLst>
               <a:ext uri="{28A0092B-C50C-407E-A947-70E740481C1C}">
                 <a14:useLocalDpi xmlns:a14="http://schemas.microsoft.com/office/drawing/2010/main" val="0"/>
@@ -16285,13 +24036,13 @@
           <p:nvPr/>
         </p:nvPicPr>
         <p:blipFill>
-          <a:blip r:embed="rId5">
+          <a:blip r:embed="rId6">
             <a:extLst>
               <a:ext uri="{28A0092B-C50C-407E-A947-70E740481C1C}">
                 <a14:useLocalDpi xmlns:a14="http://schemas.microsoft.com/office/drawing/2010/main" val="0"/>
               </a:ext>
               <a:ext uri="{96DAC541-7B7A-43D3-8B79-37D633B846F1}">
-                <asvg:svgBlip xmlns:asvg="http://schemas.microsoft.com/office/drawing/2016/SVG/main" r:embed="rId6"/>
+                <asvg:svgBlip xmlns:asvg="http://schemas.microsoft.com/office/drawing/2016/SVG/main" r:embed="rId7"/>
               </a:ext>
             </a:extLst>
           </a:blip>
@@ -16324,13 +24075,13 @@
           <p:nvPr/>
         </p:nvPicPr>
         <p:blipFill>
-          <a:blip r:embed="rId5">
+          <a:blip r:embed="rId6">
             <a:extLst>
               <a:ext uri="{28A0092B-C50C-407E-A947-70E740481C1C}">
                 <a14:useLocalDpi xmlns:a14="http://schemas.microsoft.com/office/drawing/2010/main" val="0"/>
               </a:ext>
               <a:ext uri="{96DAC541-7B7A-43D3-8B79-37D633B846F1}">
-                <asvg:svgBlip xmlns:asvg="http://schemas.microsoft.com/office/drawing/2016/SVG/main" r:embed="rId6"/>
+                <asvg:svgBlip xmlns:asvg="http://schemas.microsoft.com/office/drawing/2016/SVG/main" r:embed="rId7"/>
               </a:ext>
             </a:extLst>
           </a:blip>
@@ -16363,13 +24114,13 @@
           <p:nvPr/>
         </p:nvPicPr>
         <p:blipFill>
-          <a:blip r:embed="rId5">
+          <a:blip r:embed="rId6">
             <a:extLst>
               <a:ext uri="{28A0092B-C50C-407E-A947-70E740481C1C}">
                 <a14:useLocalDpi xmlns:a14="http://schemas.microsoft.com/office/drawing/2010/main" val="0"/>
               </a:ext>
               <a:ext uri="{96DAC541-7B7A-43D3-8B79-37D633B846F1}">
-                <asvg:svgBlip xmlns:asvg="http://schemas.microsoft.com/office/drawing/2016/SVG/main" r:embed="rId6"/>
+                <asvg:svgBlip xmlns:asvg="http://schemas.microsoft.com/office/drawing/2016/SVG/main" r:embed="rId7"/>
               </a:ext>
             </a:extLst>
           </a:blip>
@@ -16402,13 +24153,13 @@
           <p:nvPr/>
         </p:nvPicPr>
         <p:blipFill>
-          <a:blip r:embed="rId5">
+          <a:blip r:embed="rId6">
             <a:extLst>
               <a:ext uri="{28A0092B-C50C-407E-A947-70E740481C1C}">
                 <a14:useLocalDpi xmlns:a14="http://schemas.microsoft.com/office/drawing/2010/main" val="0"/>
               </a:ext>
               <a:ext uri="{96DAC541-7B7A-43D3-8B79-37D633B846F1}">
-                <asvg:svgBlip xmlns:asvg="http://schemas.microsoft.com/office/drawing/2016/SVG/main" r:embed="rId6"/>
+                <asvg:svgBlip xmlns:asvg="http://schemas.microsoft.com/office/drawing/2016/SVG/main" r:embed="rId7"/>
               </a:ext>
             </a:extLst>
           </a:blip>
@@ -16441,13 +24192,13 @@
           <p:nvPr/>
         </p:nvPicPr>
         <p:blipFill>
-          <a:blip r:embed="rId5">
+          <a:blip r:embed="rId6">
             <a:extLst>
               <a:ext uri="{28A0092B-C50C-407E-A947-70E740481C1C}">
                 <a14:useLocalDpi xmlns:a14="http://schemas.microsoft.com/office/drawing/2010/main" val="0"/>
               </a:ext>
               <a:ext uri="{96DAC541-7B7A-43D3-8B79-37D633B846F1}">
-                <asvg:svgBlip xmlns:asvg="http://schemas.microsoft.com/office/drawing/2016/SVG/main" r:embed="rId6"/>
+                <asvg:svgBlip xmlns:asvg="http://schemas.microsoft.com/office/drawing/2016/SVG/main" r:embed="rId7"/>
               </a:ext>
             </a:extLst>
           </a:blip>
@@ -16480,13 +24231,13 @@
           <p:nvPr/>
         </p:nvPicPr>
         <p:blipFill>
-          <a:blip r:embed="rId5">
+          <a:blip r:embed="rId6">
             <a:extLst>
               <a:ext uri="{28A0092B-C50C-407E-A947-70E740481C1C}">
                 <a14:useLocalDpi xmlns:a14="http://schemas.microsoft.com/office/drawing/2010/main" val="0"/>
               </a:ext>
               <a:ext uri="{96DAC541-7B7A-43D3-8B79-37D633B846F1}">
-                <asvg:svgBlip xmlns:asvg="http://schemas.microsoft.com/office/drawing/2016/SVG/main" r:embed="rId6"/>
+                <asvg:svgBlip xmlns:asvg="http://schemas.microsoft.com/office/drawing/2016/SVG/main" r:embed="rId7"/>
               </a:ext>
             </a:extLst>
           </a:blip>
@@ -16519,13 +24270,13 @@
           <p:nvPr/>
         </p:nvPicPr>
         <p:blipFill>
-          <a:blip r:embed="rId5">
+          <a:blip r:embed="rId6">
             <a:extLst>
               <a:ext uri="{28A0092B-C50C-407E-A947-70E740481C1C}">
                 <a14:useLocalDpi xmlns:a14="http://schemas.microsoft.com/office/drawing/2010/main" val="0"/>
               </a:ext>
               <a:ext uri="{96DAC541-7B7A-43D3-8B79-37D633B846F1}">
-                <asvg:svgBlip xmlns:asvg="http://schemas.microsoft.com/office/drawing/2016/SVG/main" r:embed="rId6"/>
+                <asvg:svgBlip xmlns:asvg="http://schemas.microsoft.com/office/drawing/2016/SVG/main" r:embed="rId7"/>
               </a:ext>
             </a:extLst>
           </a:blip>
@@ -16558,13 +24309,13 @@
           <p:nvPr/>
         </p:nvPicPr>
         <p:blipFill>
-          <a:blip r:embed="rId5">
+          <a:blip r:embed="rId6">
             <a:extLst>
               <a:ext uri="{28A0092B-C50C-407E-A947-70E740481C1C}">
                 <a14:useLocalDpi xmlns:a14="http://schemas.microsoft.com/office/drawing/2010/main" val="0"/>
               </a:ext>
               <a:ext uri="{96DAC541-7B7A-43D3-8B79-37D633B846F1}">
-                <asvg:svgBlip xmlns:asvg="http://schemas.microsoft.com/office/drawing/2016/SVG/main" r:embed="rId6"/>
+                <asvg:svgBlip xmlns:asvg="http://schemas.microsoft.com/office/drawing/2016/SVG/main" r:embed="rId7"/>
               </a:ext>
             </a:extLst>
           </a:blip>
@@ -16597,13 +24348,13 @@
           <p:nvPr/>
         </p:nvPicPr>
         <p:blipFill>
-          <a:blip r:embed="rId5">
+          <a:blip r:embed="rId6">
             <a:extLst>
               <a:ext uri="{28A0092B-C50C-407E-A947-70E740481C1C}">
                 <a14:useLocalDpi xmlns:a14="http://schemas.microsoft.com/office/drawing/2010/main" val="0"/>
               </a:ext>
               <a:ext uri="{96DAC541-7B7A-43D3-8B79-37D633B846F1}">
-                <asvg:svgBlip xmlns:asvg="http://schemas.microsoft.com/office/drawing/2016/SVG/main" r:embed="rId6"/>
+                <asvg:svgBlip xmlns:asvg="http://schemas.microsoft.com/office/drawing/2016/SVG/main" r:embed="rId7"/>
               </a:ext>
             </a:extLst>
           </a:blip>
@@ -16636,13 +24387,13 @@
           <p:nvPr/>
         </p:nvPicPr>
         <p:blipFill>
-          <a:blip r:embed="rId5">
+          <a:blip r:embed="rId6">
             <a:extLst>
               <a:ext uri="{28A0092B-C50C-407E-A947-70E740481C1C}">
                 <a14:useLocalDpi xmlns:a14="http://schemas.microsoft.com/office/drawing/2010/main" val="0"/>
               </a:ext>
               <a:ext uri="{96DAC541-7B7A-43D3-8B79-37D633B846F1}">
-                <asvg:svgBlip xmlns:asvg="http://schemas.microsoft.com/office/drawing/2016/SVG/main" r:embed="rId6"/>
+                <asvg:svgBlip xmlns:asvg="http://schemas.microsoft.com/office/drawing/2016/SVG/main" r:embed="rId7"/>
               </a:ext>
             </a:extLst>
           </a:blip>
@@ -16675,13 +24426,13 @@
           <p:nvPr/>
         </p:nvPicPr>
         <p:blipFill>
-          <a:blip r:embed="rId5">
+          <a:blip r:embed="rId6">
             <a:extLst>
               <a:ext uri="{28A0092B-C50C-407E-A947-70E740481C1C}">
                 <a14:useLocalDpi xmlns:a14="http://schemas.microsoft.com/office/drawing/2010/main" val="0"/>
               </a:ext>
               <a:ext uri="{96DAC541-7B7A-43D3-8B79-37D633B846F1}">
-                <asvg:svgBlip xmlns:asvg="http://schemas.microsoft.com/office/drawing/2016/SVG/main" r:embed="rId6"/>
+                <asvg:svgBlip xmlns:asvg="http://schemas.microsoft.com/office/drawing/2016/SVG/main" r:embed="rId7"/>
               </a:ext>
             </a:extLst>
           </a:blip>
@@ -17417,13 +25168,13 @@
           <p:nvPr/>
         </p:nvPicPr>
         <p:blipFill>
-          <a:blip r:embed="rId2">
+          <a:blip r:embed="rId3">
             <a:extLst>
               <a:ext uri="{28A0092B-C50C-407E-A947-70E740481C1C}">
                 <a14:useLocalDpi xmlns:a14="http://schemas.microsoft.com/office/drawing/2010/main" val="0"/>
               </a:ext>
               <a:ext uri="{96DAC541-7B7A-43D3-8B79-37D633B846F1}">
-                <asvg:svgBlip xmlns:asvg="http://schemas.microsoft.com/office/drawing/2016/SVG/main" r:embed="rId3"/>
+                <asvg:svgBlip xmlns:asvg="http://schemas.microsoft.com/office/drawing/2016/SVG/main" r:embed="rId4"/>
               </a:ext>
             </a:extLst>
           </a:blip>
@@ -17456,13 +25207,13 @@
           <p:nvPr/>
         </p:nvPicPr>
         <p:blipFill>
-          <a:blip r:embed="rId4">
+          <a:blip r:embed="rId5">
             <a:extLst>
               <a:ext uri="{28A0092B-C50C-407E-A947-70E740481C1C}">
                 <a14:useLocalDpi xmlns:a14="http://schemas.microsoft.com/office/drawing/2010/main" val="0"/>
               </a:ext>
               <a:ext uri="{96DAC541-7B7A-43D3-8B79-37D633B846F1}">
-                <asvg:svgBlip xmlns:asvg="http://schemas.microsoft.com/office/drawing/2016/SVG/main" r:embed="rId5"/>
+                <asvg:svgBlip xmlns:asvg="http://schemas.microsoft.com/office/drawing/2016/SVG/main" r:embed="rId6"/>
               </a:ext>
             </a:extLst>
           </a:blip>
@@ -17495,13 +25246,13 @@
           <p:nvPr/>
         </p:nvPicPr>
         <p:blipFill>
-          <a:blip r:embed="rId6">
+          <a:blip r:embed="rId7">
             <a:extLst>
               <a:ext uri="{28A0092B-C50C-407E-A947-70E740481C1C}">
                 <a14:useLocalDpi xmlns:a14="http://schemas.microsoft.com/office/drawing/2010/main" val="0"/>
               </a:ext>
               <a:ext uri="{96DAC541-7B7A-43D3-8B79-37D633B846F1}">
-                <asvg:svgBlip xmlns:asvg="http://schemas.microsoft.com/office/drawing/2016/SVG/main" r:embed="rId7"/>
+                <asvg:svgBlip xmlns:asvg="http://schemas.microsoft.com/office/drawing/2016/SVG/main" r:embed="rId8"/>
               </a:ext>
             </a:extLst>
           </a:blip>
@@ -18507,7 +26258,7 @@
         </p:xfrm>
         <a:graphic>
           <a:graphicData uri="http://schemas.openxmlformats.org/drawingml/2006/diagram">
-            <dgm:relIds xmlns:dgm="http://schemas.openxmlformats.org/drawingml/2006/diagram" xmlns:r="http://schemas.openxmlformats.org/officeDocument/2006/relationships" r:dm="rId2" r:lo="rId3" r:qs="rId4" r:cs="rId5"/>
+            <dgm:relIds xmlns:dgm="http://schemas.openxmlformats.org/drawingml/2006/diagram" xmlns:r="http://schemas.openxmlformats.org/officeDocument/2006/relationships" r:dm="rId3" r:lo="rId4" r:qs="rId5" r:cs="rId6"/>
           </a:graphicData>
         </a:graphic>
       </p:graphicFrame>
@@ -18521,11 +26272,11 @@
   <p:clrMapOvr>
     <a:masterClrMapping/>
   </p:clrMapOvr>
-  <mc:AlternateContent xmlns:mc="http://schemas.openxmlformats.org/markup-compatibility/2006">
-    <mc:Choice xmlns:p14="http://schemas.microsoft.com/office/powerpoint/2010/main" Requires="p14">
+  <mc:AlternateContent xmlns:mc="http://schemas.openxmlformats.org/markup-compatibility/2006" xmlns:p14="http://schemas.microsoft.com/office/powerpoint/2010/main">
+    <mc:Choice Requires="p14">
       <p:transition p14:dur="10"/>
     </mc:Choice>
-    <mc:Fallback>
+    <mc:Fallback xmlns="">
       <p:transition/>
     </mc:Fallback>
   </mc:AlternateContent>
@@ -18905,4 +26656,299 @@
     </a:ext>
   </a:extLst>
 </a:theme>
+</file>
+
+<file path=ppt/theme/theme2.xml><?xml version="1.0" encoding="utf-8"?>
+<a:theme xmlns:a="http://schemas.openxmlformats.org/drawingml/2006/main" name="Office 테마">
+  <a:themeElements>
+    <a:clrScheme name="Office">
+      <a:dk1>
+        <a:sysClr val="windowText" lastClr="000000"/>
+      </a:dk1>
+      <a:lt1>
+        <a:sysClr val="window" lastClr="FFFFFF"/>
+      </a:lt1>
+      <a:dk2>
+        <a:srgbClr val="44546A"/>
+      </a:dk2>
+      <a:lt2>
+        <a:srgbClr val="E7E6E6"/>
+      </a:lt2>
+      <a:accent1>
+        <a:srgbClr val="4472C4"/>
+      </a:accent1>
+      <a:accent2>
+        <a:srgbClr val="ED7D31"/>
+      </a:accent2>
+      <a:accent3>
+        <a:srgbClr val="A5A5A5"/>
+      </a:accent3>
+      <a:accent4>
+        <a:srgbClr val="FFC000"/>
+      </a:accent4>
+      <a:accent5>
+        <a:srgbClr val="5B9BD5"/>
+      </a:accent5>
+      <a:accent6>
+        <a:srgbClr val="70AD47"/>
+      </a:accent6>
+      <a:hlink>
+        <a:srgbClr val="0563C1"/>
+      </a:hlink>
+      <a:folHlink>
+        <a:srgbClr val="954F72"/>
+      </a:folHlink>
+    </a:clrScheme>
+    <a:fontScheme name="Office">
+      <a:majorFont>
+        <a:latin typeface="맑은 고딕" panose="020F0302020204030204"/>
+        <a:ea typeface=""/>
+        <a:cs typeface=""/>
+        <a:font script="Jpan" typeface="游ゴシック Light"/>
+        <a:font script="Hang" typeface="맑은 고딕"/>
+        <a:font script="Hans" typeface="等线 Light"/>
+        <a:font script="Hant" typeface="新細明體"/>
+        <a:font script="Arab" typeface="Times New Roman"/>
+        <a:font script="Hebr" typeface="Times New Roman"/>
+        <a:font script="Thai" typeface="Angsana New"/>
+        <a:font script="Ethi" typeface="Nyala"/>
+        <a:font script="Beng" typeface="Vrinda"/>
+        <a:font script="Gujr" typeface="Shruti"/>
+        <a:font script="Khmr" typeface="MoolBoran"/>
+        <a:font script="Knda" typeface="Tunga"/>
+        <a:font script="Guru" typeface="Raavi"/>
+        <a:font script="Cans" typeface="Euphemia"/>
+        <a:font script="Cher" typeface="Plantagenet Cherokee"/>
+        <a:font script="Yiii" typeface="Microsoft Yi Baiti"/>
+        <a:font script="Tibt" typeface="Microsoft Himalaya"/>
+        <a:font script="Thaa" typeface="MV Boli"/>
+        <a:font script="Deva" typeface="Mangal"/>
+        <a:font script="Telu" typeface="Gautami"/>
+        <a:font script="Taml" typeface="Latha"/>
+        <a:font script="Syrc" typeface="Estrangelo Edessa"/>
+        <a:font script="Orya" typeface="Kalinga"/>
+        <a:font script="Mlym" typeface="Kartika"/>
+        <a:font script="Laoo" typeface="DokChampa"/>
+        <a:font script="Sinh" typeface="Iskoola Pota"/>
+        <a:font script="Mong" typeface="Mongolian Baiti"/>
+        <a:font script="Viet" typeface="Times New Roman"/>
+        <a:font script="Uigh" typeface="Microsoft Uighur"/>
+        <a:font script="Geor" typeface="Sylfaen"/>
+        <a:font script="Armn" typeface="Arial"/>
+        <a:font script="Bugi" typeface="Leelawadee UI"/>
+        <a:font script="Bopo" typeface="Microsoft JhengHei"/>
+        <a:font script="Java" typeface="Javanese Text"/>
+        <a:font script="Lisu" typeface="Segoe UI"/>
+        <a:font script="Mymr" typeface="Myanmar Text"/>
+        <a:font script="Nkoo" typeface="Ebrima"/>
+        <a:font script="Olck" typeface="Nirmala UI"/>
+        <a:font script="Osma" typeface="Ebrima"/>
+        <a:font script="Phag" typeface="Phagspa"/>
+        <a:font script="Syrn" typeface="Estrangelo Edessa"/>
+        <a:font script="Syrj" typeface="Estrangelo Edessa"/>
+        <a:font script="Syre" typeface="Estrangelo Edessa"/>
+        <a:font script="Sora" typeface="Nirmala UI"/>
+        <a:font script="Tale" typeface="Microsoft Tai Le"/>
+        <a:font script="Talu" typeface="Microsoft New Tai Lue"/>
+        <a:font script="Tfng" typeface="Ebrima"/>
+      </a:majorFont>
+      <a:minorFont>
+        <a:latin typeface="맑은 고딕" panose="020F0502020204030204"/>
+        <a:ea typeface=""/>
+        <a:cs typeface=""/>
+        <a:font script="Jpan" typeface="游ゴシック"/>
+        <a:font script="Hang" typeface="맑은 고딕"/>
+        <a:font script="Hans" typeface="等线"/>
+        <a:font script="Hant" typeface="新細明體"/>
+        <a:font script="Arab" typeface="Arial"/>
+        <a:font script="Hebr" typeface="Arial"/>
+        <a:font script="Thai" typeface="Cordia New"/>
+        <a:font script="Ethi" typeface="Nyala"/>
+        <a:font script="Beng" typeface="Vrinda"/>
+        <a:font script="Gujr" typeface="Shruti"/>
+        <a:font script="Khmr" typeface="DaunPenh"/>
+        <a:font script="Knda" typeface="Tunga"/>
+        <a:font script="Guru" typeface="Raavi"/>
+        <a:font script="Cans" typeface="Euphemia"/>
+        <a:font script="Cher" typeface="Plantagenet Cherokee"/>
+        <a:font script="Yiii" typeface="Microsoft Yi Baiti"/>
+        <a:font script="Tibt" typeface="Microsoft Himalaya"/>
+        <a:font script="Thaa" typeface="MV Boli"/>
+        <a:font script="Deva" typeface="Mangal"/>
+        <a:font script="Telu" typeface="Gautami"/>
+        <a:font script="Taml" typeface="Latha"/>
+        <a:font script="Syrc" typeface="Estrangelo Edessa"/>
+        <a:font script="Orya" typeface="Kalinga"/>
+        <a:font script="Mlym" typeface="Kartika"/>
+        <a:font script="Laoo" typeface="DokChampa"/>
+        <a:font script="Sinh" typeface="Iskoola Pota"/>
+        <a:font script="Mong" typeface="Mongolian Baiti"/>
+        <a:font script="Viet" typeface="Arial"/>
+        <a:font script="Uigh" typeface="Microsoft Uighur"/>
+        <a:font script="Geor" typeface="Sylfaen"/>
+        <a:font script="Armn" typeface="Arial"/>
+        <a:font script="Bugi" typeface="Leelawadee UI"/>
+        <a:font script="Bopo" typeface="Microsoft JhengHei"/>
+        <a:font script="Java" typeface="Javanese Text"/>
+        <a:font script="Lisu" typeface="Segoe UI"/>
+        <a:font script="Mymr" typeface="Myanmar Text"/>
+        <a:font script="Nkoo" typeface="Ebrima"/>
+        <a:font script="Olck" typeface="Nirmala UI"/>
+        <a:font script="Osma" typeface="Ebrima"/>
+        <a:font script="Phag" typeface="Phagspa"/>
+        <a:font script="Syrn" typeface="Estrangelo Edessa"/>
+        <a:font script="Syrj" typeface="Estrangelo Edessa"/>
+        <a:font script="Syre" typeface="Estrangelo Edessa"/>
+        <a:font script="Sora" typeface="Nirmala UI"/>
+        <a:font script="Tale" typeface="Microsoft Tai Le"/>
+        <a:font script="Talu" typeface="Microsoft New Tai Lue"/>
+        <a:font script="Tfng" typeface="Ebrima"/>
+      </a:minorFont>
+    </a:fontScheme>
+    <a:fmtScheme name="Office">
+      <a:fillStyleLst>
+        <a:solidFill>
+          <a:schemeClr val="phClr"/>
+        </a:solidFill>
+        <a:gradFill rotWithShape="1">
+          <a:gsLst>
+            <a:gs pos="0">
+              <a:schemeClr val="phClr">
+                <a:lumMod val="110000"/>
+                <a:satMod val="105000"/>
+                <a:tint val="67000"/>
+              </a:schemeClr>
+            </a:gs>
+            <a:gs pos="50000">
+              <a:schemeClr val="phClr">
+                <a:lumMod val="105000"/>
+                <a:satMod val="103000"/>
+                <a:tint val="73000"/>
+              </a:schemeClr>
+            </a:gs>
+            <a:gs pos="100000">
+              <a:schemeClr val="phClr">
+                <a:lumMod val="105000"/>
+                <a:satMod val="109000"/>
+                <a:tint val="81000"/>
+              </a:schemeClr>
+            </a:gs>
+          </a:gsLst>
+          <a:lin ang="5400000" scaled="0"/>
+        </a:gradFill>
+        <a:gradFill rotWithShape="1">
+          <a:gsLst>
+            <a:gs pos="0">
+              <a:schemeClr val="phClr">
+                <a:satMod val="103000"/>
+                <a:lumMod val="102000"/>
+                <a:tint val="94000"/>
+              </a:schemeClr>
+            </a:gs>
+            <a:gs pos="50000">
+              <a:schemeClr val="phClr">
+                <a:satMod val="110000"/>
+                <a:lumMod val="100000"/>
+                <a:shade val="100000"/>
+              </a:schemeClr>
+            </a:gs>
+            <a:gs pos="100000">
+              <a:schemeClr val="phClr">
+                <a:lumMod val="99000"/>
+                <a:satMod val="120000"/>
+                <a:shade val="78000"/>
+              </a:schemeClr>
+            </a:gs>
+          </a:gsLst>
+          <a:lin ang="5400000" scaled="0"/>
+        </a:gradFill>
+      </a:fillStyleLst>
+      <a:lnStyleLst>
+        <a:ln w="6350" cap="flat" cmpd="sng" algn="ctr">
+          <a:solidFill>
+            <a:schemeClr val="phClr"/>
+          </a:solidFill>
+          <a:prstDash val="solid"/>
+          <a:miter lim="800000"/>
+        </a:ln>
+        <a:ln w="12700" cap="flat" cmpd="sng" algn="ctr">
+          <a:solidFill>
+            <a:schemeClr val="phClr"/>
+          </a:solidFill>
+          <a:prstDash val="solid"/>
+          <a:miter lim="800000"/>
+        </a:ln>
+        <a:ln w="19050" cap="flat" cmpd="sng" algn="ctr">
+          <a:solidFill>
+            <a:schemeClr val="phClr"/>
+          </a:solidFill>
+          <a:prstDash val="solid"/>
+          <a:miter lim="800000"/>
+        </a:ln>
+      </a:lnStyleLst>
+      <a:effectStyleLst>
+        <a:effectStyle>
+          <a:effectLst/>
+        </a:effectStyle>
+        <a:effectStyle>
+          <a:effectLst/>
+        </a:effectStyle>
+        <a:effectStyle>
+          <a:effectLst>
+            <a:outerShdw blurRad="57150" dist="19050" dir="5400000" algn="ctr" rotWithShape="0">
+              <a:srgbClr val="000000">
+                <a:alpha val="63000"/>
+              </a:srgbClr>
+            </a:outerShdw>
+          </a:effectLst>
+        </a:effectStyle>
+      </a:effectStyleLst>
+      <a:bgFillStyleLst>
+        <a:solidFill>
+          <a:schemeClr val="phClr"/>
+        </a:solidFill>
+        <a:solidFill>
+          <a:schemeClr val="phClr">
+            <a:tint val="95000"/>
+            <a:satMod val="170000"/>
+          </a:schemeClr>
+        </a:solidFill>
+        <a:gradFill rotWithShape="1">
+          <a:gsLst>
+            <a:gs pos="0">
+              <a:schemeClr val="phClr">
+                <a:tint val="93000"/>
+                <a:satMod val="150000"/>
+                <a:shade val="98000"/>
+                <a:lumMod val="102000"/>
+              </a:schemeClr>
+            </a:gs>
+            <a:gs pos="50000">
+              <a:schemeClr val="phClr">
+                <a:tint val="98000"/>
+                <a:satMod val="130000"/>
+                <a:shade val="90000"/>
+                <a:lumMod val="103000"/>
+              </a:schemeClr>
+            </a:gs>
+            <a:gs pos="100000">
+              <a:schemeClr val="phClr">
+                <a:shade val="63000"/>
+                <a:satMod val="120000"/>
+              </a:schemeClr>
+            </a:gs>
+          </a:gsLst>
+          <a:lin ang="5400000" scaled="0"/>
+        </a:gradFill>
+      </a:bgFillStyleLst>
+    </a:fmtScheme>
+  </a:themeElements>
+  <a:objectDefaults/>
+  <a:extraClrSchemeLst/>
+  <a:extLst>
+    <a:ext uri="{05A4C25C-085E-4340-85A3-A5531E510DB2}">
+      <thm15:themeFamily xmlns:thm15="http://schemas.microsoft.com/office/thememl/2012/main" name="Office Theme" id="{62F939B6-93AF-4DB8-9C6B-D6C7DFDC589F}" vid="{4A3C46E8-61CC-4603-A589-7422A47A8E4A}"/>
+    </a:ext>
+  </a:extLst>
+</a:theme>
 </file>
--- a/infomation/해커톤 IT(그것)팀 PPT.pptx
+++ b/infomation/해커톤 IT(그것)팀 PPT.pptx
@@ -5,7 +5,7 @@
     <p:sldMasterId id="2147483672" r:id="rId1"/>
   </p:sldMasterIdLst>
   <p:notesMasterIdLst>
-    <p:notesMasterId r:id="rId25"/>
+    <p:notesMasterId r:id="rId26"/>
   </p:notesMasterIdLst>
   <p:sldIdLst>
     <p:sldId id="256" r:id="rId2"/>
@@ -18,19 +18,20 @@
     <p:sldId id="263" r:id="rId9"/>
     <p:sldId id="262" r:id="rId10"/>
     <p:sldId id="264" r:id="rId11"/>
-    <p:sldId id="265" r:id="rId12"/>
-    <p:sldId id="274" r:id="rId13"/>
-    <p:sldId id="266" r:id="rId14"/>
-    <p:sldId id="268" r:id="rId15"/>
-    <p:sldId id="267" r:id="rId16"/>
-    <p:sldId id="269" r:id="rId17"/>
-    <p:sldId id="270" r:id="rId18"/>
-    <p:sldId id="271" r:id="rId19"/>
-    <p:sldId id="272" r:id="rId20"/>
-    <p:sldId id="275" r:id="rId21"/>
-    <p:sldId id="276" r:id="rId22"/>
-    <p:sldId id="277" r:id="rId23"/>
+    <p:sldId id="274" r:id="rId12"/>
+    <p:sldId id="266" r:id="rId13"/>
+    <p:sldId id="268" r:id="rId14"/>
+    <p:sldId id="267" r:id="rId15"/>
+    <p:sldId id="269" r:id="rId16"/>
+    <p:sldId id="270" r:id="rId17"/>
+    <p:sldId id="271" r:id="rId18"/>
+    <p:sldId id="272" r:id="rId19"/>
+    <p:sldId id="275" r:id="rId20"/>
+    <p:sldId id="276" r:id="rId21"/>
+    <p:sldId id="277" r:id="rId22"/>
+    <p:sldId id="280" r:id="rId23"/>
     <p:sldId id="278" r:id="rId24"/>
+    <p:sldId id="279" r:id="rId25"/>
   </p:sldIdLst>
   <p:sldSz cx="12192000" cy="6858000"/>
   <p:notesSz cx="6858000" cy="9144000"/>
@@ -12704,7 +12705,7 @@
           <a:p>
             <a:r>
               <a:rPr lang="ko-KR" altLang="en-US" dirty="0"/>
-              <a:t>첫번째 문제는 시간입니다</a:t>
+              <a:t>자동적으로 카페 내부의 사람들의 이동을 어떻게 파악할 것인가 입니다</a:t>
             </a:r>
             <a:r>
               <a:rPr lang="en-US" altLang="ko-KR" dirty="0"/>
@@ -12712,47 +12713,6 @@
             </a:r>
           </a:p>
           <a:p>
-            <a:r>
-              <a:rPr lang="ko-KR" altLang="en-US" dirty="0"/>
-              <a:t>카페를 이용하다 보면 흡연자의 경우 흡연을 하기위해 자리를 비우기도 하고</a:t>
-            </a:r>
-            <a:endParaRPr lang="en-US" altLang="ko-KR" dirty="0"/>
-          </a:p>
-          <a:p>
-            <a:r>
-              <a:rPr lang="ko-KR" altLang="en-US" dirty="0"/>
-              <a:t>화장실을 가기도 하고</a:t>
-            </a:r>
-            <a:r>
-              <a:rPr lang="en-US" altLang="ko-KR" dirty="0"/>
-              <a:t>, </a:t>
-            </a:r>
-            <a:r>
-              <a:rPr lang="ko-KR" altLang="en-US" dirty="0"/>
-              <a:t>누군가는 가까운 거리의 일을 보기 위해 짐을 두고 잠시 나가기도 합니다</a:t>
-            </a:r>
-            <a:r>
-              <a:rPr lang="en-US" altLang="ko-KR" dirty="0"/>
-              <a:t>.</a:t>
-            </a:r>
-          </a:p>
-          <a:p>
-            <a:r>
-              <a:rPr lang="ko-KR" altLang="en-US" dirty="0"/>
-              <a:t>우리는 이것이 완전히 떠난 것인지</a:t>
-            </a:r>
-            <a:r>
-              <a:rPr lang="en-US" altLang="ko-KR" dirty="0"/>
-              <a:t>, </a:t>
-            </a:r>
-            <a:r>
-              <a:rPr lang="ko-KR" altLang="en-US" dirty="0"/>
-              <a:t>잠시 떠난 것인지 해결해야할 문제입니다</a:t>
-            </a:r>
-            <a:r>
-              <a:rPr lang="en-US" altLang="ko-KR" dirty="0"/>
-              <a:t>.</a:t>
-            </a:r>
             <a:endParaRPr lang="ko-KR" altLang="en-US" dirty="0"/>
           </a:p>
         </p:txBody>
@@ -12783,7 +12743,7 @@
     </p:spTree>
     <p:extLst>
       <p:ext uri="{BB962C8B-B14F-4D97-AF65-F5344CB8AC3E}">
-        <p14:creationId xmlns:p14="http://schemas.microsoft.com/office/powerpoint/2010/main" val="527041117"/>
+        <p14:creationId xmlns:p14="http://schemas.microsoft.com/office/powerpoint/2010/main" val="3879306164"/>
       </p:ext>
     </p:extLst>
   </p:cSld>
@@ -12839,7 +12799,7 @@
           <a:p>
             <a:r>
               <a:rPr lang="ko-KR" altLang="en-US" dirty="0"/>
-              <a:t>두번째 자동적으로 카페 내부의 사람들의 이동을 어떻게 파악할 것인가 입니다</a:t>
+              <a:t>해결을 위해서 많은 생각들을 했습니다</a:t>
             </a:r>
             <a:r>
               <a:rPr lang="en-US" altLang="ko-KR" dirty="0"/>
@@ -12847,7 +12807,108 @@
             </a:r>
           </a:p>
           <a:p>
-            <a:endParaRPr lang="ko-KR" altLang="en-US" dirty="0"/>
+            <a:r>
+              <a:rPr lang="ko-KR" altLang="en-US" dirty="0"/>
+              <a:t>첫번쨰로는 가장 쉬운 근무자가 직접 확인하는 것인데 매우 비효율적이며</a:t>
+            </a:r>
+            <a:r>
+              <a:rPr lang="en-US" altLang="ko-KR" dirty="0"/>
+              <a:t>, </a:t>
+            </a:r>
+            <a:r>
+              <a:rPr lang="ko-KR" altLang="en-US" dirty="0"/>
+              <a:t>자동화도 아닙니다</a:t>
+            </a:r>
+            <a:r>
+              <a:rPr lang="en-US" altLang="ko-KR" dirty="0"/>
+              <a:t>.</a:t>
+            </a:r>
+          </a:p>
+          <a:p>
+            <a:r>
+              <a:rPr lang="ko-KR" altLang="en-US" dirty="0" err="1"/>
+              <a:t>두번쨰로는</a:t>
+            </a:r>
+            <a:r>
+              <a:rPr lang="ko-KR" altLang="en-US" dirty="0"/>
+              <a:t> 무게센서를 이용하고자 했습니다</a:t>
+            </a:r>
+            <a:r>
+              <a:rPr lang="en-US" altLang="ko-KR" dirty="0"/>
+              <a:t>. </a:t>
+            </a:r>
+            <a:r>
+              <a:rPr lang="ko-KR" altLang="en-US" dirty="0"/>
+              <a:t>하지만 좌석에 가방과 같은 짐을 두는 것과 이용자의 일시적 </a:t>
+            </a:r>
+            <a:r>
+              <a:rPr lang="ko-KR" altLang="en-US" dirty="0" err="1"/>
+              <a:t>자리비움</a:t>
+            </a:r>
+            <a:r>
+              <a:rPr lang="ko-KR" altLang="en-US" dirty="0"/>
+              <a:t> 등을 구별하기에는 매우 효과적이지 못했습니다</a:t>
+            </a:r>
+            <a:r>
+              <a:rPr lang="en-US" altLang="ko-KR" dirty="0"/>
+              <a:t>.</a:t>
+            </a:r>
+          </a:p>
+          <a:p>
+            <a:r>
+              <a:rPr lang="ko-KR" altLang="en-US" dirty="0" err="1"/>
+              <a:t>세번쨰로는</a:t>
+            </a:r>
+            <a:r>
+              <a:rPr lang="ko-KR" altLang="en-US" dirty="0"/>
+              <a:t> 도서관과 비슷하게 프린트로 좌석을 안내하는 것인데</a:t>
+            </a:r>
+            <a:r>
+              <a:rPr lang="en-US" altLang="ko-KR" dirty="0"/>
+              <a:t>, </a:t>
+            </a:r>
+            <a:r>
+              <a:rPr lang="ko-KR" altLang="en-US" dirty="0"/>
+              <a:t>이것도 이용자 입장에서는 매우 불편하며 자리이동을 </a:t>
+            </a:r>
+            <a:r>
+              <a:rPr lang="ko-KR" altLang="en-US" dirty="0" err="1"/>
+              <a:t>처리할때도</a:t>
+            </a:r>
+            <a:r>
+              <a:rPr lang="ko-KR" altLang="en-US" dirty="0"/>
+              <a:t> 비효율적입니다</a:t>
+            </a:r>
+            <a:r>
+              <a:rPr lang="en-US" altLang="ko-KR" dirty="0"/>
+              <a:t>.</a:t>
+            </a:r>
+          </a:p>
+          <a:p>
+            <a:r>
+              <a:rPr lang="ko-KR" altLang="en-US" dirty="0"/>
+              <a:t>마지막 영상처리 기술을 통한 방법입니다</a:t>
+            </a:r>
+            <a:r>
+              <a:rPr lang="en-US" altLang="ko-KR" dirty="0"/>
+              <a:t>. </a:t>
+            </a:r>
+            <a:r>
+              <a:rPr lang="ko-KR" altLang="en-US" dirty="0"/>
+              <a:t>우선 나쁘지 않은 방법이지만 뭔가 더 좋은 방법이 있지 않을까</a:t>
+            </a:r>
+            <a:r>
+              <a:rPr lang="en-US" altLang="ko-KR" dirty="0"/>
+              <a:t>…. </a:t>
+            </a:r>
+            <a:r>
+              <a:rPr lang="ko-KR" altLang="en-US" dirty="0"/>
+              <a:t>생각을 하게 되었습니다</a:t>
+            </a:r>
+            <a:r>
+              <a:rPr lang="en-US" altLang="ko-KR" dirty="0"/>
+              <a:t>.</a:t>
+            </a:r>
           </a:p>
         </p:txBody>
       </p:sp>
@@ -12877,7 +12938,7 @@
     </p:spTree>
     <p:extLst>
       <p:ext uri="{BB962C8B-B14F-4D97-AF65-F5344CB8AC3E}">
-        <p14:creationId xmlns:p14="http://schemas.microsoft.com/office/powerpoint/2010/main" val="3879306164"/>
+        <p14:creationId xmlns:p14="http://schemas.microsoft.com/office/powerpoint/2010/main" val="613198209"/>
       </p:ext>
     </p:extLst>
   </p:cSld>
@@ -12933,116 +12994,21 @@
           <a:p>
             <a:r>
               <a:rPr lang="ko-KR" altLang="en-US" dirty="0"/>
-              <a:t>해결을 위해서 많은 생각들을 했습니다</a:t>
+              <a:t>그래서 </a:t>
+            </a:r>
+            <a:r>
+              <a:rPr lang="en-US" altLang="ko-KR" dirty="0"/>
+              <a:t>3</a:t>
+            </a:r>
+            <a:r>
+              <a:rPr lang="ko-KR" altLang="en-US" dirty="0"/>
+              <a:t>번째 노랑색영역 보완에서 그 더 나은 방법에 대해서 말씀드립니다</a:t>
             </a:r>
             <a:r>
               <a:rPr lang="en-US" altLang="ko-KR" dirty="0"/>
               <a:t>.</a:t>
             </a:r>
-          </a:p>
-          <a:p>
-            <a:r>
-              <a:rPr lang="ko-KR" altLang="en-US" dirty="0"/>
-              <a:t>첫번쨰로는 가장 쉬운 근무자가 직접 확인하는 것인데 매우 비효율적이며</a:t>
-            </a:r>
-            <a:r>
-              <a:rPr lang="en-US" altLang="ko-KR" dirty="0"/>
-              <a:t>, </a:t>
-            </a:r>
-            <a:r>
-              <a:rPr lang="ko-KR" altLang="en-US" dirty="0"/>
-              <a:t>자동화도 아닙니다</a:t>
-            </a:r>
-            <a:r>
-              <a:rPr lang="en-US" altLang="ko-KR" dirty="0"/>
-              <a:t>.</a:t>
-            </a:r>
-          </a:p>
-          <a:p>
-            <a:r>
-              <a:rPr lang="ko-KR" altLang="en-US" dirty="0" err="1"/>
-              <a:t>두번쨰로는</a:t>
-            </a:r>
-            <a:r>
-              <a:rPr lang="ko-KR" altLang="en-US" dirty="0"/>
-              <a:t> 무게센서를 이용하고자 했습니다</a:t>
-            </a:r>
-            <a:r>
-              <a:rPr lang="en-US" altLang="ko-KR" dirty="0"/>
-              <a:t>. </a:t>
-            </a:r>
-            <a:r>
-              <a:rPr lang="ko-KR" altLang="en-US" dirty="0"/>
-              <a:t>하지만 좌석에 가방과 같은 짐을 두는 것과 이용자의 일시적 </a:t>
-            </a:r>
-            <a:r>
-              <a:rPr lang="ko-KR" altLang="en-US" dirty="0" err="1"/>
-              <a:t>자리비움</a:t>
-            </a:r>
-            <a:r>
-              <a:rPr lang="ko-KR" altLang="en-US" dirty="0"/>
-              <a:t> 등을 구별하기에는 매우 효과적이지 못했습니다</a:t>
-            </a:r>
-            <a:r>
-              <a:rPr lang="en-US" altLang="ko-KR" dirty="0"/>
-              <a:t>.</a:t>
-            </a:r>
-          </a:p>
-          <a:p>
-            <a:r>
-              <a:rPr lang="ko-KR" altLang="en-US" dirty="0" err="1"/>
-              <a:t>세번쨰로는</a:t>
-            </a:r>
-            <a:r>
-              <a:rPr lang="ko-KR" altLang="en-US" dirty="0"/>
-              <a:t> 도서관과 비슷하게 프린트로 좌석을 안내하는 것인데</a:t>
-            </a:r>
-            <a:r>
-              <a:rPr lang="en-US" altLang="ko-KR" dirty="0"/>
-              <a:t>, </a:t>
-            </a:r>
-            <a:r>
-              <a:rPr lang="ko-KR" altLang="en-US" dirty="0"/>
-              <a:t>이것도 이용자 입장에서는 매우 불편하며 자리이동을 </a:t>
-            </a:r>
-            <a:r>
-              <a:rPr lang="ko-KR" altLang="en-US" dirty="0" err="1"/>
-              <a:t>처리할때도</a:t>
-            </a:r>
-            <a:r>
-              <a:rPr lang="ko-KR" altLang="en-US" dirty="0"/>
-              <a:t> 비효율적입니다</a:t>
-            </a:r>
-            <a:r>
-              <a:rPr lang="en-US" altLang="ko-KR" dirty="0"/>
-              <a:t>.</a:t>
-            </a:r>
-          </a:p>
-          <a:p>
-            <a:r>
-              <a:rPr lang="ko-KR" altLang="en-US" dirty="0"/>
-              <a:t>마지막 영상처리 기술을 통한 방법입니다</a:t>
-            </a:r>
-            <a:r>
-              <a:rPr lang="en-US" altLang="ko-KR" dirty="0"/>
-              <a:t>. </a:t>
-            </a:r>
-            <a:r>
-              <a:rPr lang="ko-KR" altLang="en-US" dirty="0"/>
-              <a:t>우선 나쁘지 않은 방법이지만 뭔가 더 좋은 방법이 있지 않을까</a:t>
-            </a:r>
-            <a:r>
-              <a:rPr lang="en-US" altLang="ko-KR" dirty="0"/>
-              <a:t>…. </a:t>
-            </a:r>
-            <a:r>
-              <a:rPr lang="ko-KR" altLang="en-US" dirty="0"/>
-              <a:t>생각을 하게 되었습니다</a:t>
-            </a:r>
-            <a:r>
-              <a:rPr lang="en-US" altLang="ko-KR" dirty="0"/>
-              <a:t>.</a:t>
-            </a:r>
+            <a:endParaRPr lang="ko-KR" altLang="en-US" dirty="0"/>
           </a:p>
         </p:txBody>
       </p:sp>
@@ -13072,7 +13038,7 @@
     </p:spTree>
     <p:extLst>
       <p:ext uri="{BB962C8B-B14F-4D97-AF65-F5344CB8AC3E}">
-        <p14:creationId xmlns:p14="http://schemas.microsoft.com/office/powerpoint/2010/main" val="613198209"/>
+        <p14:creationId xmlns:p14="http://schemas.microsoft.com/office/powerpoint/2010/main" val="2603625629"/>
       </p:ext>
     </p:extLst>
   </p:cSld>
@@ -13128,19 +13094,11 @@
           <a:p>
             <a:r>
               <a:rPr lang="ko-KR" altLang="en-US" dirty="0"/>
-              <a:t>그래서 </a:t>
+              <a:t>영상보다는 좀 더 간단하고 좌석현황과 내부의 이동을 구별하기 좋은 방법이 있을까 </a:t>
             </a:r>
             <a:r>
               <a:rPr lang="en-US" altLang="ko-KR" dirty="0"/>
-              <a:t>3</a:t>
-            </a:r>
-            <a:r>
-              <a:rPr lang="ko-KR" altLang="en-US" dirty="0"/>
-              <a:t>번째 노랑색영역 보완에서 그 더 나은 방법에 대해서 말씀드립니다</a:t>
-            </a:r>
-            <a:r>
-              <a:rPr lang="en-US" altLang="ko-KR" dirty="0"/>
-              <a:t>.</a:t>
+              <a:t>?</a:t>
             </a:r>
             <a:endParaRPr lang="ko-KR" altLang="en-US" dirty="0"/>
           </a:p>
@@ -13172,7 +13130,7 @@
     </p:spTree>
     <p:extLst>
       <p:ext uri="{BB962C8B-B14F-4D97-AF65-F5344CB8AC3E}">
-        <p14:creationId xmlns:p14="http://schemas.microsoft.com/office/powerpoint/2010/main" val="2603625629"/>
+        <p14:creationId xmlns:p14="http://schemas.microsoft.com/office/powerpoint/2010/main" val="2920299884"/>
       </p:ext>
     </p:extLst>
   </p:cSld>
@@ -13228,11 +13186,39 @@
           <a:p>
             <a:r>
               <a:rPr lang="ko-KR" altLang="en-US" dirty="0"/>
-              <a:t>영상보다는 좀 더 간단하고 좌석현황과 내부의 이동을 구별하기 좋은 방법이 있을까 </a:t>
+              <a:t>저희 팀은 그것이 </a:t>
             </a:r>
             <a:r>
               <a:rPr lang="en-US" altLang="ko-KR" dirty="0"/>
-              <a:t>?</a:t>
+              <a:t>RFID</a:t>
+            </a:r>
+            <a:r>
+              <a:rPr lang="ko-KR" altLang="en-US" dirty="0"/>
+              <a:t>를 그 해답이라고 생각했습니다</a:t>
+            </a:r>
+            <a:r>
+              <a:rPr lang="en-US" altLang="ko-KR" dirty="0"/>
+              <a:t>.</a:t>
+            </a:r>
+          </a:p>
+          <a:p>
+            <a:r>
+              <a:rPr lang="ko-KR" altLang="en-US" dirty="0"/>
+              <a:t>칩의 크기도 다양하게 출시되어 있는 상황이고 그렇기에 매우 작은 크기의 칩도 쉽게 구할 수 있습니다</a:t>
+            </a:r>
+            <a:r>
+              <a:rPr lang="en-US" altLang="ko-KR" dirty="0"/>
+              <a:t>.</a:t>
+            </a:r>
+          </a:p>
+          <a:p>
+            <a:r>
+              <a:rPr lang="ko-KR" altLang="en-US" dirty="0"/>
+              <a:t>또한 관리에 대해서도 비교적 접근이 편한 방법이라고 생각됩니다</a:t>
+            </a:r>
+            <a:r>
+              <a:rPr lang="en-US" altLang="ko-KR" dirty="0"/>
+              <a:t>.</a:t>
             </a:r>
             <a:endParaRPr lang="ko-KR" altLang="en-US" dirty="0"/>
           </a:p>
@@ -13264,7 +13250,7 @@
     </p:spTree>
     <p:extLst>
       <p:ext uri="{BB962C8B-B14F-4D97-AF65-F5344CB8AC3E}">
-        <p14:creationId xmlns:p14="http://schemas.microsoft.com/office/powerpoint/2010/main" val="2920299884"/>
+        <p14:creationId xmlns:p14="http://schemas.microsoft.com/office/powerpoint/2010/main" val="3609923037"/>
       </p:ext>
     </p:extLst>
   </p:cSld>
@@ -13320,7 +13306,7 @@
           <a:p>
             <a:r>
               <a:rPr lang="ko-KR" altLang="en-US" dirty="0"/>
-              <a:t>저희 팀은 그것이 </a:t>
+              <a:t>그렇다면 이 </a:t>
             </a:r>
             <a:r>
               <a:rPr lang="en-US" altLang="ko-KR" dirty="0"/>
@@ -13328,7 +13314,7 @@
             </a:r>
             <a:r>
               <a:rPr lang="ko-KR" altLang="en-US" dirty="0"/>
-              <a:t>를 그 해답이라고 생각했습니다</a:t>
+              <a:t>를 어떻게 카페에 적용시키는가 입니다</a:t>
             </a:r>
             <a:r>
               <a:rPr lang="en-US" altLang="ko-KR" dirty="0"/>
@@ -13338,7 +13324,15 @@
           <a:p>
             <a:r>
               <a:rPr lang="ko-KR" altLang="en-US" dirty="0"/>
-              <a:t>칩의 크기도 다양하게 출시되어 있는 상황이고 그렇기에 매우 작은 크기의 칩도 쉽게 구할 수 있습니다</a:t>
+              <a:t>저희는 컵에 </a:t>
+            </a:r>
+            <a:r>
+              <a:rPr lang="en-US" altLang="ko-KR" dirty="0"/>
+              <a:t>RFID</a:t>
+            </a:r>
+            <a:r>
+              <a:rPr lang="ko-KR" altLang="en-US" dirty="0"/>
+              <a:t>를 장착하는 방법을 해결방안으로 제시하고자 합니다</a:t>
             </a:r>
             <a:r>
               <a:rPr lang="en-US" altLang="ko-KR" dirty="0"/>
@@ -13348,13 +13342,24 @@
           <a:p>
             <a:r>
               <a:rPr lang="ko-KR" altLang="en-US" dirty="0"/>
-              <a:t>또한 관리에 대해서도 비교적 접근이 편한 방법이라고 생각됩니다</a:t>
+              <a:t>컵에 고유한 아이디를 가지는 </a:t>
+            </a:r>
+            <a:r>
+              <a:rPr lang="en-US" altLang="ko-KR" dirty="0"/>
+              <a:t>RFID</a:t>
+            </a:r>
+            <a:r>
+              <a:rPr lang="ko-KR" altLang="en-US" dirty="0"/>
+              <a:t>칩을 내장 혹은 부착하여 제공하는 것입니다</a:t>
             </a:r>
             <a:r>
               <a:rPr lang="en-US" altLang="ko-KR" dirty="0"/>
               <a:t>.</a:t>
             </a:r>
-            <a:endParaRPr lang="ko-KR" altLang="en-US" dirty="0"/>
+            <a:r>
+              <a:rPr lang="ko-KR" altLang="en-US" dirty="0"/>
+              <a:t> </a:t>
+            </a:r>
           </a:p>
         </p:txBody>
       </p:sp>
@@ -13384,7 +13389,7 @@
     </p:spTree>
     <p:extLst>
       <p:ext uri="{BB962C8B-B14F-4D97-AF65-F5344CB8AC3E}">
-        <p14:creationId xmlns:p14="http://schemas.microsoft.com/office/powerpoint/2010/main" val="3609923037"/>
+        <p14:creationId xmlns:p14="http://schemas.microsoft.com/office/powerpoint/2010/main" val="3770846655"/>
       </p:ext>
     </p:extLst>
   </p:cSld>
@@ -13440,7 +13445,7 @@
           <a:p>
             <a:r>
               <a:rPr lang="ko-KR" altLang="en-US" dirty="0"/>
-              <a:t>그렇다면 이 </a:t>
+              <a:t>그리하여 테이블마다 설치된 </a:t>
             </a:r>
             <a:r>
               <a:rPr lang="en-US" altLang="ko-KR" dirty="0"/>
@@ -13448,7 +13453,7 @@
             </a:r>
             <a:r>
               <a:rPr lang="ko-KR" altLang="en-US" dirty="0"/>
-              <a:t>를 어떻게 카페에 적용시키는가 입니다</a:t>
+              <a:t>센서와 만나 반응하게 되고 이에 대한 정보를 카운터와 컴퓨터에 보내어 감지합니다</a:t>
             </a:r>
             <a:r>
               <a:rPr lang="en-US" altLang="ko-KR" dirty="0"/>
@@ -13456,44 +13461,7 @@
             </a:r>
           </a:p>
           <a:p>
-            <a:r>
-              <a:rPr lang="ko-KR" altLang="en-US" dirty="0"/>
-              <a:t>저희는 컵에 </a:t>
-            </a:r>
-            <a:r>
-              <a:rPr lang="en-US" altLang="ko-KR" dirty="0"/>
-              <a:t>RFID</a:t>
-            </a:r>
-            <a:r>
-              <a:rPr lang="ko-KR" altLang="en-US" dirty="0"/>
-              <a:t>를 장착하는 방법을 해결방안으로 제시하고자 합니다</a:t>
-            </a:r>
-            <a:r>
-              <a:rPr lang="en-US" altLang="ko-KR" dirty="0"/>
-              <a:t>.</a:t>
-            </a:r>
-          </a:p>
-          <a:p>
-            <a:r>
-              <a:rPr lang="ko-KR" altLang="en-US" dirty="0"/>
-              <a:t>컵에 고유한 아이디를 가지는 </a:t>
-            </a:r>
-            <a:r>
-              <a:rPr lang="en-US" altLang="ko-KR" dirty="0"/>
-              <a:t>RFID</a:t>
-            </a:r>
-            <a:r>
-              <a:rPr lang="ko-KR" altLang="en-US" dirty="0"/>
-              <a:t>칩을 내장 혹은 부착하여 제공하는 것입니다</a:t>
-            </a:r>
-            <a:r>
-              <a:rPr lang="en-US" altLang="ko-KR" dirty="0"/>
-              <a:t>.</a:t>
-            </a:r>
-            <a:r>
-              <a:rPr lang="ko-KR" altLang="en-US" dirty="0"/>
-              <a:t> </a:t>
-            </a:r>
+            <a:endParaRPr lang="ko-KR" altLang="en-US" dirty="0"/>
           </a:p>
         </p:txBody>
       </p:sp>
@@ -13523,7 +13491,7 @@
     </p:spTree>
     <p:extLst>
       <p:ext uri="{BB962C8B-B14F-4D97-AF65-F5344CB8AC3E}">
-        <p14:creationId xmlns:p14="http://schemas.microsoft.com/office/powerpoint/2010/main" val="3770846655"/>
+        <p14:creationId xmlns:p14="http://schemas.microsoft.com/office/powerpoint/2010/main" val="1318303960"/>
       </p:ext>
     </p:extLst>
   </p:cSld>
@@ -13579,7 +13547,7 @@
           <a:p>
             <a:r>
               <a:rPr lang="ko-KR" altLang="en-US" dirty="0"/>
-              <a:t>그리하여 테이블마다 설치된 </a:t>
+              <a:t>그렇다면 자리이동에 대해서는 </a:t>
             </a:r>
             <a:r>
               <a:rPr lang="en-US" altLang="ko-KR" dirty="0"/>
@@ -13587,14 +13555,77 @@
             </a:r>
             <a:r>
               <a:rPr lang="ko-KR" altLang="en-US" dirty="0"/>
-              <a:t>센서와 만나 반응하게 되고 이에 대한 정보를 카운터와 컴퓨터에 보내어 감지합니다</a:t>
+              <a:t>로 어떻게 보완할까요</a:t>
+            </a:r>
+            <a:r>
+              <a:rPr lang="en-US" altLang="ko-KR" dirty="0"/>
+              <a:t>?</a:t>
+            </a:r>
+          </a:p>
+          <a:p>
+            <a:r>
+              <a:rPr lang="ko-KR" altLang="en-US" dirty="0"/>
+              <a:t>앞에서 </a:t>
+            </a:r>
+            <a:r>
+              <a:rPr lang="ko-KR" altLang="en-US" dirty="0" err="1"/>
+              <a:t>말씀드린대로</a:t>
+            </a:r>
+            <a:r>
+              <a:rPr lang="ko-KR" altLang="en-US" dirty="0"/>
+              <a:t> </a:t>
+            </a:r>
+            <a:r>
+              <a:rPr lang="en-US" altLang="ko-KR" dirty="0"/>
+              <a:t>RFID</a:t>
+            </a:r>
+            <a:r>
+              <a:rPr lang="ko-KR" altLang="en-US" dirty="0"/>
+              <a:t>의 고유한 </a:t>
+            </a:r>
+            <a:r>
+              <a:rPr lang="en-US" altLang="ko-KR" dirty="0"/>
+              <a:t>ID</a:t>
+            </a:r>
+            <a:r>
+              <a:rPr lang="ko-KR" altLang="en-US" dirty="0"/>
+              <a:t>를 토대로 </a:t>
+            </a:r>
+            <a:r>
+              <a:rPr lang="en-US" altLang="ko-KR" dirty="0"/>
+              <a:t>A~D</a:t>
+            </a:r>
+            <a:r>
+              <a:rPr lang="ko-KR" altLang="en-US" dirty="0"/>
+              <a:t>로 이동하여도 각 테이블마다의 센서가 컵의 </a:t>
+            </a:r>
+            <a:r>
+              <a:rPr lang="en-US" altLang="ko-KR" dirty="0"/>
+              <a:t>RFID</a:t>
+            </a:r>
+            <a:r>
+              <a:rPr lang="ko-KR" altLang="en-US" dirty="0"/>
+              <a:t>를 인지하여</a:t>
+            </a:r>
+            <a:endParaRPr lang="en-US" altLang="ko-KR" dirty="0"/>
+          </a:p>
+          <a:p>
+            <a:r>
+              <a:rPr lang="ko-KR" altLang="en-US" dirty="0"/>
+              <a:t>이전의 좌석의 신호를 끊고 새로운 좌석의 신호를 </a:t>
+            </a:r>
+            <a:r>
+              <a:rPr lang="ko-KR" altLang="en-US" dirty="0" err="1"/>
+              <a:t>받아드림으로써</a:t>
+            </a:r>
+            <a:r>
+              <a:rPr lang="ko-KR" altLang="en-US" dirty="0"/>
+              <a:t> 실시간으로 정보를 보내는 것입니다</a:t>
             </a:r>
             <a:r>
               <a:rPr lang="en-US" altLang="ko-KR" dirty="0"/>
               <a:t>.</a:t>
             </a:r>
-          </a:p>
-          <a:p>
             <a:endParaRPr lang="ko-KR" altLang="en-US" dirty="0"/>
           </a:p>
         </p:txBody>
@@ -13625,7 +13656,7 @@
     </p:spTree>
     <p:extLst>
       <p:ext uri="{BB962C8B-B14F-4D97-AF65-F5344CB8AC3E}">
-        <p14:creationId xmlns:p14="http://schemas.microsoft.com/office/powerpoint/2010/main" val="1318303960"/>
+        <p14:creationId xmlns:p14="http://schemas.microsoft.com/office/powerpoint/2010/main" val="2017290037"/>
       </p:ext>
     </p:extLst>
   </p:cSld>
@@ -13681,85 +13712,14 @@
           <a:p>
             <a:r>
               <a:rPr lang="ko-KR" altLang="en-US" dirty="0"/>
-              <a:t>그렇다면 자리이동에 대해서는 </a:t>
+              <a:t>이제는 마지막 초록색영역 구현의 차례입니다</a:t>
             </a:r>
             <a:r>
               <a:rPr lang="en-US" altLang="ko-KR" dirty="0"/>
-              <a:t>RFID</a:t>
-            </a:r>
-            <a:r>
-              <a:rPr lang="ko-KR" altLang="en-US" dirty="0"/>
-              <a:t>로 어떻게 보완할까요</a:t>
-            </a:r>
-            <a:r>
-              <a:rPr lang="en-US" altLang="ko-KR" dirty="0"/>
-              <a:t>?</a:t>
+              <a:t>.</a:t>
             </a:r>
           </a:p>
           <a:p>
-            <a:r>
-              <a:rPr lang="ko-KR" altLang="en-US" dirty="0"/>
-              <a:t>앞에서 </a:t>
-            </a:r>
-            <a:r>
-              <a:rPr lang="ko-KR" altLang="en-US" dirty="0" err="1"/>
-              <a:t>말씀드린대로</a:t>
-            </a:r>
-            <a:r>
-              <a:rPr lang="ko-KR" altLang="en-US" dirty="0"/>
-              <a:t> </a:t>
-            </a:r>
-            <a:r>
-              <a:rPr lang="en-US" altLang="ko-KR" dirty="0"/>
-              <a:t>RFID</a:t>
-            </a:r>
-            <a:r>
-              <a:rPr lang="ko-KR" altLang="en-US" dirty="0"/>
-              <a:t>의 고유한 </a:t>
-            </a:r>
-            <a:r>
-              <a:rPr lang="en-US" altLang="ko-KR" dirty="0"/>
-              <a:t>ID</a:t>
-            </a:r>
-            <a:r>
-              <a:rPr lang="ko-KR" altLang="en-US" dirty="0"/>
-              <a:t>를 토대로 </a:t>
-            </a:r>
-            <a:r>
-              <a:rPr lang="en-US" altLang="ko-KR" dirty="0"/>
-              <a:t>A~D</a:t>
-            </a:r>
-            <a:r>
-              <a:rPr lang="ko-KR" altLang="en-US" dirty="0"/>
-              <a:t>로 이동하여도 각 테이블마다의 센서가 컵의 </a:t>
-            </a:r>
-            <a:r>
-              <a:rPr lang="en-US" altLang="ko-KR" dirty="0"/>
-              <a:t>RFID</a:t>
-            </a:r>
-            <a:r>
-              <a:rPr lang="ko-KR" altLang="en-US" dirty="0"/>
-              <a:t>를 인지하여</a:t>
-            </a:r>
-            <a:endParaRPr lang="en-US" altLang="ko-KR" dirty="0"/>
-          </a:p>
-          <a:p>
-            <a:r>
-              <a:rPr lang="ko-KR" altLang="en-US" dirty="0"/>
-              <a:t>이전의 좌석의 신호를 끊고 새로운 좌석의 신호를 </a:t>
-            </a:r>
-            <a:r>
-              <a:rPr lang="ko-KR" altLang="en-US" dirty="0" err="1"/>
-              <a:t>받아드림으로써</a:t>
-            </a:r>
-            <a:r>
-              <a:rPr lang="ko-KR" altLang="en-US" dirty="0"/>
-              <a:t> 실시간으로 정보를 보내는 것입니다</a:t>
-            </a:r>
-            <a:r>
-              <a:rPr lang="en-US" altLang="ko-KR" dirty="0"/>
-              <a:t>.</a:t>
-            </a:r>
             <a:endParaRPr lang="ko-KR" altLang="en-US" dirty="0"/>
           </a:p>
         </p:txBody>
@@ -13790,7 +13750,7 @@
     </p:spTree>
     <p:extLst>
       <p:ext uri="{BB962C8B-B14F-4D97-AF65-F5344CB8AC3E}">
-        <p14:creationId xmlns:p14="http://schemas.microsoft.com/office/powerpoint/2010/main" val="2017290037"/>
+        <p14:creationId xmlns:p14="http://schemas.microsoft.com/office/powerpoint/2010/main" val="728784439"/>
       </p:ext>
     </p:extLst>
   </p:cSld>
@@ -13996,7 +13956,7 @@
           <a:p>
             <a:r>
               <a:rPr lang="ko-KR" altLang="en-US" dirty="0"/>
-              <a:t>이제는 마지막 초록색영역 구현의 차례입니다</a:t>
+              <a:t>목적과 문제점인식 그리고 보완도 중요하지만 이것들을 실현시킬 구현의 단계가 가장 중요하다고 생각됩니다</a:t>
             </a:r>
             <a:r>
               <a:rPr lang="en-US" altLang="ko-KR" dirty="0"/>
@@ -14004,6 +13964,48 @@
             </a:r>
           </a:p>
           <a:p>
+            <a:r>
+              <a:rPr lang="ko-KR" altLang="en-US" dirty="0"/>
+              <a:t>구현의 세부적인 단계는</a:t>
+            </a:r>
+            <a:endParaRPr lang="en-US" altLang="ko-KR" dirty="0"/>
+          </a:p>
+          <a:p>
+            <a:pPr marL="228600" indent="-228600">
+              <a:buAutoNum type="arabicPeriod"/>
+            </a:pPr>
+            <a:r>
+              <a:rPr lang="en-US" altLang="ko-KR" dirty="0"/>
+              <a:t>RFID</a:t>
+            </a:r>
+            <a:r>
+              <a:rPr lang="ko-KR" altLang="en-US" dirty="0"/>
+              <a:t>센서와 칩의 반응구현</a:t>
+            </a:r>
+            <a:endParaRPr lang="en-US" altLang="ko-KR" dirty="0"/>
+          </a:p>
+          <a:p>
+            <a:pPr marL="228600" indent="-228600">
+              <a:buAutoNum type="arabicPeriod"/>
+            </a:pPr>
+            <a:r>
+              <a:rPr lang="ko-KR" altLang="en-US" dirty="0"/>
+              <a:t>컴퓨터에 연동구현</a:t>
+            </a:r>
+            <a:endParaRPr lang="en-US" altLang="ko-KR" dirty="0"/>
+          </a:p>
+          <a:p>
+            <a:pPr marL="228600" indent="-228600">
+              <a:buAutoNum type="arabicPeriod"/>
+            </a:pPr>
+            <a:r>
+              <a:rPr lang="ko-KR" altLang="en-US" dirty="0"/>
+              <a:t>프로그래밍 구현 입니다</a:t>
+            </a:r>
+            <a:r>
+              <a:rPr lang="en-US" altLang="ko-KR" dirty="0"/>
+              <a:t>.</a:t>
+            </a:r>
             <a:endParaRPr lang="ko-KR" altLang="en-US" dirty="0"/>
           </a:p>
         </p:txBody>
@@ -14034,7 +14036,7 @@
     </p:spTree>
     <p:extLst>
       <p:ext uri="{BB962C8B-B14F-4D97-AF65-F5344CB8AC3E}">
-        <p14:creationId xmlns:p14="http://schemas.microsoft.com/office/powerpoint/2010/main" val="728784439"/>
+        <p14:creationId xmlns:p14="http://schemas.microsoft.com/office/powerpoint/2010/main" val="1969195512"/>
       </p:ext>
     </p:extLst>
   </p:cSld>
@@ -14090,51 +14092,27 @@
           <a:p>
             <a:r>
               <a:rPr lang="ko-KR" altLang="en-US" dirty="0"/>
-              <a:t>목적과 문제점인식 그리고 보완도 중요하지만 이것들을 실현시킬 구현의 단계가 가장 중요하다고 생각됩니다</a:t>
-            </a:r>
-            <a:r>
-              <a:rPr lang="en-US" altLang="ko-KR" dirty="0"/>
-              <a:t>.</a:t>
-            </a:r>
-          </a:p>
-          <a:p>
+              <a:t>저희는 </a:t>
+            </a:r>
+            <a:r>
+              <a:rPr lang="ko-KR" altLang="en-US" dirty="0" err="1"/>
+              <a:t>아두이너와</a:t>
+            </a:r>
             <a:r>
               <a:rPr lang="ko-KR" altLang="en-US" dirty="0"/>
-              <a:t>구현의 세부적인 단계는</a:t>
-            </a:r>
-            <a:endParaRPr lang="en-US" altLang="ko-KR" dirty="0"/>
-          </a:p>
-          <a:p>
-            <a:pPr marL="228600" indent="-228600">
-              <a:buAutoNum type="arabicPeriod"/>
-            </a:pPr>
-            <a:r>
-              <a:rPr lang="en-US" altLang="ko-KR" dirty="0"/>
-              <a:t>RFID</a:t>
+              <a:t> </a:t>
+            </a:r>
+            <a:r>
+              <a:rPr lang="ko-KR" altLang="en-US" dirty="0" err="1"/>
+              <a:t>프로세싱프로그램을</a:t>
             </a:r>
             <a:r>
               <a:rPr lang="ko-KR" altLang="en-US" dirty="0"/>
-              <a:t>센서와 칩의 반응구현</a:t>
-            </a:r>
-            <a:endParaRPr lang="en-US" altLang="ko-KR" dirty="0"/>
-          </a:p>
-          <a:p>
-            <a:pPr marL="228600" indent="-228600">
-              <a:buAutoNum type="arabicPeriod"/>
-            </a:pPr>
-            <a:r>
-              <a:rPr lang="ko-KR" altLang="en-US" dirty="0"/>
-              <a:t>컴퓨터에 연동구현</a:t>
-            </a:r>
-            <a:endParaRPr lang="en-US" altLang="ko-KR" dirty="0"/>
-          </a:p>
-          <a:p>
-            <a:pPr marL="228600" indent="-228600">
-              <a:buAutoNum type="arabicPeriod"/>
-            </a:pPr>
-            <a:r>
-              <a:rPr lang="ko-KR" altLang="en-US" dirty="0"/>
-              <a:t>프로그래밍 구현 입니다</a:t>
+              <a:t> 통하여 이를 </a:t>
+            </a:r>
+            <a:r>
+              <a:rPr lang="ko-KR" altLang="en-US" dirty="0" err="1"/>
+              <a:t>구현화하였습니다</a:t>
             </a:r>
             <a:r>
               <a:rPr lang="en-US" altLang="ko-KR" dirty="0"/>
@@ -14170,7 +14148,7 @@
     </p:spTree>
     <p:extLst>
       <p:ext uri="{BB962C8B-B14F-4D97-AF65-F5344CB8AC3E}">
-        <p14:creationId xmlns:p14="http://schemas.microsoft.com/office/powerpoint/2010/main" val="1969195512"/>
+        <p14:creationId xmlns:p14="http://schemas.microsoft.com/office/powerpoint/2010/main" val="2250804043"/>
       </p:ext>
     </p:extLst>
   </p:cSld>
@@ -14181,118 +14159,6 @@
 </file>
 
 <file path=ppt/notesSlides/notesSlide22.xml><?xml version="1.0" encoding="utf-8"?>
-<p:notes xmlns:a="http://schemas.openxmlformats.org/drawingml/2006/main" xmlns:r="http://schemas.openxmlformats.org/officeDocument/2006/relationships" xmlns:p="http://schemas.openxmlformats.org/presentationml/2006/main">
-  <p:cSld>
-    <p:spTree>
-      <p:nvGrpSpPr>
-        <p:cNvPr id="1" name=""/>
-        <p:cNvGrpSpPr/>
-        <p:nvPr/>
-      </p:nvGrpSpPr>
-      <p:grpSpPr>
-        <a:xfrm>
-          <a:off x="0" y="0"/>
-          <a:ext cx="0" cy="0"/>
-          <a:chOff x="0" y="0"/>
-          <a:chExt cx="0" cy="0"/>
-        </a:xfrm>
-      </p:grpSpPr>
-      <p:sp>
-        <p:nvSpPr>
-          <p:cNvPr id="2" name="슬라이드 이미지 개체 틀 1"/>
-          <p:cNvSpPr>
-            <a:spLocks noGrp="1" noRot="1" noChangeAspect="1"/>
-          </p:cNvSpPr>
-          <p:nvPr>
-            <p:ph type="sldImg"/>
-          </p:nvPr>
-        </p:nvSpPr>
-        <p:spPr/>
-      </p:sp>
-      <p:sp>
-        <p:nvSpPr>
-          <p:cNvPr id="3" name="슬라이드 노트 개체 틀 2"/>
-          <p:cNvSpPr>
-            <a:spLocks noGrp="1"/>
-          </p:cNvSpPr>
-          <p:nvPr>
-            <p:ph type="body" idx="1"/>
-          </p:nvPr>
-        </p:nvSpPr>
-        <p:spPr/>
-        <p:txBody>
-          <a:bodyPr/>
-          <a:lstStyle/>
-          <a:p>
-            <a:r>
-              <a:rPr lang="ko-KR" altLang="en-US" dirty="0"/>
-              <a:t>저희는 </a:t>
-            </a:r>
-            <a:r>
-              <a:rPr lang="ko-KR" altLang="en-US" dirty="0" err="1"/>
-              <a:t>아두이너와</a:t>
-            </a:r>
-            <a:r>
-              <a:rPr lang="ko-KR" altLang="en-US" dirty="0"/>
-              <a:t> </a:t>
-            </a:r>
-            <a:r>
-              <a:rPr lang="ko-KR" altLang="en-US" dirty="0" err="1"/>
-              <a:t>프로세싱프로그램을</a:t>
-            </a:r>
-            <a:r>
-              <a:rPr lang="ko-KR" altLang="en-US" dirty="0"/>
-              <a:t> 통하여 이를 </a:t>
-            </a:r>
-            <a:r>
-              <a:rPr lang="ko-KR" altLang="en-US" dirty="0" err="1"/>
-              <a:t>구현화하였습니다</a:t>
-            </a:r>
-            <a:r>
-              <a:rPr lang="en-US" altLang="ko-KR" dirty="0"/>
-              <a:t>.</a:t>
-            </a:r>
-            <a:endParaRPr lang="ko-KR" altLang="en-US" dirty="0"/>
-          </a:p>
-        </p:txBody>
-      </p:sp>
-      <p:sp>
-        <p:nvSpPr>
-          <p:cNvPr id="4" name="슬라이드 번호 개체 틀 3"/>
-          <p:cNvSpPr>
-            <a:spLocks noGrp="1"/>
-          </p:cNvSpPr>
-          <p:nvPr>
-            <p:ph type="sldNum" sz="quarter" idx="5"/>
-          </p:nvPr>
-        </p:nvSpPr>
-        <p:spPr/>
-        <p:txBody>
-          <a:bodyPr/>
-          <a:lstStyle/>
-          <a:p>
-            <a:fld id="{0B0AB095-EC7F-464A-AFEE-C3B9960C3A10}" type="slidenum">
-              <a:rPr lang="ko-KR" altLang="en-US" smtClean="0"/>
-              <a:t>22</a:t>
-            </a:fld>
-            <a:endParaRPr lang="ko-KR" altLang="en-US"/>
-          </a:p>
-        </p:txBody>
-      </p:sp>
-    </p:spTree>
-    <p:extLst>
-      <p:ext uri="{BB962C8B-B14F-4D97-AF65-F5344CB8AC3E}">
-        <p14:creationId xmlns:p14="http://schemas.microsoft.com/office/powerpoint/2010/main" val="2250804043"/>
-      </p:ext>
-    </p:extLst>
-  </p:cSld>
-  <p:clrMapOvr>
-    <a:masterClrMapping/>
-  </p:clrMapOvr>
-</p:notes>
-</file>
-
-<file path=ppt/notesSlides/notesSlide23.xml><?xml version="1.0" encoding="utf-8"?>
 <p:notes xmlns:a="http://schemas.openxmlformats.org/drawingml/2006/main" xmlns:r="http://schemas.openxmlformats.org/officeDocument/2006/relationships" xmlns:p="http://schemas.openxmlformats.org/presentationml/2006/main">
   <p:cSld>
     <p:spTree>
@@ -18833,534 +18699,6 @@
       </p:grpSpPr>
       <p:pic>
         <p:nvPicPr>
-          <p:cNvPr id="4" name="그래픽 3" descr="흡연">
-            <a:extLst>
-              <a:ext uri="{FF2B5EF4-FFF2-40B4-BE49-F238E27FC236}">
-                <a16:creationId xmlns:a16="http://schemas.microsoft.com/office/drawing/2014/main" id="{9A108657-E89F-417C-9668-738586075955}"/>
-              </a:ext>
-            </a:extLst>
-          </p:cNvPr>
-          <p:cNvPicPr>
-            <a:picLocks noChangeAspect="1"/>
-          </p:cNvPicPr>
-          <p:nvPr/>
-        </p:nvPicPr>
-        <p:blipFill>
-          <a:blip r:embed="rId3">
-            <a:extLst>
-              <a:ext uri="{28A0092B-C50C-407E-A947-70E740481C1C}">
-                <a14:useLocalDpi xmlns:a14="http://schemas.microsoft.com/office/drawing/2010/main" val="0"/>
-              </a:ext>
-              <a:ext uri="{96DAC541-7B7A-43D3-8B79-37D633B846F1}">
-                <asvg:svgBlip xmlns:asvg="http://schemas.microsoft.com/office/drawing/2016/SVG/main" r:embed="rId4"/>
-              </a:ext>
-            </a:extLst>
-          </a:blip>
-          <a:stretch>
-            <a:fillRect/>
-          </a:stretch>
-        </p:blipFill>
-        <p:spPr>
-          <a:xfrm>
-            <a:off x="1505173" y="2539815"/>
-            <a:ext cx="1286657" cy="1286657"/>
-          </a:xfrm>
-          <a:prstGeom prst="rect">
-            <a:avLst/>
-          </a:prstGeom>
-        </p:spPr>
-      </p:pic>
-      <p:pic>
-        <p:nvPicPr>
-          <p:cNvPr id="6" name="그래픽 5" descr="세면대">
-            <a:extLst>
-              <a:ext uri="{FF2B5EF4-FFF2-40B4-BE49-F238E27FC236}">
-                <a16:creationId xmlns:a16="http://schemas.microsoft.com/office/drawing/2014/main" id="{4DC81A80-7EBF-4D8F-83F6-A50070CD4D62}"/>
-              </a:ext>
-            </a:extLst>
-          </p:cNvPr>
-          <p:cNvPicPr>
-            <a:picLocks noChangeAspect="1"/>
-          </p:cNvPicPr>
-          <p:nvPr/>
-        </p:nvPicPr>
-        <p:blipFill>
-          <a:blip r:embed="rId5">
-            <a:extLst>
-              <a:ext uri="{28A0092B-C50C-407E-A947-70E740481C1C}">
-                <a14:useLocalDpi xmlns:a14="http://schemas.microsoft.com/office/drawing/2010/main" val="0"/>
-              </a:ext>
-              <a:ext uri="{96DAC541-7B7A-43D3-8B79-37D633B846F1}">
-                <asvg:svgBlip xmlns:asvg="http://schemas.microsoft.com/office/drawing/2016/SVG/main" r:embed="rId6"/>
-              </a:ext>
-            </a:extLst>
-          </a:blip>
-          <a:stretch>
-            <a:fillRect/>
-          </a:stretch>
-        </p:blipFill>
-        <p:spPr>
-          <a:xfrm>
-            <a:off x="9119011" y="2451511"/>
-            <a:ext cx="1463263" cy="1463263"/>
-          </a:xfrm>
-          <a:prstGeom prst="rect">
-            <a:avLst/>
-          </a:prstGeom>
-        </p:spPr>
-      </p:pic>
-      <p:pic>
-        <p:nvPicPr>
-          <p:cNvPr id="8" name="그래픽 7" descr="시계">
-            <a:extLst>
-              <a:ext uri="{FF2B5EF4-FFF2-40B4-BE49-F238E27FC236}">
-                <a16:creationId xmlns:a16="http://schemas.microsoft.com/office/drawing/2014/main" id="{20E831A0-6F9C-4DC4-BADF-C746D925DBEF}"/>
-              </a:ext>
-            </a:extLst>
-          </p:cNvPr>
-          <p:cNvPicPr>
-            <a:picLocks noChangeAspect="1"/>
-          </p:cNvPicPr>
-          <p:nvPr/>
-        </p:nvPicPr>
-        <p:blipFill>
-          <a:blip r:embed="rId7">
-            <a:extLst>
-              <a:ext uri="{28A0092B-C50C-407E-A947-70E740481C1C}">
-                <a14:useLocalDpi xmlns:a14="http://schemas.microsoft.com/office/drawing/2010/main" val="0"/>
-              </a:ext>
-              <a:ext uri="{96DAC541-7B7A-43D3-8B79-37D633B846F1}">
-                <asvg:svgBlip xmlns:asvg="http://schemas.microsoft.com/office/drawing/2016/SVG/main" r:embed="rId8"/>
-              </a:ext>
-            </a:extLst>
-          </a:blip>
-          <a:stretch>
-            <a:fillRect/>
-          </a:stretch>
-        </p:blipFill>
-        <p:spPr>
-          <a:xfrm>
-            <a:off x="4785921" y="1431555"/>
-            <a:ext cx="2620158" cy="2620158"/>
-          </a:xfrm>
-          <a:prstGeom prst="rect">
-            <a:avLst/>
-          </a:prstGeom>
-          <a:scene3d>
-            <a:camera prst="orthographicFront"/>
-            <a:lightRig rig="threePt" dir="t"/>
-          </a:scene3d>
-          <a:sp3d prstMaterial="matte"/>
-        </p:spPr>
-      </p:pic>
-      <p:sp>
-        <p:nvSpPr>
-          <p:cNvPr id="9" name="제목 1">
-            <a:extLst>
-              <a:ext uri="{FF2B5EF4-FFF2-40B4-BE49-F238E27FC236}">
-                <a16:creationId xmlns:a16="http://schemas.microsoft.com/office/drawing/2014/main" id="{EEEA4326-AF30-4A5B-8A25-1E9F04A42DC2}"/>
-              </a:ext>
-            </a:extLst>
-          </p:cNvPr>
-          <p:cNvSpPr>
-            <a:spLocks noGrp="1"/>
-          </p:cNvSpPr>
-          <p:nvPr>
-            <p:ph type="title"/>
-          </p:nvPr>
-        </p:nvSpPr>
-        <p:spPr>
-          <a:xfrm>
-            <a:off x="4860131" y="4124326"/>
-            <a:ext cx="2471738" cy="1228724"/>
-          </a:xfrm>
-        </p:spPr>
-        <p:txBody>
-          <a:bodyPr>
-            <a:normAutofit/>
-          </a:bodyPr>
-          <a:lstStyle/>
-          <a:p>
-            <a:r>
-              <a:rPr lang="en-US" altLang="ko-KR" sz="8000" dirty="0">
-                <a:latin typeface="Berlin Sans FB Demi" panose="020E0802020502020306" pitchFamily="34" charset="0"/>
-              </a:rPr>
-              <a:t>TIME</a:t>
-            </a:r>
-            <a:endParaRPr lang="ko-KR" altLang="en-US" sz="8000" dirty="0">
-              <a:latin typeface="Berlin Sans FB Demi" panose="020E0802020502020306" pitchFamily="34" charset="0"/>
-            </a:endParaRPr>
-          </a:p>
-        </p:txBody>
-      </p:sp>
-      <p:sp>
-        <p:nvSpPr>
-          <p:cNvPr id="10" name="제목 1">
-            <a:extLst>
-              <a:ext uri="{FF2B5EF4-FFF2-40B4-BE49-F238E27FC236}">
-                <a16:creationId xmlns:a16="http://schemas.microsoft.com/office/drawing/2014/main" id="{0023961D-6A60-4784-ADEA-7BA8E1394374}"/>
-              </a:ext>
-            </a:extLst>
-          </p:cNvPr>
-          <p:cNvSpPr txBox="1">
-            <a:spLocks/>
-          </p:cNvSpPr>
-          <p:nvPr/>
-        </p:nvSpPr>
-        <p:spPr>
-          <a:xfrm>
-            <a:off x="955298" y="3734996"/>
-            <a:ext cx="2729305" cy="1092200"/>
-          </a:xfrm>
-          <a:prstGeom prst="rect">
-            <a:avLst/>
-          </a:prstGeom>
-        </p:spPr>
-        <p:txBody>
-          <a:bodyPr vert="horz" lIns="91440" tIns="45720" rIns="91440" bIns="45720" rtlCol="0" anchor="ctr">
-            <a:normAutofit/>
-          </a:bodyPr>
-          <a:lstStyle>
-            <a:lvl1pPr algn="l" defTabSz="914400" rtl="0" eaLnBrk="1" latinLnBrk="1" hangingPunct="1">
-              <a:lnSpc>
-                <a:spcPct val="90000"/>
-              </a:lnSpc>
-              <a:spcBef>
-                <a:spcPct val="0"/>
-              </a:spcBef>
-              <a:buNone/>
-              <a:defRPr sz="4400" kern="1200">
-                <a:solidFill>
-                  <a:schemeClr val="tx1"/>
-                </a:solidFill>
-                <a:latin typeface="+mj-lt"/>
-                <a:ea typeface="+mj-ea"/>
-                <a:cs typeface="+mj-cs"/>
-              </a:defRPr>
-            </a:lvl1pPr>
-          </a:lstStyle>
-          <a:p>
-            <a:r>
-              <a:rPr lang="en-US" altLang="ko-KR" dirty="0">
-                <a:latin typeface="Berlin Sans FB Demi" panose="020E0802020502020306" pitchFamily="34" charset="0"/>
-              </a:rPr>
-              <a:t>SMOKING</a:t>
-            </a:r>
-            <a:endParaRPr lang="ko-KR" altLang="en-US" dirty="0">
-              <a:latin typeface="Berlin Sans FB Demi" panose="020E0802020502020306" pitchFamily="34" charset="0"/>
-            </a:endParaRPr>
-          </a:p>
-        </p:txBody>
-      </p:sp>
-      <p:sp>
-        <p:nvSpPr>
-          <p:cNvPr id="11" name="제목 1">
-            <a:extLst>
-              <a:ext uri="{FF2B5EF4-FFF2-40B4-BE49-F238E27FC236}">
-                <a16:creationId xmlns:a16="http://schemas.microsoft.com/office/drawing/2014/main" id="{BFAC3EEE-3033-443E-81C3-61320DC718F8}"/>
-              </a:ext>
-            </a:extLst>
-          </p:cNvPr>
-          <p:cNvSpPr txBox="1">
-            <a:spLocks/>
-          </p:cNvSpPr>
-          <p:nvPr/>
-        </p:nvSpPr>
-        <p:spPr>
-          <a:xfrm>
-            <a:off x="8883462" y="3731223"/>
-            <a:ext cx="2124859" cy="1092200"/>
-          </a:xfrm>
-          <a:prstGeom prst="rect">
-            <a:avLst/>
-          </a:prstGeom>
-        </p:spPr>
-        <p:txBody>
-          <a:bodyPr vert="horz" lIns="91440" tIns="45720" rIns="91440" bIns="45720" rtlCol="0" anchor="ctr">
-            <a:normAutofit/>
-          </a:bodyPr>
-          <a:lstStyle>
-            <a:lvl1pPr algn="l" defTabSz="914400" rtl="0" eaLnBrk="1" latinLnBrk="1" hangingPunct="1">
-              <a:lnSpc>
-                <a:spcPct val="90000"/>
-              </a:lnSpc>
-              <a:spcBef>
-                <a:spcPct val="0"/>
-              </a:spcBef>
-              <a:buNone/>
-              <a:defRPr sz="4400" kern="1200">
-                <a:solidFill>
-                  <a:schemeClr val="tx1"/>
-                </a:solidFill>
-                <a:latin typeface="+mj-lt"/>
-                <a:ea typeface="+mj-ea"/>
-                <a:cs typeface="+mj-cs"/>
-              </a:defRPr>
-            </a:lvl1pPr>
-          </a:lstStyle>
-          <a:p>
-            <a:r>
-              <a:rPr lang="en-US" altLang="ko-KR" dirty="0">
-                <a:latin typeface="Berlin Sans FB Demi" panose="020E0802020502020306" pitchFamily="34" charset="0"/>
-              </a:rPr>
-              <a:t>TOILET</a:t>
-            </a:r>
-            <a:endParaRPr lang="ko-KR" altLang="en-US" dirty="0">
-              <a:latin typeface="Berlin Sans FB Demi" panose="020E0802020502020306" pitchFamily="34" charset="0"/>
-            </a:endParaRPr>
-          </a:p>
-        </p:txBody>
-      </p:sp>
-    </p:spTree>
-    <p:extLst>
-      <p:ext uri="{BB962C8B-B14F-4D97-AF65-F5344CB8AC3E}">
-        <p14:creationId xmlns:p14="http://schemas.microsoft.com/office/powerpoint/2010/main" val="1076200873"/>
-      </p:ext>
-    </p:extLst>
-  </p:cSld>
-  <p:clrMapOvr>
-    <a:masterClrMapping/>
-  </p:clrMapOvr>
-  <p:timing>
-    <p:tnLst>
-      <p:par>
-        <p:cTn id="1" dur="indefinite" restart="never" nodeType="tmRoot">
-          <p:childTnLst>
-            <p:seq concurrent="1" nextAc="seek">
-              <p:cTn id="2" dur="indefinite" nodeType="mainSeq">
-                <p:childTnLst>
-                  <p:par>
-                    <p:cTn id="3" fill="hold">
-                      <p:stCondLst>
-                        <p:cond delay="indefinite"/>
-                      </p:stCondLst>
-                      <p:childTnLst>
-                        <p:par>
-                          <p:cTn id="4" fill="hold">
-                            <p:stCondLst>
-                              <p:cond delay="0"/>
-                            </p:stCondLst>
-                            <p:childTnLst>
-                              <p:par>
-                                <p:cTn id="5" presetID="6" presetClass="entr" presetSubtype="16" fill="hold" nodeType="clickEffect">
-                                  <p:stCondLst>
-                                    <p:cond delay="0"/>
-                                  </p:stCondLst>
-                                  <p:childTnLst>
-                                    <p:set>
-                                      <p:cBhvr>
-                                        <p:cTn id="6" dur="1" fill="hold">
-                                          <p:stCondLst>
-                                            <p:cond delay="0"/>
-                                          </p:stCondLst>
-                                        </p:cTn>
-                                        <p:tgtEl>
-                                          <p:spTgt spid="4"/>
-                                        </p:tgtEl>
-                                        <p:attrNameLst>
-                                          <p:attrName>style.visibility</p:attrName>
-                                        </p:attrNameLst>
-                                      </p:cBhvr>
-                                      <p:to>
-                                        <p:strVal val="visible"/>
-                                      </p:to>
-                                    </p:set>
-                                    <p:animEffect transition="in" filter="circle(in)">
-                                      <p:cBhvr>
-                                        <p:cTn id="7" dur="2000"/>
-                                        <p:tgtEl>
-                                          <p:spTgt spid="4"/>
-                                        </p:tgtEl>
-                                      </p:cBhvr>
-                                    </p:animEffect>
-                                  </p:childTnLst>
-                                </p:cTn>
-                              </p:par>
-                              <p:par>
-                                <p:cTn id="8" presetID="6" presetClass="entr" presetSubtype="16" fill="hold" grpId="0" nodeType="withEffect">
-                                  <p:stCondLst>
-                                    <p:cond delay="0"/>
-                                  </p:stCondLst>
-                                  <p:childTnLst>
-                                    <p:set>
-                                      <p:cBhvr>
-                                        <p:cTn id="9" dur="1" fill="hold">
-                                          <p:stCondLst>
-                                            <p:cond delay="0"/>
-                                          </p:stCondLst>
-                                        </p:cTn>
-                                        <p:tgtEl>
-                                          <p:spTgt spid="10"/>
-                                        </p:tgtEl>
-                                        <p:attrNameLst>
-                                          <p:attrName>style.visibility</p:attrName>
-                                        </p:attrNameLst>
-                                      </p:cBhvr>
-                                      <p:to>
-                                        <p:strVal val="visible"/>
-                                      </p:to>
-                                    </p:set>
-                                    <p:animEffect transition="in" filter="circle(in)">
-                                      <p:cBhvr>
-                                        <p:cTn id="10" dur="2000"/>
-                                        <p:tgtEl>
-                                          <p:spTgt spid="10"/>
-                                        </p:tgtEl>
-                                      </p:cBhvr>
-                                    </p:animEffect>
-                                  </p:childTnLst>
-                                </p:cTn>
-                              </p:par>
-                            </p:childTnLst>
-                          </p:cTn>
-                        </p:par>
-                      </p:childTnLst>
-                    </p:cTn>
-                  </p:par>
-                  <p:par>
-                    <p:cTn id="11" fill="hold">
-                      <p:stCondLst>
-                        <p:cond delay="indefinite"/>
-                      </p:stCondLst>
-                      <p:childTnLst>
-                        <p:par>
-                          <p:cTn id="12" fill="hold">
-                            <p:stCondLst>
-                              <p:cond delay="0"/>
-                            </p:stCondLst>
-                            <p:childTnLst>
-                              <p:par>
-                                <p:cTn id="13" presetID="6" presetClass="entr" presetSubtype="16" fill="hold" nodeType="clickEffect">
-                                  <p:stCondLst>
-                                    <p:cond delay="0"/>
-                                  </p:stCondLst>
-                                  <p:childTnLst>
-                                    <p:set>
-                                      <p:cBhvr>
-                                        <p:cTn id="14" dur="1" fill="hold">
-                                          <p:stCondLst>
-                                            <p:cond delay="0"/>
-                                          </p:stCondLst>
-                                        </p:cTn>
-                                        <p:tgtEl>
-                                          <p:spTgt spid="6"/>
-                                        </p:tgtEl>
-                                        <p:attrNameLst>
-                                          <p:attrName>style.visibility</p:attrName>
-                                        </p:attrNameLst>
-                                      </p:cBhvr>
-                                      <p:to>
-                                        <p:strVal val="visible"/>
-                                      </p:to>
-                                    </p:set>
-                                    <p:animEffect transition="in" filter="circle(in)">
-                                      <p:cBhvr>
-                                        <p:cTn id="15" dur="2000"/>
-                                        <p:tgtEl>
-                                          <p:spTgt spid="6"/>
-                                        </p:tgtEl>
-                                      </p:cBhvr>
-                                    </p:animEffect>
-                                  </p:childTnLst>
-                                </p:cTn>
-                              </p:par>
-                              <p:par>
-                                <p:cTn id="16" presetID="6" presetClass="entr" presetSubtype="16" fill="hold" grpId="0" nodeType="withEffect">
-                                  <p:stCondLst>
-                                    <p:cond delay="0"/>
-                                  </p:stCondLst>
-                                  <p:childTnLst>
-                                    <p:set>
-                                      <p:cBhvr>
-                                        <p:cTn id="17" dur="1" fill="hold">
-                                          <p:stCondLst>
-                                            <p:cond delay="0"/>
-                                          </p:stCondLst>
-                                        </p:cTn>
-                                        <p:tgtEl>
-                                          <p:spTgt spid="11"/>
-                                        </p:tgtEl>
-                                        <p:attrNameLst>
-                                          <p:attrName>style.visibility</p:attrName>
-                                        </p:attrNameLst>
-                                      </p:cBhvr>
-                                      <p:to>
-                                        <p:strVal val="visible"/>
-                                      </p:to>
-                                    </p:set>
-                                    <p:animEffect transition="in" filter="circle(in)">
-                                      <p:cBhvr>
-                                        <p:cTn id="18" dur="2000"/>
-                                        <p:tgtEl>
-                                          <p:spTgt spid="11"/>
-                                        </p:tgtEl>
-                                      </p:cBhvr>
-                                    </p:animEffect>
-                                  </p:childTnLst>
-                                </p:cTn>
-                              </p:par>
-                            </p:childTnLst>
-                          </p:cTn>
-                        </p:par>
-                      </p:childTnLst>
-                    </p:cTn>
-                  </p:par>
-                </p:childTnLst>
-              </p:cTn>
-              <p:prevCondLst>
-                <p:cond evt="onPrev" delay="0">
-                  <p:tgtEl>
-                    <p:sldTgt/>
-                  </p:tgtEl>
-                </p:cond>
-              </p:prevCondLst>
-              <p:nextCondLst>
-                <p:cond evt="onNext" delay="0">
-                  <p:tgtEl>
-                    <p:sldTgt/>
-                  </p:tgtEl>
-                </p:cond>
-              </p:nextCondLst>
-            </p:seq>
-          </p:childTnLst>
-        </p:cTn>
-      </p:par>
-    </p:tnLst>
-    <p:bldLst>
-      <p:bldP spid="10" grpId="0"/>
-      <p:bldP spid="11" grpId="0"/>
-    </p:bldLst>
-  </p:timing>
-</p:sld>
-</file>
-
-<file path=ppt/slides/slide12.xml><?xml version="1.0" encoding="utf-8"?>
-<p:sld xmlns:a="http://schemas.openxmlformats.org/drawingml/2006/main" xmlns:r="http://schemas.openxmlformats.org/officeDocument/2006/relationships" xmlns:p="http://schemas.openxmlformats.org/presentationml/2006/main">
-  <p:cSld>
-    <p:bg>
-      <p:bgPr>
-        <a:solidFill>
-          <a:srgbClr val="FF0000"/>
-        </a:solidFill>
-        <a:effectLst/>
-      </p:bgPr>
-    </p:bg>
-    <p:spTree>
-      <p:nvGrpSpPr>
-        <p:cNvPr id="1" name=""/>
-        <p:cNvGrpSpPr/>
-        <p:nvPr/>
-      </p:nvGrpSpPr>
-      <p:grpSpPr>
-        <a:xfrm>
-          <a:off x="0" y="0"/>
-          <a:ext cx="0" cy="0"/>
-          <a:chOff x="0" y="0"/>
-          <a:chExt cx="0" cy="0"/>
-        </a:xfrm>
-      </p:grpSpPr>
-      <p:pic>
-        <p:nvPicPr>
           <p:cNvPr id="2" name="그래픽 1" descr="남자">
             <a:extLst>
               <a:ext uri="{FF2B5EF4-FFF2-40B4-BE49-F238E27FC236}">
@@ -19538,7 +18876,7 @@
 </p:sld>
 </file>
 
-<file path=ppt/slides/slide13.xml><?xml version="1.0" encoding="utf-8"?>
+<file path=ppt/slides/slide12.xml><?xml version="1.0" encoding="utf-8"?>
 <p:sld xmlns:a="http://schemas.openxmlformats.org/drawingml/2006/main" xmlns:r="http://schemas.openxmlformats.org/officeDocument/2006/relationships" xmlns:p="http://schemas.openxmlformats.org/presentationml/2006/main">
   <p:cSld>
     <p:bg>
@@ -20271,7 +19609,7 @@
 </p:sld>
 </file>
 
-<file path=ppt/slides/slide14.xml><?xml version="1.0" encoding="utf-8"?>
+<file path=ppt/slides/slide13.xml><?xml version="1.0" encoding="utf-8"?>
 <p:sld xmlns:a="http://schemas.openxmlformats.org/drawingml/2006/main" xmlns:r="http://schemas.openxmlformats.org/officeDocument/2006/relationships" xmlns:p="http://schemas.openxmlformats.org/presentationml/2006/main">
   <p:cSld>
     <p:bg>
@@ -20430,7 +19768,7 @@
 </p:sld>
 </file>
 
-<file path=ppt/slides/slide15.xml><?xml version="1.0" encoding="utf-8"?>
+<file path=ppt/slides/slide14.xml><?xml version="1.0" encoding="utf-8"?>
 <p:sld xmlns:a="http://schemas.openxmlformats.org/drawingml/2006/main" xmlns:r="http://schemas.openxmlformats.org/officeDocument/2006/relationships" xmlns:p="http://schemas.openxmlformats.org/presentationml/2006/main">
   <p:cSld>
     <p:bg>
@@ -20521,7 +19859,7 @@
 </p:sld>
 </file>
 
-<file path=ppt/slides/slide16.xml><?xml version="1.0" encoding="utf-8"?>
+<file path=ppt/slides/slide15.xml><?xml version="1.0" encoding="utf-8"?>
 <p:sld xmlns:a="http://schemas.openxmlformats.org/drawingml/2006/main" xmlns:r="http://schemas.openxmlformats.org/officeDocument/2006/relationships" xmlns:p="http://schemas.openxmlformats.org/presentationml/2006/main">
   <p:cSld>
     <p:bg>
@@ -20651,7 +19989,7 @@
 </p:sld>
 </file>
 
-<file path=ppt/slides/slide17.xml><?xml version="1.0" encoding="utf-8"?>
+<file path=ppt/slides/slide16.xml><?xml version="1.0" encoding="utf-8"?>
 <p:sld xmlns:a="http://schemas.openxmlformats.org/drawingml/2006/main" xmlns:r="http://schemas.openxmlformats.org/officeDocument/2006/relationships" xmlns:p="http://schemas.openxmlformats.org/presentationml/2006/main">
   <p:cSld>
     <p:bg>
@@ -21089,7 +20427,7 @@
 </p:sld>
 </file>
 
-<file path=ppt/slides/slide18.xml><?xml version="1.0" encoding="utf-8"?>
+<file path=ppt/slides/slide17.xml><?xml version="1.0" encoding="utf-8"?>
 <p:sld xmlns:a="http://schemas.openxmlformats.org/drawingml/2006/main" xmlns:r="http://schemas.openxmlformats.org/officeDocument/2006/relationships" xmlns:p="http://schemas.openxmlformats.org/presentationml/2006/main">
   <p:cSld>
     <p:bg>
@@ -21744,7 +21082,7 @@
 </p:sld>
 </file>
 
-<file path=ppt/slides/slide19.xml><?xml version="1.0" encoding="utf-8"?>
+<file path=ppt/slides/slide18.xml><?xml version="1.0" encoding="utf-8"?>
 <p:sld xmlns:a="http://schemas.openxmlformats.org/drawingml/2006/main" xmlns:r="http://schemas.openxmlformats.org/officeDocument/2006/relationships" xmlns:p="http://schemas.openxmlformats.org/presentationml/2006/main">
   <p:cSld>
     <p:bg>
@@ -22325,6 +21663,165 @@
 </p:sld>
 </file>
 
+<file path=ppt/slides/slide19.xml><?xml version="1.0" encoding="utf-8"?>
+<p:sld xmlns:a="http://schemas.openxmlformats.org/drawingml/2006/main" xmlns:r="http://schemas.openxmlformats.org/officeDocument/2006/relationships" xmlns:p="http://schemas.openxmlformats.org/presentationml/2006/main">
+  <p:cSld>
+    <p:bg>
+      <p:bgPr>
+        <a:solidFill>
+          <a:schemeClr val="bg2">
+            <a:lumMod val="90000"/>
+          </a:schemeClr>
+        </a:solidFill>
+        <a:effectLst/>
+      </p:bgPr>
+    </p:bg>
+    <p:spTree>
+      <p:nvGrpSpPr>
+        <p:cNvPr id="1" name=""/>
+        <p:cNvGrpSpPr/>
+        <p:nvPr/>
+      </p:nvGrpSpPr>
+      <p:grpSpPr>
+        <a:xfrm>
+          <a:off x="0" y="0"/>
+          <a:ext cx="0" cy="0"/>
+          <a:chOff x="0" y="0"/>
+          <a:chExt cx="0" cy="0"/>
+        </a:xfrm>
+      </p:grpSpPr>
+      <p:sp>
+        <p:nvSpPr>
+          <p:cNvPr id="2" name="제목 1">
+            <a:extLst>
+              <a:ext uri="{FF2B5EF4-FFF2-40B4-BE49-F238E27FC236}">
+                <a16:creationId xmlns:a16="http://schemas.microsoft.com/office/drawing/2014/main" id="{1DE82CDF-F1DD-4F06-8B37-DFB782868536}"/>
+              </a:ext>
+            </a:extLst>
+          </p:cNvPr>
+          <p:cNvSpPr>
+            <a:spLocks noGrp="1"/>
+          </p:cNvSpPr>
+          <p:nvPr>
+            <p:ph type="title"/>
+          </p:nvPr>
+        </p:nvSpPr>
+        <p:spPr>
+          <a:xfrm>
+            <a:off x="838200" y="365125"/>
+            <a:ext cx="10515600" cy="3467100"/>
+          </a:xfrm>
+        </p:spPr>
+        <p:txBody>
+          <a:bodyPr/>
+          <a:lstStyle/>
+          <a:p>
+            <a:pPr algn="ctr"/>
+            <a:r>
+              <a:rPr lang="ko-KR" altLang="en-US" dirty="0"/>
+              <a:t>목적</a:t>
+            </a:r>
+          </a:p>
+        </p:txBody>
+      </p:sp>
+      <p:sp>
+        <p:nvSpPr>
+          <p:cNvPr id="4" name="제목 1">
+            <a:extLst>
+              <a:ext uri="{FF2B5EF4-FFF2-40B4-BE49-F238E27FC236}">
+                <a16:creationId xmlns:a16="http://schemas.microsoft.com/office/drawing/2014/main" id="{3A288E5B-A47C-4CA2-8718-6D5173B1BE2D}"/>
+              </a:ext>
+            </a:extLst>
+          </p:cNvPr>
+          <p:cNvSpPr txBox="1">
+            <a:spLocks/>
+          </p:cNvSpPr>
+          <p:nvPr/>
+        </p:nvSpPr>
+        <p:spPr>
+          <a:xfrm>
+            <a:off x="838200" y="3832225"/>
+            <a:ext cx="10515600" cy="1325563"/>
+          </a:xfrm>
+          <a:prstGeom prst="rect">
+            <a:avLst/>
+          </a:prstGeom>
+        </p:spPr>
+        <p:txBody>
+          <a:bodyPr vert="horz" lIns="91440" tIns="45720" rIns="91440" bIns="45720" rtlCol="0" anchor="ctr">
+            <a:normAutofit/>
+          </a:bodyPr>
+          <a:lstStyle>
+            <a:lvl1pPr algn="l" defTabSz="914400" rtl="0" eaLnBrk="1" latinLnBrk="1" hangingPunct="1">
+              <a:lnSpc>
+                <a:spcPct val="90000"/>
+              </a:lnSpc>
+              <a:spcBef>
+                <a:spcPct val="0"/>
+              </a:spcBef>
+              <a:buNone/>
+              <a:defRPr sz="4400" kern="1200">
+                <a:solidFill>
+                  <a:schemeClr val="tx1"/>
+                </a:solidFill>
+                <a:latin typeface="+mj-lt"/>
+                <a:ea typeface="+mj-ea"/>
+                <a:cs typeface="+mj-cs"/>
+              </a:defRPr>
+            </a:lvl1pPr>
+          </a:lstStyle>
+          <a:p>
+            <a:pPr algn="ctr"/>
+            <a:r>
+              <a:rPr lang="ko-KR" altLang="en-US" dirty="0"/>
+              <a:t>목적</a:t>
+            </a:r>
+          </a:p>
+        </p:txBody>
+      </p:sp>
+      <p:graphicFrame>
+        <p:nvGraphicFramePr>
+          <p:cNvPr id="5" name="다이어그램 4">
+            <a:extLst>
+              <a:ext uri="{FF2B5EF4-FFF2-40B4-BE49-F238E27FC236}">
+                <a16:creationId xmlns:a16="http://schemas.microsoft.com/office/drawing/2014/main" id="{1E891175-715A-4B59-8CB4-928071D335D9}"/>
+              </a:ext>
+            </a:extLst>
+          </p:cNvPr>
+          <p:cNvGraphicFramePr/>
+          <p:nvPr/>
+        </p:nvGraphicFramePr>
+        <p:xfrm>
+          <a:off x="2032000" y="365125"/>
+          <a:ext cx="8128000" cy="5418667"/>
+        </p:xfrm>
+        <a:graphic>
+          <a:graphicData uri="http://schemas.openxmlformats.org/drawingml/2006/diagram">
+            <dgm:relIds xmlns:dgm="http://schemas.openxmlformats.org/drawingml/2006/diagram" xmlns:r="http://schemas.openxmlformats.org/officeDocument/2006/relationships" r:dm="rId3" r:lo="rId4" r:qs="rId5" r:cs="rId6"/>
+          </a:graphicData>
+        </a:graphic>
+      </p:graphicFrame>
+    </p:spTree>
+    <p:extLst>
+      <p:ext uri="{BB962C8B-B14F-4D97-AF65-F5344CB8AC3E}">
+        <p14:creationId xmlns:p14="http://schemas.microsoft.com/office/powerpoint/2010/main" val="3757032358"/>
+      </p:ext>
+    </p:extLst>
+  </p:cSld>
+  <p:clrMapOvr>
+    <a:masterClrMapping/>
+  </p:clrMapOvr>
+  <mc:AlternateContent xmlns:mc="http://schemas.openxmlformats.org/markup-compatibility/2006" xmlns:p14="http://schemas.microsoft.com/office/powerpoint/2010/main">
+    <mc:Choice Requires="p14">
+      <p:transition p14:dur="10"/>
+    </mc:Choice>
+    <mc:Fallback xmlns="">
+      <p:transition/>
+    </mc:Fallback>
+  </mc:AlternateContent>
+</p:sld>
+</file>
+
 <file path=ppt/slides/slide2.xml><?xml version="1.0" encoding="utf-8"?>
 <p:sld xmlns:a="http://schemas.openxmlformats.org/drawingml/2006/main" xmlns:r="http://schemas.openxmlformats.org/officeDocument/2006/relationships" xmlns:p="http://schemas.openxmlformats.org/presentationml/2006/main">
   <p:cSld>
@@ -22496,165 +21993,6 @@
     <p:bg>
       <p:bgPr>
         <a:solidFill>
-          <a:schemeClr val="bg2">
-            <a:lumMod val="90000"/>
-          </a:schemeClr>
-        </a:solidFill>
-        <a:effectLst/>
-      </p:bgPr>
-    </p:bg>
-    <p:spTree>
-      <p:nvGrpSpPr>
-        <p:cNvPr id="1" name=""/>
-        <p:cNvGrpSpPr/>
-        <p:nvPr/>
-      </p:nvGrpSpPr>
-      <p:grpSpPr>
-        <a:xfrm>
-          <a:off x="0" y="0"/>
-          <a:ext cx="0" cy="0"/>
-          <a:chOff x="0" y="0"/>
-          <a:chExt cx="0" cy="0"/>
-        </a:xfrm>
-      </p:grpSpPr>
-      <p:sp>
-        <p:nvSpPr>
-          <p:cNvPr id="2" name="제목 1">
-            <a:extLst>
-              <a:ext uri="{FF2B5EF4-FFF2-40B4-BE49-F238E27FC236}">
-                <a16:creationId xmlns:a16="http://schemas.microsoft.com/office/drawing/2014/main" id="{1DE82CDF-F1DD-4F06-8B37-DFB782868536}"/>
-              </a:ext>
-            </a:extLst>
-          </p:cNvPr>
-          <p:cNvSpPr>
-            <a:spLocks noGrp="1"/>
-          </p:cNvSpPr>
-          <p:nvPr>
-            <p:ph type="title"/>
-          </p:nvPr>
-        </p:nvSpPr>
-        <p:spPr>
-          <a:xfrm>
-            <a:off x="838200" y="365125"/>
-            <a:ext cx="10515600" cy="3467100"/>
-          </a:xfrm>
-        </p:spPr>
-        <p:txBody>
-          <a:bodyPr/>
-          <a:lstStyle/>
-          <a:p>
-            <a:pPr algn="ctr"/>
-            <a:r>
-              <a:rPr lang="ko-KR" altLang="en-US" dirty="0"/>
-              <a:t>목적</a:t>
-            </a:r>
-          </a:p>
-        </p:txBody>
-      </p:sp>
-      <p:sp>
-        <p:nvSpPr>
-          <p:cNvPr id="4" name="제목 1">
-            <a:extLst>
-              <a:ext uri="{FF2B5EF4-FFF2-40B4-BE49-F238E27FC236}">
-                <a16:creationId xmlns:a16="http://schemas.microsoft.com/office/drawing/2014/main" id="{3A288E5B-A47C-4CA2-8718-6D5173B1BE2D}"/>
-              </a:ext>
-            </a:extLst>
-          </p:cNvPr>
-          <p:cNvSpPr txBox="1">
-            <a:spLocks/>
-          </p:cNvSpPr>
-          <p:nvPr/>
-        </p:nvSpPr>
-        <p:spPr>
-          <a:xfrm>
-            <a:off x="838200" y="3832225"/>
-            <a:ext cx="10515600" cy="1325563"/>
-          </a:xfrm>
-          <a:prstGeom prst="rect">
-            <a:avLst/>
-          </a:prstGeom>
-        </p:spPr>
-        <p:txBody>
-          <a:bodyPr vert="horz" lIns="91440" tIns="45720" rIns="91440" bIns="45720" rtlCol="0" anchor="ctr">
-            <a:normAutofit/>
-          </a:bodyPr>
-          <a:lstStyle>
-            <a:lvl1pPr algn="l" defTabSz="914400" rtl="0" eaLnBrk="1" latinLnBrk="1" hangingPunct="1">
-              <a:lnSpc>
-                <a:spcPct val="90000"/>
-              </a:lnSpc>
-              <a:spcBef>
-                <a:spcPct val="0"/>
-              </a:spcBef>
-              <a:buNone/>
-              <a:defRPr sz="4400" kern="1200">
-                <a:solidFill>
-                  <a:schemeClr val="tx1"/>
-                </a:solidFill>
-                <a:latin typeface="+mj-lt"/>
-                <a:ea typeface="+mj-ea"/>
-                <a:cs typeface="+mj-cs"/>
-              </a:defRPr>
-            </a:lvl1pPr>
-          </a:lstStyle>
-          <a:p>
-            <a:pPr algn="ctr"/>
-            <a:r>
-              <a:rPr lang="ko-KR" altLang="en-US" dirty="0"/>
-              <a:t>목적</a:t>
-            </a:r>
-          </a:p>
-        </p:txBody>
-      </p:sp>
-      <p:graphicFrame>
-        <p:nvGraphicFramePr>
-          <p:cNvPr id="5" name="다이어그램 4">
-            <a:extLst>
-              <a:ext uri="{FF2B5EF4-FFF2-40B4-BE49-F238E27FC236}">
-                <a16:creationId xmlns:a16="http://schemas.microsoft.com/office/drawing/2014/main" id="{1E891175-715A-4B59-8CB4-928071D335D9}"/>
-              </a:ext>
-            </a:extLst>
-          </p:cNvPr>
-          <p:cNvGraphicFramePr/>
-          <p:nvPr/>
-        </p:nvGraphicFramePr>
-        <p:xfrm>
-          <a:off x="2032000" y="365125"/>
-          <a:ext cx="8128000" cy="5418667"/>
-        </p:xfrm>
-        <a:graphic>
-          <a:graphicData uri="http://schemas.openxmlformats.org/drawingml/2006/diagram">
-            <dgm:relIds xmlns:dgm="http://schemas.openxmlformats.org/drawingml/2006/diagram" xmlns:r="http://schemas.openxmlformats.org/officeDocument/2006/relationships" r:dm="rId3" r:lo="rId4" r:qs="rId5" r:cs="rId6"/>
-          </a:graphicData>
-        </a:graphic>
-      </p:graphicFrame>
-    </p:spTree>
-    <p:extLst>
-      <p:ext uri="{BB962C8B-B14F-4D97-AF65-F5344CB8AC3E}">
-        <p14:creationId xmlns:p14="http://schemas.microsoft.com/office/powerpoint/2010/main" val="3757032358"/>
-      </p:ext>
-    </p:extLst>
-  </p:cSld>
-  <p:clrMapOvr>
-    <a:masterClrMapping/>
-  </p:clrMapOvr>
-  <mc:AlternateContent xmlns:mc="http://schemas.openxmlformats.org/markup-compatibility/2006" xmlns:p14="http://schemas.microsoft.com/office/powerpoint/2010/main">
-    <mc:Choice Requires="p14">
-      <p:transition p14:dur="10"/>
-    </mc:Choice>
-    <mc:Fallback xmlns="">
-      <p:transition/>
-    </mc:Fallback>
-  </mc:AlternateContent>
-</p:sld>
-</file>
-
-<file path=ppt/slides/slide21.xml><?xml version="1.0" encoding="utf-8"?>
-<p:sld xmlns:a="http://schemas.openxmlformats.org/drawingml/2006/main" xmlns:r="http://schemas.openxmlformats.org/officeDocument/2006/relationships" xmlns:p="http://schemas.openxmlformats.org/presentationml/2006/main">
-  <p:cSld>
-    <p:bg>
-      <p:bgPr>
-        <a:solidFill>
           <a:schemeClr val="accent6"/>
         </a:solidFill>
         <a:effectLst/>
@@ -22735,7 +22073,7 @@
 </p:sld>
 </file>
 
-<file path=ppt/slides/slide22.xml><?xml version="1.0" encoding="utf-8"?>
+<file path=ppt/slides/slide21.xml><?xml version="1.0" encoding="utf-8"?>
 <p:sld xmlns:a="http://schemas.openxmlformats.org/drawingml/2006/main" xmlns:r="http://schemas.openxmlformats.org/officeDocument/2006/relationships" xmlns:p="http://schemas.openxmlformats.org/presentationml/2006/main">
   <p:cSld>
     <p:bg>
@@ -23156,6 +22494,74 @@
       <p:bldP spid="7" grpId="0"/>
     </p:bldLst>
   </p:timing>
+</p:sld>
+</file>
+
+<file path=ppt/slides/slide22.xml><?xml version="1.0" encoding="utf-8"?>
+<p:sld xmlns:a="http://schemas.openxmlformats.org/drawingml/2006/main" xmlns:r="http://schemas.openxmlformats.org/officeDocument/2006/relationships" xmlns:p="http://schemas.openxmlformats.org/presentationml/2006/main">
+  <p:cSld>
+    <p:bg>
+      <p:bgPr>
+        <a:solidFill>
+          <a:schemeClr val="accent6"/>
+        </a:solidFill>
+        <a:effectLst/>
+      </p:bgPr>
+    </p:bg>
+    <p:spTree>
+      <p:nvGrpSpPr>
+        <p:cNvPr id="1" name=""/>
+        <p:cNvGrpSpPr/>
+        <p:nvPr/>
+      </p:nvGrpSpPr>
+      <p:grpSpPr>
+        <a:xfrm>
+          <a:off x="0" y="0"/>
+          <a:ext cx="0" cy="0"/>
+          <a:chOff x="0" y="0"/>
+          <a:chExt cx="0" cy="0"/>
+        </a:xfrm>
+      </p:grpSpPr>
+      <p:pic>
+        <p:nvPicPr>
+          <p:cNvPr id="4" name="그림 3">
+            <a:extLst>
+              <a:ext uri="{FF2B5EF4-FFF2-40B4-BE49-F238E27FC236}">
+                <a16:creationId xmlns:a16="http://schemas.microsoft.com/office/drawing/2014/main" id="{EB825F7E-7DE3-4216-AD4B-E77286D77CC0}"/>
+              </a:ext>
+            </a:extLst>
+          </p:cNvPr>
+          <p:cNvPicPr>
+            <a:picLocks noChangeAspect="1"/>
+          </p:cNvPicPr>
+          <p:nvPr/>
+        </p:nvPicPr>
+        <p:blipFill>
+          <a:blip r:embed="rId2"/>
+          <a:stretch>
+            <a:fillRect/>
+          </a:stretch>
+        </p:blipFill>
+        <p:spPr>
+          <a:xfrm>
+            <a:off x="0" y="2017259"/>
+            <a:ext cx="12192000" cy="2823482"/>
+          </a:xfrm>
+          <a:prstGeom prst="rect">
+            <a:avLst/>
+          </a:prstGeom>
+        </p:spPr>
+      </p:pic>
+    </p:spTree>
+    <p:extLst>
+      <p:ext uri="{BB962C8B-B14F-4D97-AF65-F5344CB8AC3E}">
+        <p14:creationId xmlns:p14="http://schemas.microsoft.com/office/powerpoint/2010/main" val="634889132"/>
+      </p:ext>
+    </p:extLst>
+  </p:cSld>
+  <p:clrMapOvr>
+    <a:masterClrMapping/>
+  </p:clrMapOvr>
 </p:sld>
 </file>
 
@@ -23687,6 +23093,74 @@
       <p:bldP spid="9" grpId="0" animBg="1"/>
     </p:bldLst>
   </p:timing>
+</p:sld>
+</file>
+
+<file path=ppt/slides/slide24.xml><?xml version="1.0" encoding="utf-8"?>
+<p:sld xmlns:a="http://schemas.openxmlformats.org/drawingml/2006/main" xmlns:r="http://schemas.openxmlformats.org/officeDocument/2006/relationships" xmlns:p="http://schemas.openxmlformats.org/presentationml/2006/main">
+  <p:cSld>
+    <p:bg>
+      <p:bgPr>
+        <a:solidFill>
+          <a:schemeClr val="accent6"/>
+        </a:solidFill>
+        <a:effectLst/>
+      </p:bgPr>
+    </p:bg>
+    <p:spTree>
+      <p:nvGrpSpPr>
+        <p:cNvPr id="1" name=""/>
+        <p:cNvGrpSpPr/>
+        <p:nvPr/>
+      </p:nvGrpSpPr>
+      <p:grpSpPr>
+        <a:xfrm>
+          <a:off x="0" y="0"/>
+          <a:ext cx="0" cy="0"/>
+          <a:chOff x="0" y="0"/>
+          <a:chExt cx="0" cy="0"/>
+        </a:xfrm>
+      </p:grpSpPr>
+      <p:pic>
+        <p:nvPicPr>
+          <p:cNvPr id="4" name="그림 3">
+            <a:extLst>
+              <a:ext uri="{FF2B5EF4-FFF2-40B4-BE49-F238E27FC236}">
+                <a16:creationId xmlns:a16="http://schemas.microsoft.com/office/drawing/2014/main" id="{EA3DDE7D-53E5-4D77-9033-84D136E3D333}"/>
+              </a:ext>
+            </a:extLst>
+          </p:cNvPr>
+          <p:cNvPicPr>
+            <a:picLocks noChangeAspect="1"/>
+          </p:cNvPicPr>
+          <p:nvPr/>
+        </p:nvPicPr>
+        <p:blipFill>
+          <a:blip r:embed="rId2"/>
+          <a:stretch>
+            <a:fillRect/>
+          </a:stretch>
+        </p:blipFill>
+        <p:spPr>
+          <a:xfrm>
+            <a:off x="0" y="2018833"/>
+            <a:ext cx="12192000" cy="2820334"/>
+          </a:xfrm>
+          <a:prstGeom prst="rect">
+            <a:avLst/>
+          </a:prstGeom>
+        </p:spPr>
+      </p:pic>
+    </p:spTree>
+    <p:extLst>
+      <p:ext uri="{BB962C8B-B14F-4D97-AF65-F5344CB8AC3E}">
+        <p14:creationId xmlns:p14="http://schemas.microsoft.com/office/powerpoint/2010/main" val="446408908"/>
+      </p:ext>
+    </p:extLst>
+  </p:cSld>
+  <p:clrMapOvr>
+    <a:masterClrMapping/>
+  </p:clrMapOvr>
 </p:sld>
 </file>
 

--- a/infomation/해커톤 IT(그것)팀 PPT.pptx
+++ b/infomation/해커톤 IT(그것)팀 PPT.pptx
@@ -5,7 +5,7 @@
     <p:sldMasterId id="2147483672" r:id="rId1"/>
   </p:sldMasterIdLst>
   <p:notesMasterIdLst>
-    <p:notesMasterId r:id="rId26"/>
+    <p:notesMasterId r:id="rId30"/>
   </p:notesMasterIdLst>
   <p:sldIdLst>
     <p:sldId id="256" r:id="rId2"/>
@@ -18,20 +18,24 @@
     <p:sldId id="263" r:id="rId9"/>
     <p:sldId id="262" r:id="rId10"/>
     <p:sldId id="264" r:id="rId11"/>
-    <p:sldId id="274" r:id="rId12"/>
-    <p:sldId id="266" r:id="rId13"/>
-    <p:sldId id="268" r:id="rId14"/>
-    <p:sldId id="267" r:id="rId15"/>
-    <p:sldId id="269" r:id="rId16"/>
-    <p:sldId id="270" r:id="rId17"/>
-    <p:sldId id="271" r:id="rId18"/>
-    <p:sldId id="272" r:id="rId19"/>
-    <p:sldId id="275" r:id="rId20"/>
-    <p:sldId id="276" r:id="rId21"/>
-    <p:sldId id="277" r:id="rId22"/>
-    <p:sldId id="280" r:id="rId23"/>
-    <p:sldId id="278" r:id="rId24"/>
-    <p:sldId id="279" r:id="rId25"/>
+    <p:sldId id="281" r:id="rId12"/>
+    <p:sldId id="282" r:id="rId13"/>
+    <p:sldId id="274" r:id="rId14"/>
+    <p:sldId id="266" r:id="rId15"/>
+    <p:sldId id="268" r:id="rId16"/>
+    <p:sldId id="267" r:id="rId17"/>
+    <p:sldId id="269" r:id="rId18"/>
+    <p:sldId id="270" r:id="rId19"/>
+    <p:sldId id="271" r:id="rId20"/>
+    <p:sldId id="272" r:id="rId21"/>
+    <p:sldId id="275" r:id="rId22"/>
+    <p:sldId id="276" r:id="rId23"/>
+    <p:sldId id="277" r:id="rId24"/>
+    <p:sldId id="278" r:id="rId25"/>
+    <p:sldId id="283" r:id="rId26"/>
+    <p:sldId id="284" r:id="rId27"/>
+    <p:sldId id="280" r:id="rId28"/>
+    <p:sldId id="279" r:id="rId29"/>
   </p:sldIdLst>
   <p:sldSz cx="12192000" cy="6858000"/>
   <p:notesSz cx="6858000" cy="9144000"/>
@@ -12703,16 +12707,6 @@
           <a:bodyPr/>
           <a:lstStyle/>
           <a:p>
-            <a:r>
-              <a:rPr lang="ko-KR" altLang="en-US" dirty="0"/>
-              <a:t>자동적으로 카페 내부의 사람들의 이동을 어떻게 파악할 것인가 입니다</a:t>
-            </a:r>
-            <a:r>
-              <a:rPr lang="en-US" altLang="ko-KR" dirty="0"/>
-              <a:t>.</a:t>
-            </a:r>
-          </a:p>
-          <a:p>
             <a:endParaRPr lang="ko-KR" altLang="en-US" dirty="0"/>
           </a:p>
         </p:txBody>
@@ -12743,7 +12737,7 @@
     </p:spTree>
     <p:extLst>
       <p:ext uri="{BB962C8B-B14F-4D97-AF65-F5344CB8AC3E}">
-        <p14:creationId xmlns:p14="http://schemas.microsoft.com/office/powerpoint/2010/main" val="3879306164"/>
+        <p14:creationId xmlns:p14="http://schemas.microsoft.com/office/powerpoint/2010/main" val="2581720152"/>
       </p:ext>
     </p:extLst>
   </p:cSld>
@@ -12799,7 +12793,7 @@
           <a:p>
             <a:r>
               <a:rPr lang="ko-KR" altLang="en-US" dirty="0"/>
-              <a:t>해결을 위해서 많은 생각들을 했습니다</a:t>
+              <a:t>자동적으로 카페 내부의 사람들의 이동을 어떻게 파악할 것인가 입니다</a:t>
             </a:r>
             <a:r>
               <a:rPr lang="en-US" altLang="ko-KR" dirty="0"/>
@@ -12807,108 +12801,7 @@
             </a:r>
           </a:p>
           <a:p>
-            <a:r>
-              <a:rPr lang="ko-KR" altLang="en-US" dirty="0"/>
-              <a:t>첫번쨰로는 가장 쉬운 근무자가 직접 확인하는 것인데 매우 비효율적이며</a:t>
-            </a:r>
-            <a:r>
-              <a:rPr lang="en-US" altLang="ko-KR" dirty="0"/>
-              <a:t>, </a:t>
-            </a:r>
-            <a:r>
-              <a:rPr lang="ko-KR" altLang="en-US" dirty="0"/>
-              <a:t>자동화도 아닙니다</a:t>
-            </a:r>
-            <a:r>
-              <a:rPr lang="en-US" altLang="ko-KR" dirty="0"/>
-              <a:t>.</a:t>
-            </a:r>
-          </a:p>
-          <a:p>
-            <a:r>
-              <a:rPr lang="ko-KR" altLang="en-US" dirty="0" err="1"/>
-              <a:t>두번쨰로는</a:t>
-            </a:r>
-            <a:r>
-              <a:rPr lang="ko-KR" altLang="en-US" dirty="0"/>
-              <a:t> 무게센서를 이용하고자 했습니다</a:t>
-            </a:r>
-            <a:r>
-              <a:rPr lang="en-US" altLang="ko-KR" dirty="0"/>
-              <a:t>. </a:t>
-            </a:r>
-            <a:r>
-              <a:rPr lang="ko-KR" altLang="en-US" dirty="0"/>
-              <a:t>하지만 좌석에 가방과 같은 짐을 두는 것과 이용자의 일시적 </a:t>
-            </a:r>
-            <a:r>
-              <a:rPr lang="ko-KR" altLang="en-US" dirty="0" err="1"/>
-              <a:t>자리비움</a:t>
-            </a:r>
-            <a:r>
-              <a:rPr lang="ko-KR" altLang="en-US" dirty="0"/>
-              <a:t> 등을 구별하기에는 매우 효과적이지 못했습니다</a:t>
-            </a:r>
-            <a:r>
-              <a:rPr lang="en-US" altLang="ko-KR" dirty="0"/>
-              <a:t>.</a:t>
-            </a:r>
-          </a:p>
-          <a:p>
-            <a:r>
-              <a:rPr lang="ko-KR" altLang="en-US" dirty="0" err="1"/>
-              <a:t>세번쨰로는</a:t>
-            </a:r>
-            <a:r>
-              <a:rPr lang="ko-KR" altLang="en-US" dirty="0"/>
-              <a:t> 도서관과 비슷하게 프린트로 좌석을 안내하는 것인데</a:t>
-            </a:r>
-            <a:r>
-              <a:rPr lang="en-US" altLang="ko-KR" dirty="0"/>
-              <a:t>, </a:t>
-            </a:r>
-            <a:r>
-              <a:rPr lang="ko-KR" altLang="en-US" dirty="0"/>
-              <a:t>이것도 이용자 입장에서는 매우 불편하며 자리이동을 </a:t>
-            </a:r>
-            <a:r>
-              <a:rPr lang="ko-KR" altLang="en-US" dirty="0" err="1"/>
-              <a:t>처리할때도</a:t>
-            </a:r>
-            <a:r>
-              <a:rPr lang="ko-KR" altLang="en-US" dirty="0"/>
-              <a:t> 비효율적입니다</a:t>
-            </a:r>
-            <a:r>
-              <a:rPr lang="en-US" altLang="ko-KR" dirty="0"/>
-              <a:t>.</a:t>
-            </a:r>
-          </a:p>
-          <a:p>
-            <a:r>
-              <a:rPr lang="ko-KR" altLang="en-US" dirty="0"/>
-              <a:t>마지막 영상처리 기술을 통한 방법입니다</a:t>
-            </a:r>
-            <a:r>
-              <a:rPr lang="en-US" altLang="ko-KR" dirty="0"/>
-              <a:t>. </a:t>
-            </a:r>
-            <a:r>
-              <a:rPr lang="ko-KR" altLang="en-US" dirty="0"/>
-              <a:t>우선 나쁘지 않은 방법이지만 뭔가 더 좋은 방법이 있지 않을까</a:t>
-            </a:r>
-            <a:r>
-              <a:rPr lang="en-US" altLang="ko-KR" dirty="0"/>
-              <a:t>…. </a:t>
-            </a:r>
-            <a:r>
-              <a:rPr lang="ko-KR" altLang="en-US" dirty="0"/>
-              <a:t>생각을 하게 되었습니다</a:t>
-            </a:r>
-            <a:r>
-              <a:rPr lang="en-US" altLang="ko-KR" dirty="0"/>
-              <a:t>.</a:t>
-            </a:r>
+            <a:endParaRPr lang="ko-KR" altLang="en-US" dirty="0"/>
           </a:p>
         </p:txBody>
       </p:sp>
@@ -12929,7 +12822,7 @@
           <a:p>
             <a:fld id="{0B0AB095-EC7F-464A-AFEE-C3B9960C3A10}" type="slidenum">
               <a:rPr lang="ko-KR" altLang="en-US" smtClean="0"/>
-              <a:t>12</a:t>
+              <a:t>13</a:t>
             </a:fld>
             <a:endParaRPr lang="ko-KR" altLang="en-US"/>
           </a:p>
@@ -12938,7 +12831,7 @@
     </p:spTree>
     <p:extLst>
       <p:ext uri="{BB962C8B-B14F-4D97-AF65-F5344CB8AC3E}">
-        <p14:creationId xmlns:p14="http://schemas.microsoft.com/office/powerpoint/2010/main" val="613198209"/>
+        <p14:creationId xmlns:p14="http://schemas.microsoft.com/office/powerpoint/2010/main" val="3879306164"/>
       </p:ext>
     </p:extLst>
   </p:cSld>
@@ -12994,21 +12887,116 @@
           <a:p>
             <a:r>
               <a:rPr lang="ko-KR" altLang="en-US" dirty="0"/>
-              <a:t>그래서 </a:t>
-            </a:r>
-            <a:r>
-              <a:rPr lang="en-US" altLang="ko-KR" dirty="0"/>
-              <a:t>3</a:t>
-            </a:r>
-            <a:r>
-              <a:rPr lang="ko-KR" altLang="en-US" dirty="0"/>
-              <a:t>번째 노랑색영역 보완에서 그 더 나은 방법에 대해서 말씀드립니다</a:t>
+              <a:t>해결을 위해서 많은 생각들을 했습니다</a:t>
             </a:r>
             <a:r>
               <a:rPr lang="en-US" altLang="ko-KR" dirty="0"/>
               <a:t>.</a:t>
             </a:r>
-            <a:endParaRPr lang="ko-KR" altLang="en-US" dirty="0"/>
+          </a:p>
+          <a:p>
+            <a:r>
+              <a:rPr lang="ko-KR" altLang="en-US" dirty="0"/>
+              <a:t>첫번쨰로는 가장 쉬운 근무자가 직접 확인하는 것인데 매우 비효율적이며</a:t>
+            </a:r>
+            <a:r>
+              <a:rPr lang="en-US" altLang="ko-KR" dirty="0"/>
+              <a:t>, </a:t>
+            </a:r>
+            <a:r>
+              <a:rPr lang="ko-KR" altLang="en-US" dirty="0"/>
+              <a:t>자동화도 아닙니다</a:t>
+            </a:r>
+            <a:r>
+              <a:rPr lang="en-US" altLang="ko-KR" dirty="0"/>
+              <a:t>.</a:t>
+            </a:r>
+          </a:p>
+          <a:p>
+            <a:r>
+              <a:rPr lang="ko-KR" altLang="en-US" dirty="0" err="1"/>
+              <a:t>두번쨰로는</a:t>
+            </a:r>
+            <a:r>
+              <a:rPr lang="ko-KR" altLang="en-US" dirty="0"/>
+              <a:t> 무게센서를 이용하고자 했습니다</a:t>
+            </a:r>
+            <a:r>
+              <a:rPr lang="en-US" altLang="ko-KR" dirty="0"/>
+              <a:t>. </a:t>
+            </a:r>
+            <a:r>
+              <a:rPr lang="ko-KR" altLang="en-US" dirty="0"/>
+              <a:t>하지만 좌석에 가방과 같은 짐을 두는 것과 이용자의 일시적 </a:t>
+            </a:r>
+            <a:r>
+              <a:rPr lang="ko-KR" altLang="en-US" dirty="0" err="1"/>
+              <a:t>자리비움</a:t>
+            </a:r>
+            <a:r>
+              <a:rPr lang="ko-KR" altLang="en-US" dirty="0"/>
+              <a:t> 등을 구별하기에는 매우 효과적이지 못했습니다</a:t>
+            </a:r>
+            <a:r>
+              <a:rPr lang="en-US" altLang="ko-KR" dirty="0"/>
+              <a:t>.</a:t>
+            </a:r>
+          </a:p>
+          <a:p>
+            <a:r>
+              <a:rPr lang="ko-KR" altLang="en-US" dirty="0" err="1"/>
+              <a:t>세번쨰로는</a:t>
+            </a:r>
+            <a:r>
+              <a:rPr lang="ko-KR" altLang="en-US" dirty="0"/>
+              <a:t> 도서관과 비슷하게 프린트로 좌석을 안내하는 것인데</a:t>
+            </a:r>
+            <a:r>
+              <a:rPr lang="en-US" altLang="ko-KR" dirty="0"/>
+              <a:t>, </a:t>
+            </a:r>
+            <a:r>
+              <a:rPr lang="ko-KR" altLang="en-US" dirty="0"/>
+              <a:t>이것도 이용자 입장에서는 매우 불편하며 자리이동을 </a:t>
+            </a:r>
+            <a:r>
+              <a:rPr lang="ko-KR" altLang="en-US" dirty="0" err="1"/>
+              <a:t>처리할때도</a:t>
+            </a:r>
+            <a:r>
+              <a:rPr lang="ko-KR" altLang="en-US" dirty="0"/>
+              <a:t> 비효율적입니다</a:t>
+            </a:r>
+            <a:r>
+              <a:rPr lang="en-US" altLang="ko-KR" dirty="0"/>
+              <a:t>.</a:t>
+            </a:r>
+          </a:p>
+          <a:p>
+            <a:r>
+              <a:rPr lang="ko-KR" altLang="en-US" dirty="0"/>
+              <a:t>마지막 영상처리 기술을 통한 방법입니다</a:t>
+            </a:r>
+            <a:r>
+              <a:rPr lang="en-US" altLang="ko-KR" dirty="0"/>
+              <a:t>. </a:t>
+            </a:r>
+            <a:r>
+              <a:rPr lang="ko-KR" altLang="en-US" dirty="0"/>
+              <a:t>우선 나쁘지 않은 방법이지만 뭔가 더 좋은 방법이 있지 않을까</a:t>
+            </a:r>
+            <a:r>
+              <a:rPr lang="en-US" altLang="ko-KR" dirty="0"/>
+              <a:t>…. </a:t>
+            </a:r>
+            <a:r>
+              <a:rPr lang="ko-KR" altLang="en-US" dirty="0"/>
+              <a:t>생각을 하게 되었습니다</a:t>
+            </a:r>
+            <a:r>
+              <a:rPr lang="en-US" altLang="ko-KR" dirty="0"/>
+              <a:t>.</a:t>
+            </a:r>
           </a:p>
         </p:txBody>
       </p:sp>
@@ -13029,7 +13017,7 @@
           <a:p>
             <a:fld id="{0B0AB095-EC7F-464A-AFEE-C3B9960C3A10}" type="slidenum">
               <a:rPr lang="ko-KR" altLang="en-US" smtClean="0"/>
-              <a:t>13</a:t>
+              <a:t>14</a:t>
             </a:fld>
             <a:endParaRPr lang="ko-KR" altLang="en-US"/>
           </a:p>
@@ -13038,7 +13026,7 @@
     </p:spTree>
     <p:extLst>
       <p:ext uri="{BB962C8B-B14F-4D97-AF65-F5344CB8AC3E}">
-        <p14:creationId xmlns:p14="http://schemas.microsoft.com/office/powerpoint/2010/main" val="2603625629"/>
+        <p14:creationId xmlns:p14="http://schemas.microsoft.com/office/powerpoint/2010/main" val="613198209"/>
       </p:ext>
     </p:extLst>
   </p:cSld>
@@ -13094,11 +13082,19 @@
           <a:p>
             <a:r>
               <a:rPr lang="ko-KR" altLang="en-US" dirty="0"/>
-              <a:t>영상보다는 좀 더 간단하고 좌석현황과 내부의 이동을 구별하기 좋은 방법이 있을까 </a:t>
+              <a:t>그래서 </a:t>
             </a:r>
             <a:r>
               <a:rPr lang="en-US" altLang="ko-KR" dirty="0"/>
-              <a:t>?</a:t>
+              <a:t>3</a:t>
+            </a:r>
+            <a:r>
+              <a:rPr lang="ko-KR" altLang="en-US" dirty="0"/>
+              <a:t>번째 노랑색영역 보완에서 그 더 나은 방법에 대해서 말씀드립니다</a:t>
+            </a:r>
+            <a:r>
+              <a:rPr lang="en-US" altLang="ko-KR" dirty="0"/>
+              <a:t>.</a:t>
             </a:r>
             <a:endParaRPr lang="ko-KR" altLang="en-US" dirty="0"/>
           </a:p>
@@ -13121,7 +13117,7 @@
           <a:p>
             <a:fld id="{0B0AB095-EC7F-464A-AFEE-C3B9960C3A10}" type="slidenum">
               <a:rPr lang="ko-KR" altLang="en-US" smtClean="0"/>
-              <a:t>14</a:t>
+              <a:t>15</a:t>
             </a:fld>
             <a:endParaRPr lang="ko-KR" altLang="en-US"/>
           </a:p>
@@ -13130,7 +13126,7 @@
     </p:spTree>
     <p:extLst>
       <p:ext uri="{BB962C8B-B14F-4D97-AF65-F5344CB8AC3E}">
-        <p14:creationId xmlns:p14="http://schemas.microsoft.com/office/powerpoint/2010/main" val="2920299884"/>
+        <p14:creationId xmlns:p14="http://schemas.microsoft.com/office/powerpoint/2010/main" val="2603625629"/>
       </p:ext>
     </p:extLst>
   </p:cSld>
@@ -13186,39 +13182,11 @@
           <a:p>
             <a:r>
               <a:rPr lang="ko-KR" altLang="en-US" dirty="0"/>
-              <a:t>저희 팀은 그것이 </a:t>
+              <a:t>영상보다는 좀 더 간단하고 좌석현황과 내부의 이동을 구별하기 좋은 방법이 있을까 </a:t>
             </a:r>
             <a:r>
               <a:rPr lang="en-US" altLang="ko-KR" dirty="0"/>
-              <a:t>RFID</a:t>
-            </a:r>
-            <a:r>
-              <a:rPr lang="ko-KR" altLang="en-US" dirty="0"/>
-              <a:t>를 그 해답이라고 생각했습니다</a:t>
-            </a:r>
-            <a:r>
-              <a:rPr lang="en-US" altLang="ko-KR" dirty="0"/>
-              <a:t>.</a:t>
-            </a:r>
-          </a:p>
-          <a:p>
-            <a:r>
-              <a:rPr lang="ko-KR" altLang="en-US" dirty="0"/>
-              <a:t>칩의 크기도 다양하게 출시되어 있는 상황이고 그렇기에 매우 작은 크기의 칩도 쉽게 구할 수 있습니다</a:t>
-            </a:r>
-            <a:r>
-              <a:rPr lang="en-US" altLang="ko-KR" dirty="0"/>
-              <a:t>.</a:t>
-            </a:r>
-          </a:p>
-          <a:p>
-            <a:r>
-              <a:rPr lang="ko-KR" altLang="en-US" dirty="0"/>
-              <a:t>또한 관리에 대해서도 비교적 접근이 편한 방법이라고 생각됩니다</a:t>
-            </a:r>
-            <a:r>
-              <a:rPr lang="en-US" altLang="ko-KR" dirty="0"/>
-              <a:t>.</a:t>
+              <a:t>?</a:t>
             </a:r>
             <a:endParaRPr lang="ko-KR" altLang="en-US" dirty="0"/>
           </a:p>
@@ -13241,7 +13209,7 @@
           <a:p>
             <a:fld id="{0B0AB095-EC7F-464A-AFEE-C3B9960C3A10}" type="slidenum">
               <a:rPr lang="ko-KR" altLang="en-US" smtClean="0"/>
-              <a:t>15</a:t>
+              <a:t>16</a:t>
             </a:fld>
             <a:endParaRPr lang="ko-KR" altLang="en-US"/>
           </a:p>
@@ -13250,7 +13218,7 @@
     </p:spTree>
     <p:extLst>
       <p:ext uri="{BB962C8B-B14F-4D97-AF65-F5344CB8AC3E}">
-        <p14:creationId xmlns:p14="http://schemas.microsoft.com/office/powerpoint/2010/main" val="3609923037"/>
+        <p14:creationId xmlns:p14="http://schemas.microsoft.com/office/powerpoint/2010/main" val="2920299884"/>
       </p:ext>
     </p:extLst>
   </p:cSld>
@@ -13306,7 +13274,7 @@
           <a:p>
             <a:r>
               <a:rPr lang="ko-KR" altLang="en-US" dirty="0"/>
-              <a:t>그렇다면 이 </a:t>
+              <a:t>저희 팀은 그것이 </a:t>
             </a:r>
             <a:r>
               <a:rPr lang="en-US" altLang="ko-KR" dirty="0"/>
@@ -13314,7 +13282,7 @@
             </a:r>
             <a:r>
               <a:rPr lang="ko-KR" altLang="en-US" dirty="0"/>
-              <a:t>를 어떻게 카페에 적용시키는가 입니다</a:t>
+              <a:t>를 그 해답이라고 생각했습니다</a:t>
             </a:r>
             <a:r>
               <a:rPr lang="en-US" altLang="ko-KR" dirty="0"/>
@@ -13324,15 +13292,7 @@
           <a:p>
             <a:r>
               <a:rPr lang="ko-KR" altLang="en-US" dirty="0"/>
-              <a:t>저희는 컵에 </a:t>
-            </a:r>
-            <a:r>
-              <a:rPr lang="en-US" altLang="ko-KR" dirty="0"/>
-              <a:t>RFID</a:t>
-            </a:r>
-            <a:r>
-              <a:rPr lang="ko-KR" altLang="en-US" dirty="0"/>
-              <a:t>를 장착하는 방법을 해결방안으로 제시하고자 합니다</a:t>
+              <a:t>칩의 크기도 다양하게 출시되어 있는 상황이고 그렇기에 매우 작은 크기의 칩도 쉽게 구할 수 있습니다</a:t>
             </a:r>
             <a:r>
               <a:rPr lang="en-US" altLang="ko-KR" dirty="0"/>
@@ -13342,24 +13302,13 @@
           <a:p>
             <a:r>
               <a:rPr lang="ko-KR" altLang="en-US" dirty="0"/>
-              <a:t>컵에 고유한 아이디를 가지는 </a:t>
-            </a:r>
-            <a:r>
-              <a:rPr lang="en-US" altLang="ko-KR" dirty="0"/>
-              <a:t>RFID</a:t>
-            </a:r>
-            <a:r>
-              <a:rPr lang="ko-KR" altLang="en-US" dirty="0"/>
-              <a:t>칩을 내장 혹은 부착하여 제공하는 것입니다</a:t>
+              <a:t>또한 관리에 대해서도 비교적 접근이 편한 방법이라고 생각됩니다</a:t>
             </a:r>
             <a:r>
               <a:rPr lang="en-US" altLang="ko-KR" dirty="0"/>
               <a:t>.</a:t>
             </a:r>
-            <a:r>
-              <a:rPr lang="ko-KR" altLang="en-US" dirty="0"/>
-              <a:t> </a:t>
-            </a:r>
+            <a:endParaRPr lang="ko-KR" altLang="en-US" dirty="0"/>
           </a:p>
         </p:txBody>
       </p:sp>
@@ -13380,7 +13329,7 @@
           <a:p>
             <a:fld id="{0B0AB095-EC7F-464A-AFEE-C3B9960C3A10}" type="slidenum">
               <a:rPr lang="ko-KR" altLang="en-US" smtClean="0"/>
-              <a:t>16</a:t>
+              <a:t>17</a:t>
             </a:fld>
             <a:endParaRPr lang="ko-KR" altLang="en-US"/>
           </a:p>
@@ -13389,7 +13338,7 @@
     </p:spTree>
     <p:extLst>
       <p:ext uri="{BB962C8B-B14F-4D97-AF65-F5344CB8AC3E}">
-        <p14:creationId xmlns:p14="http://schemas.microsoft.com/office/powerpoint/2010/main" val="3770846655"/>
+        <p14:creationId xmlns:p14="http://schemas.microsoft.com/office/powerpoint/2010/main" val="3609923037"/>
       </p:ext>
     </p:extLst>
   </p:cSld>
@@ -13445,7 +13394,7 @@
           <a:p>
             <a:r>
               <a:rPr lang="ko-KR" altLang="en-US" dirty="0"/>
-              <a:t>그리하여 테이블마다 설치된 </a:t>
+              <a:t>그렇다면 이 </a:t>
             </a:r>
             <a:r>
               <a:rPr lang="en-US" altLang="ko-KR" dirty="0"/>
@@ -13453,7 +13402,7 @@
             </a:r>
             <a:r>
               <a:rPr lang="ko-KR" altLang="en-US" dirty="0"/>
-              <a:t>센서와 만나 반응하게 되고 이에 대한 정보를 카운터와 컴퓨터에 보내어 감지합니다</a:t>
+              <a:t>를 어떻게 카페에 적용시키는가 입니다</a:t>
             </a:r>
             <a:r>
               <a:rPr lang="en-US" altLang="ko-KR" dirty="0"/>
@@ -13461,7 +13410,44 @@
             </a:r>
           </a:p>
           <a:p>
-            <a:endParaRPr lang="ko-KR" altLang="en-US" dirty="0"/>
+            <a:r>
+              <a:rPr lang="ko-KR" altLang="en-US" dirty="0"/>
+              <a:t>저희는 컵에 </a:t>
+            </a:r>
+            <a:r>
+              <a:rPr lang="en-US" altLang="ko-KR" dirty="0"/>
+              <a:t>RFID</a:t>
+            </a:r>
+            <a:r>
+              <a:rPr lang="ko-KR" altLang="en-US" dirty="0"/>
+              <a:t>를 장착하는 방법을 해결방안으로 제시하고자 합니다</a:t>
+            </a:r>
+            <a:r>
+              <a:rPr lang="en-US" altLang="ko-KR" dirty="0"/>
+              <a:t>.</a:t>
+            </a:r>
+          </a:p>
+          <a:p>
+            <a:r>
+              <a:rPr lang="ko-KR" altLang="en-US" dirty="0"/>
+              <a:t>컵에 고유한 아이디를 가지는 </a:t>
+            </a:r>
+            <a:r>
+              <a:rPr lang="en-US" altLang="ko-KR" dirty="0"/>
+              <a:t>RFID</a:t>
+            </a:r>
+            <a:r>
+              <a:rPr lang="ko-KR" altLang="en-US" dirty="0"/>
+              <a:t>칩을 내장 혹은 부착하여 제공하는 것입니다</a:t>
+            </a:r>
+            <a:r>
+              <a:rPr lang="en-US" altLang="ko-KR" dirty="0"/>
+              <a:t>.</a:t>
+            </a:r>
+            <a:r>
+              <a:rPr lang="ko-KR" altLang="en-US" dirty="0"/>
+              <a:t> </a:t>
+            </a:r>
           </a:p>
         </p:txBody>
       </p:sp>
@@ -13482,7 +13468,7 @@
           <a:p>
             <a:fld id="{0B0AB095-EC7F-464A-AFEE-C3B9960C3A10}" type="slidenum">
               <a:rPr lang="ko-KR" altLang="en-US" smtClean="0"/>
-              <a:t>17</a:t>
+              <a:t>18</a:t>
             </a:fld>
             <a:endParaRPr lang="ko-KR" altLang="en-US"/>
           </a:p>
@@ -13491,7 +13477,7 @@
     </p:spTree>
     <p:extLst>
       <p:ext uri="{BB962C8B-B14F-4D97-AF65-F5344CB8AC3E}">
-        <p14:creationId xmlns:p14="http://schemas.microsoft.com/office/powerpoint/2010/main" val="1318303960"/>
+        <p14:creationId xmlns:p14="http://schemas.microsoft.com/office/powerpoint/2010/main" val="3770846655"/>
       </p:ext>
     </p:extLst>
   </p:cSld>
@@ -13547,7 +13533,7 @@
           <a:p>
             <a:r>
               <a:rPr lang="ko-KR" altLang="en-US" dirty="0"/>
-              <a:t>그렇다면 자리이동에 대해서는 </a:t>
+              <a:t>그리하여 테이블마다 설치된 </a:t>
             </a:r>
             <a:r>
               <a:rPr lang="en-US" altLang="ko-KR" dirty="0"/>
@@ -13555,77 +13541,14 @@
             </a:r>
             <a:r>
               <a:rPr lang="ko-KR" altLang="en-US" dirty="0"/>
-              <a:t>로 어떻게 보완할까요</a:t>
+              <a:t>센서와 만나 반응하게 되고 이에 대한 정보를 카운터와 컴퓨터에 보내어 감지합니다</a:t>
             </a:r>
             <a:r>
               <a:rPr lang="en-US" altLang="ko-KR" dirty="0"/>
-              <a:t>?</a:t>
+              <a:t>.</a:t>
             </a:r>
           </a:p>
           <a:p>
-            <a:r>
-              <a:rPr lang="ko-KR" altLang="en-US" dirty="0"/>
-              <a:t>앞에서 </a:t>
-            </a:r>
-            <a:r>
-              <a:rPr lang="ko-KR" altLang="en-US" dirty="0" err="1"/>
-              <a:t>말씀드린대로</a:t>
-            </a:r>
-            <a:r>
-              <a:rPr lang="ko-KR" altLang="en-US" dirty="0"/>
-              <a:t> </a:t>
-            </a:r>
-            <a:r>
-              <a:rPr lang="en-US" altLang="ko-KR" dirty="0"/>
-              <a:t>RFID</a:t>
-            </a:r>
-            <a:r>
-              <a:rPr lang="ko-KR" altLang="en-US" dirty="0"/>
-              <a:t>의 고유한 </a:t>
-            </a:r>
-            <a:r>
-              <a:rPr lang="en-US" altLang="ko-KR" dirty="0"/>
-              <a:t>ID</a:t>
-            </a:r>
-            <a:r>
-              <a:rPr lang="ko-KR" altLang="en-US" dirty="0"/>
-              <a:t>를 토대로 </a:t>
-            </a:r>
-            <a:r>
-              <a:rPr lang="en-US" altLang="ko-KR" dirty="0"/>
-              <a:t>A~D</a:t>
-            </a:r>
-            <a:r>
-              <a:rPr lang="ko-KR" altLang="en-US" dirty="0"/>
-              <a:t>로 이동하여도 각 테이블마다의 센서가 컵의 </a:t>
-            </a:r>
-            <a:r>
-              <a:rPr lang="en-US" altLang="ko-KR" dirty="0"/>
-              <a:t>RFID</a:t>
-            </a:r>
-            <a:r>
-              <a:rPr lang="ko-KR" altLang="en-US" dirty="0"/>
-              <a:t>를 인지하여</a:t>
-            </a:r>
-            <a:endParaRPr lang="en-US" altLang="ko-KR" dirty="0"/>
-          </a:p>
-          <a:p>
-            <a:r>
-              <a:rPr lang="ko-KR" altLang="en-US" dirty="0"/>
-              <a:t>이전의 좌석의 신호를 끊고 새로운 좌석의 신호를 </a:t>
-            </a:r>
-            <a:r>
-              <a:rPr lang="ko-KR" altLang="en-US" dirty="0" err="1"/>
-              <a:t>받아드림으로써</a:t>
-            </a:r>
-            <a:r>
-              <a:rPr lang="ko-KR" altLang="en-US" dirty="0"/>
-              <a:t> 실시간으로 정보를 보내는 것입니다</a:t>
-            </a:r>
-            <a:r>
-              <a:rPr lang="en-US" altLang="ko-KR" dirty="0"/>
-              <a:t>.</a:t>
-            </a:r>
             <a:endParaRPr lang="ko-KR" altLang="en-US" dirty="0"/>
           </a:p>
         </p:txBody>
@@ -13647,7 +13570,7 @@
           <a:p>
             <a:fld id="{0B0AB095-EC7F-464A-AFEE-C3B9960C3A10}" type="slidenum">
               <a:rPr lang="ko-KR" altLang="en-US" smtClean="0"/>
-              <a:t>18</a:t>
+              <a:t>19</a:t>
             </a:fld>
             <a:endParaRPr lang="ko-KR" altLang="en-US"/>
           </a:p>
@@ -13656,7 +13579,7 @@
     </p:spTree>
     <p:extLst>
       <p:ext uri="{BB962C8B-B14F-4D97-AF65-F5344CB8AC3E}">
-        <p14:creationId xmlns:p14="http://schemas.microsoft.com/office/powerpoint/2010/main" val="2017290037"/>
+        <p14:creationId xmlns:p14="http://schemas.microsoft.com/office/powerpoint/2010/main" val="1318303960"/>
       </p:ext>
     </p:extLst>
   </p:cSld>
@@ -13712,14 +13635,85 @@
           <a:p>
             <a:r>
               <a:rPr lang="ko-KR" altLang="en-US" dirty="0"/>
-              <a:t>이제는 마지막 초록색영역 구현의 차례입니다</a:t>
+              <a:t>그렇다면 자리이동에 대해서는 </a:t>
+            </a:r>
+            <a:r>
+              <a:rPr lang="en-US" altLang="ko-KR" dirty="0"/>
+              <a:t>RFID</a:t>
+            </a:r>
+            <a:r>
+              <a:rPr lang="ko-KR" altLang="en-US" dirty="0"/>
+              <a:t>로 어떻게 보완할까요</a:t>
+            </a:r>
+            <a:r>
+              <a:rPr lang="en-US" altLang="ko-KR" dirty="0"/>
+              <a:t>?</a:t>
+            </a:r>
+          </a:p>
+          <a:p>
+            <a:r>
+              <a:rPr lang="ko-KR" altLang="en-US" dirty="0"/>
+              <a:t>앞에서 </a:t>
+            </a:r>
+            <a:r>
+              <a:rPr lang="ko-KR" altLang="en-US" dirty="0" err="1"/>
+              <a:t>말씀드린대로</a:t>
+            </a:r>
+            <a:r>
+              <a:rPr lang="ko-KR" altLang="en-US" dirty="0"/>
+              <a:t> </a:t>
+            </a:r>
+            <a:r>
+              <a:rPr lang="en-US" altLang="ko-KR" dirty="0"/>
+              <a:t>RFID</a:t>
+            </a:r>
+            <a:r>
+              <a:rPr lang="ko-KR" altLang="en-US" dirty="0"/>
+              <a:t>의 고유한 </a:t>
+            </a:r>
+            <a:r>
+              <a:rPr lang="en-US" altLang="ko-KR" dirty="0"/>
+              <a:t>ID</a:t>
+            </a:r>
+            <a:r>
+              <a:rPr lang="ko-KR" altLang="en-US" dirty="0"/>
+              <a:t>를 토대로 </a:t>
+            </a:r>
+            <a:r>
+              <a:rPr lang="en-US" altLang="ko-KR" dirty="0"/>
+              <a:t>A~D</a:t>
+            </a:r>
+            <a:r>
+              <a:rPr lang="ko-KR" altLang="en-US" dirty="0"/>
+              <a:t>로 이동하여도 각 테이블마다의 센서가 컵의 </a:t>
+            </a:r>
+            <a:r>
+              <a:rPr lang="en-US" altLang="ko-KR" dirty="0"/>
+              <a:t>RFID</a:t>
+            </a:r>
+            <a:r>
+              <a:rPr lang="ko-KR" altLang="en-US" dirty="0"/>
+              <a:t>를 인지하여</a:t>
+            </a:r>
+            <a:endParaRPr lang="en-US" altLang="ko-KR" dirty="0"/>
+          </a:p>
+          <a:p>
+            <a:r>
+              <a:rPr lang="ko-KR" altLang="en-US" dirty="0"/>
+              <a:t>이전의 좌석의 신호를 끊고 새로운 좌석의 신호를 </a:t>
+            </a:r>
+            <a:r>
+              <a:rPr lang="ko-KR" altLang="en-US" dirty="0" err="1"/>
+              <a:t>받아드림으로써</a:t>
+            </a:r>
+            <a:r>
+              <a:rPr lang="ko-KR" altLang="en-US" dirty="0"/>
+              <a:t> 실시간으로 정보를 보내는 것입니다</a:t>
             </a:r>
             <a:r>
               <a:rPr lang="en-US" altLang="ko-KR" dirty="0"/>
               <a:t>.</a:t>
             </a:r>
-          </a:p>
-          <a:p>
             <a:endParaRPr lang="ko-KR" altLang="en-US" dirty="0"/>
           </a:p>
         </p:txBody>
@@ -13741,7 +13735,7 @@
           <a:p>
             <a:fld id="{0B0AB095-EC7F-464A-AFEE-C3B9960C3A10}" type="slidenum">
               <a:rPr lang="ko-KR" altLang="en-US" smtClean="0"/>
-              <a:t>19</a:t>
+              <a:t>20</a:t>
             </a:fld>
             <a:endParaRPr lang="ko-KR" altLang="en-US"/>
           </a:p>
@@ -13750,7 +13744,7 @@
     </p:spTree>
     <p:extLst>
       <p:ext uri="{BB962C8B-B14F-4D97-AF65-F5344CB8AC3E}">
-        <p14:creationId xmlns:p14="http://schemas.microsoft.com/office/powerpoint/2010/main" val="728784439"/>
+        <p14:creationId xmlns:p14="http://schemas.microsoft.com/office/powerpoint/2010/main" val="2017290037"/>
       </p:ext>
     </p:extLst>
   </p:cSld>
@@ -13956,7 +13950,7 @@
           <a:p>
             <a:r>
               <a:rPr lang="ko-KR" altLang="en-US" dirty="0"/>
-              <a:t>목적과 문제점인식 그리고 보완도 중요하지만 이것들을 실현시킬 구현의 단계가 가장 중요하다고 생각됩니다</a:t>
+              <a:t>이제는 마지막 초록색영역 구현의 차례입니다</a:t>
             </a:r>
             <a:r>
               <a:rPr lang="en-US" altLang="ko-KR" dirty="0"/>
@@ -13964,48 +13958,6 @@
             </a:r>
           </a:p>
           <a:p>
-            <a:r>
-              <a:rPr lang="ko-KR" altLang="en-US" dirty="0"/>
-              <a:t>구현의 세부적인 단계는</a:t>
-            </a:r>
-            <a:endParaRPr lang="en-US" altLang="ko-KR" dirty="0"/>
-          </a:p>
-          <a:p>
-            <a:pPr marL="228600" indent="-228600">
-              <a:buAutoNum type="arabicPeriod"/>
-            </a:pPr>
-            <a:r>
-              <a:rPr lang="en-US" altLang="ko-KR" dirty="0"/>
-              <a:t>RFID</a:t>
-            </a:r>
-            <a:r>
-              <a:rPr lang="ko-KR" altLang="en-US" dirty="0"/>
-              <a:t>센서와 칩의 반응구현</a:t>
-            </a:r>
-            <a:endParaRPr lang="en-US" altLang="ko-KR" dirty="0"/>
-          </a:p>
-          <a:p>
-            <a:pPr marL="228600" indent="-228600">
-              <a:buAutoNum type="arabicPeriod"/>
-            </a:pPr>
-            <a:r>
-              <a:rPr lang="ko-KR" altLang="en-US" dirty="0"/>
-              <a:t>컴퓨터에 연동구현</a:t>
-            </a:r>
-            <a:endParaRPr lang="en-US" altLang="ko-KR" dirty="0"/>
-          </a:p>
-          <a:p>
-            <a:pPr marL="228600" indent="-228600">
-              <a:buAutoNum type="arabicPeriod"/>
-            </a:pPr>
-            <a:r>
-              <a:rPr lang="ko-KR" altLang="en-US" dirty="0"/>
-              <a:t>프로그래밍 구현 입니다</a:t>
-            </a:r>
-            <a:r>
-              <a:rPr lang="en-US" altLang="ko-KR" dirty="0"/>
-              <a:t>.</a:t>
-            </a:r>
             <a:endParaRPr lang="ko-KR" altLang="en-US" dirty="0"/>
           </a:p>
         </p:txBody>
@@ -14027,7 +13979,7 @@
           <a:p>
             <a:fld id="{0B0AB095-EC7F-464A-AFEE-C3B9960C3A10}" type="slidenum">
               <a:rPr lang="ko-KR" altLang="en-US" smtClean="0"/>
-              <a:t>20</a:t>
+              <a:t>21</a:t>
             </a:fld>
             <a:endParaRPr lang="ko-KR" altLang="en-US"/>
           </a:p>
@@ -14036,7 +13988,7 @@
     </p:spTree>
     <p:extLst>
       <p:ext uri="{BB962C8B-B14F-4D97-AF65-F5344CB8AC3E}">
-        <p14:creationId xmlns:p14="http://schemas.microsoft.com/office/powerpoint/2010/main" val="1969195512"/>
+        <p14:creationId xmlns:p14="http://schemas.microsoft.com/office/powerpoint/2010/main" val="728784439"/>
       </p:ext>
     </p:extLst>
   </p:cSld>
@@ -14092,27 +14044,51 @@
           <a:p>
             <a:r>
               <a:rPr lang="ko-KR" altLang="en-US" dirty="0"/>
-              <a:t>저희는 </a:t>
-            </a:r>
-            <a:r>
-              <a:rPr lang="ko-KR" altLang="en-US" dirty="0" err="1"/>
-              <a:t>아두이너와</a:t>
-            </a:r>
+              <a:t>목적과 문제점인식 그리고 보완도 중요하지만 이것들을 실현시킬 구현의 단계가 가장 중요하다고 생각됩니다</a:t>
+            </a:r>
+            <a:r>
+              <a:rPr lang="en-US" altLang="ko-KR" dirty="0"/>
+              <a:t>.</a:t>
+            </a:r>
+          </a:p>
+          <a:p>
             <a:r>
               <a:rPr lang="ko-KR" altLang="en-US" dirty="0"/>
-              <a:t> </a:t>
-            </a:r>
-            <a:r>
-              <a:rPr lang="ko-KR" altLang="en-US" dirty="0" err="1"/>
-              <a:t>프로세싱프로그램을</a:t>
+              <a:t>구현의 세부적인 단계는</a:t>
+            </a:r>
+            <a:endParaRPr lang="en-US" altLang="ko-KR" dirty="0"/>
+          </a:p>
+          <a:p>
+            <a:pPr marL="228600" indent="-228600">
+              <a:buAutoNum type="arabicPeriod"/>
+            </a:pPr>
+            <a:r>
+              <a:rPr lang="en-US" altLang="ko-KR" dirty="0"/>
+              <a:t>RFID</a:t>
             </a:r>
             <a:r>
               <a:rPr lang="ko-KR" altLang="en-US" dirty="0"/>
-              <a:t> 통하여 이를 </a:t>
-            </a:r>
-            <a:r>
-              <a:rPr lang="ko-KR" altLang="en-US" dirty="0" err="1"/>
-              <a:t>구현화하였습니다</a:t>
+              <a:t>센서와 칩의 반응구현</a:t>
+            </a:r>
+            <a:endParaRPr lang="en-US" altLang="ko-KR" dirty="0"/>
+          </a:p>
+          <a:p>
+            <a:pPr marL="228600" indent="-228600">
+              <a:buAutoNum type="arabicPeriod"/>
+            </a:pPr>
+            <a:r>
+              <a:rPr lang="ko-KR" altLang="en-US" dirty="0"/>
+              <a:t>컴퓨터에 연동구현</a:t>
+            </a:r>
+            <a:endParaRPr lang="en-US" altLang="ko-KR" dirty="0"/>
+          </a:p>
+          <a:p>
+            <a:pPr marL="228600" indent="-228600">
+              <a:buAutoNum type="arabicPeriod"/>
+            </a:pPr>
+            <a:r>
+              <a:rPr lang="ko-KR" altLang="en-US" dirty="0"/>
+              <a:t>프로그래밍 구현 입니다</a:t>
             </a:r>
             <a:r>
               <a:rPr lang="en-US" altLang="ko-KR" dirty="0"/>
@@ -14139,7 +14115,7 @@
           <a:p>
             <a:fld id="{0B0AB095-EC7F-464A-AFEE-C3B9960C3A10}" type="slidenum">
               <a:rPr lang="ko-KR" altLang="en-US" smtClean="0"/>
-              <a:t>21</a:t>
+              <a:t>22</a:t>
             </a:fld>
             <a:endParaRPr lang="ko-KR" altLang="en-US"/>
           </a:p>
@@ -14148,7 +14124,7 @@
     </p:spTree>
     <p:extLst>
       <p:ext uri="{BB962C8B-B14F-4D97-AF65-F5344CB8AC3E}">
-        <p14:creationId xmlns:p14="http://schemas.microsoft.com/office/powerpoint/2010/main" val="2250804043"/>
+        <p14:creationId xmlns:p14="http://schemas.microsoft.com/office/powerpoint/2010/main" val="1969195512"/>
       </p:ext>
     </p:extLst>
   </p:cSld>
@@ -14204,138 +14180,27 @@
           <a:p>
             <a:r>
               <a:rPr lang="ko-KR" altLang="en-US" dirty="0"/>
-              <a:t>화면에 보이시는 것은 </a:t>
+              <a:t>저희는 </a:t>
             </a:r>
             <a:r>
               <a:rPr lang="ko-KR" altLang="en-US" dirty="0" err="1"/>
-              <a:t>아두이너로</a:t>
+              <a:t>아두이너와</a:t>
             </a:r>
             <a:r>
               <a:rPr lang="ko-KR" altLang="en-US" dirty="0"/>
               <a:t> </a:t>
             </a:r>
             <a:r>
-              <a:rPr lang="en-US" altLang="ko-KR" dirty="0"/>
-              <a:t>RFID</a:t>
+              <a:rPr lang="ko-KR" altLang="en-US" dirty="0" err="1"/>
+              <a:t>프로세싱프로그램을</a:t>
             </a:r>
             <a:r>
               <a:rPr lang="ko-KR" altLang="en-US" dirty="0"/>
-              <a:t>를 </a:t>
+              <a:t> 통하여 이를 </a:t>
             </a:r>
             <a:r>
               <a:rPr lang="ko-KR" altLang="en-US" dirty="0" err="1"/>
-              <a:t>구현화시켜주는</a:t>
-            </a:r>
-            <a:r>
-              <a:rPr lang="ko-KR" altLang="en-US" dirty="0"/>
-              <a:t> </a:t>
-            </a:r>
-            <a:r>
-              <a:rPr lang="en-US" altLang="ko-KR" dirty="0"/>
-              <a:t>SET</a:t>
-            </a:r>
-            <a:r>
-              <a:rPr lang="ko-KR" altLang="en-US" dirty="0"/>
-              <a:t>입니다</a:t>
-            </a:r>
-            <a:r>
-              <a:rPr lang="en-US" altLang="ko-KR" dirty="0"/>
-              <a:t>. </a:t>
-            </a:r>
-            <a:r>
-              <a:rPr lang="ko-KR" altLang="en-US" dirty="0"/>
-              <a:t>가운데 보이는 것이 </a:t>
-            </a:r>
-            <a:r>
-              <a:rPr lang="ko-KR" altLang="en-US" dirty="0" err="1"/>
-              <a:t>감지센서이며</a:t>
-            </a:r>
-            <a:r>
-              <a:rPr lang="ko-KR" altLang="en-US" dirty="0"/>
-              <a:t> 양쪽으로는 코인 카드 형태의 </a:t>
-            </a:r>
-            <a:r>
-              <a:rPr lang="en-US" altLang="ko-KR" dirty="0"/>
-              <a:t>RFID</a:t>
-            </a:r>
-            <a:r>
-              <a:rPr lang="ko-KR" altLang="en-US" dirty="0"/>
-              <a:t>칩을 내장하고 있습니다</a:t>
-            </a:r>
-            <a:r>
-              <a:rPr lang="en-US" altLang="ko-KR" dirty="0"/>
-              <a:t>.</a:t>
-            </a:r>
-          </a:p>
-          <a:p>
-            <a:r>
-              <a:rPr lang="ko-KR" altLang="en-US" dirty="0"/>
-              <a:t>다음은 </a:t>
-            </a:r>
-            <a:r>
-              <a:rPr lang="ko-KR" altLang="en-US" dirty="0" err="1"/>
-              <a:t>아두이너와</a:t>
-            </a:r>
-            <a:r>
-              <a:rPr lang="ko-KR" altLang="en-US" dirty="0"/>
-              <a:t> </a:t>
-            </a:r>
-            <a:r>
-              <a:rPr lang="en-US" altLang="ko-KR" dirty="0"/>
-              <a:t>RFID</a:t>
-            </a:r>
-            <a:r>
-              <a:rPr lang="ko-KR" altLang="en-US" dirty="0"/>
-              <a:t>센서를 연결하기 위한 회로도 입니다</a:t>
-            </a:r>
-            <a:r>
-              <a:rPr lang="en-US" altLang="ko-KR" dirty="0"/>
-              <a:t>. </a:t>
-            </a:r>
-            <a:r>
-              <a:rPr lang="ko-KR" altLang="en-US" dirty="0"/>
-              <a:t>연결에 따른 회로 및 내용들이 더 있지만 우선 대표적인 연결회로만 보여드리고</a:t>
-            </a:r>
-            <a:endParaRPr lang="en-US" altLang="ko-KR" dirty="0"/>
-          </a:p>
-          <a:p>
-            <a:r>
-              <a:rPr lang="ko-KR" altLang="en-US" dirty="0"/>
-              <a:t>다음은 연결된 </a:t>
-            </a:r>
-            <a:r>
-              <a:rPr lang="ko-KR" altLang="en-US" dirty="0" err="1"/>
-              <a:t>아두이너와</a:t>
-            </a:r>
-            <a:r>
-              <a:rPr lang="ko-KR" altLang="en-US" dirty="0"/>
-              <a:t> 센서를 통해 </a:t>
-            </a:r>
-            <a:r>
-              <a:rPr lang="en-US" altLang="ko-KR" dirty="0"/>
-              <a:t>RFID</a:t>
-            </a:r>
-            <a:r>
-              <a:rPr lang="ko-KR" altLang="en-US" dirty="0"/>
-              <a:t>칩을 접근시켰을 시 반응하는 모습을 보여드리고 있습니다</a:t>
-            </a:r>
-            <a:r>
-              <a:rPr lang="en-US" altLang="ko-KR" dirty="0"/>
-              <a:t>.</a:t>
-            </a:r>
-          </a:p>
-          <a:p>
-            <a:r>
-              <a:rPr lang="ko-KR" altLang="en-US" dirty="0"/>
-              <a:t>이 단계를 통하여 우선적으로 </a:t>
-            </a:r>
-            <a:r>
-              <a:rPr lang="en-US" altLang="ko-KR" dirty="0"/>
-              <a:t>RFID </a:t>
-            </a:r>
-            <a:r>
-              <a:rPr lang="ko-KR" altLang="en-US" dirty="0"/>
-              <a:t>센서와 칩에 대한 반응을 구현했습니다</a:t>
+              <a:t>구현화하였습니다</a:t>
             </a:r>
             <a:r>
               <a:rPr lang="en-US" altLang="ko-KR" dirty="0"/>
@@ -14363,6 +14228,229 @@
             <a:fld id="{0B0AB095-EC7F-464A-AFEE-C3B9960C3A10}" type="slidenum">
               <a:rPr lang="ko-KR" altLang="en-US" smtClean="0"/>
               <a:t>23</a:t>
+            </a:fld>
+            <a:endParaRPr lang="ko-KR" altLang="en-US"/>
+          </a:p>
+        </p:txBody>
+      </p:sp>
+    </p:spTree>
+    <p:extLst>
+      <p:ext uri="{BB962C8B-B14F-4D97-AF65-F5344CB8AC3E}">
+        <p14:creationId xmlns:p14="http://schemas.microsoft.com/office/powerpoint/2010/main" val="2250804043"/>
+      </p:ext>
+    </p:extLst>
+  </p:cSld>
+  <p:clrMapOvr>
+    <a:masterClrMapping/>
+  </p:clrMapOvr>
+</p:notes>
+</file>
+
+<file path=ppt/notesSlides/notesSlide23.xml><?xml version="1.0" encoding="utf-8"?>
+<p:notes xmlns:a="http://schemas.openxmlformats.org/drawingml/2006/main" xmlns:r="http://schemas.openxmlformats.org/officeDocument/2006/relationships" xmlns:p="http://schemas.openxmlformats.org/presentationml/2006/main">
+  <p:cSld>
+    <p:spTree>
+      <p:nvGrpSpPr>
+        <p:cNvPr id="1" name=""/>
+        <p:cNvGrpSpPr/>
+        <p:nvPr/>
+      </p:nvGrpSpPr>
+      <p:grpSpPr>
+        <a:xfrm>
+          <a:off x="0" y="0"/>
+          <a:ext cx="0" cy="0"/>
+          <a:chOff x="0" y="0"/>
+          <a:chExt cx="0" cy="0"/>
+        </a:xfrm>
+      </p:grpSpPr>
+      <p:sp>
+        <p:nvSpPr>
+          <p:cNvPr id="2" name="슬라이드 이미지 개체 틀 1"/>
+          <p:cNvSpPr>
+            <a:spLocks noGrp="1" noRot="1" noChangeAspect="1"/>
+          </p:cNvSpPr>
+          <p:nvPr>
+            <p:ph type="sldImg"/>
+          </p:nvPr>
+        </p:nvSpPr>
+        <p:spPr/>
+      </p:sp>
+      <p:sp>
+        <p:nvSpPr>
+          <p:cNvPr id="3" name="슬라이드 노트 개체 틀 2"/>
+          <p:cNvSpPr>
+            <a:spLocks noGrp="1"/>
+          </p:cNvSpPr>
+          <p:nvPr>
+            <p:ph type="body" idx="1"/>
+          </p:nvPr>
+        </p:nvSpPr>
+        <p:spPr/>
+        <p:txBody>
+          <a:bodyPr/>
+          <a:lstStyle/>
+          <a:p>
+            <a:r>
+              <a:rPr lang="ko-KR" altLang="en-US" dirty="0"/>
+              <a:t>화면에 보이시는 것은 </a:t>
+            </a:r>
+            <a:r>
+              <a:rPr lang="ko-KR" altLang="en-US" dirty="0" err="1"/>
+              <a:t>아두이너로</a:t>
+            </a:r>
+            <a:r>
+              <a:rPr lang="ko-KR" altLang="en-US" dirty="0"/>
+              <a:t> </a:t>
+            </a:r>
+            <a:r>
+              <a:rPr lang="en-US" altLang="ko-KR" dirty="0"/>
+              <a:t>RFID</a:t>
+            </a:r>
+            <a:r>
+              <a:rPr lang="ko-KR" altLang="en-US" dirty="0"/>
+              <a:t>를 </a:t>
+            </a:r>
+            <a:r>
+              <a:rPr lang="ko-KR" altLang="en-US" dirty="0" err="1"/>
+              <a:t>구현화시켜주는</a:t>
+            </a:r>
+            <a:r>
+              <a:rPr lang="ko-KR" altLang="en-US" dirty="0"/>
+              <a:t> </a:t>
+            </a:r>
+            <a:r>
+              <a:rPr lang="en-US" altLang="ko-KR" dirty="0"/>
+              <a:t>SET</a:t>
+            </a:r>
+            <a:r>
+              <a:rPr lang="ko-KR" altLang="en-US" dirty="0"/>
+              <a:t>입니다</a:t>
+            </a:r>
+            <a:r>
+              <a:rPr lang="en-US" altLang="ko-KR" dirty="0"/>
+              <a:t>. </a:t>
+            </a:r>
+            <a:r>
+              <a:rPr lang="ko-KR" altLang="en-US" dirty="0"/>
+              <a:t>가운데 보이는 것이 </a:t>
+            </a:r>
+            <a:r>
+              <a:rPr lang="ko-KR" altLang="en-US" dirty="0" err="1"/>
+              <a:t>감지센서이며</a:t>
+            </a:r>
+            <a:r>
+              <a:rPr lang="ko-KR" altLang="en-US" dirty="0"/>
+              <a:t> 양쪽으로는 코인 카드 형태의 </a:t>
+            </a:r>
+            <a:r>
+              <a:rPr lang="en-US" altLang="ko-KR" dirty="0"/>
+              <a:t>RFID</a:t>
+            </a:r>
+            <a:r>
+              <a:rPr lang="ko-KR" altLang="en-US" dirty="0"/>
+              <a:t>칩을 내장하고 있습니다</a:t>
+            </a:r>
+            <a:r>
+              <a:rPr lang="en-US" altLang="ko-KR" dirty="0"/>
+              <a:t>.</a:t>
+            </a:r>
+          </a:p>
+          <a:p>
+            <a:r>
+              <a:rPr lang="ko-KR" altLang="en-US" dirty="0"/>
+              <a:t>다음은 </a:t>
+            </a:r>
+            <a:r>
+              <a:rPr lang="ko-KR" altLang="en-US" dirty="0" err="1"/>
+              <a:t>아두이너와</a:t>
+            </a:r>
+            <a:r>
+              <a:rPr lang="ko-KR" altLang="en-US" dirty="0"/>
+              <a:t> </a:t>
+            </a:r>
+            <a:r>
+              <a:rPr lang="en-US" altLang="ko-KR" dirty="0"/>
+              <a:t>RFID</a:t>
+            </a:r>
+            <a:r>
+              <a:rPr lang="ko-KR" altLang="en-US" dirty="0"/>
+              <a:t>센서를 연결하기 위한 회로도 입니다</a:t>
+            </a:r>
+            <a:r>
+              <a:rPr lang="en-US" altLang="ko-KR" dirty="0"/>
+              <a:t>. </a:t>
+            </a:r>
+            <a:r>
+              <a:rPr lang="ko-KR" altLang="en-US" dirty="0"/>
+              <a:t>연결에 따른 회로 및 내용들이 더 있지만 우선 대표적인 연결회로만 보여드리고</a:t>
+            </a:r>
+            <a:endParaRPr lang="en-US" altLang="ko-KR" dirty="0"/>
+          </a:p>
+          <a:p>
+            <a:r>
+              <a:rPr lang="ko-KR" altLang="en-US" dirty="0"/>
+              <a:t>다음은 연결된 </a:t>
+            </a:r>
+            <a:r>
+              <a:rPr lang="ko-KR" altLang="en-US" dirty="0" err="1"/>
+              <a:t>아두이너와</a:t>
+            </a:r>
+            <a:r>
+              <a:rPr lang="ko-KR" altLang="en-US" dirty="0"/>
+              <a:t> 센서를 통해 </a:t>
+            </a:r>
+            <a:r>
+              <a:rPr lang="en-US" altLang="ko-KR" dirty="0"/>
+              <a:t>RFID</a:t>
+            </a:r>
+            <a:r>
+              <a:rPr lang="ko-KR" altLang="en-US" dirty="0"/>
+              <a:t>칩을 접근시켰을 시 반응하는 모습을 보여드리고 있습니다</a:t>
+            </a:r>
+            <a:r>
+              <a:rPr lang="en-US" altLang="ko-KR" dirty="0"/>
+              <a:t>.</a:t>
+            </a:r>
+          </a:p>
+          <a:p>
+            <a:r>
+              <a:rPr lang="ko-KR" altLang="en-US" dirty="0"/>
+              <a:t>이 단계를 통하여 우선적으로 </a:t>
+            </a:r>
+            <a:r>
+              <a:rPr lang="en-US" altLang="ko-KR" dirty="0"/>
+              <a:t>RFID </a:t>
+            </a:r>
+            <a:r>
+              <a:rPr lang="ko-KR" altLang="en-US" dirty="0"/>
+              <a:t>센서와 칩에 대한 반응을 구현했습니다</a:t>
+            </a:r>
+            <a:r>
+              <a:rPr lang="en-US" altLang="ko-KR" dirty="0"/>
+              <a:t>.</a:t>
+            </a:r>
+            <a:endParaRPr lang="ko-KR" altLang="en-US" dirty="0"/>
+          </a:p>
+        </p:txBody>
+      </p:sp>
+      <p:sp>
+        <p:nvSpPr>
+          <p:cNvPr id="4" name="슬라이드 번호 개체 틀 3"/>
+          <p:cNvSpPr>
+            <a:spLocks noGrp="1"/>
+          </p:cNvSpPr>
+          <p:nvPr>
+            <p:ph type="sldNum" sz="quarter" idx="5"/>
+          </p:nvPr>
+        </p:nvSpPr>
+        <p:spPr/>
+        <p:txBody>
+          <a:bodyPr/>
+          <a:lstStyle/>
+          <a:p>
+            <a:fld id="{0B0AB095-EC7F-464A-AFEE-C3B9960C3A10}" type="slidenum">
+              <a:rPr lang="ko-KR" altLang="en-US" smtClean="0"/>
+              <a:t>24</a:t>
             </a:fld>
             <a:endParaRPr lang="ko-KR" altLang="en-US"/>
           </a:p>
@@ -18699,6 +18787,952 @@
       </p:grpSpPr>
       <p:pic>
         <p:nvPicPr>
+          <p:cNvPr id="3" name="그래픽 2" descr="남자">
+            <a:extLst>
+              <a:ext uri="{FF2B5EF4-FFF2-40B4-BE49-F238E27FC236}">
+                <a16:creationId xmlns:a16="http://schemas.microsoft.com/office/drawing/2014/main" id="{E56E5151-5057-4722-8680-1E10D832B017}"/>
+              </a:ext>
+            </a:extLst>
+          </p:cNvPr>
+          <p:cNvPicPr>
+            <a:picLocks noChangeAspect="1"/>
+          </p:cNvPicPr>
+          <p:nvPr/>
+        </p:nvPicPr>
+        <p:blipFill>
+          <a:blip r:embed="rId3">
+            <a:extLst>
+              <a:ext uri="{28A0092B-C50C-407E-A947-70E740481C1C}">
+                <a14:useLocalDpi xmlns:a14="http://schemas.microsoft.com/office/drawing/2010/main" val="0"/>
+              </a:ext>
+              <a:ext uri="{96DAC541-7B7A-43D3-8B79-37D633B846F1}">
+                <asvg:svgBlip xmlns:asvg="http://schemas.microsoft.com/office/drawing/2016/SVG/main" r:embed="rId4"/>
+              </a:ext>
+            </a:extLst>
+          </a:blip>
+          <a:stretch>
+            <a:fillRect/>
+          </a:stretch>
+        </p:blipFill>
+        <p:spPr>
+          <a:xfrm>
+            <a:off x="188347" y="3609975"/>
+            <a:ext cx="2061706" cy="2061706"/>
+          </a:xfrm>
+          <a:prstGeom prst="rect">
+            <a:avLst/>
+          </a:prstGeom>
+        </p:spPr>
+      </p:pic>
+      <p:sp>
+        <p:nvSpPr>
+          <p:cNvPr id="5" name="제목 1">
+            <a:extLst>
+              <a:ext uri="{FF2B5EF4-FFF2-40B4-BE49-F238E27FC236}">
+                <a16:creationId xmlns:a16="http://schemas.microsoft.com/office/drawing/2014/main" id="{8C773ED7-FCB2-4307-8979-D29FC758B63E}"/>
+              </a:ext>
+            </a:extLst>
+          </p:cNvPr>
+          <p:cNvSpPr txBox="1">
+            <a:spLocks/>
+          </p:cNvSpPr>
+          <p:nvPr/>
+        </p:nvSpPr>
+        <p:spPr>
+          <a:xfrm>
+            <a:off x="5754103" y="952667"/>
+            <a:ext cx="1809750" cy="1368425"/>
+          </a:xfrm>
+          <a:prstGeom prst="rect">
+            <a:avLst/>
+          </a:prstGeom>
+        </p:spPr>
+        <p:txBody>
+          <a:bodyPr/>
+          <a:lstStyle>
+            <a:lvl1pPr algn="l" defTabSz="914400" rtl="0" eaLnBrk="1" latinLnBrk="1" hangingPunct="1">
+              <a:lnSpc>
+                <a:spcPct val="90000"/>
+              </a:lnSpc>
+              <a:spcBef>
+                <a:spcPct val="0"/>
+              </a:spcBef>
+              <a:buNone/>
+              <a:defRPr sz="4400" kern="1200">
+                <a:solidFill>
+                  <a:schemeClr val="tx1"/>
+                </a:solidFill>
+                <a:latin typeface="+mj-lt"/>
+                <a:ea typeface="+mj-ea"/>
+                <a:cs typeface="+mj-cs"/>
+              </a:defRPr>
+            </a:lvl1pPr>
+          </a:lstStyle>
+          <a:p>
+            <a:r>
+              <a:rPr lang="en-US" altLang="ko-KR" sz="11500" dirty="0">
+                <a:latin typeface="Berlin Sans FB Demi" panose="020E0802020502020306" pitchFamily="34" charset="0"/>
+              </a:rPr>
+              <a:t>?</a:t>
+            </a:r>
+            <a:endParaRPr lang="ko-KR" altLang="en-US" sz="11500" dirty="0">
+              <a:latin typeface="Berlin Sans FB Demi" panose="020E0802020502020306" pitchFamily="34" charset="0"/>
+            </a:endParaRPr>
+          </a:p>
+        </p:txBody>
+      </p:sp>
+      <p:pic>
+        <p:nvPicPr>
+          <p:cNvPr id="9" name="그래픽 8" descr="사용자">
+            <a:extLst>
+              <a:ext uri="{FF2B5EF4-FFF2-40B4-BE49-F238E27FC236}">
+                <a16:creationId xmlns:a16="http://schemas.microsoft.com/office/drawing/2014/main" id="{B4D19361-BD67-43C7-8549-267D56446532}"/>
+              </a:ext>
+            </a:extLst>
+          </p:cNvPr>
+          <p:cNvPicPr>
+            <a:picLocks noChangeAspect="1"/>
+          </p:cNvPicPr>
+          <p:nvPr/>
+        </p:nvPicPr>
+        <p:blipFill>
+          <a:blip r:embed="rId5">
+            <a:extLst>
+              <a:ext uri="{28A0092B-C50C-407E-A947-70E740481C1C}">
+                <a14:useLocalDpi xmlns:a14="http://schemas.microsoft.com/office/drawing/2010/main" val="0"/>
+              </a:ext>
+              <a:ext uri="{96DAC541-7B7A-43D3-8B79-37D633B846F1}">
+                <asvg:svgBlip xmlns:asvg="http://schemas.microsoft.com/office/drawing/2016/SVG/main" r:embed="rId6"/>
+              </a:ext>
+            </a:extLst>
+          </a:blip>
+          <a:stretch>
+            <a:fillRect/>
+          </a:stretch>
+        </p:blipFill>
+        <p:spPr>
+          <a:xfrm>
+            <a:off x="7443537" y="3609975"/>
+            <a:ext cx="914400" cy="914400"/>
+          </a:xfrm>
+          <a:prstGeom prst="rect">
+            <a:avLst/>
+          </a:prstGeom>
+        </p:spPr>
+      </p:pic>
+      <p:pic>
+        <p:nvPicPr>
+          <p:cNvPr id="10" name="그래픽 9" descr="사용자">
+            <a:extLst>
+              <a:ext uri="{FF2B5EF4-FFF2-40B4-BE49-F238E27FC236}">
+                <a16:creationId xmlns:a16="http://schemas.microsoft.com/office/drawing/2014/main" id="{B59EDB05-D003-49CD-9E83-55FD66FD9129}"/>
+              </a:ext>
+            </a:extLst>
+          </p:cNvPr>
+          <p:cNvPicPr>
+            <a:picLocks noChangeAspect="1"/>
+          </p:cNvPicPr>
+          <p:nvPr/>
+        </p:nvPicPr>
+        <p:blipFill>
+          <a:blip r:embed="rId5">
+            <a:extLst>
+              <a:ext uri="{28A0092B-C50C-407E-A947-70E740481C1C}">
+                <a14:useLocalDpi xmlns:a14="http://schemas.microsoft.com/office/drawing/2010/main" val="0"/>
+              </a:ext>
+              <a:ext uri="{96DAC541-7B7A-43D3-8B79-37D633B846F1}">
+                <asvg:svgBlip xmlns:asvg="http://schemas.microsoft.com/office/drawing/2016/SVG/main" r:embed="rId6"/>
+              </a:ext>
+            </a:extLst>
+          </a:blip>
+          <a:stretch>
+            <a:fillRect/>
+          </a:stretch>
+        </p:blipFill>
+        <p:spPr>
+          <a:xfrm>
+            <a:off x="8233611" y="3609975"/>
+            <a:ext cx="914400" cy="914400"/>
+          </a:xfrm>
+          <a:prstGeom prst="rect">
+            <a:avLst/>
+          </a:prstGeom>
+        </p:spPr>
+      </p:pic>
+      <p:pic>
+        <p:nvPicPr>
+          <p:cNvPr id="11" name="그래픽 10" descr="사용자">
+            <a:extLst>
+              <a:ext uri="{FF2B5EF4-FFF2-40B4-BE49-F238E27FC236}">
+                <a16:creationId xmlns:a16="http://schemas.microsoft.com/office/drawing/2014/main" id="{E834A126-FC98-4A3C-BEE5-C393961F7C34}"/>
+              </a:ext>
+            </a:extLst>
+          </p:cNvPr>
+          <p:cNvPicPr>
+            <a:picLocks noChangeAspect="1"/>
+          </p:cNvPicPr>
+          <p:nvPr/>
+        </p:nvPicPr>
+        <p:blipFill>
+          <a:blip r:embed="rId5">
+            <a:extLst>
+              <a:ext uri="{28A0092B-C50C-407E-A947-70E740481C1C}">
+                <a14:useLocalDpi xmlns:a14="http://schemas.microsoft.com/office/drawing/2010/main" val="0"/>
+              </a:ext>
+              <a:ext uri="{96DAC541-7B7A-43D3-8B79-37D633B846F1}">
+                <asvg:svgBlip xmlns:asvg="http://schemas.microsoft.com/office/drawing/2016/SVG/main" r:embed="rId6"/>
+              </a:ext>
+            </a:extLst>
+          </a:blip>
+          <a:stretch>
+            <a:fillRect/>
+          </a:stretch>
+        </p:blipFill>
+        <p:spPr>
+          <a:xfrm>
+            <a:off x="9023685" y="3609975"/>
+            <a:ext cx="914400" cy="914400"/>
+          </a:xfrm>
+          <a:prstGeom prst="rect">
+            <a:avLst/>
+          </a:prstGeom>
+        </p:spPr>
+      </p:pic>
+      <p:pic>
+        <p:nvPicPr>
+          <p:cNvPr id="12" name="그래픽 11" descr="사용자">
+            <a:extLst>
+              <a:ext uri="{FF2B5EF4-FFF2-40B4-BE49-F238E27FC236}">
+                <a16:creationId xmlns:a16="http://schemas.microsoft.com/office/drawing/2014/main" id="{1146F137-66F2-465A-9428-F48B4AAB63D3}"/>
+              </a:ext>
+            </a:extLst>
+          </p:cNvPr>
+          <p:cNvPicPr>
+            <a:picLocks noChangeAspect="1"/>
+          </p:cNvPicPr>
+          <p:nvPr/>
+        </p:nvPicPr>
+        <p:blipFill>
+          <a:blip r:embed="rId5">
+            <a:extLst>
+              <a:ext uri="{28A0092B-C50C-407E-A947-70E740481C1C}">
+                <a14:useLocalDpi xmlns:a14="http://schemas.microsoft.com/office/drawing/2010/main" val="0"/>
+              </a:ext>
+              <a:ext uri="{96DAC541-7B7A-43D3-8B79-37D633B846F1}">
+                <asvg:svgBlip xmlns:asvg="http://schemas.microsoft.com/office/drawing/2016/SVG/main" r:embed="rId6"/>
+              </a:ext>
+            </a:extLst>
+          </a:blip>
+          <a:stretch>
+            <a:fillRect/>
+          </a:stretch>
+        </p:blipFill>
+        <p:spPr>
+          <a:xfrm>
+            <a:off x="9813759" y="3609975"/>
+            <a:ext cx="914400" cy="914400"/>
+          </a:xfrm>
+          <a:prstGeom prst="rect">
+            <a:avLst/>
+          </a:prstGeom>
+        </p:spPr>
+      </p:pic>
+      <p:pic>
+        <p:nvPicPr>
+          <p:cNvPr id="13" name="그래픽 12" descr="사용자">
+            <a:extLst>
+              <a:ext uri="{FF2B5EF4-FFF2-40B4-BE49-F238E27FC236}">
+                <a16:creationId xmlns:a16="http://schemas.microsoft.com/office/drawing/2014/main" id="{C052D8B4-DA5F-4DA7-A171-FECDFB9D177C}"/>
+              </a:ext>
+            </a:extLst>
+          </p:cNvPr>
+          <p:cNvPicPr>
+            <a:picLocks noChangeAspect="1"/>
+          </p:cNvPicPr>
+          <p:nvPr/>
+        </p:nvPicPr>
+        <p:blipFill>
+          <a:blip r:embed="rId5">
+            <a:extLst>
+              <a:ext uri="{28A0092B-C50C-407E-A947-70E740481C1C}">
+                <a14:useLocalDpi xmlns:a14="http://schemas.microsoft.com/office/drawing/2010/main" val="0"/>
+              </a:ext>
+              <a:ext uri="{96DAC541-7B7A-43D3-8B79-37D633B846F1}">
+                <asvg:svgBlip xmlns:asvg="http://schemas.microsoft.com/office/drawing/2016/SVG/main" r:embed="rId6"/>
+              </a:ext>
+            </a:extLst>
+          </a:blip>
+          <a:stretch>
+            <a:fillRect/>
+          </a:stretch>
+        </p:blipFill>
+        <p:spPr>
+          <a:xfrm>
+            <a:off x="7443537" y="4524375"/>
+            <a:ext cx="914400" cy="914400"/>
+          </a:xfrm>
+          <a:prstGeom prst="rect">
+            <a:avLst/>
+          </a:prstGeom>
+        </p:spPr>
+      </p:pic>
+      <p:pic>
+        <p:nvPicPr>
+          <p:cNvPr id="14" name="그래픽 13" descr="사용자">
+            <a:extLst>
+              <a:ext uri="{FF2B5EF4-FFF2-40B4-BE49-F238E27FC236}">
+                <a16:creationId xmlns:a16="http://schemas.microsoft.com/office/drawing/2014/main" id="{B5E31461-4DCC-488D-8201-264B6160D294}"/>
+              </a:ext>
+            </a:extLst>
+          </p:cNvPr>
+          <p:cNvPicPr>
+            <a:picLocks noChangeAspect="1"/>
+          </p:cNvPicPr>
+          <p:nvPr/>
+        </p:nvPicPr>
+        <p:blipFill>
+          <a:blip r:embed="rId5">
+            <a:extLst>
+              <a:ext uri="{28A0092B-C50C-407E-A947-70E740481C1C}">
+                <a14:useLocalDpi xmlns:a14="http://schemas.microsoft.com/office/drawing/2010/main" val="0"/>
+              </a:ext>
+              <a:ext uri="{96DAC541-7B7A-43D3-8B79-37D633B846F1}">
+                <asvg:svgBlip xmlns:asvg="http://schemas.microsoft.com/office/drawing/2016/SVG/main" r:embed="rId6"/>
+              </a:ext>
+            </a:extLst>
+          </a:blip>
+          <a:stretch>
+            <a:fillRect/>
+          </a:stretch>
+        </p:blipFill>
+        <p:spPr>
+          <a:xfrm>
+            <a:off x="8217069" y="4524375"/>
+            <a:ext cx="914400" cy="914400"/>
+          </a:xfrm>
+          <a:prstGeom prst="rect">
+            <a:avLst/>
+          </a:prstGeom>
+        </p:spPr>
+      </p:pic>
+      <p:pic>
+        <p:nvPicPr>
+          <p:cNvPr id="15" name="그래픽 14" descr="사용자">
+            <a:extLst>
+              <a:ext uri="{FF2B5EF4-FFF2-40B4-BE49-F238E27FC236}">
+                <a16:creationId xmlns:a16="http://schemas.microsoft.com/office/drawing/2014/main" id="{A26226B5-2F7D-46FA-AEFD-49FFEBF45956}"/>
+              </a:ext>
+            </a:extLst>
+          </p:cNvPr>
+          <p:cNvPicPr>
+            <a:picLocks noChangeAspect="1"/>
+          </p:cNvPicPr>
+          <p:nvPr/>
+        </p:nvPicPr>
+        <p:blipFill>
+          <a:blip r:embed="rId5">
+            <a:extLst>
+              <a:ext uri="{28A0092B-C50C-407E-A947-70E740481C1C}">
+                <a14:useLocalDpi xmlns:a14="http://schemas.microsoft.com/office/drawing/2010/main" val="0"/>
+              </a:ext>
+              <a:ext uri="{96DAC541-7B7A-43D3-8B79-37D633B846F1}">
+                <asvg:svgBlip xmlns:asvg="http://schemas.microsoft.com/office/drawing/2016/SVG/main" r:embed="rId6"/>
+              </a:ext>
+            </a:extLst>
+          </a:blip>
+          <a:stretch>
+            <a:fillRect/>
+          </a:stretch>
+        </p:blipFill>
+        <p:spPr>
+          <a:xfrm>
+            <a:off x="9015414" y="4524375"/>
+            <a:ext cx="914400" cy="914400"/>
+          </a:xfrm>
+          <a:prstGeom prst="rect">
+            <a:avLst/>
+          </a:prstGeom>
+        </p:spPr>
+      </p:pic>
+      <p:pic>
+        <p:nvPicPr>
+          <p:cNvPr id="16" name="그래픽 15" descr="사용자">
+            <a:extLst>
+              <a:ext uri="{FF2B5EF4-FFF2-40B4-BE49-F238E27FC236}">
+                <a16:creationId xmlns:a16="http://schemas.microsoft.com/office/drawing/2014/main" id="{52F24E4D-A366-4372-BD66-6040E26A18ED}"/>
+              </a:ext>
+            </a:extLst>
+          </p:cNvPr>
+          <p:cNvPicPr>
+            <a:picLocks noChangeAspect="1"/>
+          </p:cNvPicPr>
+          <p:nvPr/>
+        </p:nvPicPr>
+        <p:blipFill>
+          <a:blip r:embed="rId5">
+            <a:extLst>
+              <a:ext uri="{28A0092B-C50C-407E-A947-70E740481C1C}">
+                <a14:useLocalDpi xmlns:a14="http://schemas.microsoft.com/office/drawing/2010/main" val="0"/>
+              </a:ext>
+              <a:ext uri="{96DAC541-7B7A-43D3-8B79-37D633B846F1}">
+                <asvg:svgBlip xmlns:asvg="http://schemas.microsoft.com/office/drawing/2016/SVG/main" r:embed="rId6"/>
+              </a:ext>
+            </a:extLst>
+          </a:blip>
+          <a:stretch>
+            <a:fillRect/>
+          </a:stretch>
+        </p:blipFill>
+        <p:spPr>
+          <a:xfrm>
+            <a:off x="9841337" y="4524375"/>
+            <a:ext cx="914400" cy="914400"/>
+          </a:xfrm>
+          <a:prstGeom prst="rect">
+            <a:avLst/>
+          </a:prstGeom>
+        </p:spPr>
+      </p:pic>
+      <p:pic>
+        <p:nvPicPr>
+          <p:cNvPr id="18" name="그래픽 17" descr="상점">
+            <a:extLst>
+              <a:ext uri="{FF2B5EF4-FFF2-40B4-BE49-F238E27FC236}">
+                <a16:creationId xmlns:a16="http://schemas.microsoft.com/office/drawing/2014/main" id="{6775AB86-529E-4369-984A-F74FED8BDA23}"/>
+              </a:ext>
+            </a:extLst>
+          </p:cNvPr>
+          <p:cNvPicPr>
+            <a:picLocks noChangeAspect="1"/>
+          </p:cNvPicPr>
+          <p:nvPr/>
+        </p:nvPicPr>
+        <p:blipFill>
+          <a:blip r:embed="rId7">
+            <a:extLst>
+              <a:ext uri="{28A0092B-C50C-407E-A947-70E740481C1C}">
+                <a14:useLocalDpi xmlns:a14="http://schemas.microsoft.com/office/drawing/2010/main" val="0"/>
+              </a:ext>
+              <a:ext uri="{96DAC541-7B7A-43D3-8B79-37D633B846F1}">
+                <asvg:svgBlip xmlns:asvg="http://schemas.microsoft.com/office/drawing/2016/SVG/main" r:embed="rId8"/>
+              </a:ext>
+            </a:extLst>
+          </a:blip>
+          <a:stretch>
+            <a:fillRect/>
+          </a:stretch>
+        </p:blipFill>
+        <p:spPr>
+          <a:xfrm>
+            <a:off x="8130970" y="2790825"/>
+            <a:ext cx="1777159" cy="914400"/>
+          </a:xfrm>
+          <a:prstGeom prst="rect">
+            <a:avLst/>
+          </a:prstGeom>
+        </p:spPr>
+      </p:pic>
+    </p:spTree>
+    <p:extLst>
+      <p:ext uri="{BB962C8B-B14F-4D97-AF65-F5344CB8AC3E}">
+        <p14:creationId xmlns:p14="http://schemas.microsoft.com/office/powerpoint/2010/main" val="1802536654"/>
+      </p:ext>
+    </p:extLst>
+  </p:cSld>
+  <p:clrMapOvr>
+    <a:masterClrMapping/>
+  </p:clrMapOvr>
+  <p:timing>
+    <p:tnLst>
+      <p:par>
+        <p:cTn id="1" dur="indefinite" restart="never" nodeType="tmRoot">
+          <p:childTnLst>
+            <p:seq concurrent="1" nextAc="seek">
+              <p:cTn id="2" dur="indefinite" nodeType="mainSeq">
+                <p:childTnLst>
+                  <p:par>
+                    <p:cTn id="3" fill="hold">
+                      <p:stCondLst>
+                        <p:cond delay="indefinite"/>
+                      </p:stCondLst>
+                      <p:childTnLst>
+                        <p:par>
+                          <p:cTn id="4" fill="hold">
+                            <p:stCondLst>
+                              <p:cond delay="0"/>
+                            </p:stCondLst>
+                            <p:childTnLst>
+                              <p:par>
+                                <p:cTn id="5" presetID="42" presetClass="path" presetSubtype="0" accel="50000" decel="50000" fill="hold" nodeType="clickEffect">
+                                  <p:stCondLst>
+                                    <p:cond delay="0"/>
+                                  </p:stCondLst>
+                                  <p:childTnLst>
+                                    <p:animMotion origin="layout" path="M 3.33333E-6 3.7037E-7 L 0.46419 -0.01505 " pathEditMode="relative" rAng="0" ptsTypes="AA">
+                                      <p:cBhvr>
+                                        <p:cTn id="6" dur="5000" fill="hold"/>
+                                        <p:tgtEl>
+                                          <p:spTgt spid="3"/>
+                                        </p:tgtEl>
+                                        <p:attrNameLst>
+                                          <p:attrName>ppt_x</p:attrName>
+                                          <p:attrName>ppt_y</p:attrName>
+                                        </p:attrNameLst>
+                                      </p:cBhvr>
+                                      <p:rCtr x="22995" y="-903"/>
+                                    </p:animMotion>
+                                  </p:childTnLst>
+                                </p:cTn>
+                              </p:par>
+                            </p:childTnLst>
+                          </p:cTn>
+                        </p:par>
+                      </p:childTnLst>
+                    </p:cTn>
+                  </p:par>
+                </p:childTnLst>
+              </p:cTn>
+              <p:prevCondLst>
+                <p:cond evt="onPrev" delay="0">
+                  <p:tgtEl>
+                    <p:sldTgt/>
+                  </p:tgtEl>
+                </p:cond>
+              </p:prevCondLst>
+              <p:nextCondLst>
+                <p:cond evt="onNext" delay="0">
+                  <p:tgtEl>
+                    <p:sldTgt/>
+                  </p:tgtEl>
+                </p:cond>
+              </p:nextCondLst>
+            </p:seq>
+          </p:childTnLst>
+        </p:cTn>
+      </p:par>
+    </p:tnLst>
+  </p:timing>
+</p:sld>
+</file>
+
+<file path=ppt/slides/slide12.xml><?xml version="1.0" encoding="utf-8"?>
+<p:sld xmlns:a="http://schemas.openxmlformats.org/drawingml/2006/main" xmlns:r="http://schemas.openxmlformats.org/officeDocument/2006/relationships" xmlns:p="http://schemas.openxmlformats.org/presentationml/2006/main">
+  <p:cSld>
+    <p:bg>
+      <p:bgPr>
+        <a:solidFill>
+          <a:srgbClr val="FF0000"/>
+        </a:solidFill>
+        <a:effectLst/>
+      </p:bgPr>
+    </p:bg>
+    <p:spTree>
+      <p:nvGrpSpPr>
+        <p:cNvPr id="1" name=""/>
+        <p:cNvGrpSpPr/>
+        <p:nvPr/>
+      </p:nvGrpSpPr>
+      <p:grpSpPr>
+        <a:xfrm>
+          <a:off x="0" y="0"/>
+          <a:ext cx="0" cy="0"/>
+          <a:chOff x="0" y="0"/>
+          <a:chExt cx="0" cy="0"/>
+        </a:xfrm>
+      </p:grpSpPr>
+      <p:sp>
+        <p:nvSpPr>
+          <p:cNvPr id="2" name="제목 1">
+            <a:extLst>
+              <a:ext uri="{FF2B5EF4-FFF2-40B4-BE49-F238E27FC236}">
+                <a16:creationId xmlns:a16="http://schemas.microsoft.com/office/drawing/2014/main" id="{2A682BC6-E043-4705-9AB9-9DB1070E9983}"/>
+              </a:ext>
+            </a:extLst>
+          </p:cNvPr>
+          <p:cNvSpPr>
+            <a:spLocks noGrp="1"/>
+          </p:cNvSpPr>
+          <p:nvPr>
+            <p:ph type="title"/>
+          </p:nvPr>
+        </p:nvSpPr>
+        <p:spPr>
+          <a:xfrm>
+            <a:off x="2458454" y="4419766"/>
+            <a:ext cx="2398295" cy="1325563"/>
+          </a:xfrm>
+        </p:spPr>
+        <p:txBody>
+          <a:bodyPr/>
+          <a:lstStyle/>
+          <a:p>
+            <a:r>
+              <a:rPr lang="en-US" altLang="ko-KR" dirty="0">
+                <a:latin typeface="Berlin Sans FB Demi" panose="020E0802020502020306" pitchFamily="34" charset="0"/>
+              </a:rPr>
+              <a:t>Smoking</a:t>
+            </a:r>
+            <a:endParaRPr lang="ko-KR" altLang="en-US" dirty="0">
+              <a:latin typeface="Berlin Sans FB Demi" panose="020E0802020502020306" pitchFamily="34" charset="0"/>
+            </a:endParaRPr>
+          </a:p>
+        </p:txBody>
+      </p:sp>
+      <p:pic>
+        <p:nvPicPr>
+          <p:cNvPr id="4" name="그래픽 3" descr="세면대">
+            <a:extLst>
+              <a:ext uri="{FF2B5EF4-FFF2-40B4-BE49-F238E27FC236}">
+                <a16:creationId xmlns:a16="http://schemas.microsoft.com/office/drawing/2014/main" id="{BBB703C6-9F06-4F5C-B137-0B95E8FAFBE0}"/>
+              </a:ext>
+            </a:extLst>
+          </p:cNvPr>
+          <p:cNvPicPr>
+            <a:picLocks noChangeAspect="1"/>
+          </p:cNvPicPr>
+          <p:nvPr/>
+        </p:nvPicPr>
+        <p:blipFill>
+          <a:blip r:embed="rId2">
+            <a:extLst>
+              <a:ext uri="{28A0092B-C50C-407E-A947-70E740481C1C}">
+                <a14:useLocalDpi xmlns:a14="http://schemas.microsoft.com/office/drawing/2010/main" val="0"/>
+              </a:ext>
+              <a:ext uri="{96DAC541-7B7A-43D3-8B79-37D633B846F1}">
+                <asvg:svgBlip xmlns:asvg="http://schemas.microsoft.com/office/drawing/2016/SVG/main" r:embed="rId3"/>
+              </a:ext>
+            </a:extLst>
+          </a:blip>
+          <a:stretch>
+            <a:fillRect/>
+          </a:stretch>
+        </p:blipFill>
+        <p:spPr>
+          <a:xfrm>
+            <a:off x="7700207" y="1918535"/>
+            <a:ext cx="1820779" cy="1820779"/>
+          </a:xfrm>
+          <a:prstGeom prst="rect">
+            <a:avLst/>
+          </a:prstGeom>
+        </p:spPr>
+      </p:pic>
+      <p:pic>
+        <p:nvPicPr>
+          <p:cNvPr id="6" name="그래픽 5" descr="흡연">
+            <a:extLst>
+              <a:ext uri="{FF2B5EF4-FFF2-40B4-BE49-F238E27FC236}">
+                <a16:creationId xmlns:a16="http://schemas.microsoft.com/office/drawing/2014/main" id="{AE4E07CD-F188-4D05-BBA7-424AFF7CAAB0}"/>
+              </a:ext>
+            </a:extLst>
+          </p:cNvPr>
+          <p:cNvPicPr>
+            <a:picLocks noChangeAspect="1"/>
+          </p:cNvPicPr>
+          <p:nvPr/>
+        </p:nvPicPr>
+        <p:blipFill>
+          <a:blip r:embed="rId4">
+            <a:extLst>
+              <a:ext uri="{28A0092B-C50C-407E-A947-70E740481C1C}">
+                <a14:useLocalDpi xmlns:a14="http://schemas.microsoft.com/office/drawing/2010/main" val="0"/>
+              </a:ext>
+              <a:ext uri="{96DAC541-7B7A-43D3-8B79-37D633B846F1}">
+                <asvg:svgBlip xmlns:asvg="http://schemas.microsoft.com/office/drawing/2016/SVG/main" r:embed="rId5"/>
+              </a:ext>
+            </a:extLst>
+          </a:blip>
+          <a:stretch>
+            <a:fillRect/>
+          </a:stretch>
+        </p:blipFill>
+        <p:spPr>
+          <a:xfrm>
+            <a:off x="2747213" y="1918536"/>
+            <a:ext cx="1820778" cy="1820778"/>
+          </a:xfrm>
+          <a:prstGeom prst="rect">
+            <a:avLst/>
+          </a:prstGeom>
+        </p:spPr>
+      </p:pic>
+      <p:sp>
+        <p:nvSpPr>
+          <p:cNvPr id="7" name="제목 1">
+            <a:extLst>
+              <a:ext uri="{FF2B5EF4-FFF2-40B4-BE49-F238E27FC236}">
+                <a16:creationId xmlns:a16="http://schemas.microsoft.com/office/drawing/2014/main" id="{6B3F2A7F-FF63-4F8D-916E-A37A1FE2BA53}"/>
+              </a:ext>
+            </a:extLst>
+          </p:cNvPr>
+          <p:cNvSpPr txBox="1">
+            <a:spLocks/>
+          </p:cNvSpPr>
+          <p:nvPr/>
+        </p:nvSpPr>
+        <p:spPr>
+          <a:xfrm>
+            <a:off x="7805988" y="4419766"/>
+            <a:ext cx="2398295" cy="1325563"/>
+          </a:xfrm>
+          <a:prstGeom prst="rect">
+            <a:avLst/>
+          </a:prstGeom>
+        </p:spPr>
+        <p:txBody>
+          <a:bodyPr vert="horz" lIns="91440" tIns="45720" rIns="91440" bIns="45720" rtlCol="0" anchor="ctr">
+            <a:normAutofit/>
+          </a:bodyPr>
+          <a:lstStyle>
+            <a:lvl1pPr algn="l" defTabSz="914400" rtl="0" eaLnBrk="1" latinLnBrk="1" hangingPunct="1">
+              <a:lnSpc>
+                <a:spcPct val="90000"/>
+              </a:lnSpc>
+              <a:spcBef>
+                <a:spcPct val="0"/>
+              </a:spcBef>
+              <a:buNone/>
+              <a:defRPr sz="4400" kern="1200">
+                <a:solidFill>
+                  <a:schemeClr val="tx1"/>
+                </a:solidFill>
+                <a:latin typeface="+mj-lt"/>
+                <a:ea typeface="+mj-ea"/>
+                <a:cs typeface="+mj-cs"/>
+              </a:defRPr>
+            </a:lvl1pPr>
+          </a:lstStyle>
+          <a:p>
+            <a:r>
+              <a:rPr lang="en-US" altLang="ko-KR" dirty="0">
+                <a:latin typeface="Berlin Sans FB Demi" panose="020E0802020502020306" pitchFamily="34" charset="0"/>
+              </a:rPr>
+              <a:t>Toilet</a:t>
+            </a:r>
+            <a:endParaRPr lang="ko-KR" altLang="en-US" dirty="0">
+              <a:latin typeface="Berlin Sans FB Demi" panose="020E0802020502020306" pitchFamily="34" charset="0"/>
+            </a:endParaRPr>
+          </a:p>
+        </p:txBody>
+      </p:sp>
+    </p:spTree>
+    <p:extLst>
+      <p:ext uri="{BB962C8B-B14F-4D97-AF65-F5344CB8AC3E}">
+        <p14:creationId xmlns:p14="http://schemas.microsoft.com/office/powerpoint/2010/main" val="4218183021"/>
+      </p:ext>
+    </p:extLst>
+  </p:cSld>
+  <p:clrMapOvr>
+    <a:masterClrMapping/>
+  </p:clrMapOvr>
+  <p:timing>
+    <p:tnLst>
+      <p:par>
+        <p:cTn id="1" dur="indefinite" restart="never" nodeType="tmRoot">
+          <p:childTnLst>
+            <p:seq concurrent="1" nextAc="seek">
+              <p:cTn id="2" dur="indefinite" nodeType="mainSeq">
+                <p:childTnLst>
+                  <p:par>
+                    <p:cTn id="3" fill="hold">
+                      <p:stCondLst>
+                        <p:cond delay="indefinite"/>
+                      </p:stCondLst>
+                      <p:childTnLst>
+                        <p:par>
+                          <p:cTn id="4" fill="hold">
+                            <p:stCondLst>
+                              <p:cond delay="0"/>
+                            </p:stCondLst>
+                            <p:childTnLst>
+                              <p:par>
+                                <p:cTn id="5" presetID="1" presetClass="entr" presetSubtype="0" fill="hold" nodeType="clickEffect">
+                                  <p:stCondLst>
+                                    <p:cond delay="0"/>
+                                  </p:stCondLst>
+                                  <p:childTnLst>
+                                    <p:set>
+                                      <p:cBhvr>
+                                        <p:cTn id="6" dur="1" fill="hold">
+                                          <p:stCondLst>
+                                            <p:cond delay="0"/>
+                                          </p:stCondLst>
+                                        </p:cTn>
+                                        <p:tgtEl>
+                                          <p:spTgt spid="6"/>
+                                        </p:tgtEl>
+                                        <p:attrNameLst>
+                                          <p:attrName>style.visibility</p:attrName>
+                                        </p:attrNameLst>
+                                      </p:cBhvr>
+                                      <p:to>
+                                        <p:strVal val="visible"/>
+                                      </p:to>
+                                    </p:set>
+                                  </p:childTnLst>
+                                </p:cTn>
+                              </p:par>
+                              <p:par>
+                                <p:cTn id="7" presetID="1" presetClass="entr" presetSubtype="0" fill="hold" grpId="0" nodeType="withEffect">
+                                  <p:stCondLst>
+                                    <p:cond delay="0"/>
+                                  </p:stCondLst>
+                                  <p:childTnLst>
+                                    <p:set>
+                                      <p:cBhvr>
+                                        <p:cTn id="8" dur="1" fill="hold">
+                                          <p:stCondLst>
+                                            <p:cond delay="0"/>
+                                          </p:stCondLst>
+                                        </p:cTn>
+                                        <p:tgtEl>
+                                          <p:spTgt spid="2"/>
+                                        </p:tgtEl>
+                                        <p:attrNameLst>
+                                          <p:attrName>style.visibility</p:attrName>
+                                        </p:attrNameLst>
+                                      </p:cBhvr>
+                                      <p:to>
+                                        <p:strVal val="visible"/>
+                                      </p:to>
+                                    </p:set>
+                                  </p:childTnLst>
+                                </p:cTn>
+                              </p:par>
+                            </p:childTnLst>
+                          </p:cTn>
+                        </p:par>
+                      </p:childTnLst>
+                    </p:cTn>
+                  </p:par>
+                  <p:par>
+                    <p:cTn id="9" fill="hold">
+                      <p:stCondLst>
+                        <p:cond delay="indefinite"/>
+                      </p:stCondLst>
+                      <p:childTnLst>
+                        <p:par>
+                          <p:cTn id="10" fill="hold">
+                            <p:stCondLst>
+                              <p:cond delay="0"/>
+                            </p:stCondLst>
+                            <p:childTnLst>
+                              <p:par>
+                                <p:cTn id="11" presetID="1" presetClass="entr" presetSubtype="0" fill="hold" nodeType="clickEffect">
+                                  <p:stCondLst>
+                                    <p:cond delay="0"/>
+                                  </p:stCondLst>
+                                  <p:childTnLst>
+                                    <p:set>
+                                      <p:cBhvr>
+                                        <p:cTn id="12" dur="1" fill="hold">
+                                          <p:stCondLst>
+                                            <p:cond delay="0"/>
+                                          </p:stCondLst>
+                                        </p:cTn>
+                                        <p:tgtEl>
+                                          <p:spTgt spid="4"/>
+                                        </p:tgtEl>
+                                        <p:attrNameLst>
+                                          <p:attrName>style.visibility</p:attrName>
+                                        </p:attrNameLst>
+                                      </p:cBhvr>
+                                      <p:to>
+                                        <p:strVal val="visible"/>
+                                      </p:to>
+                                    </p:set>
+                                  </p:childTnLst>
+                                </p:cTn>
+                              </p:par>
+                              <p:par>
+                                <p:cTn id="13" presetID="1" presetClass="entr" presetSubtype="0" fill="hold" grpId="0" nodeType="withEffect">
+                                  <p:stCondLst>
+                                    <p:cond delay="0"/>
+                                  </p:stCondLst>
+                                  <p:childTnLst>
+                                    <p:set>
+                                      <p:cBhvr>
+                                        <p:cTn id="14" dur="1" fill="hold">
+                                          <p:stCondLst>
+                                            <p:cond delay="0"/>
+                                          </p:stCondLst>
+                                        </p:cTn>
+                                        <p:tgtEl>
+                                          <p:spTgt spid="7"/>
+                                        </p:tgtEl>
+                                        <p:attrNameLst>
+                                          <p:attrName>style.visibility</p:attrName>
+                                        </p:attrNameLst>
+                                      </p:cBhvr>
+                                      <p:to>
+                                        <p:strVal val="visible"/>
+                                      </p:to>
+                                    </p:set>
+                                  </p:childTnLst>
+                                </p:cTn>
+                              </p:par>
+                            </p:childTnLst>
+                          </p:cTn>
+                        </p:par>
+                      </p:childTnLst>
+                    </p:cTn>
+                  </p:par>
+                </p:childTnLst>
+              </p:cTn>
+              <p:prevCondLst>
+                <p:cond evt="onPrev" delay="0">
+                  <p:tgtEl>
+                    <p:sldTgt/>
+                  </p:tgtEl>
+                </p:cond>
+              </p:prevCondLst>
+              <p:nextCondLst>
+                <p:cond evt="onNext" delay="0">
+                  <p:tgtEl>
+                    <p:sldTgt/>
+                  </p:tgtEl>
+                </p:cond>
+              </p:nextCondLst>
+            </p:seq>
+          </p:childTnLst>
+        </p:cTn>
+      </p:par>
+    </p:tnLst>
+    <p:bldLst>
+      <p:bldP spid="2" grpId="0"/>
+      <p:bldP spid="7" grpId="0"/>
+    </p:bldLst>
+  </p:timing>
+</p:sld>
+</file>
+
+<file path=ppt/slides/slide13.xml><?xml version="1.0" encoding="utf-8"?>
+<p:sld xmlns:a="http://schemas.openxmlformats.org/drawingml/2006/main" xmlns:r="http://schemas.openxmlformats.org/officeDocument/2006/relationships" xmlns:p="http://schemas.openxmlformats.org/presentationml/2006/main">
+  <p:cSld>
+    <p:bg>
+      <p:bgPr>
+        <a:solidFill>
+          <a:srgbClr val="FF0000"/>
+        </a:solidFill>
+        <a:effectLst/>
+      </p:bgPr>
+    </p:bg>
+    <p:spTree>
+      <p:nvGrpSpPr>
+        <p:cNvPr id="1" name=""/>
+        <p:cNvGrpSpPr/>
+        <p:nvPr/>
+      </p:nvGrpSpPr>
+      <p:grpSpPr>
+        <a:xfrm>
+          <a:off x="0" y="0"/>
+          <a:ext cx="0" cy="0"/>
+          <a:chOff x="0" y="0"/>
+          <a:chExt cx="0" cy="0"/>
+        </a:xfrm>
+      </p:grpSpPr>
+      <p:pic>
+        <p:nvPicPr>
           <p:cNvPr id="2" name="그래픽 1" descr="남자">
             <a:extLst>
               <a:ext uri="{FF2B5EF4-FFF2-40B4-BE49-F238E27FC236}">
@@ -18793,6 +19827,45 @@
           </a:p>
         </p:txBody>
       </p:sp>
+      <p:pic>
+        <p:nvPicPr>
+          <p:cNvPr id="5" name="그래픽 4" descr="탁자와 의자">
+            <a:extLst>
+              <a:ext uri="{FF2B5EF4-FFF2-40B4-BE49-F238E27FC236}">
+                <a16:creationId xmlns:a16="http://schemas.microsoft.com/office/drawing/2014/main" id="{DFA69AA3-C501-4E91-930F-025C8AD41718}"/>
+              </a:ext>
+            </a:extLst>
+          </p:cNvPr>
+          <p:cNvPicPr>
+            <a:picLocks noChangeAspect="1"/>
+          </p:cNvPicPr>
+          <p:nvPr/>
+        </p:nvPicPr>
+        <p:blipFill>
+          <a:blip r:embed="rId5">
+            <a:extLst>
+              <a:ext uri="{28A0092B-C50C-407E-A947-70E740481C1C}">
+                <a14:useLocalDpi xmlns:a14="http://schemas.microsoft.com/office/drawing/2010/main" val="0"/>
+              </a:ext>
+              <a:ext uri="{96DAC541-7B7A-43D3-8B79-37D633B846F1}">
+                <asvg:svgBlip xmlns:asvg="http://schemas.microsoft.com/office/drawing/2016/SVG/main" r:embed="rId6"/>
+              </a:ext>
+            </a:extLst>
+          </a:blip>
+          <a:stretch>
+            <a:fillRect/>
+          </a:stretch>
+        </p:blipFill>
+        <p:spPr>
+          <a:xfrm>
+            <a:off x="9513264" y="4163723"/>
+            <a:ext cx="1507958" cy="1507958"/>
+          </a:xfrm>
+          <a:prstGeom prst="rect">
+            <a:avLst/>
+          </a:prstGeom>
+        </p:spPr>
+      </p:pic>
     </p:spTree>
     <p:extLst>
       <p:ext uri="{BB962C8B-B14F-4D97-AF65-F5344CB8AC3E}">
@@ -18876,7 +19949,7 @@
 </p:sld>
 </file>
 
-<file path=ppt/slides/slide12.xml><?xml version="1.0" encoding="utf-8"?>
+<file path=ppt/slides/slide14.xml><?xml version="1.0" encoding="utf-8"?>
 <p:sld xmlns:a="http://schemas.openxmlformats.org/drawingml/2006/main" xmlns:r="http://schemas.openxmlformats.org/officeDocument/2006/relationships" xmlns:p="http://schemas.openxmlformats.org/presentationml/2006/main">
   <p:cSld>
     <p:bg>
@@ -19609,7 +20682,7 @@
 </p:sld>
 </file>
 
-<file path=ppt/slides/slide13.xml><?xml version="1.0" encoding="utf-8"?>
+<file path=ppt/slides/slide15.xml><?xml version="1.0" encoding="utf-8"?>
 <p:sld xmlns:a="http://schemas.openxmlformats.org/drawingml/2006/main" xmlns:r="http://schemas.openxmlformats.org/officeDocument/2006/relationships" xmlns:p="http://schemas.openxmlformats.org/presentationml/2006/main">
   <p:cSld>
     <p:bg>
@@ -19768,7 +20841,7 @@
 </p:sld>
 </file>
 
-<file path=ppt/slides/slide14.xml><?xml version="1.0" encoding="utf-8"?>
+<file path=ppt/slides/slide16.xml><?xml version="1.0" encoding="utf-8"?>
 <p:sld xmlns:a="http://schemas.openxmlformats.org/drawingml/2006/main" xmlns:r="http://schemas.openxmlformats.org/officeDocument/2006/relationships" xmlns:p="http://schemas.openxmlformats.org/presentationml/2006/main">
   <p:cSld>
     <p:bg>
@@ -19859,7 +20932,7 @@
 </p:sld>
 </file>
 
-<file path=ppt/slides/slide15.xml><?xml version="1.0" encoding="utf-8"?>
+<file path=ppt/slides/slide17.xml><?xml version="1.0" encoding="utf-8"?>
 <p:sld xmlns:a="http://schemas.openxmlformats.org/drawingml/2006/main" xmlns:r="http://schemas.openxmlformats.org/officeDocument/2006/relationships" xmlns:p="http://schemas.openxmlformats.org/presentationml/2006/main">
   <p:cSld>
     <p:bg>
@@ -19989,7 +21062,7 @@
 </p:sld>
 </file>
 
-<file path=ppt/slides/slide16.xml><?xml version="1.0" encoding="utf-8"?>
+<file path=ppt/slides/slide18.xml><?xml version="1.0" encoding="utf-8"?>
 <p:sld xmlns:a="http://schemas.openxmlformats.org/drawingml/2006/main" xmlns:r="http://schemas.openxmlformats.org/officeDocument/2006/relationships" xmlns:p="http://schemas.openxmlformats.org/presentationml/2006/main">
   <p:cSld>
     <p:bg>
@@ -20427,7 +21500,7 @@
 </p:sld>
 </file>
 
-<file path=ppt/slides/slide17.xml><?xml version="1.0" encoding="utf-8"?>
+<file path=ppt/slides/slide19.xml><?xml version="1.0" encoding="utf-8"?>
 <p:sld xmlns:a="http://schemas.openxmlformats.org/drawingml/2006/main" xmlns:r="http://schemas.openxmlformats.org/officeDocument/2006/relationships" xmlns:p="http://schemas.openxmlformats.org/presentationml/2006/main">
   <p:cSld>
     <p:bg>
@@ -21082,7 +22155,172 @@
 </p:sld>
 </file>
 
-<file path=ppt/slides/slide18.xml><?xml version="1.0" encoding="utf-8"?>
+<file path=ppt/slides/slide2.xml><?xml version="1.0" encoding="utf-8"?>
+<p:sld xmlns:a="http://schemas.openxmlformats.org/drawingml/2006/main" xmlns:r="http://schemas.openxmlformats.org/officeDocument/2006/relationships" xmlns:p="http://schemas.openxmlformats.org/presentationml/2006/main">
+  <p:cSld>
+    <p:bg>
+      <p:bgPr>
+        <a:solidFill>
+          <a:schemeClr val="bg2">
+            <a:lumMod val="90000"/>
+          </a:schemeClr>
+        </a:solidFill>
+        <a:effectLst/>
+      </p:bgPr>
+    </p:bg>
+    <p:spTree>
+      <p:nvGrpSpPr>
+        <p:cNvPr id="1" name=""/>
+        <p:cNvGrpSpPr/>
+        <p:nvPr/>
+      </p:nvGrpSpPr>
+      <p:grpSpPr>
+        <a:xfrm>
+          <a:off x="0" y="0"/>
+          <a:ext cx="0" cy="0"/>
+          <a:chOff x="0" y="0"/>
+          <a:chExt cx="0" cy="0"/>
+        </a:xfrm>
+      </p:grpSpPr>
+      <p:sp>
+        <p:nvSpPr>
+          <p:cNvPr id="2" name="제목 1">
+            <a:extLst>
+              <a:ext uri="{FF2B5EF4-FFF2-40B4-BE49-F238E27FC236}">
+                <a16:creationId xmlns:a16="http://schemas.microsoft.com/office/drawing/2014/main" id="{1DE82CDF-F1DD-4F06-8B37-DFB782868536}"/>
+              </a:ext>
+            </a:extLst>
+          </p:cNvPr>
+          <p:cNvSpPr>
+            <a:spLocks noGrp="1"/>
+          </p:cNvSpPr>
+          <p:nvPr>
+            <p:ph type="title"/>
+          </p:nvPr>
+        </p:nvSpPr>
+        <p:spPr>
+          <a:xfrm>
+            <a:off x="725750" y="436146"/>
+            <a:ext cx="10515600" cy="3467100"/>
+          </a:xfrm>
+        </p:spPr>
+        <p:txBody>
+          <a:bodyPr/>
+          <a:lstStyle/>
+          <a:p>
+            <a:pPr algn="ctr"/>
+            <a:r>
+              <a:rPr lang="ko-KR" altLang="en-US" dirty="0"/>
+              <a:t>목적</a:t>
+            </a:r>
+          </a:p>
+        </p:txBody>
+      </p:sp>
+      <p:sp>
+        <p:nvSpPr>
+          <p:cNvPr id="4" name="제목 1">
+            <a:extLst>
+              <a:ext uri="{FF2B5EF4-FFF2-40B4-BE49-F238E27FC236}">
+                <a16:creationId xmlns:a16="http://schemas.microsoft.com/office/drawing/2014/main" id="{3A288E5B-A47C-4CA2-8718-6D5173B1BE2D}"/>
+              </a:ext>
+            </a:extLst>
+          </p:cNvPr>
+          <p:cNvSpPr txBox="1">
+            <a:spLocks/>
+          </p:cNvSpPr>
+          <p:nvPr/>
+        </p:nvSpPr>
+        <p:spPr>
+          <a:xfrm>
+            <a:off x="838200" y="3832225"/>
+            <a:ext cx="10515600" cy="1325563"/>
+          </a:xfrm>
+          <a:prstGeom prst="rect">
+            <a:avLst/>
+          </a:prstGeom>
+        </p:spPr>
+        <p:txBody>
+          <a:bodyPr vert="horz" lIns="91440" tIns="45720" rIns="91440" bIns="45720" rtlCol="0" anchor="ctr">
+            <a:normAutofit/>
+          </a:bodyPr>
+          <a:lstStyle>
+            <a:lvl1pPr algn="l" defTabSz="914400" rtl="0" eaLnBrk="1" latinLnBrk="1" hangingPunct="1">
+              <a:lnSpc>
+                <a:spcPct val="90000"/>
+              </a:lnSpc>
+              <a:spcBef>
+                <a:spcPct val="0"/>
+              </a:spcBef>
+              <a:buNone/>
+              <a:defRPr sz="4400" kern="1200">
+                <a:solidFill>
+                  <a:schemeClr val="tx1"/>
+                </a:solidFill>
+                <a:latin typeface="+mj-lt"/>
+                <a:ea typeface="+mj-ea"/>
+                <a:cs typeface="+mj-cs"/>
+              </a:defRPr>
+            </a:lvl1pPr>
+          </a:lstStyle>
+          <a:p>
+            <a:pPr algn="ctr"/>
+            <a:r>
+              <a:rPr lang="ko-KR" altLang="en-US" dirty="0"/>
+              <a:t>목적</a:t>
+            </a:r>
+          </a:p>
+        </p:txBody>
+      </p:sp>
+      <p:graphicFrame>
+        <p:nvGraphicFramePr>
+          <p:cNvPr id="5" name="다이어그램 4">
+            <a:extLst>
+              <a:ext uri="{FF2B5EF4-FFF2-40B4-BE49-F238E27FC236}">
+                <a16:creationId xmlns:a16="http://schemas.microsoft.com/office/drawing/2014/main" id="{1E891175-715A-4B59-8CB4-928071D335D9}"/>
+              </a:ext>
+            </a:extLst>
+          </p:cNvPr>
+          <p:cNvGraphicFramePr/>
+          <p:nvPr>
+            <p:extLst>
+              <p:ext uri="{D42A27DB-BD31-4B8C-83A1-F6EECF244321}">
+                <p14:modId xmlns:p14="http://schemas.microsoft.com/office/powerpoint/2010/main" val="4238415981"/>
+              </p:ext>
+            </p:extLst>
+          </p:nvPr>
+        </p:nvGraphicFramePr>
+        <p:xfrm>
+          <a:off x="2032000" y="365125"/>
+          <a:ext cx="8128000" cy="5418667"/>
+        </p:xfrm>
+        <a:graphic>
+          <a:graphicData uri="http://schemas.openxmlformats.org/drawingml/2006/diagram">
+            <dgm:relIds xmlns:dgm="http://schemas.openxmlformats.org/drawingml/2006/diagram" xmlns:r="http://schemas.openxmlformats.org/officeDocument/2006/relationships" r:dm="rId3" r:lo="rId4" r:qs="rId5" r:cs="rId6"/>
+          </a:graphicData>
+        </a:graphic>
+      </p:graphicFrame>
+    </p:spTree>
+    <p:extLst>
+      <p:ext uri="{BB962C8B-B14F-4D97-AF65-F5344CB8AC3E}">
+        <p14:creationId xmlns:p14="http://schemas.microsoft.com/office/powerpoint/2010/main" val="2443010738"/>
+      </p:ext>
+    </p:extLst>
+  </p:cSld>
+  <p:clrMapOvr>
+    <a:masterClrMapping/>
+  </p:clrMapOvr>
+  <mc:AlternateContent xmlns:mc="http://schemas.openxmlformats.org/markup-compatibility/2006" xmlns:p14="http://schemas.microsoft.com/office/powerpoint/2010/main">
+    <mc:Choice Requires="p14">
+      <p:transition p14:dur="10"/>
+    </mc:Choice>
+    <mc:Fallback xmlns="">
+      <p:transition/>
+    </mc:Fallback>
+  </mc:AlternateContent>
+</p:sld>
+</file>
+
+<file path=ppt/slides/slide20.xml><?xml version="1.0" encoding="utf-8"?>
 <p:sld xmlns:a="http://schemas.openxmlformats.org/drawingml/2006/main" xmlns:r="http://schemas.openxmlformats.org/officeDocument/2006/relationships" xmlns:p="http://schemas.openxmlformats.org/presentationml/2006/main">
   <p:cSld>
     <p:bg>
@@ -21663,7 +22901,7 @@
 </p:sld>
 </file>
 
-<file path=ppt/slides/slide19.xml><?xml version="1.0" encoding="utf-8"?>
+<file path=ppt/slides/slide21.xml><?xml version="1.0" encoding="utf-8"?>
 <p:sld xmlns:a="http://schemas.openxmlformats.org/drawingml/2006/main" xmlns:r="http://schemas.openxmlformats.org/officeDocument/2006/relationships" xmlns:p="http://schemas.openxmlformats.org/presentationml/2006/main">
   <p:cSld>
     <p:bg>
@@ -21822,172 +23060,7 @@
 </p:sld>
 </file>
 
-<file path=ppt/slides/slide2.xml><?xml version="1.0" encoding="utf-8"?>
-<p:sld xmlns:a="http://schemas.openxmlformats.org/drawingml/2006/main" xmlns:r="http://schemas.openxmlformats.org/officeDocument/2006/relationships" xmlns:p="http://schemas.openxmlformats.org/presentationml/2006/main">
-  <p:cSld>
-    <p:bg>
-      <p:bgPr>
-        <a:solidFill>
-          <a:schemeClr val="bg2">
-            <a:lumMod val="90000"/>
-          </a:schemeClr>
-        </a:solidFill>
-        <a:effectLst/>
-      </p:bgPr>
-    </p:bg>
-    <p:spTree>
-      <p:nvGrpSpPr>
-        <p:cNvPr id="1" name=""/>
-        <p:cNvGrpSpPr/>
-        <p:nvPr/>
-      </p:nvGrpSpPr>
-      <p:grpSpPr>
-        <a:xfrm>
-          <a:off x="0" y="0"/>
-          <a:ext cx="0" cy="0"/>
-          <a:chOff x="0" y="0"/>
-          <a:chExt cx="0" cy="0"/>
-        </a:xfrm>
-      </p:grpSpPr>
-      <p:sp>
-        <p:nvSpPr>
-          <p:cNvPr id="2" name="제목 1">
-            <a:extLst>
-              <a:ext uri="{FF2B5EF4-FFF2-40B4-BE49-F238E27FC236}">
-                <a16:creationId xmlns:a16="http://schemas.microsoft.com/office/drawing/2014/main" id="{1DE82CDF-F1DD-4F06-8B37-DFB782868536}"/>
-              </a:ext>
-            </a:extLst>
-          </p:cNvPr>
-          <p:cNvSpPr>
-            <a:spLocks noGrp="1"/>
-          </p:cNvSpPr>
-          <p:nvPr>
-            <p:ph type="title"/>
-          </p:nvPr>
-        </p:nvSpPr>
-        <p:spPr>
-          <a:xfrm>
-            <a:off x="725750" y="436146"/>
-            <a:ext cx="10515600" cy="3467100"/>
-          </a:xfrm>
-        </p:spPr>
-        <p:txBody>
-          <a:bodyPr/>
-          <a:lstStyle/>
-          <a:p>
-            <a:pPr algn="ctr"/>
-            <a:r>
-              <a:rPr lang="ko-KR" altLang="en-US" dirty="0"/>
-              <a:t>목적</a:t>
-            </a:r>
-          </a:p>
-        </p:txBody>
-      </p:sp>
-      <p:sp>
-        <p:nvSpPr>
-          <p:cNvPr id="4" name="제목 1">
-            <a:extLst>
-              <a:ext uri="{FF2B5EF4-FFF2-40B4-BE49-F238E27FC236}">
-                <a16:creationId xmlns:a16="http://schemas.microsoft.com/office/drawing/2014/main" id="{3A288E5B-A47C-4CA2-8718-6D5173B1BE2D}"/>
-              </a:ext>
-            </a:extLst>
-          </p:cNvPr>
-          <p:cNvSpPr txBox="1">
-            <a:spLocks/>
-          </p:cNvSpPr>
-          <p:nvPr/>
-        </p:nvSpPr>
-        <p:spPr>
-          <a:xfrm>
-            <a:off x="838200" y="3832225"/>
-            <a:ext cx="10515600" cy="1325563"/>
-          </a:xfrm>
-          <a:prstGeom prst="rect">
-            <a:avLst/>
-          </a:prstGeom>
-        </p:spPr>
-        <p:txBody>
-          <a:bodyPr vert="horz" lIns="91440" tIns="45720" rIns="91440" bIns="45720" rtlCol="0" anchor="ctr">
-            <a:normAutofit/>
-          </a:bodyPr>
-          <a:lstStyle>
-            <a:lvl1pPr algn="l" defTabSz="914400" rtl="0" eaLnBrk="1" latinLnBrk="1" hangingPunct="1">
-              <a:lnSpc>
-                <a:spcPct val="90000"/>
-              </a:lnSpc>
-              <a:spcBef>
-                <a:spcPct val="0"/>
-              </a:spcBef>
-              <a:buNone/>
-              <a:defRPr sz="4400" kern="1200">
-                <a:solidFill>
-                  <a:schemeClr val="tx1"/>
-                </a:solidFill>
-                <a:latin typeface="+mj-lt"/>
-                <a:ea typeface="+mj-ea"/>
-                <a:cs typeface="+mj-cs"/>
-              </a:defRPr>
-            </a:lvl1pPr>
-          </a:lstStyle>
-          <a:p>
-            <a:pPr algn="ctr"/>
-            <a:r>
-              <a:rPr lang="ko-KR" altLang="en-US" dirty="0"/>
-              <a:t>목적</a:t>
-            </a:r>
-          </a:p>
-        </p:txBody>
-      </p:sp>
-      <p:graphicFrame>
-        <p:nvGraphicFramePr>
-          <p:cNvPr id="5" name="다이어그램 4">
-            <a:extLst>
-              <a:ext uri="{FF2B5EF4-FFF2-40B4-BE49-F238E27FC236}">
-                <a16:creationId xmlns:a16="http://schemas.microsoft.com/office/drawing/2014/main" id="{1E891175-715A-4B59-8CB4-928071D335D9}"/>
-              </a:ext>
-            </a:extLst>
-          </p:cNvPr>
-          <p:cNvGraphicFramePr/>
-          <p:nvPr>
-            <p:extLst>
-              <p:ext uri="{D42A27DB-BD31-4B8C-83A1-F6EECF244321}">
-                <p14:modId xmlns:p14="http://schemas.microsoft.com/office/powerpoint/2010/main" val="4238415981"/>
-              </p:ext>
-            </p:extLst>
-          </p:nvPr>
-        </p:nvGraphicFramePr>
-        <p:xfrm>
-          <a:off x="2032000" y="365125"/>
-          <a:ext cx="8128000" cy="5418667"/>
-        </p:xfrm>
-        <a:graphic>
-          <a:graphicData uri="http://schemas.openxmlformats.org/drawingml/2006/diagram">
-            <dgm:relIds xmlns:dgm="http://schemas.openxmlformats.org/drawingml/2006/diagram" xmlns:r="http://schemas.openxmlformats.org/officeDocument/2006/relationships" r:dm="rId3" r:lo="rId4" r:qs="rId5" r:cs="rId6"/>
-          </a:graphicData>
-        </a:graphic>
-      </p:graphicFrame>
-    </p:spTree>
-    <p:extLst>
-      <p:ext uri="{BB962C8B-B14F-4D97-AF65-F5344CB8AC3E}">
-        <p14:creationId xmlns:p14="http://schemas.microsoft.com/office/powerpoint/2010/main" val="2443010738"/>
-      </p:ext>
-    </p:extLst>
-  </p:cSld>
-  <p:clrMapOvr>
-    <a:masterClrMapping/>
-  </p:clrMapOvr>
-  <mc:AlternateContent xmlns:mc="http://schemas.openxmlformats.org/markup-compatibility/2006" xmlns:p14="http://schemas.microsoft.com/office/powerpoint/2010/main">
-    <mc:Choice Requires="p14">
-      <p:transition p14:dur="10"/>
-    </mc:Choice>
-    <mc:Fallback xmlns="">
-      <p:transition/>
-    </mc:Fallback>
-  </mc:AlternateContent>
-</p:sld>
-</file>
-
-<file path=ppt/slides/slide20.xml><?xml version="1.0" encoding="utf-8"?>
+<file path=ppt/slides/slide22.xml><?xml version="1.0" encoding="utf-8"?>
 <p:sld xmlns:a="http://schemas.openxmlformats.org/drawingml/2006/main" xmlns:r="http://schemas.openxmlformats.org/officeDocument/2006/relationships" xmlns:p="http://schemas.openxmlformats.org/presentationml/2006/main">
   <p:cSld>
     <p:bg>
@@ -22073,7 +23146,7 @@
 </p:sld>
 </file>
 
-<file path=ppt/slides/slide21.xml><?xml version="1.0" encoding="utf-8"?>
+<file path=ppt/slides/slide23.xml><?xml version="1.0" encoding="utf-8"?>
 <p:sld xmlns:a="http://schemas.openxmlformats.org/drawingml/2006/main" xmlns:r="http://schemas.openxmlformats.org/officeDocument/2006/relationships" xmlns:p="http://schemas.openxmlformats.org/presentationml/2006/main">
   <p:cSld>
     <p:bg>
@@ -22497,75 +23570,7 @@
 </p:sld>
 </file>
 
-<file path=ppt/slides/slide22.xml><?xml version="1.0" encoding="utf-8"?>
-<p:sld xmlns:a="http://schemas.openxmlformats.org/drawingml/2006/main" xmlns:r="http://schemas.openxmlformats.org/officeDocument/2006/relationships" xmlns:p="http://schemas.openxmlformats.org/presentationml/2006/main">
-  <p:cSld>
-    <p:bg>
-      <p:bgPr>
-        <a:solidFill>
-          <a:schemeClr val="accent6"/>
-        </a:solidFill>
-        <a:effectLst/>
-      </p:bgPr>
-    </p:bg>
-    <p:spTree>
-      <p:nvGrpSpPr>
-        <p:cNvPr id="1" name=""/>
-        <p:cNvGrpSpPr/>
-        <p:nvPr/>
-      </p:nvGrpSpPr>
-      <p:grpSpPr>
-        <a:xfrm>
-          <a:off x="0" y="0"/>
-          <a:ext cx="0" cy="0"/>
-          <a:chOff x="0" y="0"/>
-          <a:chExt cx="0" cy="0"/>
-        </a:xfrm>
-      </p:grpSpPr>
-      <p:pic>
-        <p:nvPicPr>
-          <p:cNvPr id="4" name="그림 3">
-            <a:extLst>
-              <a:ext uri="{FF2B5EF4-FFF2-40B4-BE49-F238E27FC236}">
-                <a16:creationId xmlns:a16="http://schemas.microsoft.com/office/drawing/2014/main" id="{EB825F7E-7DE3-4216-AD4B-E77286D77CC0}"/>
-              </a:ext>
-            </a:extLst>
-          </p:cNvPr>
-          <p:cNvPicPr>
-            <a:picLocks noChangeAspect="1"/>
-          </p:cNvPicPr>
-          <p:nvPr/>
-        </p:nvPicPr>
-        <p:blipFill>
-          <a:blip r:embed="rId2"/>
-          <a:stretch>
-            <a:fillRect/>
-          </a:stretch>
-        </p:blipFill>
-        <p:spPr>
-          <a:xfrm>
-            <a:off x="0" y="2017259"/>
-            <a:ext cx="12192000" cy="2823482"/>
-          </a:xfrm>
-          <a:prstGeom prst="rect">
-            <a:avLst/>
-          </a:prstGeom>
-        </p:spPr>
-      </p:pic>
-    </p:spTree>
-    <p:extLst>
-      <p:ext uri="{BB962C8B-B14F-4D97-AF65-F5344CB8AC3E}">
-        <p14:creationId xmlns:p14="http://schemas.microsoft.com/office/powerpoint/2010/main" val="634889132"/>
-      </p:ext>
-    </p:extLst>
-  </p:cSld>
-  <p:clrMapOvr>
-    <a:masterClrMapping/>
-  </p:clrMapOvr>
-</p:sld>
-</file>
-
-<file path=ppt/slides/slide23.xml><?xml version="1.0" encoding="utf-8"?>
+<file path=ppt/slides/slide24.xml><?xml version="1.0" encoding="utf-8"?>
 <p:sld xmlns:a="http://schemas.openxmlformats.org/drawingml/2006/main" xmlns:r="http://schemas.openxmlformats.org/officeDocument/2006/relationships" xmlns:p="http://schemas.openxmlformats.org/presentationml/2006/main" showMasterSp="0">
   <p:cSld>
     <p:bg>
@@ -23096,7 +24101,539 @@
 </p:sld>
 </file>
 
-<file path=ppt/slides/slide24.xml><?xml version="1.0" encoding="utf-8"?>
+<file path=ppt/slides/slide25.xml><?xml version="1.0" encoding="utf-8"?>
+<p:sld xmlns:a="http://schemas.openxmlformats.org/drawingml/2006/main" xmlns:r="http://schemas.openxmlformats.org/officeDocument/2006/relationships" xmlns:p="http://schemas.openxmlformats.org/presentationml/2006/main">
+  <p:cSld>
+    <p:bg>
+      <p:bgPr>
+        <a:solidFill>
+          <a:schemeClr val="accent6"/>
+        </a:solidFill>
+        <a:effectLst/>
+      </p:bgPr>
+    </p:bg>
+    <p:spTree>
+      <p:nvGrpSpPr>
+        <p:cNvPr id="1" name=""/>
+        <p:cNvGrpSpPr/>
+        <p:nvPr/>
+      </p:nvGrpSpPr>
+      <p:grpSpPr>
+        <a:xfrm>
+          <a:off x="0" y="0"/>
+          <a:ext cx="0" cy="0"/>
+          <a:chOff x="0" y="0"/>
+          <a:chExt cx="0" cy="0"/>
+        </a:xfrm>
+      </p:grpSpPr>
+      <p:pic>
+        <p:nvPicPr>
+          <p:cNvPr id="5" name="그림 4">
+            <a:extLst>
+              <a:ext uri="{FF2B5EF4-FFF2-40B4-BE49-F238E27FC236}">
+                <a16:creationId xmlns:a16="http://schemas.microsoft.com/office/drawing/2014/main" id="{68F24172-B218-40A8-95C0-8AF192DE139D}"/>
+              </a:ext>
+            </a:extLst>
+          </p:cNvPr>
+          <p:cNvPicPr>
+            <a:picLocks noChangeAspect="1"/>
+          </p:cNvPicPr>
+          <p:nvPr/>
+        </p:nvPicPr>
+        <p:blipFill>
+          <a:blip r:embed="rId2"/>
+          <a:stretch>
+            <a:fillRect/>
+          </a:stretch>
+        </p:blipFill>
+        <p:spPr>
+          <a:xfrm>
+            <a:off x="2673267" y="1899892"/>
+            <a:ext cx="6639176" cy="4737779"/>
+          </a:xfrm>
+          <a:prstGeom prst="rect">
+            <a:avLst/>
+          </a:prstGeom>
+        </p:spPr>
+      </p:pic>
+      <p:sp>
+        <p:nvSpPr>
+          <p:cNvPr id="3" name="TextBox 2">
+            <a:extLst>
+              <a:ext uri="{FF2B5EF4-FFF2-40B4-BE49-F238E27FC236}">
+                <a16:creationId xmlns:a16="http://schemas.microsoft.com/office/drawing/2014/main" id="{BE079B87-B3B3-4C6C-8FD8-51E024942D99}"/>
+              </a:ext>
+            </a:extLst>
+          </p:cNvPr>
+          <p:cNvSpPr txBox="1"/>
+          <p:nvPr/>
+        </p:nvSpPr>
+        <p:spPr>
+          <a:xfrm>
+            <a:off x="4170071" y="729417"/>
+            <a:ext cx="3645568" cy="923330"/>
+          </a:xfrm>
+          <a:prstGeom prst="rect">
+            <a:avLst/>
+          </a:prstGeom>
+          <a:noFill/>
+        </p:spPr>
+        <p:txBody>
+          <a:bodyPr wrap="square" rtlCol="0">
+            <a:spAutoFit/>
+          </a:bodyPr>
+          <a:lstStyle/>
+          <a:p>
+            <a:r>
+              <a:rPr lang="en-US" altLang="ko-KR" sz="5400" dirty="0">
+                <a:latin typeface="Berlin Sans FB Demi" panose="020E0802020502020306" pitchFamily="34" charset="0"/>
+              </a:rPr>
+              <a:t>Processing</a:t>
+            </a:r>
+            <a:endParaRPr lang="ko-KR" altLang="en-US" sz="5400" dirty="0">
+              <a:latin typeface="Berlin Sans FB Demi" panose="020E0802020502020306" pitchFamily="34" charset="0"/>
+            </a:endParaRPr>
+          </a:p>
+        </p:txBody>
+      </p:sp>
+    </p:spTree>
+    <p:extLst>
+      <p:ext uri="{BB962C8B-B14F-4D97-AF65-F5344CB8AC3E}">
+        <p14:creationId xmlns:p14="http://schemas.microsoft.com/office/powerpoint/2010/main" val="2100322370"/>
+      </p:ext>
+    </p:extLst>
+  </p:cSld>
+  <p:clrMapOvr>
+    <a:masterClrMapping/>
+  </p:clrMapOvr>
+  <p:timing>
+    <p:tnLst>
+      <p:par>
+        <p:cTn id="1" dur="indefinite" restart="never" nodeType="tmRoot">
+          <p:childTnLst>
+            <p:seq concurrent="1" nextAc="seek">
+              <p:cTn id="2" dur="indefinite" nodeType="mainSeq">
+                <p:childTnLst>
+                  <p:par>
+                    <p:cTn id="3" fill="hold">
+                      <p:stCondLst>
+                        <p:cond delay="indefinite"/>
+                      </p:stCondLst>
+                      <p:childTnLst>
+                        <p:par>
+                          <p:cTn id="4" fill="hold">
+                            <p:stCondLst>
+                              <p:cond delay="0"/>
+                            </p:stCondLst>
+                            <p:childTnLst>
+                              <p:par>
+                                <p:cTn id="5" presetID="1" presetClass="entr" presetSubtype="0" fill="hold" nodeType="clickEffect">
+                                  <p:stCondLst>
+                                    <p:cond delay="0"/>
+                                  </p:stCondLst>
+                                  <p:childTnLst>
+                                    <p:set>
+                                      <p:cBhvr>
+                                        <p:cTn id="6" dur="1" fill="hold">
+                                          <p:stCondLst>
+                                            <p:cond delay="0"/>
+                                          </p:stCondLst>
+                                        </p:cTn>
+                                        <p:tgtEl>
+                                          <p:spTgt spid="5"/>
+                                        </p:tgtEl>
+                                        <p:attrNameLst>
+                                          <p:attrName>style.visibility</p:attrName>
+                                        </p:attrNameLst>
+                                      </p:cBhvr>
+                                      <p:to>
+                                        <p:strVal val="visible"/>
+                                      </p:to>
+                                    </p:set>
+                                  </p:childTnLst>
+                                </p:cTn>
+                              </p:par>
+                            </p:childTnLst>
+                          </p:cTn>
+                        </p:par>
+                      </p:childTnLst>
+                    </p:cTn>
+                  </p:par>
+                </p:childTnLst>
+              </p:cTn>
+              <p:prevCondLst>
+                <p:cond evt="onPrev" delay="0">
+                  <p:tgtEl>
+                    <p:sldTgt/>
+                  </p:tgtEl>
+                </p:cond>
+              </p:prevCondLst>
+              <p:nextCondLst>
+                <p:cond evt="onNext" delay="0">
+                  <p:tgtEl>
+                    <p:sldTgt/>
+                  </p:tgtEl>
+                </p:cond>
+              </p:nextCondLst>
+            </p:seq>
+          </p:childTnLst>
+        </p:cTn>
+      </p:par>
+    </p:tnLst>
+  </p:timing>
+</p:sld>
+</file>
+
+<file path=ppt/slides/slide26.xml><?xml version="1.0" encoding="utf-8"?>
+<p:sld xmlns:a="http://schemas.openxmlformats.org/drawingml/2006/main" xmlns:r="http://schemas.openxmlformats.org/officeDocument/2006/relationships" xmlns:p="http://schemas.openxmlformats.org/presentationml/2006/main">
+  <p:cSld>
+    <p:bg>
+      <p:bgPr>
+        <a:solidFill>
+          <a:schemeClr val="accent6"/>
+        </a:solidFill>
+        <a:effectLst/>
+      </p:bgPr>
+    </p:bg>
+    <p:spTree>
+      <p:nvGrpSpPr>
+        <p:cNvPr id="1" name=""/>
+        <p:cNvGrpSpPr/>
+        <p:nvPr/>
+      </p:nvGrpSpPr>
+      <p:grpSpPr>
+        <a:xfrm>
+          <a:off x="0" y="0"/>
+          <a:ext cx="0" cy="0"/>
+          <a:chOff x="0" y="0"/>
+          <a:chExt cx="0" cy="0"/>
+        </a:xfrm>
+      </p:grpSpPr>
+      <p:pic>
+        <p:nvPicPr>
+          <p:cNvPr id="3" name="그림 2">
+            <a:extLst>
+              <a:ext uri="{FF2B5EF4-FFF2-40B4-BE49-F238E27FC236}">
+                <a16:creationId xmlns:a16="http://schemas.microsoft.com/office/drawing/2014/main" id="{AA58716B-DFB5-4A19-8811-AA9CA7446F38}"/>
+              </a:ext>
+            </a:extLst>
+          </p:cNvPr>
+          <p:cNvPicPr>
+            <a:picLocks noChangeAspect="1"/>
+          </p:cNvPicPr>
+          <p:nvPr/>
+        </p:nvPicPr>
+        <p:blipFill>
+          <a:blip r:embed="rId2"/>
+          <a:stretch>
+            <a:fillRect/>
+          </a:stretch>
+        </p:blipFill>
+        <p:spPr>
+          <a:xfrm>
+            <a:off x="2585286" y="1640306"/>
+            <a:ext cx="6419850" cy="1524000"/>
+          </a:xfrm>
+          <a:prstGeom prst="rect">
+            <a:avLst/>
+          </a:prstGeom>
+        </p:spPr>
+      </p:pic>
+      <p:pic>
+        <p:nvPicPr>
+          <p:cNvPr id="4" name="그림 3">
+            <a:extLst>
+              <a:ext uri="{FF2B5EF4-FFF2-40B4-BE49-F238E27FC236}">
+                <a16:creationId xmlns:a16="http://schemas.microsoft.com/office/drawing/2014/main" id="{3E2FB629-F4F0-4176-9F27-FCB1481E142A}"/>
+              </a:ext>
+            </a:extLst>
+          </p:cNvPr>
+          <p:cNvPicPr>
+            <a:picLocks noChangeAspect="1"/>
+          </p:cNvPicPr>
+          <p:nvPr/>
+        </p:nvPicPr>
+        <p:blipFill>
+          <a:blip r:embed="rId3"/>
+          <a:stretch>
+            <a:fillRect/>
+          </a:stretch>
+        </p:blipFill>
+        <p:spPr>
+          <a:xfrm>
+            <a:off x="2585286" y="3429000"/>
+            <a:ext cx="6419850" cy="1857375"/>
+          </a:xfrm>
+          <a:prstGeom prst="rect">
+            <a:avLst/>
+          </a:prstGeom>
+        </p:spPr>
+      </p:pic>
+      <p:sp>
+        <p:nvSpPr>
+          <p:cNvPr id="5" name="TextBox 4">
+            <a:extLst>
+              <a:ext uri="{FF2B5EF4-FFF2-40B4-BE49-F238E27FC236}">
+                <a16:creationId xmlns:a16="http://schemas.microsoft.com/office/drawing/2014/main" id="{BC3F9A9C-170D-49B8-AD07-23335CC1AEFD}"/>
+              </a:ext>
+            </a:extLst>
+          </p:cNvPr>
+          <p:cNvSpPr txBox="1"/>
+          <p:nvPr/>
+        </p:nvSpPr>
+        <p:spPr>
+          <a:xfrm>
+            <a:off x="3897605" y="192505"/>
+            <a:ext cx="3795211" cy="1569660"/>
+          </a:xfrm>
+          <a:prstGeom prst="rect">
+            <a:avLst/>
+          </a:prstGeom>
+          <a:noFill/>
+        </p:spPr>
+        <p:txBody>
+          <a:bodyPr wrap="square" rtlCol="0">
+            <a:spAutoFit/>
+          </a:bodyPr>
+          <a:lstStyle/>
+          <a:p>
+            <a:r>
+              <a:rPr lang="en-US" altLang="ko-KR" sz="9600" dirty="0">
+                <a:latin typeface="Berlin Sans FB Demi" panose="020E0802020502020306" pitchFamily="34" charset="0"/>
+              </a:rPr>
+              <a:t>Sketch</a:t>
+            </a:r>
+            <a:endParaRPr lang="ko-KR" altLang="en-US" sz="9600" dirty="0">
+              <a:latin typeface="Berlin Sans FB Demi" panose="020E0802020502020306" pitchFamily="34" charset="0"/>
+            </a:endParaRPr>
+          </a:p>
+        </p:txBody>
+      </p:sp>
+    </p:spTree>
+    <p:extLst>
+      <p:ext uri="{BB962C8B-B14F-4D97-AF65-F5344CB8AC3E}">
+        <p14:creationId xmlns:p14="http://schemas.microsoft.com/office/powerpoint/2010/main" val="665856529"/>
+      </p:ext>
+    </p:extLst>
+  </p:cSld>
+  <p:clrMapOvr>
+    <a:masterClrMapping/>
+  </p:clrMapOvr>
+  <p:timing>
+    <p:tnLst>
+      <p:par>
+        <p:cTn id="1" dur="indefinite" restart="never" nodeType="tmRoot">
+          <p:childTnLst>
+            <p:seq concurrent="1" nextAc="seek">
+              <p:cTn id="2" dur="indefinite" nodeType="mainSeq">
+                <p:childTnLst>
+                  <p:par>
+                    <p:cTn id="3" fill="hold">
+                      <p:stCondLst>
+                        <p:cond delay="indefinite"/>
+                      </p:stCondLst>
+                      <p:childTnLst>
+                        <p:par>
+                          <p:cTn id="4" fill="hold">
+                            <p:stCondLst>
+                              <p:cond delay="0"/>
+                            </p:stCondLst>
+                            <p:childTnLst>
+                              <p:par>
+                                <p:cTn id="5" presetID="1" presetClass="entr" presetSubtype="0" fill="hold" nodeType="clickEffect">
+                                  <p:stCondLst>
+                                    <p:cond delay="0"/>
+                                  </p:stCondLst>
+                                  <p:childTnLst>
+                                    <p:set>
+                                      <p:cBhvr>
+                                        <p:cTn id="6" dur="1" fill="hold">
+                                          <p:stCondLst>
+                                            <p:cond delay="0"/>
+                                          </p:stCondLst>
+                                        </p:cTn>
+                                        <p:tgtEl>
+                                          <p:spTgt spid="3"/>
+                                        </p:tgtEl>
+                                        <p:attrNameLst>
+                                          <p:attrName>style.visibility</p:attrName>
+                                        </p:attrNameLst>
+                                      </p:cBhvr>
+                                      <p:to>
+                                        <p:strVal val="visible"/>
+                                      </p:to>
+                                    </p:set>
+                                  </p:childTnLst>
+                                </p:cTn>
+                              </p:par>
+                              <p:par>
+                                <p:cTn id="7" presetID="1" presetClass="entr" presetSubtype="0" fill="hold" nodeType="withEffect">
+                                  <p:stCondLst>
+                                    <p:cond delay="0"/>
+                                  </p:stCondLst>
+                                  <p:childTnLst>
+                                    <p:set>
+                                      <p:cBhvr>
+                                        <p:cTn id="8" dur="1" fill="hold">
+                                          <p:stCondLst>
+                                            <p:cond delay="0"/>
+                                          </p:stCondLst>
+                                        </p:cTn>
+                                        <p:tgtEl>
+                                          <p:spTgt spid="4"/>
+                                        </p:tgtEl>
+                                        <p:attrNameLst>
+                                          <p:attrName>style.visibility</p:attrName>
+                                        </p:attrNameLst>
+                                      </p:cBhvr>
+                                      <p:to>
+                                        <p:strVal val="visible"/>
+                                      </p:to>
+                                    </p:set>
+                                  </p:childTnLst>
+                                </p:cTn>
+                              </p:par>
+                            </p:childTnLst>
+                          </p:cTn>
+                        </p:par>
+                      </p:childTnLst>
+                    </p:cTn>
+                  </p:par>
+                </p:childTnLst>
+              </p:cTn>
+              <p:prevCondLst>
+                <p:cond evt="onPrev" delay="0">
+                  <p:tgtEl>
+                    <p:sldTgt/>
+                  </p:tgtEl>
+                </p:cond>
+              </p:prevCondLst>
+              <p:nextCondLst>
+                <p:cond evt="onNext" delay="0">
+                  <p:tgtEl>
+                    <p:sldTgt/>
+                  </p:tgtEl>
+                </p:cond>
+              </p:nextCondLst>
+            </p:seq>
+          </p:childTnLst>
+        </p:cTn>
+      </p:par>
+    </p:tnLst>
+  </p:timing>
+</p:sld>
+</file>
+
+<file path=ppt/slides/slide27.xml><?xml version="1.0" encoding="utf-8"?>
+<p:sld xmlns:a="http://schemas.openxmlformats.org/drawingml/2006/main" xmlns:r="http://schemas.openxmlformats.org/officeDocument/2006/relationships" xmlns:p="http://schemas.openxmlformats.org/presentationml/2006/main">
+  <p:cSld>
+    <p:bg>
+      <p:bgPr>
+        <a:solidFill>
+          <a:schemeClr val="accent6"/>
+        </a:solidFill>
+        <a:effectLst/>
+      </p:bgPr>
+    </p:bg>
+    <p:spTree>
+      <p:nvGrpSpPr>
+        <p:cNvPr id="1" name=""/>
+        <p:cNvGrpSpPr/>
+        <p:nvPr/>
+      </p:nvGrpSpPr>
+      <p:grpSpPr>
+        <a:xfrm>
+          <a:off x="0" y="0"/>
+          <a:ext cx="0" cy="0"/>
+          <a:chOff x="0" y="0"/>
+          <a:chExt cx="0" cy="0"/>
+        </a:xfrm>
+      </p:grpSpPr>
+      <p:pic>
+        <p:nvPicPr>
+          <p:cNvPr id="4" name="그림 3">
+            <a:extLst>
+              <a:ext uri="{FF2B5EF4-FFF2-40B4-BE49-F238E27FC236}">
+                <a16:creationId xmlns:a16="http://schemas.microsoft.com/office/drawing/2014/main" id="{EB825F7E-7DE3-4216-AD4B-E77286D77CC0}"/>
+              </a:ext>
+            </a:extLst>
+          </p:cNvPr>
+          <p:cNvPicPr>
+            <a:picLocks noChangeAspect="1"/>
+          </p:cNvPicPr>
+          <p:nvPr/>
+        </p:nvPicPr>
+        <p:blipFill>
+          <a:blip r:embed="rId2"/>
+          <a:stretch>
+            <a:fillRect/>
+          </a:stretch>
+        </p:blipFill>
+        <p:spPr>
+          <a:xfrm>
+            <a:off x="1749169" y="2422340"/>
+            <a:ext cx="8693662" cy="2013320"/>
+          </a:xfrm>
+          <a:prstGeom prst="rect">
+            <a:avLst/>
+          </a:prstGeom>
+        </p:spPr>
+      </p:pic>
+      <p:sp>
+        <p:nvSpPr>
+          <p:cNvPr id="3" name="제목 1">
+            <a:extLst>
+              <a:ext uri="{FF2B5EF4-FFF2-40B4-BE49-F238E27FC236}">
+                <a16:creationId xmlns:a16="http://schemas.microsoft.com/office/drawing/2014/main" id="{AF86B039-2B06-4C40-9693-3FF8BB1026A0}"/>
+              </a:ext>
+            </a:extLst>
+          </p:cNvPr>
+          <p:cNvSpPr>
+            <a:spLocks noGrp="1"/>
+          </p:cNvSpPr>
+          <p:nvPr>
+            <p:ph type="title"/>
+          </p:nvPr>
+        </p:nvSpPr>
+        <p:spPr>
+          <a:xfrm>
+            <a:off x="3962400" y="387183"/>
+            <a:ext cx="4267200" cy="2187575"/>
+          </a:xfrm>
+        </p:spPr>
+        <p:txBody>
+          <a:bodyPr/>
+          <a:lstStyle/>
+          <a:p>
+            <a:pPr algn="ctr"/>
+            <a:r>
+              <a:rPr lang="en-US" altLang="ko-KR" sz="6000" b="1" dirty="0">
+                <a:latin typeface="Berlin Sans FB Demi" panose="020E0802020502020306" pitchFamily="34" charset="0"/>
+                <a:cs typeface="Aharoni" panose="020B0604020202020204" pitchFamily="2" charset="-79"/>
+              </a:rPr>
+              <a:t>Before</a:t>
+            </a:r>
+            <a:endParaRPr lang="ko-KR" altLang="en-US" dirty="0">
+              <a:latin typeface="Berlin Sans FB Demi" panose="020E0802020502020306" pitchFamily="34" charset="0"/>
+              <a:cs typeface="Aharoni" panose="020B0604020202020204" pitchFamily="2" charset="-79"/>
+            </a:endParaRPr>
+          </a:p>
+        </p:txBody>
+      </p:sp>
+    </p:spTree>
+    <p:extLst>
+      <p:ext uri="{BB962C8B-B14F-4D97-AF65-F5344CB8AC3E}">
+        <p14:creationId xmlns:p14="http://schemas.microsoft.com/office/powerpoint/2010/main" val="634889132"/>
+      </p:ext>
+    </p:extLst>
+  </p:cSld>
+  <p:clrMapOvr>
+    <a:masterClrMapping/>
+  </p:clrMapOvr>
+</p:sld>
+</file>
+
+<file path=ppt/slides/slide28.xml><?xml version="1.0" encoding="utf-8"?>
 <p:sld xmlns:a="http://schemas.openxmlformats.org/drawingml/2006/main" xmlns:r="http://schemas.openxmlformats.org/officeDocument/2006/relationships" xmlns:p="http://schemas.openxmlformats.org/presentationml/2006/main">
   <p:cSld>
     <p:bg>
@@ -23143,14 +24680,55 @@
         </p:blipFill>
         <p:spPr>
           <a:xfrm>
-            <a:off x="0" y="2018833"/>
-            <a:ext cx="12192000" cy="2820334"/>
+            <a:off x="1695708" y="2411095"/>
+            <a:ext cx="8800583" cy="2035809"/>
           </a:xfrm>
           <a:prstGeom prst="rect">
             <a:avLst/>
           </a:prstGeom>
         </p:spPr>
       </p:pic>
+      <p:sp>
+        <p:nvSpPr>
+          <p:cNvPr id="3" name="제목 1">
+            <a:extLst>
+              <a:ext uri="{FF2B5EF4-FFF2-40B4-BE49-F238E27FC236}">
+                <a16:creationId xmlns:a16="http://schemas.microsoft.com/office/drawing/2014/main" id="{F0757B33-FCD1-4BC6-9157-FF12D99AFD85}"/>
+              </a:ext>
+            </a:extLst>
+          </p:cNvPr>
+          <p:cNvSpPr>
+            <a:spLocks noGrp="1"/>
+          </p:cNvSpPr>
+          <p:nvPr>
+            <p:ph type="title"/>
+          </p:nvPr>
+        </p:nvSpPr>
+        <p:spPr>
+          <a:xfrm>
+            <a:off x="3962400" y="387183"/>
+            <a:ext cx="4267200" cy="2187575"/>
+          </a:xfrm>
+        </p:spPr>
+        <p:txBody>
+          <a:bodyPr/>
+          <a:lstStyle/>
+          <a:p>
+            <a:pPr algn="ctr"/>
+            <a:r>
+              <a:rPr lang="en-US" altLang="ko-KR" sz="6000" b="1" dirty="0">
+                <a:latin typeface="Berlin Sans FB Demi" panose="020E0802020502020306" pitchFamily="34" charset="0"/>
+                <a:cs typeface="Aharoni" panose="020B0604020202020204" pitchFamily="2" charset="-79"/>
+              </a:rPr>
+              <a:t>After</a:t>
+            </a:r>
+            <a:endParaRPr lang="ko-KR" altLang="en-US" dirty="0">
+              <a:latin typeface="Berlin Sans FB Demi" panose="020E0802020502020306" pitchFamily="34" charset="0"/>
+              <a:cs typeface="Aharoni" panose="020B0604020202020204" pitchFamily="2" charset="-79"/>
+            </a:endParaRPr>
+          </a:p>
+        </p:txBody>
+      </p:sp>
     </p:spTree>
     <p:extLst>
       <p:ext uri="{BB962C8B-B14F-4D97-AF65-F5344CB8AC3E}">
@@ -23526,7 +25104,7 @@
         </p:blipFill>
         <p:spPr>
           <a:xfrm>
-            <a:off x="4726862" y="2467367"/>
+            <a:off x="2760275" y="5125748"/>
             <a:ext cx="914400" cy="914400"/>
           </a:xfrm>
           <a:prstGeom prst="rect">
@@ -23565,7 +25143,7 @@
         </p:blipFill>
         <p:spPr>
           <a:xfrm>
-            <a:off x="1245194" y="2479607"/>
+            <a:off x="906485" y="5125748"/>
             <a:ext cx="914400" cy="914400"/>
           </a:xfrm>
           <a:prstGeom prst="rect">
@@ -23604,7 +25182,7 @@
         </p:blipFill>
         <p:spPr>
           <a:xfrm>
-            <a:off x="2264944" y="2479607"/>
+            <a:off x="1833380" y="5125748"/>
             <a:ext cx="914400" cy="914400"/>
           </a:xfrm>
           <a:prstGeom prst="rect">
@@ -23643,7 +25221,7 @@
         </p:blipFill>
         <p:spPr>
           <a:xfrm>
-            <a:off x="6623952" y="2455199"/>
+            <a:off x="6285243" y="5116752"/>
             <a:ext cx="914400" cy="914400"/>
           </a:xfrm>
           <a:prstGeom prst="rect">
@@ -23682,7 +25260,7 @@
         </p:blipFill>
         <p:spPr>
           <a:xfrm>
-            <a:off x="9036893" y="2455199"/>
+            <a:off x="9103822" y="5125748"/>
             <a:ext cx="914400" cy="914400"/>
           </a:xfrm>
           <a:prstGeom prst="rect">
@@ -23721,7 +25299,7 @@
         </p:blipFill>
         <p:spPr>
           <a:xfrm>
-            <a:off x="5709552" y="2478113"/>
+            <a:off x="5202132" y="5116752"/>
             <a:ext cx="914400" cy="914400"/>
           </a:xfrm>
           <a:prstGeom prst="rect">
@@ -23760,7 +25338,7 @@
         </p:blipFill>
         <p:spPr>
           <a:xfrm>
-            <a:off x="10180527" y="2455199"/>
+            <a:off x="10190711" y="5116752"/>
             <a:ext cx="914400" cy="914400"/>
           </a:xfrm>
           <a:prstGeom prst="rect">
@@ -23799,7 +25377,7 @@
         </p:blipFill>
         <p:spPr>
           <a:xfrm>
-            <a:off x="6136985" y="5067124"/>
+            <a:off x="5638799" y="2503507"/>
             <a:ext cx="914400" cy="914400"/>
           </a:xfrm>
           <a:prstGeom prst="rect">
@@ -23838,7 +25416,7 @@
         </p:blipFill>
         <p:spPr>
           <a:xfrm>
-            <a:off x="9575205" y="5067124"/>
+            <a:off x="9503872" y="2503507"/>
             <a:ext cx="914400" cy="914400"/>
           </a:xfrm>
           <a:prstGeom prst="rect">
@@ -23877,7 +25455,7 @@
         </p:blipFill>
         <p:spPr>
           <a:xfrm>
-            <a:off x="1728212" y="5067124"/>
+            <a:off x="1259377" y="2535452"/>
             <a:ext cx="914400" cy="914400"/>
           </a:xfrm>
           <a:prstGeom prst="rect">
@@ -23916,7 +25494,7 @@
         </p:blipFill>
         <p:spPr>
           <a:xfrm>
-            <a:off x="5037278" y="5067124"/>
+            <a:off x="2173777" y="2514600"/>
             <a:ext cx="914400" cy="914400"/>
           </a:xfrm>
           <a:prstGeom prst="rect">
@@ -23938,7 +25516,7 @@
         </p:nvSpPr>
         <p:spPr>
           <a:xfrm>
-            <a:off x="4824919" y="3784060"/>
+            <a:off x="4818887" y="3784060"/>
             <a:ext cx="2636196" cy="737280"/>
           </a:xfrm>
           <a:prstGeom prst="downArrow">
@@ -23964,7 +25542,11 @@
           <a:lstStyle/>
           <a:p>
             <a:pPr algn="ctr"/>
-            <a:endParaRPr lang="ko-KR" altLang="en-US"/>
+            <a:r>
+              <a:rPr lang="en-US" altLang="ko-KR" dirty="0"/>
+              <a:t>TEST</a:t>
+            </a:r>
+            <a:endParaRPr lang="ko-KR" altLang="en-US" dirty="0"/>
           </a:p>
         </p:txBody>
       </p:sp>
@@ -24012,7 +25594,7 @@
                                           </p:stCondLst>
                                         </p:cTn>
                                         <p:tgtEl>
-                                          <p:spTgt spid="7"/>
+                                          <p:spTgt spid="30"/>
                                         </p:tgtEl>
                                         <p:attrNameLst>
                                           <p:attrName>style.visibility</p:attrName>
@@ -24039,7 +25621,7 @@
                                           </p:stCondLst>
                                         </p:cTn>
                                         <p:tgtEl>
-                                          <p:spTgt spid="9"/>
+                                          <p:spTgt spid="31"/>
                                         </p:tgtEl>
                                         <p:attrNameLst>
                                           <p:attrName>style.visibility</p:attrName>
@@ -24066,7 +25648,34 @@
                                           </p:stCondLst>
                                         </p:cTn>
                                         <p:tgtEl>
-                                          <p:spTgt spid="5"/>
+                                          <p:spTgt spid="28"/>
+                                        </p:tgtEl>
+                                        <p:attrNameLst>
+                                          <p:attrName>style.visibility</p:attrName>
+                                        </p:attrNameLst>
+                                      </p:cBhvr>
+                                      <p:to>
+                                        <p:strVal val="visible"/>
+                                      </p:to>
+                                    </p:set>
+                                  </p:childTnLst>
+                                </p:cTn>
+                              </p:par>
+                              <p:par>
+                                <p:cTn id="11" presetID="1" presetClass="entr" presetSubtype="0" fill="hold" nodeType="withEffect">
+                                  <p:stCondLst>
+                                    <p:cond delay="0"/>
+                                  </p:stCondLst>
+                                  <p:childTnLst>
+                                    <p:set>
+                                      <p:cBhvr>
+                                        <p:cTn id="12" dur="1" fill="hold">
+                                          <p:stCondLst>
+                                            <p:cond delay="0"/>
+                                          </p:stCondLst>
+                                        </p:cTn>
+                                        <p:tgtEl>
+                                          <p:spTgt spid="29"/>
                                         </p:tgtEl>
                                         <p:attrNameLst>
                                           <p:attrName>style.visibility</p:attrName>
@@ -24086,289 +25695,26 @@
                     </p:cTn>
                   </p:par>
                   <p:par>
-                    <p:cTn id="11" fill="hold">
+                    <p:cTn id="13" fill="hold">
                       <p:stCondLst>
                         <p:cond delay="indefinite"/>
                       </p:stCondLst>
                       <p:childTnLst>
                         <p:par>
-                          <p:cTn id="12" fill="hold">
+                          <p:cTn id="14" fill="hold">
                             <p:stCondLst>
                               <p:cond delay="0"/>
                             </p:stCondLst>
                             <p:childTnLst>
                               <p:par>
-                                <p:cTn id="13" presetID="10" presetClass="entr" presetSubtype="0" fill="hold" nodeType="clickEffect">
+                                <p:cTn id="15" presetID="1" presetClass="entr" presetSubtype="0" fill="hold" grpId="0" nodeType="clickEffect">
                                   <p:stCondLst>
                                     <p:cond delay="0"/>
                                   </p:stCondLst>
                                   <p:childTnLst>
                                     <p:set>
                                       <p:cBhvr>
-                                        <p:cTn id="14" dur="1" fill="hold">
-                                          <p:stCondLst>
-                                            <p:cond delay="0"/>
-                                          </p:stCondLst>
-                                        </p:cTn>
-                                        <p:tgtEl>
-                                          <p:spTgt spid="21"/>
-                                        </p:tgtEl>
-                                        <p:attrNameLst>
-                                          <p:attrName>style.visibility</p:attrName>
-                                        </p:attrNameLst>
-                                      </p:cBhvr>
-                                      <p:to>
-                                        <p:strVal val="visible"/>
-                                      </p:to>
-                                    </p:set>
-                                    <p:animEffect transition="in" filter="fade">
-                                      <p:cBhvr>
-                                        <p:cTn id="15" dur="500"/>
-                                        <p:tgtEl>
-                                          <p:spTgt spid="21"/>
-                                        </p:tgtEl>
-                                      </p:cBhvr>
-                                    </p:animEffect>
-                                  </p:childTnLst>
-                                </p:cTn>
-                              </p:par>
-                              <p:par>
-                                <p:cTn id="16" presetID="10" presetClass="entr" presetSubtype="0" fill="hold" nodeType="withEffect">
-                                  <p:stCondLst>
-                                    <p:cond delay="0"/>
-                                  </p:stCondLst>
-                                  <p:childTnLst>
-                                    <p:set>
-                                      <p:cBhvr>
-                                        <p:cTn id="17" dur="1" fill="hold">
-                                          <p:stCondLst>
-                                            <p:cond delay="0"/>
-                                          </p:stCondLst>
-                                        </p:cTn>
-                                        <p:tgtEl>
-                                          <p:spTgt spid="22"/>
-                                        </p:tgtEl>
-                                        <p:attrNameLst>
-                                          <p:attrName>style.visibility</p:attrName>
-                                        </p:attrNameLst>
-                                      </p:cBhvr>
-                                      <p:to>
-                                        <p:strVal val="visible"/>
-                                      </p:to>
-                                    </p:set>
-                                    <p:animEffect transition="in" filter="fade">
-                                      <p:cBhvr>
-                                        <p:cTn id="18" dur="500"/>
-                                        <p:tgtEl>
-                                          <p:spTgt spid="22"/>
-                                        </p:tgtEl>
-                                      </p:cBhvr>
-                                    </p:animEffect>
-                                  </p:childTnLst>
-                                </p:cTn>
-                              </p:par>
-                              <p:par>
-                                <p:cTn id="19" presetID="10" presetClass="entr" presetSubtype="0" fill="hold" nodeType="withEffect">
-                                  <p:stCondLst>
-                                    <p:cond delay="0"/>
-                                  </p:stCondLst>
-                                  <p:childTnLst>
-                                    <p:set>
-                                      <p:cBhvr>
-                                        <p:cTn id="20" dur="1" fill="hold">
-                                          <p:stCondLst>
-                                            <p:cond delay="0"/>
-                                          </p:stCondLst>
-                                        </p:cTn>
-                                        <p:tgtEl>
-                                          <p:spTgt spid="23"/>
-                                        </p:tgtEl>
-                                        <p:attrNameLst>
-                                          <p:attrName>style.visibility</p:attrName>
-                                        </p:attrNameLst>
-                                      </p:cBhvr>
-                                      <p:to>
-                                        <p:strVal val="visible"/>
-                                      </p:to>
-                                    </p:set>
-                                    <p:animEffect transition="in" filter="fade">
-                                      <p:cBhvr>
-                                        <p:cTn id="21" dur="500"/>
-                                        <p:tgtEl>
-                                          <p:spTgt spid="23"/>
-                                        </p:tgtEl>
-                                      </p:cBhvr>
-                                    </p:animEffect>
-                                  </p:childTnLst>
-                                </p:cTn>
-                              </p:par>
-                              <p:par>
-                                <p:cTn id="22" presetID="10" presetClass="entr" presetSubtype="0" fill="hold" nodeType="withEffect">
-                                  <p:stCondLst>
-                                    <p:cond delay="0"/>
-                                  </p:stCondLst>
-                                  <p:childTnLst>
-                                    <p:set>
-                                      <p:cBhvr>
-                                        <p:cTn id="23" dur="1" fill="hold">
-                                          <p:stCondLst>
-                                            <p:cond delay="0"/>
-                                          </p:stCondLst>
-                                        </p:cTn>
-                                        <p:tgtEl>
-                                          <p:spTgt spid="24"/>
-                                        </p:tgtEl>
-                                        <p:attrNameLst>
-                                          <p:attrName>style.visibility</p:attrName>
-                                        </p:attrNameLst>
-                                      </p:cBhvr>
-                                      <p:to>
-                                        <p:strVal val="visible"/>
-                                      </p:to>
-                                    </p:set>
-                                    <p:animEffect transition="in" filter="fade">
-                                      <p:cBhvr>
-                                        <p:cTn id="24" dur="500"/>
-                                        <p:tgtEl>
-                                          <p:spTgt spid="24"/>
-                                        </p:tgtEl>
-                                      </p:cBhvr>
-                                    </p:animEffect>
-                                  </p:childTnLst>
-                                </p:cTn>
-                              </p:par>
-                              <p:par>
-                                <p:cTn id="25" presetID="10" presetClass="entr" presetSubtype="0" fill="hold" nodeType="withEffect">
-                                  <p:stCondLst>
-                                    <p:cond delay="0"/>
-                                  </p:stCondLst>
-                                  <p:childTnLst>
-                                    <p:set>
-                                      <p:cBhvr>
-                                        <p:cTn id="26" dur="1" fill="hold">
-                                          <p:stCondLst>
-                                            <p:cond delay="0"/>
-                                          </p:stCondLst>
-                                        </p:cTn>
-                                        <p:tgtEl>
-                                          <p:spTgt spid="25"/>
-                                        </p:tgtEl>
-                                        <p:attrNameLst>
-                                          <p:attrName>style.visibility</p:attrName>
-                                        </p:attrNameLst>
-                                      </p:cBhvr>
-                                      <p:to>
-                                        <p:strVal val="visible"/>
-                                      </p:to>
-                                    </p:set>
-                                    <p:animEffect transition="in" filter="fade">
-                                      <p:cBhvr>
-                                        <p:cTn id="27" dur="500"/>
-                                        <p:tgtEl>
-                                          <p:spTgt spid="25"/>
-                                        </p:tgtEl>
-                                      </p:cBhvr>
-                                    </p:animEffect>
-                                  </p:childTnLst>
-                                </p:cTn>
-                              </p:par>
-                              <p:par>
-                                <p:cTn id="28" presetID="10" presetClass="entr" presetSubtype="0" fill="hold" nodeType="withEffect">
-                                  <p:stCondLst>
-                                    <p:cond delay="0"/>
-                                  </p:stCondLst>
-                                  <p:childTnLst>
-                                    <p:set>
-                                      <p:cBhvr>
-                                        <p:cTn id="29" dur="1" fill="hold">
-                                          <p:stCondLst>
-                                            <p:cond delay="0"/>
-                                          </p:stCondLst>
-                                        </p:cTn>
-                                        <p:tgtEl>
-                                          <p:spTgt spid="27"/>
-                                        </p:tgtEl>
-                                        <p:attrNameLst>
-                                          <p:attrName>style.visibility</p:attrName>
-                                        </p:attrNameLst>
-                                      </p:cBhvr>
-                                      <p:to>
-                                        <p:strVal val="visible"/>
-                                      </p:to>
-                                    </p:set>
-                                    <p:animEffect transition="in" filter="fade">
-                                      <p:cBhvr>
-                                        <p:cTn id="30" dur="500"/>
-                                        <p:tgtEl>
-                                          <p:spTgt spid="27"/>
-                                        </p:tgtEl>
-                                      </p:cBhvr>
-                                    </p:animEffect>
-                                  </p:childTnLst>
-                                </p:cTn>
-                              </p:par>
-                              <p:par>
-                                <p:cTn id="31" presetID="10" presetClass="entr" presetSubtype="0" fill="hold" nodeType="withEffect">
-                                  <p:stCondLst>
-                                    <p:cond delay="0"/>
-                                  </p:stCondLst>
-                                  <p:childTnLst>
-                                    <p:set>
-                                      <p:cBhvr>
-                                        <p:cTn id="32" dur="1" fill="hold">
-                                          <p:stCondLst>
-                                            <p:cond delay="0"/>
-                                          </p:stCondLst>
-                                        </p:cTn>
-                                        <p:tgtEl>
-                                          <p:spTgt spid="26"/>
-                                        </p:tgtEl>
-                                        <p:attrNameLst>
-                                          <p:attrName>style.visibility</p:attrName>
-                                        </p:attrNameLst>
-                                      </p:cBhvr>
-                                      <p:to>
-                                        <p:strVal val="visible"/>
-                                      </p:to>
-                                    </p:set>
-                                    <p:animEffect transition="in" filter="fade">
-                                      <p:cBhvr>
-                                        <p:cTn id="33" dur="500"/>
-                                        <p:tgtEl>
-                                          <p:spTgt spid="26"/>
-                                        </p:tgtEl>
-                                      </p:cBhvr>
-                                    </p:animEffect>
-                                  </p:childTnLst>
-                                </p:cTn>
-                              </p:par>
-                            </p:childTnLst>
-                          </p:cTn>
-                        </p:par>
-                      </p:childTnLst>
-                    </p:cTn>
-                  </p:par>
-                  <p:par>
-                    <p:cTn id="34" fill="hold">
-                      <p:stCondLst>
-                        <p:cond delay="indefinite"/>
-                      </p:stCondLst>
-                      <p:childTnLst>
-                        <p:par>
-                          <p:cTn id="35" fill="hold">
-                            <p:stCondLst>
-                              <p:cond delay="0"/>
-                            </p:stCondLst>
-                            <p:childTnLst>
-                              <p:par>
-                                <p:cTn id="36" presetID="1" presetClass="entr" presetSubtype="0" fill="hold" grpId="0" nodeType="clickEffect">
-                                  <p:stCondLst>
-                                    <p:cond delay="0"/>
-                                  </p:stCondLst>
-                                  <p:childTnLst>
-                                    <p:set>
-                                      <p:cBhvr>
-                                        <p:cTn id="37" dur="1" fill="hold">
+                                        <p:cTn id="16" dur="1" fill="hold">
                                           <p:stCondLst>
                                             <p:cond delay="0"/>
                                           </p:stCondLst>
@@ -24394,32 +25740,32 @@
                     </p:cTn>
                   </p:par>
                   <p:par>
-                    <p:cTn id="38" fill="hold">
+                    <p:cTn id="17" fill="hold">
                       <p:stCondLst>
                         <p:cond delay="indefinite"/>
                       </p:stCondLst>
                       <p:childTnLst>
                         <p:par>
-                          <p:cTn id="39" fill="hold">
+                          <p:cTn id="18" fill="hold">
                             <p:stCondLst>
                               <p:cond delay="0"/>
                             </p:stCondLst>
                             <p:childTnLst>
                               <p:par>
-                                <p:cTn id="40" presetID="1" presetClass="entr" presetSubtype="0" fill="hold" nodeType="clickEffect">
+                                <p:cTn id="19" presetID="1" presetClass="entr" presetSubtype="0" fill="hold" nodeType="clickEffect">
                                   <p:stCondLst>
                                     <p:cond delay="0"/>
                                   </p:stCondLst>
                                   <p:childTnLst>
                                     <p:set>
                                       <p:cBhvr>
-                                        <p:cTn id="41" dur="1" fill="hold">
+                                        <p:cTn id="20" dur="1" fill="hold">
                                           <p:stCondLst>
                                             <p:cond delay="0"/>
                                           </p:stCondLst>
                                         </p:cTn>
                                         <p:tgtEl>
-                                          <p:spTgt spid="30"/>
+                                          <p:spTgt spid="22"/>
                                         </p:tgtEl>
                                         <p:attrNameLst>
                                           <p:attrName>style.visibility</p:attrName>
@@ -24433,20 +25779,20 @@
                                 </p:cTn>
                               </p:par>
                               <p:par>
-                                <p:cTn id="42" presetID="1" presetClass="entr" presetSubtype="0" fill="hold" nodeType="withEffect">
+                                <p:cTn id="21" presetID="1" presetClass="entr" presetSubtype="0" fill="hold" nodeType="withEffect">
                                   <p:stCondLst>
                                     <p:cond delay="0"/>
                                   </p:stCondLst>
                                   <p:childTnLst>
                                     <p:set>
                                       <p:cBhvr>
-                                        <p:cTn id="43" dur="1" fill="hold">
+                                        <p:cTn id="22" dur="1" fill="hold">
                                           <p:stCondLst>
                                             <p:cond delay="0"/>
                                           </p:stCondLst>
                                         </p:cTn>
                                         <p:tgtEl>
-                                          <p:spTgt spid="31"/>
+                                          <p:spTgt spid="23"/>
                                         </p:tgtEl>
                                         <p:attrNameLst>
                                           <p:attrName>style.visibility</p:attrName>
@@ -24460,20 +25806,20 @@
                                 </p:cTn>
                               </p:par>
                               <p:par>
-                                <p:cTn id="44" presetID="1" presetClass="entr" presetSubtype="0" fill="hold" nodeType="withEffect">
+                                <p:cTn id="23" presetID="1" presetClass="entr" presetSubtype="0" fill="hold" nodeType="withEffect">
                                   <p:stCondLst>
                                     <p:cond delay="0"/>
                                   </p:stCondLst>
                                   <p:childTnLst>
                                     <p:set>
                                       <p:cBhvr>
-                                        <p:cTn id="45" dur="1" fill="hold">
+                                        <p:cTn id="24" dur="1" fill="hold">
                                           <p:stCondLst>
                                             <p:cond delay="0"/>
                                           </p:stCondLst>
                                         </p:cTn>
                                         <p:tgtEl>
-                                          <p:spTgt spid="28"/>
+                                          <p:spTgt spid="21"/>
                                         </p:tgtEl>
                                         <p:attrNameLst>
                                           <p:attrName>style.visibility</p:attrName>
@@ -24487,20 +25833,101 @@
                                 </p:cTn>
                               </p:par>
                               <p:par>
-                                <p:cTn id="46" presetID="1" presetClass="entr" presetSubtype="0" fill="hold" nodeType="withEffect">
+                                <p:cTn id="25" presetID="1" presetClass="entr" presetSubtype="0" fill="hold" nodeType="withEffect">
                                   <p:stCondLst>
                                     <p:cond delay="0"/>
                                   </p:stCondLst>
                                   <p:childTnLst>
                                     <p:set>
                                       <p:cBhvr>
-                                        <p:cTn id="47" dur="1" fill="hold">
+                                        <p:cTn id="26" dur="1" fill="hold">
                                           <p:stCondLst>
                                             <p:cond delay="0"/>
                                           </p:stCondLst>
                                         </p:cTn>
                                         <p:tgtEl>
-                                          <p:spTgt spid="29"/>
+                                          <p:spTgt spid="26"/>
+                                        </p:tgtEl>
+                                        <p:attrNameLst>
+                                          <p:attrName>style.visibility</p:attrName>
+                                        </p:attrNameLst>
+                                      </p:cBhvr>
+                                      <p:to>
+                                        <p:strVal val="visible"/>
+                                      </p:to>
+                                    </p:set>
+                                  </p:childTnLst>
+                                </p:cTn>
+                              </p:par>
+                              <p:par>
+                                <p:cTn id="27" presetID="1" presetClass="entr" presetSubtype="0" fill="hold" nodeType="withEffect">
+                                  <p:stCondLst>
+                                    <p:cond delay="0"/>
+                                  </p:stCondLst>
+                                  <p:childTnLst>
+                                    <p:set>
+                                      <p:cBhvr>
+                                        <p:cTn id="28" dur="1" fill="hold">
+                                          <p:stCondLst>
+                                            <p:cond delay="0"/>
+                                          </p:stCondLst>
+                                        </p:cTn>
+                                        <p:tgtEl>
+                                          <p:spTgt spid="24"/>
+                                        </p:tgtEl>
+                                        <p:attrNameLst>
+                                          <p:attrName>style.visibility</p:attrName>
+                                        </p:attrNameLst>
+                                      </p:cBhvr>
+                                      <p:to>
+                                        <p:strVal val="visible"/>
+                                      </p:to>
+                                    </p:set>
+                                  </p:childTnLst>
+                                </p:cTn>
+                              </p:par>
+                              <p:par>
+                                <p:cTn id="29" presetID="1" presetClass="entr" presetSubtype="0" fill="hold" nodeType="withEffect">
+                                  <p:stCondLst>
+                                    <p:cond delay="0"/>
+                                  </p:stCondLst>
+                                  <p:childTnLst>
+                                    <p:set>
+                                      <p:cBhvr>
+                                        <p:cTn id="30" dur="1" fill="hold">
+                                          <p:stCondLst>
+                                            <p:cond delay="0"/>
+                                          </p:stCondLst>
+                                        </p:cTn>
+                                        <p:tgtEl>
+                                          <p:spTgt spid="25"/>
+                                        </p:tgtEl>
+                                        <p:attrNameLst>
+                                          <p:attrName>style.visibility</p:attrName>
+                                        </p:attrNameLst>
+                                      </p:cBhvr>
+                                      <p:to>
+                                        <p:strVal val="visible"/>
+                                      </p:to>
+                                    </p:set>
+                                  </p:childTnLst>
+                                </p:cTn>
+                              </p:par>
+                              <p:par>
+                                <p:cTn id="31" presetID="1" presetClass="entr" presetSubtype="0" fill="hold" nodeType="withEffect">
+                                  <p:stCondLst>
+                                    <p:cond delay="0"/>
+                                  </p:stCondLst>
+                                  <p:childTnLst>
+                                    <p:set>
+                                      <p:cBhvr>
+                                        <p:cTn id="32" dur="1" fill="hold">
+                                          <p:stCondLst>
+                                            <p:cond delay="0"/>
+                                          </p:stCondLst>
+                                        </p:cTn>
+                                        <p:tgtEl>
+                                          <p:spTgt spid="27"/>
                                         </p:tgtEl>
                                         <p:attrNameLst>
                                           <p:attrName>style.visibility</p:attrName>
@@ -24934,7 +26361,7 @@
                 <a:latin typeface="+mn-ea"/>
                 <a:ea typeface="+mn-ea"/>
               </a:rPr>
-              <a:t>카페의 회전율 상승</a:t>
+              <a:t>실시간 빈 좌석과 위치 파악</a:t>
             </a:r>
           </a:p>
         </p:txBody>
@@ -24995,7 +26422,7 @@
                 <a:latin typeface="+mn-ea"/>
                 <a:ea typeface="+mn-ea"/>
               </a:rPr>
-              <a:t>불필요한 동선 및 시간낭비 해소</a:t>
+              <a:t>불필요한 시간낭비 및 동선 해소</a:t>
             </a:r>
           </a:p>
         </p:txBody>
@@ -25056,7 +26483,7 @@
                 <a:latin typeface="+mn-ea"/>
                 <a:ea typeface="+mn-ea"/>
               </a:rPr>
-              <a:t>이용자와 카페의 상호작용 증가</a:t>
+              <a:t>자동화로 인한 회전율 상승</a:t>
             </a:r>
           </a:p>
         </p:txBody>

--- a/infomation/해커톤 IT(그것)팀 PPT.pptx
+++ b/infomation/해커톤 IT(그것)팀 PPT.pptx
@@ -24549,36 +24549,6 @@
           <a:chExt cx="0" cy="0"/>
         </a:xfrm>
       </p:grpSpPr>
-      <p:pic>
-        <p:nvPicPr>
-          <p:cNvPr id="4" name="그림 3">
-            <a:extLst>
-              <a:ext uri="{FF2B5EF4-FFF2-40B4-BE49-F238E27FC236}">
-                <a16:creationId xmlns:a16="http://schemas.microsoft.com/office/drawing/2014/main" id="{EB825F7E-7DE3-4216-AD4B-E77286D77CC0}"/>
-              </a:ext>
-            </a:extLst>
-          </p:cNvPr>
-          <p:cNvPicPr>
-            <a:picLocks noChangeAspect="1"/>
-          </p:cNvPicPr>
-          <p:nvPr/>
-        </p:nvPicPr>
-        <p:blipFill>
-          <a:blip r:embed="rId2"/>
-          <a:stretch>
-            <a:fillRect/>
-          </a:stretch>
-        </p:blipFill>
-        <p:spPr>
-          <a:xfrm>
-            <a:off x="1749169" y="2422340"/>
-            <a:ext cx="8693662" cy="2013320"/>
-          </a:xfrm>
-          <a:prstGeom prst="rect">
-            <a:avLst/>
-          </a:prstGeom>
-        </p:spPr>
-      </p:pic>
       <p:sp>
         <p:nvSpPr>
           <p:cNvPr id="3" name="제목 1">
@@ -24620,6 +24590,36 @@
           </a:p>
         </p:txBody>
       </p:sp>
+      <p:pic>
+        <p:nvPicPr>
+          <p:cNvPr id="2" name="그림 1">
+            <a:extLst>
+              <a:ext uri="{FF2B5EF4-FFF2-40B4-BE49-F238E27FC236}">
+                <a16:creationId xmlns:a16="http://schemas.microsoft.com/office/drawing/2014/main" id="{AB1D3F77-B45A-48F2-8E4B-D94525EE6B52}"/>
+              </a:ext>
+            </a:extLst>
+          </p:cNvPr>
+          <p:cNvPicPr>
+            <a:picLocks noChangeAspect="1"/>
+          </p:cNvPicPr>
+          <p:nvPr/>
+        </p:nvPicPr>
+        <p:blipFill>
+          <a:blip r:embed="rId2"/>
+          <a:stretch>
+            <a:fillRect/>
+          </a:stretch>
+        </p:blipFill>
+        <p:spPr>
+          <a:xfrm>
+            <a:off x="745958" y="2300453"/>
+            <a:ext cx="10756231" cy="2858673"/>
+          </a:xfrm>
+          <a:prstGeom prst="rect">
+            <a:avLst/>
+          </a:prstGeom>
+        </p:spPr>
+      </p:pic>
     </p:spTree>
     <p:extLst>
       <p:ext uri="{BB962C8B-B14F-4D97-AF65-F5344CB8AC3E}">
@@ -24658,36 +24658,6 @@
           <a:chExt cx="0" cy="0"/>
         </a:xfrm>
       </p:grpSpPr>
-      <p:pic>
-        <p:nvPicPr>
-          <p:cNvPr id="4" name="그림 3">
-            <a:extLst>
-              <a:ext uri="{FF2B5EF4-FFF2-40B4-BE49-F238E27FC236}">
-                <a16:creationId xmlns:a16="http://schemas.microsoft.com/office/drawing/2014/main" id="{EA3DDE7D-53E5-4D77-9033-84D136E3D333}"/>
-              </a:ext>
-            </a:extLst>
-          </p:cNvPr>
-          <p:cNvPicPr>
-            <a:picLocks noChangeAspect="1"/>
-          </p:cNvPicPr>
-          <p:nvPr/>
-        </p:nvPicPr>
-        <p:blipFill>
-          <a:blip r:embed="rId2"/>
-          <a:stretch>
-            <a:fillRect/>
-          </a:stretch>
-        </p:blipFill>
-        <p:spPr>
-          <a:xfrm>
-            <a:off x="1695708" y="2411095"/>
-            <a:ext cx="8800583" cy="2035809"/>
-          </a:xfrm>
-          <a:prstGeom prst="rect">
-            <a:avLst/>
-          </a:prstGeom>
-        </p:spPr>
-      </p:pic>
       <p:sp>
         <p:nvSpPr>
           <p:cNvPr id="3" name="제목 1">
@@ -24729,6 +24699,36 @@
           </a:p>
         </p:txBody>
       </p:sp>
+      <p:pic>
+        <p:nvPicPr>
+          <p:cNvPr id="2" name="그림 1">
+            <a:extLst>
+              <a:ext uri="{FF2B5EF4-FFF2-40B4-BE49-F238E27FC236}">
+                <a16:creationId xmlns:a16="http://schemas.microsoft.com/office/drawing/2014/main" id="{115FA87B-F434-41A2-B09A-0FB059CBB2FB}"/>
+              </a:ext>
+            </a:extLst>
+          </p:cNvPr>
+          <p:cNvPicPr>
+            <a:picLocks noChangeAspect="1"/>
+          </p:cNvPicPr>
+          <p:nvPr/>
+        </p:nvPicPr>
+        <p:blipFill>
+          <a:blip r:embed="rId2"/>
+          <a:stretch>
+            <a:fillRect/>
+          </a:stretch>
+        </p:blipFill>
+        <p:spPr>
+          <a:xfrm>
+            <a:off x="747963" y="2370377"/>
+            <a:ext cx="10696074" cy="2839140"/>
+          </a:xfrm>
+          <a:prstGeom prst="rect">
+            <a:avLst/>
+          </a:prstGeom>
+        </p:spPr>
+      </p:pic>
     </p:spTree>
     <p:extLst>
       <p:ext uri="{BB962C8B-B14F-4D97-AF65-F5344CB8AC3E}">
